--- a/Project/Hakim-Project.pptx
+++ b/Project/Hakim-Project.pptx
@@ -19,6 +19,9 @@
     <p:sldId id="267" r:id="rId13"/>
     <p:sldId id="268" r:id="rId14"/>
     <p:sldId id="269" r:id="rId15"/>
+    <p:sldId id="270" r:id="rId16"/>
+    <p:sldId id="271" r:id="rId17"/>
+    <p:sldId id="272" r:id="rId18"/>
   </p:sldIdLst>
   <p:sldSz cx="12192000" cy="6858000"/>
   <p:notesSz cx="6858000" cy="9144000"/>
@@ -6167,7 +6170,7 @@
             </a:pPr>
             <a:r>
               <a:rPr/>
-              <a:t>2022-11-30</a:t>
+              <a:t>2022-12-01</a:t>
             </a:r>
           </a:p>
         </p:txBody>
@@ -6220,7 +6223,7 @@
             </a:pPr>
             <a:r>
               <a:rPr/>
-              <a:t>Compute null distribution</a:t>
+              <a:t>Compute Chi-square</a:t>
             </a:r>
           </a:p>
         </p:txBody>
@@ -6240,393 +6243,20 @@
           <a:bodyPr/>
           <a:lstStyle/>
           <a:p>
-            <a:pPr lvl="0" indent="0" marL="0">
+            <a:pPr lvl="0" indent="0">
               <a:buNone/>
             </a:pPr>
             <a:r>
-              <a:rPr/>
-              <a:t>The null distribution is what we would expect to see if the response and explanatory variables were truly independent.</a:t>
-            </a:r>
-          </a:p>
-          <a:p>
-            <a:pPr lvl="0" indent="0">
-              <a:buNone/>
-            </a:pPr>
-            <a:r>
-              <a:rPr>
-                <a:latin typeface="Courier"/>
-              </a:rPr>
-              <a:t>null_dist_sim </a:t>
-            </a:r>
-            <a:r>
-              <a:rPr>
-                <a:solidFill>
-                  <a:srgbClr val="007020"/>
-                </a:solidFill>
-                <a:latin typeface="Courier"/>
-              </a:rPr>
-              <a:t>&lt;-</a:t>
-            </a:r>
-            <a:r>
-              <a:rPr>
-                <a:latin typeface="Courier"/>
-              </a:rPr>
-              <a:t> df </a:t>
-            </a:r>
-            <a:r>
-              <a:rPr>
-                <a:solidFill>
-                  <a:srgbClr val="4070A0"/>
-                </a:solidFill>
-                <a:latin typeface="Courier"/>
-              </a:rPr>
-              <a:t>|&gt;</a:t>
-            </a:r>
-            <a:br/>
-            <a:r>
-              <a:rPr>
-                <a:latin typeface="Courier"/>
-              </a:rPr>
-              <a:t>  </a:t>
-            </a:r>
-            <a:r>
-              <a:rPr>
-                <a:solidFill>
-                  <a:srgbClr val="06287E"/>
-                </a:solidFill>
-                <a:latin typeface="Courier"/>
-              </a:rPr>
-              <a:t>specify</a:t>
-            </a:r>
-            <a:r>
-              <a:rPr>
-                <a:latin typeface="Courier"/>
-              </a:rPr>
-              <a:t>(received_callback_cat </a:t>
-            </a:r>
-            <a:r>
-              <a:rPr>
-                <a:solidFill>
-                  <a:srgbClr val="4070A0"/>
-                </a:solidFill>
-                <a:latin typeface="Courier"/>
-              </a:rPr>
-              <a:t>~</a:t>
-            </a:r>
-            <a:r>
-              <a:rPr>
-                <a:latin typeface="Courier"/>
-              </a:rPr>
-              <a:t> race, </a:t>
-            </a:r>
-            <a:br/>
-            <a:r>
-              <a:rPr>
-                <a:latin typeface="Courier"/>
-              </a:rPr>
-              <a:t>          </a:t>
-            </a:r>
-            <a:r>
-              <a:rPr>
-                <a:solidFill>
-                  <a:srgbClr val="7D9029"/>
-                </a:solidFill>
-                <a:latin typeface="Courier"/>
-              </a:rPr>
-              <a:t>success =</a:t>
-            </a:r>
-            <a:r>
-              <a:rPr>
-                <a:latin typeface="Courier"/>
-              </a:rPr>
-              <a:t> </a:t>
-            </a:r>
-            <a:r>
-              <a:rPr>
-                <a:solidFill>
-                  <a:srgbClr val="4070A0"/>
-                </a:solidFill>
-                <a:latin typeface="Courier"/>
-              </a:rPr>
-              <a:t>'Yes'</a:t>
-            </a:r>
-            <a:r>
-              <a:rPr>
-                <a:latin typeface="Courier"/>
-              </a:rPr>
-              <a:t>) </a:t>
-            </a:r>
-            <a:r>
-              <a:rPr>
-                <a:solidFill>
-                  <a:srgbClr val="4070A0"/>
-                </a:solidFill>
-                <a:latin typeface="Courier"/>
-              </a:rPr>
-              <a:t>|&gt;</a:t>
-            </a:r>
-            <a:br/>
-            <a:r>
-              <a:rPr>
-                <a:latin typeface="Courier"/>
-              </a:rPr>
-              <a:t>  </a:t>
-            </a:r>
-            <a:r>
-              <a:rPr>
-                <a:solidFill>
-                  <a:srgbClr val="06287E"/>
-                </a:solidFill>
-                <a:latin typeface="Courier"/>
-              </a:rPr>
-              <a:t>hypothesize</a:t>
-            </a:r>
-            <a:r>
-              <a:rPr>
-                <a:latin typeface="Courier"/>
-              </a:rPr>
-              <a:t>(</a:t>
-            </a:r>
-            <a:r>
-              <a:rPr>
-                <a:solidFill>
-                  <a:srgbClr val="7D9029"/>
-                </a:solidFill>
-                <a:latin typeface="Courier"/>
-              </a:rPr>
-              <a:t>null =</a:t>
-            </a:r>
-            <a:r>
-              <a:rPr>
-                <a:latin typeface="Courier"/>
-              </a:rPr>
-              <a:t> </a:t>
-            </a:r>
-            <a:r>
-              <a:rPr>
-                <a:solidFill>
-                  <a:srgbClr val="4070A0"/>
-                </a:solidFill>
-                <a:latin typeface="Courier"/>
-              </a:rPr>
-              <a:t>'independence'</a:t>
-            </a:r>
-            <a:r>
-              <a:rPr>
-                <a:latin typeface="Courier"/>
-              </a:rPr>
-              <a:t>) </a:t>
-            </a:r>
-            <a:r>
-              <a:rPr>
-                <a:solidFill>
-                  <a:srgbClr val="4070A0"/>
-                </a:solidFill>
-                <a:latin typeface="Courier"/>
-              </a:rPr>
-              <a:t>|&gt;</a:t>
-            </a:r>
-            <a:br/>
-            <a:r>
-              <a:rPr>
-                <a:latin typeface="Courier"/>
-              </a:rPr>
-              <a:t>  </a:t>
-            </a:r>
-            <a:r>
-              <a:rPr>
-                <a:solidFill>
-                  <a:srgbClr val="06287E"/>
-                </a:solidFill>
-                <a:latin typeface="Courier"/>
-              </a:rPr>
-              <a:t>generate</a:t>
-            </a:r>
-            <a:r>
-              <a:rPr>
-                <a:latin typeface="Courier"/>
-              </a:rPr>
-              <a:t>(</a:t>
-            </a:r>
-            <a:r>
-              <a:rPr>
-                <a:solidFill>
-                  <a:srgbClr val="7D9029"/>
-                </a:solidFill>
-                <a:latin typeface="Courier"/>
-              </a:rPr>
-              <a:t>reps =</a:t>
-            </a:r>
-            <a:r>
-              <a:rPr>
-                <a:latin typeface="Courier"/>
-              </a:rPr>
-              <a:t> </a:t>
-            </a:r>
-            <a:r>
-              <a:rPr>
-                <a:solidFill>
-                  <a:srgbClr val="40A070"/>
-                </a:solidFill>
-                <a:latin typeface="Courier"/>
-              </a:rPr>
-              <a:t>500</a:t>
-            </a:r>
-            <a:r>
-              <a:rPr>
-                <a:latin typeface="Courier"/>
-              </a:rPr>
-              <a:t>, </a:t>
-            </a:r>
-            <a:br/>
-            <a:r>
-              <a:rPr>
-                <a:latin typeface="Courier"/>
-              </a:rPr>
-              <a:t>           </a:t>
-            </a:r>
-            <a:r>
-              <a:rPr>
-                <a:solidFill>
-                  <a:srgbClr val="7D9029"/>
-                </a:solidFill>
-                <a:latin typeface="Courier"/>
-              </a:rPr>
-              <a:t>type =</a:t>
-            </a:r>
-            <a:r>
-              <a:rPr>
-                <a:latin typeface="Courier"/>
-              </a:rPr>
-              <a:t> </a:t>
-            </a:r>
-            <a:r>
-              <a:rPr>
-                <a:solidFill>
-                  <a:srgbClr val="4070A0"/>
-                </a:solidFill>
-                <a:latin typeface="Courier"/>
-              </a:rPr>
-              <a:t>'permute'</a:t>
-            </a:r>
-            <a:r>
-              <a:rPr>
-                <a:latin typeface="Courier"/>
-              </a:rPr>
-              <a:t>) </a:t>
-            </a:r>
-            <a:r>
-              <a:rPr>
-                <a:solidFill>
-                  <a:srgbClr val="4070A0"/>
-                </a:solidFill>
-                <a:latin typeface="Courier"/>
-              </a:rPr>
-              <a:t>|&gt;</a:t>
-            </a:r>
-            <a:br/>
-            <a:r>
-              <a:rPr>
-                <a:latin typeface="Courier"/>
-              </a:rPr>
-              <a:t>  </a:t>
-            </a:r>
-            <a:r>
-              <a:rPr>
-                <a:solidFill>
-                  <a:srgbClr val="06287E"/>
-                </a:solidFill>
-                <a:latin typeface="Courier"/>
-              </a:rPr>
-              <a:t>calculate</a:t>
-            </a:r>
-            <a:r>
-              <a:rPr>
-                <a:latin typeface="Courier"/>
-              </a:rPr>
-              <a:t>(</a:t>
-            </a:r>
-            <a:r>
-              <a:rPr>
-                <a:solidFill>
-                  <a:srgbClr val="7D9029"/>
-                </a:solidFill>
-                <a:latin typeface="Courier"/>
-              </a:rPr>
-              <a:t>stat =</a:t>
-            </a:r>
-            <a:r>
-              <a:rPr>
-                <a:latin typeface="Courier"/>
-              </a:rPr>
-              <a:t> </a:t>
-            </a:r>
-            <a:r>
-              <a:rPr>
-                <a:solidFill>
-                  <a:srgbClr val="4070A0"/>
-                </a:solidFill>
-                <a:latin typeface="Courier"/>
-              </a:rPr>
-              <a:t>'Chisq'</a:t>
-            </a:r>
-            <a:r>
-              <a:rPr>
-                <a:latin typeface="Courier"/>
-              </a:rPr>
-              <a:t>, </a:t>
-            </a:r>
-            <a:br/>
-            <a:r>
-              <a:rPr>
-                <a:latin typeface="Courier"/>
-              </a:rPr>
-              <a:t>            </a:t>
-            </a:r>
-            <a:r>
-              <a:rPr>
-                <a:solidFill>
-                  <a:srgbClr val="06287E"/>
-                </a:solidFill>
-                <a:latin typeface="Courier"/>
-              </a:rPr>
-              <a:t>c</a:t>
-            </a:r>
-            <a:r>
-              <a:rPr>
-                <a:latin typeface="Courier"/>
-              </a:rPr>
-              <a:t>(</a:t>
-            </a:r>
-            <a:r>
-              <a:rPr>
-                <a:solidFill>
-                  <a:srgbClr val="4070A0"/>
-                </a:solidFill>
-                <a:latin typeface="Courier"/>
-              </a:rPr>
-              <a:t>'white'</a:t>
-            </a:r>
-            <a:r>
-              <a:rPr>
-                <a:latin typeface="Courier"/>
-              </a:rPr>
-              <a:t>, </a:t>
-            </a:r>
-            <a:r>
-              <a:rPr>
-                <a:solidFill>
-                  <a:srgbClr val="4070A0"/>
-                </a:solidFill>
-                <a:latin typeface="Courier"/>
-              </a:rPr>
-              <a:t>'black'</a:t>
-            </a:r>
-            <a:r>
-              <a:rPr>
-                <a:latin typeface="Courier"/>
-              </a:rPr>
-              <a:t>))</a:t>
+              <a:rPr>
+                <a:latin typeface="Courier"/>
+              </a:rPr>
+              <a:t>## Response: received_callback_cat (factor)
+## Explanatory: race (factor)
+## Null Hypothesis: independence
+## # A tibble: 1 × 1
+##    stat
+##   &lt;dbl&gt;
+## 1  16.4</a:t>
             </a:r>
           </a:p>
         </p:txBody>
@@ -6679,14 +6309,473 @@
             </a:pPr>
             <a:r>
               <a:rPr/>
-              <a:t>Plot null distribution</a:t>
+              <a:t>Compute null distribution</a:t>
+            </a:r>
+          </a:p>
+        </p:txBody>
+      </p:sp>
+      <p:sp>
+        <p:nvSpPr>
+          <p:cNvPr id="12" name="Content Placeholder 2"/>
+          <p:cNvSpPr>
+            <a:spLocks noGrp="1"/>
+          </p:cNvSpPr>
+          <p:nvPr>
+            <p:ph idx="13" sz="quarter"/>
+          </p:nvPr>
+        </p:nvSpPr>
+        <p:spPr/>
+        <p:txBody>
+          <a:bodyPr/>
+          <a:lstStyle/>
+          <a:p>
+            <a:pPr lvl="0" indent="0" marL="0">
+              <a:buNone/>
+            </a:pPr>
+            <a:r>
+              <a:rPr/>
+              <a:t>The null distribution is what we would expect to see if the response and explanatory variables were truly independent.</a:t>
+            </a:r>
+          </a:p>
+          <a:p>
+            <a:pPr lvl="0" indent="0">
+              <a:buNone/>
+            </a:pPr>
+            <a:r>
+              <a:rPr>
+                <a:latin typeface="Courier"/>
+              </a:rPr>
+              <a:t>null_dist_sim </a:t>
+            </a:r>
+            <a:r>
+              <a:rPr>
+                <a:solidFill>
+                  <a:srgbClr val="007020"/>
+                </a:solidFill>
+                <a:latin typeface="Courier"/>
+              </a:rPr>
+              <a:t>&lt;-</a:t>
+            </a:r>
+            <a:r>
+              <a:rPr>
+                <a:latin typeface="Courier"/>
+              </a:rPr>
+              <a:t> df </a:t>
+            </a:r>
+            <a:r>
+              <a:rPr>
+                <a:solidFill>
+                  <a:srgbClr val="4070A0"/>
+                </a:solidFill>
+                <a:latin typeface="Courier"/>
+              </a:rPr>
+              <a:t>|&gt;</a:t>
+            </a:r>
+            <a:br/>
+            <a:r>
+              <a:rPr>
+                <a:latin typeface="Courier"/>
+              </a:rPr>
+              <a:t>  </a:t>
+            </a:r>
+            <a:r>
+              <a:rPr>
+                <a:solidFill>
+                  <a:srgbClr val="06287E"/>
+                </a:solidFill>
+                <a:latin typeface="Courier"/>
+              </a:rPr>
+              <a:t>specify</a:t>
+            </a:r>
+            <a:r>
+              <a:rPr>
+                <a:latin typeface="Courier"/>
+              </a:rPr>
+              <a:t>(received_callback_cat </a:t>
+            </a:r>
+            <a:r>
+              <a:rPr>
+                <a:solidFill>
+                  <a:srgbClr val="4070A0"/>
+                </a:solidFill>
+                <a:latin typeface="Courier"/>
+              </a:rPr>
+              <a:t>~</a:t>
+            </a:r>
+            <a:r>
+              <a:rPr>
+                <a:latin typeface="Courier"/>
+              </a:rPr>
+              <a:t> race, </a:t>
+            </a:r>
+            <a:br/>
+            <a:r>
+              <a:rPr>
+                <a:latin typeface="Courier"/>
+              </a:rPr>
+              <a:t>          </a:t>
+            </a:r>
+            <a:r>
+              <a:rPr>
+                <a:solidFill>
+                  <a:srgbClr val="7D9029"/>
+                </a:solidFill>
+                <a:latin typeface="Courier"/>
+              </a:rPr>
+              <a:t>success =</a:t>
+            </a:r>
+            <a:r>
+              <a:rPr>
+                <a:latin typeface="Courier"/>
+              </a:rPr>
+              <a:t> </a:t>
+            </a:r>
+            <a:r>
+              <a:rPr>
+                <a:solidFill>
+                  <a:srgbClr val="4070A0"/>
+                </a:solidFill>
+                <a:latin typeface="Courier"/>
+              </a:rPr>
+              <a:t>'Yes'</a:t>
+            </a:r>
+            <a:r>
+              <a:rPr>
+                <a:latin typeface="Courier"/>
+              </a:rPr>
+              <a:t>) </a:t>
+            </a:r>
+            <a:r>
+              <a:rPr>
+                <a:solidFill>
+                  <a:srgbClr val="4070A0"/>
+                </a:solidFill>
+                <a:latin typeface="Courier"/>
+              </a:rPr>
+              <a:t>|&gt;</a:t>
+            </a:r>
+            <a:br/>
+            <a:r>
+              <a:rPr>
+                <a:latin typeface="Courier"/>
+              </a:rPr>
+              <a:t>  </a:t>
+            </a:r>
+            <a:r>
+              <a:rPr>
+                <a:solidFill>
+                  <a:srgbClr val="06287E"/>
+                </a:solidFill>
+                <a:latin typeface="Courier"/>
+              </a:rPr>
+              <a:t>hypothesize</a:t>
+            </a:r>
+            <a:r>
+              <a:rPr>
+                <a:latin typeface="Courier"/>
+              </a:rPr>
+              <a:t>(</a:t>
+            </a:r>
+            <a:r>
+              <a:rPr>
+                <a:solidFill>
+                  <a:srgbClr val="7D9029"/>
+                </a:solidFill>
+                <a:latin typeface="Courier"/>
+              </a:rPr>
+              <a:t>null =</a:t>
+            </a:r>
+            <a:r>
+              <a:rPr>
+                <a:latin typeface="Courier"/>
+              </a:rPr>
+              <a:t> </a:t>
+            </a:r>
+            <a:r>
+              <a:rPr>
+                <a:solidFill>
+                  <a:srgbClr val="4070A0"/>
+                </a:solidFill>
+                <a:latin typeface="Courier"/>
+              </a:rPr>
+              <a:t>'independence'</a:t>
+            </a:r>
+            <a:r>
+              <a:rPr>
+                <a:latin typeface="Courier"/>
+              </a:rPr>
+              <a:t>) </a:t>
+            </a:r>
+            <a:r>
+              <a:rPr>
+                <a:solidFill>
+                  <a:srgbClr val="4070A0"/>
+                </a:solidFill>
+                <a:latin typeface="Courier"/>
+              </a:rPr>
+              <a:t>|&gt;</a:t>
+            </a:r>
+            <a:br/>
+            <a:r>
+              <a:rPr>
+                <a:latin typeface="Courier"/>
+              </a:rPr>
+              <a:t>  </a:t>
+            </a:r>
+            <a:r>
+              <a:rPr>
+                <a:solidFill>
+                  <a:srgbClr val="06287E"/>
+                </a:solidFill>
+                <a:latin typeface="Courier"/>
+              </a:rPr>
+              <a:t>generate</a:t>
+            </a:r>
+            <a:r>
+              <a:rPr>
+                <a:latin typeface="Courier"/>
+              </a:rPr>
+              <a:t>(</a:t>
+            </a:r>
+            <a:r>
+              <a:rPr>
+                <a:solidFill>
+                  <a:srgbClr val="7D9029"/>
+                </a:solidFill>
+                <a:latin typeface="Courier"/>
+              </a:rPr>
+              <a:t>reps =</a:t>
+            </a:r>
+            <a:r>
+              <a:rPr>
+                <a:latin typeface="Courier"/>
+              </a:rPr>
+              <a:t> </a:t>
+            </a:r>
+            <a:r>
+              <a:rPr>
+                <a:solidFill>
+                  <a:srgbClr val="40A070"/>
+                </a:solidFill>
+                <a:latin typeface="Courier"/>
+              </a:rPr>
+              <a:t>500</a:t>
+            </a:r>
+            <a:r>
+              <a:rPr>
+                <a:latin typeface="Courier"/>
+              </a:rPr>
+              <a:t>, </a:t>
+            </a:r>
+            <a:br/>
+            <a:r>
+              <a:rPr>
+                <a:latin typeface="Courier"/>
+              </a:rPr>
+              <a:t>           </a:t>
+            </a:r>
+            <a:r>
+              <a:rPr>
+                <a:solidFill>
+                  <a:srgbClr val="7D9029"/>
+                </a:solidFill>
+                <a:latin typeface="Courier"/>
+              </a:rPr>
+              <a:t>type =</a:t>
+            </a:r>
+            <a:r>
+              <a:rPr>
+                <a:latin typeface="Courier"/>
+              </a:rPr>
+              <a:t> </a:t>
+            </a:r>
+            <a:r>
+              <a:rPr>
+                <a:solidFill>
+                  <a:srgbClr val="4070A0"/>
+                </a:solidFill>
+                <a:latin typeface="Courier"/>
+              </a:rPr>
+              <a:t>'permute'</a:t>
+            </a:r>
+            <a:r>
+              <a:rPr>
+                <a:latin typeface="Courier"/>
+              </a:rPr>
+              <a:t>) </a:t>
+            </a:r>
+            <a:r>
+              <a:rPr>
+                <a:solidFill>
+                  <a:srgbClr val="4070A0"/>
+                </a:solidFill>
+                <a:latin typeface="Courier"/>
+              </a:rPr>
+              <a:t>|&gt;</a:t>
+            </a:r>
+            <a:br/>
+            <a:r>
+              <a:rPr>
+                <a:latin typeface="Courier"/>
+              </a:rPr>
+              <a:t>  </a:t>
+            </a:r>
+            <a:r>
+              <a:rPr>
+                <a:solidFill>
+                  <a:srgbClr val="06287E"/>
+                </a:solidFill>
+                <a:latin typeface="Courier"/>
+              </a:rPr>
+              <a:t>calculate</a:t>
+            </a:r>
+            <a:r>
+              <a:rPr>
+                <a:latin typeface="Courier"/>
+              </a:rPr>
+              <a:t>(</a:t>
+            </a:r>
+            <a:r>
+              <a:rPr>
+                <a:solidFill>
+                  <a:srgbClr val="7D9029"/>
+                </a:solidFill>
+                <a:latin typeface="Courier"/>
+              </a:rPr>
+              <a:t>stat =</a:t>
+            </a:r>
+            <a:r>
+              <a:rPr>
+                <a:latin typeface="Courier"/>
+              </a:rPr>
+              <a:t> </a:t>
+            </a:r>
+            <a:r>
+              <a:rPr>
+                <a:solidFill>
+                  <a:srgbClr val="4070A0"/>
+                </a:solidFill>
+                <a:latin typeface="Courier"/>
+              </a:rPr>
+              <a:t>'Chisq'</a:t>
+            </a:r>
+            <a:r>
+              <a:rPr>
+                <a:latin typeface="Courier"/>
+              </a:rPr>
+              <a:t>, </a:t>
+            </a:r>
+            <a:br/>
+            <a:r>
+              <a:rPr>
+                <a:latin typeface="Courier"/>
+              </a:rPr>
+              <a:t>            </a:t>
+            </a:r>
+            <a:r>
+              <a:rPr>
+                <a:solidFill>
+                  <a:srgbClr val="06287E"/>
+                </a:solidFill>
+                <a:latin typeface="Courier"/>
+              </a:rPr>
+              <a:t>c</a:t>
+            </a:r>
+            <a:r>
+              <a:rPr>
+                <a:latin typeface="Courier"/>
+              </a:rPr>
+              <a:t>(</a:t>
+            </a:r>
+            <a:r>
+              <a:rPr>
+                <a:solidFill>
+                  <a:srgbClr val="4070A0"/>
+                </a:solidFill>
+                <a:latin typeface="Courier"/>
+              </a:rPr>
+              <a:t>'white'</a:t>
+            </a:r>
+            <a:r>
+              <a:rPr>
+                <a:latin typeface="Courier"/>
+              </a:rPr>
+              <a:t>, </a:t>
+            </a:r>
+            <a:r>
+              <a:rPr>
+                <a:solidFill>
+                  <a:srgbClr val="4070A0"/>
+                </a:solidFill>
+                <a:latin typeface="Courier"/>
+              </a:rPr>
+              <a:t>'black'</a:t>
+            </a:r>
+            <a:r>
+              <a:rPr>
+                <a:latin typeface="Courier"/>
+              </a:rPr>
+              <a:t>))</a:t>
+            </a:r>
+          </a:p>
+        </p:txBody>
+      </p:sp>
+    </p:spTree>
+  </p:cSld>
+</p:sld>
+</file>
+
+<file path=ppt/slides/slide12.xml><?xml version="1.0" encoding="utf-8"?>
+<p:sld xmlns:a="http://schemas.openxmlformats.org/drawingml/2006/main" xmlns:r="http://schemas.openxmlformats.org/officeDocument/2006/relationships" xmlns:p="http://schemas.openxmlformats.org/presentationml/2006/main">
+  <p:cSld>
+    <p:spTree>
+      <p:nvGrpSpPr>
+        <p:cNvPr id="1" name=""/>
+        <p:cNvGrpSpPr/>
+        <p:nvPr/>
+      </p:nvGrpSpPr>
+      <p:grpSpPr>
+        <a:xfrm>
+          <a:off x="0" y="0"/>
+          <a:ext cx="0" cy="0"/>
+          <a:chOff x="0" y="0"/>
+          <a:chExt cx="0" cy="0"/>
+        </a:xfrm>
+      </p:grpSpPr>
+      <p:sp>
+        <p:nvSpPr>
+          <p:cNvPr id="8" name="Title 7">
+            <a:extLst>
+              <a:ext uri="{FF2B5EF4-FFF2-40B4-BE49-F238E27FC236}">
+                <a16:creationId xmlns:a16="http://schemas.microsoft.com/office/drawing/2014/main" id="{5ED30882-DACC-AA46-8FCE-791D7772B9E6}"/>
+              </a:ext>
+            </a:extLst>
+          </p:cNvPr>
+          <p:cNvSpPr>
+            <a:spLocks noGrp="1"/>
+          </p:cNvSpPr>
+          <p:nvPr>
+            <p:ph type="title"/>
+          </p:nvPr>
+        </p:nvSpPr>
+        <p:spPr/>
+        <p:txBody>
+          <a:bodyPr/>
+          <a:lstStyle/>
+          <a:p>
+            <a:pPr lvl="0" indent="0" marL="0">
+              <a:buNone/>
+            </a:pPr>
+            <a:r>
+              <a:rPr/>
+              <a:t>Null distribution plot with observed stat and confidence internal</a:t>
             </a:r>
           </a:p>
         </p:txBody>
       </p:sp>
       <p:pic>
         <p:nvPicPr>
-          <p:cNvPr descr="Hakim-Project_files/figure-pptx/unnamed-chunk-5-1.png" id="0" name="Picture 1"/>
+          <p:cNvPr descr="Hakim-Project_files/figure-pptx/unnamed-chunk-6-1.png" id="0" name="Picture 1"/>
           <p:cNvPicPr>
             <a:picLocks noGrp="1" noChangeAspect="1"/>
           </p:cNvPicPr>
@@ -6719,7 +6808,7 @@
 </p:sld>
 </file>
 
-<file path=ppt/slides/slide12.xml><?xml version="1.0" encoding="utf-8"?>
+<file path=ppt/slides/slide13.xml><?xml version="1.0" encoding="utf-8"?>
 <p:sld xmlns:a="http://schemas.openxmlformats.org/drawingml/2006/main" xmlns:r="http://schemas.openxmlformats.org/officeDocument/2006/relationships" xmlns:p="http://schemas.openxmlformats.org/presentationml/2006/main">
   <p:cSld>
     <p:spTree>
@@ -6758,7 +6847,7 @@
                 </a:pPr>
                 <a:r>
                   <a:rPr/>
-                  <a:t>Plot of null distribution shows that the observed test statistic would be unlikely if there was no association between </a:t>
+                  <a:t>Plot of the null distribution shows the observed test statistic would be unlikely if there was no association between </a:t>
                 </a:r>
                 <a14:m>
                   <m:oMath xmlns:m="http://schemas.openxmlformats.org/officeDocument/2006/math">
@@ -6880,117 +6969,6 @@
 </p:sld>
 </file>
 
-<file path=ppt/slides/slide13.xml><?xml version="1.0" encoding="utf-8"?>
-<p:sld xmlns:a="http://schemas.openxmlformats.org/drawingml/2006/main" xmlns:r="http://schemas.openxmlformats.org/officeDocument/2006/relationships" xmlns:p="http://schemas.openxmlformats.org/presentationml/2006/main">
-  <p:cSld>
-    <p:spTree>
-      <p:nvGrpSpPr>
-        <p:cNvPr id="1" name=""/>
-        <p:cNvGrpSpPr/>
-        <p:nvPr/>
-      </p:nvGrpSpPr>
-      <p:grpSpPr>
-        <a:xfrm>
-          <a:off x="0" y="0"/>
-          <a:ext cx="0" cy="0"/>
-          <a:chOff x="0" y="0"/>
-          <a:chExt cx="0" cy="0"/>
-        </a:xfrm>
-      </p:grpSpPr>
-      <p:sp>
-        <p:nvSpPr>
-          <p:cNvPr id="2" name="Title 1"/>
-          <p:cNvSpPr>
-            <a:spLocks noGrp="1"/>
-          </p:cNvSpPr>
-          <p:nvPr>
-            <p:ph type="title"/>
-          </p:nvPr>
-        </p:nvSpPr>
-        <p:spPr>
-          <a:xfrm>
-            <a:off x="913775" y="609600"/>
-            <a:ext cx="3935688" cy="2023252"/>
-          </a:xfrm>
-        </p:spPr>
-        <p:txBody>
-          <a:bodyPr/>
-          <a:lstStyle/>
-          <a:p>
-            <a:pPr lvl="0" indent="0" marL="0">
-              <a:buNone/>
-            </a:pPr>
-            <a:r>
-              <a:rPr/>
-              <a:t>Plot</a:t>
-            </a:r>
-          </a:p>
-        </p:txBody>
-      </p:sp>
-      <p:sp>
-        <p:nvSpPr>
-          <p:cNvPr id="4" name="Text Placeholder 3"/>
-          <p:cNvSpPr>
-            <a:spLocks noGrp="1"/>
-          </p:cNvSpPr>
-          <p:nvPr>
-            <p:ph idx="2" sz="half" type="body"/>
-          </p:nvPr>
-        </p:nvSpPr>
-        <p:spPr/>
-        <p:txBody>
-          <a:bodyPr/>
-          <a:lstStyle/>
-          <a:p>
-            <a:pPr lvl="0" indent="0">
-              <a:buNone/>
-            </a:pPr>
-            <a:r>
-              <a:rPr>
-                <a:latin typeface="Courier"/>
-              </a:rPr>
-              <a:t>## You can cite this package as:
-##      Patil, I. (2021). Visualizations with statistical details: The 'ggstatsplot' approach.
-##      Journal of Open Source Software, 6(61), 3167, doi:10.21105/joss.03167</a:t>
-            </a:r>
-          </a:p>
-        </p:txBody>
-      </p:sp>
-      <p:pic>
-        <p:nvPicPr>
-          <p:cNvPr descr="Hakim-Project_files/figure-pptx/unnamed-chunk-6-1.png" id="0" name="Picture 1"/>
-          <p:cNvPicPr>
-            <a:picLocks noGrp="1" noChangeAspect="1"/>
-          </p:cNvPicPr>
-          <p:nvPr/>
-        </p:nvPicPr>
-        <p:blipFill>
-          <a:blip r:embed="rId2"/>
-          <a:stretch>
-            <a:fillRect/>
-          </a:stretch>
-        </p:blipFill>
-        <p:spPr bwMode="auto">
-          <a:xfrm>
-            <a:off x="5067300" y="711200"/>
-            <a:ext cx="6197600" cy="4953000"/>
-          </a:xfrm>
-          <a:prstGeom prst="rect">
-            <a:avLst/>
-          </a:prstGeom>
-          <a:noFill/>
-          <a:ln w="9525">
-            <a:noFill/>
-            <a:headEnd/>
-            <a:tailEnd/>
-          </a:ln>
-        </p:spPr>
-      </p:pic>
-    </p:spTree>
-  </p:cSld>
-</p:sld>
-</file>
-
 <file path=ppt/slides/slide14.xml><?xml version="1.0" encoding="utf-8"?>
 <p:sld xmlns:a="http://schemas.openxmlformats.org/drawingml/2006/main" xmlns:r="http://schemas.openxmlformats.org/officeDocument/2006/relationships" xmlns:p="http://schemas.openxmlformats.org/presentationml/2006/main">
   <p:cSld>
@@ -7034,7 +7012,7 @@
             </a:pPr>
             <a:r>
               <a:rPr/>
-              <a:t>Limitations</a:t>
+              <a:t>Other Variables</a:t>
             </a:r>
           </a:p>
         </p:txBody>
@@ -7061,7 +7039,7 @@
                 </a:pPr>
                 <a:r>
                   <a:rPr/>
-                  <a:t>This analysis looked at just </a:t>
+                  <a:t>This study looked at </a:t>
                 </a:r>
                 <a14:m>
                   <m:oMath xmlns:m="http://schemas.openxmlformats.org/officeDocument/2006/math">
@@ -7081,57 +7059,7 @@
                 </a14:m>
                 <a:r>
                   <a:rPr/>
-                  <a:t> as the explanatory variable. However, the dataset contains other variables (see below) that may have an impact on the </a:t>
-                </a:r>
-                <a14:m>
-                  <m:oMath xmlns:m="http://schemas.openxmlformats.org/officeDocument/2006/math">
-                    <m:r>
-                      <m:t>c</m:t>
-                    </m:r>
-                    <m:r>
-                      <m:t>a</m:t>
-                    </m:r>
-                    <m:r>
-                      <m:t>l</m:t>
-                    </m:r>
-                    <m:r>
-                      <m:t>l</m:t>
-                    </m:r>
-                    <m:r>
-                      <m:t>b</m:t>
-                    </m:r>
-                    <m:r>
-                      <m:t>a</m:t>
-                    </m:r>
-                    <m:r>
-                      <m:t>c</m:t>
-                    </m:r>
-                    <m:r>
-                      <m:t>k</m:t>
-                    </m:r>
-                    <m:r>
-                      <m:rPr>
-                        <m:sty m:val="p"/>
-                      </m:rPr>
-                      <m:t>_</m:t>
-                    </m:r>
-                    <m:r>
-                      <m:t>r</m:t>
-                    </m:r>
-                    <m:r>
-                      <m:t>a</m:t>
-                    </m:r>
-                    <m:r>
-                      <m:t>t</m:t>
-                    </m:r>
-                    <m:r>
-                      <m:t>e</m:t>
-                    </m:r>
-                  </m:oMath>
-                </a14:m>
-                <a:r>
-                  <a:rPr/>
-                  <a:t>. A multiple regression model could be used to identify combinations of explanatory variables.</a:t>
+                  <a:t> as the explanatory variable. However, the dataset contains other variables (see below) that may be relevant. A multiple regression model could be used to identify combinations of explanatory variables.</a:t>
                 </a:r>
               </a:p>
               <a:p>
@@ -7167,13 +7095,292 @@
                 </a:pPr>
                 <a:r>
                   <a:rPr/>
-                  <a:t>Years of Experience</a:t>
+                  <a:t>Volunteer</a:t>
+                </a:r>
+              </a:p>
+              <a:p>
+                <a:pPr lvl="0" indent="-457200" marL="457200">
+                  <a:buAutoNum type="arabicPeriod"/>
+                </a:pPr>
+                <a:r>
+                  <a:rPr/>
+                  <a:t>Honors</a:t>
+                </a:r>
+              </a:p>
+              <a:p>
+                <a:pPr lvl="0" indent="-457200" marL="457200">
+                  <a:buAutoNum type="arabicPeriod"/>
+                </a:pPr>
+                <a:r>
+                  <a:rPr/>
+                  <a:t>…</a:t>
                 </a:r>
               </a:p>
             </p:txBody>
           </p:sp>
         </mc:Choice>
       </mc:AlternateContent>
+    </p:spTree>
+  </p:cSld>
+</p:sld>
+</file>
+
+<file path=ppt/slides/slide15.xml><?xml version="1.0" encoding="utf-8"?>
+<p:sld xmlns:a="http://schemas.openxmlformats.org/drawingml/2006/main" xmlns:r="http://schemas.openxmlformats.org/officeDocument/2006/relationships" xmlns:p="http://schemas.openxmlformats.org/presentationml/2006/main">
+  <p:cSld>
+    <p:spTree>
+      <p:nvGrpSpPr>
+        <p:cNvPr id="1" name=""/>
+        <p:cNvGrpSpPr/>
+        <p:nvPr/>
+      </p:nvGrpSpPr>
+      <p:grpSpPr>
+        <a:xfrm>
+          <a:off x="0" y="0"/>
+          <a:ext cx="0" cy="0"/>
+          <a:chOff x="0" y="0"/>
+          <a:chExt cx="0" cy="0"/>
+        </a:xfrm>
+      </p:grpSpPr>
+      <p:sp>
+        <p:nvSpPr>
+          <p:cNvPr id="8" name="Title 7">
+            <a:extLst>
+              <a:ext uri="{FF2B5EF4-FFF2-40B4-BE49-F238E27FC236}">
+                <a16:creationId xmlns:a16="http://schemas.microsoft.com/office/drawing/2014/main" id="{5ED30882-DACC-AA46-8FCE-791D7772B9E6}"/>
+              </a:ext>
+            </a:extLst>
+          </p:cNvPr>
+          <p:cNvSpPr>
+            <a:spLocks noGrp="1"/>
+          </p:cNvSpPr>
+          <p:nvPr>
+            <p:ph type="title"/>
+          </p:nvPr>
+        </p:nvSpPr>
+        <p:spPr/>
+        <p:txBody>
+          <a:bodyPr/>
+          <a:lstStyle/>
+          <a:p>
+            <a:pPr lvl="0" indent="0" marL="0">
+              <a:buNone/>
+            </a:pPr>
+            <a:r>
+              <a:rPr/>
+              <a:t>Generalized linear model</a:t>
+            </a:r>
+          </a:p>
+        </p:txBody>
+      </p:sp>
+      <p:sp>
+        <p:nvSpPr>
+          <p:cNvPr id="12" name="Content Placeholder 2"/>
+          <p:cNvSpPr>
+            <a:spLocks noGrp="1"/>
+          </p:cNvSpPr>
+          <p:nvPr>
+            <p:ph idx="13" sz="quarter"/>
+          </p:nvPr>
+        </p:nvSpPr>
+        <p:spPr/>
+        <p:txBody>
+          <a:bodyPr/>
+          <a:lstStyle/>
+          <a:p>
+            <a:pPr lvl="0" indent="0">
+              <a:buNone/>
+            </a:pPr>
+            <a:r>
+              <a:rPr>
+                <a:latin typeface="Courier"/>
+              </a:rPr>
+              <a:t>                    Estimate Std. Error z value Pr(&gt;|z|)    
+(Intercept)          -1.9350     0.1545 -12.525  &lt; 2e-16 ***
+genderm              -0.1785     0.1337  -1.335   0.1818    
+resume_quality.L      0.2243     0.1178   1.904   0.0569 .  
+computer_skillsTRUE  -0.3433     0.1386  -2.478   0.0132 *  
+volunteerTRUE        -0.1305     0.1637  -0.797   0.4253    
+honorsTRUE            0.7819     0.1819   4.299 1.72e-05 ***
+raceblack            -0.4298     0.1078  -3.988 6.65e-05 ***</a:t>
+            </a:r>
+          </a:p>
+        </p:txBody>
+      </p:sp>
+    </p:spTree>
+  </p:cSld>
+</p:sld>
+</file>
+
+<file path=ppt/slides/slide16.xml><?xml version="1.0" encoding="utf-8"?>
+<p:sld xmlns:a="http://schemas.openxmlformats.org/drawingml/2006/main" xmlns:r="http://schemas.openxmlformats.org/officeDocument/2006/relationships" xmlns:p="http://schemas.openxmlformats.org/presentationml/2006/main">
+  <p:cSld>
+    <p:spTree>
+      <p:nvGrpSpPr>
+        <p:cNvPr id="1" name=""/>
+        <p:cNvGrpSpPr/>
+        <p:nvPr/>
+      </p:nvGrpSpPr>
+      <p:grpSpPr>
+        <a:xfrm>
+          <a:off x="0" y="0"/>
+          <a:ext cx="0" cy="0"/>
+          <a:chOff x="0" y="0"/>
+          <a:chExt cx="0" cy="0"/>
+        </a:xfrm>
+      </p:grpSpPr>
+      <p:sp>
+        <p:nvSpPr>
+          <p:cNvPr id="8" name="Title 7">
+            <a:extLst>
+              <a:ext uri="{FF2B5EF4-FFF2-40B4-BE49-F238E27FC236}">
+                <a16:creationId xmlns:a16="http://schemas.microsoft.com/office/drawing/2014/main" id="{5ED30882-DACC-AA46-8FCE-791D7772B9E6}"/>
+              </a:ext>
+            </a:extLst>
+          </p:cNvPr>
+          <p:cNvSpPr>
+            <a:spLocks noGrp="1"/>
+          </p:cNvSpPr>
+          <p:nvPr>
+            <p:ph type="title"/>
+          </p:nvPr>
+        </p:nvSpPr>
+        <p:spPr/>
+        <p:txBody>
+          <a:bodyPr/>
+          <a:lstStyle/>
+          <a:p>
+            <a:pPr lvl="0" indent="0" marL="0">
+              <a:buNone/>
+            </a:pPr>
+            <a:r>
+              <a:rPr/>
+              <a:t>Limitations</a:t>
+            </a:r>
+          </a:p>
+        </p:txBody>
+      </p:sp>
+      <p:sp>
+        <p:nvSpPr>
+          <p:cNvPr id="12" name="Content Placeholder 2"/>
+          <p:cNvSpPr>
+            <a:spLocks noGrp="1"/>
+          </p:cNvSpPr>
+          <p:nvPr>
+            <p:ph idx="13" sz="quarter"/>
+          </p:nvPr>
+        </p:nvSpPr>
+        <p:spPr/>
+        <p:txBody>
+          <a:bodyPr/>
+          <a:lstStyle/>
+          <a:p>
+            <a:pPr lvl="0" indent="0" marL="0">
+              <a:buNone/>
+            </a:pPr>
+            <a:r>
+              <a:rPr/>
+              <a:t>This study was originally conducted in 2001 and 2002 in Chicago and Boston. Over the last 20 years there has been an increase in awareness of biases The data needs to be refreshed and more cities should be included in the study to eliminate potential regional biases.</a:t>
+            </a:r>
+          </a:p>
+        </p:txBody>
+      </p:sp>
+    </p:spTree>
+  </p:cSld>
+</p:sld>
+</file>
+
+<file path=ppt/slides/slide17.xml><?xml version="1.0" encoding="utf-8"?>
+<p:sld xmlns:a="http://schemas.openxmlformats.org/drawingml/2006/main" xmlns:r="http://schemas.openxmlformats.org/officeDocument/2006/relationships" xmlns:p="http://schemas.openxmlformats.org/presentationml/2006/main">
+  <p:cSld>
+    <p:spTree>
+      <p:nvGrpSpPr>
+        <p:cNvPr id="1" name=""/>
+        <p:cNvGrpSpPr/>
+        <p:nvPr/>
+      </p:nvGrpSpPr>
+      <p:grpSpPr>
+        <a:xfrm>
+          <a:off x="0" y="0"/>
+          <a:ext cx="0" cy="0"/>
+          <a:chOff x="0" y="0"/>
+          <a:chExt cx="0" cy="0"/>
+        </a:xfrm>
+      </p:grpSpPr>
+      <p:sp>
+        <p:nvSpPr>
+          <p:cNvPr id="8" name="Title 7">
+            <a:extLst>
+              <a:ext uri="{FF2B5EF4-FFF2-40B4-BE49-F238E27FC236}">
+                <a16:creationId xmlns:a16="http://schemas.microsoft.com/office/drawing/2014/main" id="{5ED30882-DACC-AA46-8FCE-791D7772B9E6}"/>
+              </a:ext>
+            </a:extLst>
+          </p:cNvPr>
+          <p:cNvSpPr>
+            <a:spLocks noGrp="1"/>
+          </p:cNvSpPr>
+          <p:nvPr>
+            <p:ph type="title"/>
+          </p:nvPr>
+        </p:nvSpPr>
+        <p:spPr/>
+        <p:txBody>
+          <a:bodyPr/>
+          <a:lstStyle/>
+          <a:p>
+            <a:pPr lvl="0" indent="0" marL="0">
+              <a:buNone/>
+            </a:pPr>
+            <a:r>
+              <a:rPr/>
+              <a:t>Conclusion</a:t>
+            </a:r>
+          </a:p>
+        </p:txBody>
+      </p:sp>
+      <p:sp>
+        <p:nvSpPr>
+          <p:cNvPr id="12" name="Content Placeholder 2"/>
+          <p:cNvSpPr>
+            <a:spLocks noGrp="1"/>
+          </p:cNvSpPr>
+          <p:nvPr>
+            <p:ph idx="13" sz="quarter"/>
+          </p:nvPr>
+        </p:nvSpPr>
+        <p:spPr/>
+        <p:txBody>
+          <a:bodyPr/>
+          <a:lstStyle/>
+          <a:p>
+            <a:pPr lvl="0" indent="0" marL="0">
+              <a:buNone/>
+            </a:pPr>
+            <a:r>
+              <a:rPr/>
+              <a:t>Many biases have been identified in the job market over the years. As a result, HR professionals recommend not including age, religion, nationality, sexual orientation, etc. in job applications.</a:t>
+            </a:r>
+          </a:p>
+          <a:p>
+            <a:pPr lvl="0" indent="0" marL="0">
+              <a:buNone/>
+            </a:pPr>
+            <a:r>
+              <a:rPr/>
+              <a:t>This study identified the applicant’s first name as a potential source of bias (!), which should raise red flags for HR professionals, job applicants, and hiring managers.</a:t>
+            </a:r>
+          </a:p>
+          <a:p>
+            <a:pPr lvl="0" indent="0" marL="0">
+              <a:buNone/>
+            </a:pPr>
+            <a:r>
+              <a:rPr/>
+              <a:t>One hopes such studies will raise awareness regarding subtle biases in hiring practices and the need for training and diligence to overcome such biases.</a:t>
+            </a:r>
+          </a:p>
+        </p:txBody>
+      </p:sp>
     </p:spTree>
   </p:cSld>
 </p:sld>
@@ -7222,7 +7429,7 @@
             </a:pPr>
             <a:r>
               <a:rPr/>
-              <a:t>Overview</a:t>
+              <a:t>Introduction</a:t>
             </a:r>
           </a:p>
         </p:txBody>
@@ -7242,12 +7449,17 @@
           <a:bodyPr/>
           <a:lstStyle/>
           <a:p>
-            <a:pPr lvl="0" indent="0" marL="0">
-              <a:buNone/>
-            </a:pPr>
+            <a:pPr lvl="0"/>
             <a:r>
               <a:rPr/>
-              <a:t>Researchers randomly generated realistic resumes to send to job postings in Boston and Chicago. They then randomly assigned a </a:t>
+              <a:t>Researchers randomly generated realistic resumes to send to job postings in Boston and Chicago.</a:t>
+            </a:r>
+          </a:p>
+          <a:p>
+            <a:pPr lvl="0"/>
+            <a:r>
+              <a:rPr/>
+              <a:t>They then randomly assigned a </a:t>
             </a:r>
             <a:r>
               <a:rPr i="1"/>
@@ -7255,7 +7467,30 @@
             </a:r>
             <a:r>
               <a:rPr/>
-              <a:t> to the resume that would communicate the race and gender of the application.</a:t>
+              <a:t> to the resume that would communicate the race and gender of the applicant.</a:t>
+            </a:r>
+          </a:p>
+          <a:p>
+            <a:pPr lvl="0"/>
+            <a:r>
+              <a:rPr/>
+              <a:t>First names for the study were selected so that the names would predominantly be recognized as belonging to </a:t>
+            </a:r>
+            <a:r>
+              <a:rPr b="1"/>
+              <a:t>black</a:t>
+            </a:r>
+            <a:r>
+              <a:rPr/>
+              <a:t> or </a:t>
+            </a:r>
+            <a:r>
+              <a:rPr b="1"/>
+              <a:t>white</a:t>
+            </a:r>
+            <a:r>
+              <a:rPr/>
+              <a:t> individuals.</a:t>
             </a:r>
           </a:p>
           <a:p>
@@ -7263,17 +7498,12 @@
               <a:buNone/>
             </a:pPr>
             <a:r>
+              <a:rPr b="1"/>
+              <a:t>Research Question</a:t>
+            </a:r>
+            <a:r>
               <a:rPr/>
-              <a:t>First names for the study were selected so that the names would predominantly be recognized as belonging to black or white individuals.</a:t>
-            </a:r>
-          </a:p>
-          <a:p>
-            <a:pPr lvl="0" indent="-457200" marL="457200">
-              <a:buAutoNum type="arabicPeriod"/>
-            </a:pPr>
-            <a:r>
-              <a:rPr/>
-              <a:t>All other factors being equal does the perceived </a:t>
+              <a:t>: Does the perceived </a:t>
             </a:r>
             <a:r>
               <a:rPr b="1"/>
@@ -7281,7 +7511,15 @@
             </a:r>
             <a:r>
               <a:rPr/>
-              <a:t> of applicants have a meaningful impact on the callback rate?</a:t>
+              <a:t> of applicants have a meaningful impact on the </a:t>
+            </a:r>
+            <a:r>
+              <a:rPr b="1"/>
+              <a:t>callback rate</a:t>
+            </a:r>
+            <a:r>
+              <a:rPr/>
+              <a:t>?</a:t>
             </a:r>
           </a:p>
         </p:txBody>
@@ -7349,74 +7587,144 @@
           </a:p>
         </p:txBody>
       </p:sp>
-      <p:sp>
-        <p:nvSpPr>
-          <p:cNvPr id="12" name="Content Placeholder 2"/>
-          <p:cNvSpPr>
-            <a:spLocks noGrp="1"/>
-          </p:cNvSpPr>
-          <p:nvPr>
-            <p:ph idx="13" sz="quarter"/>
-          </p:nvPr>
-        </p:nvSpPr>
-        <p:spPr/>
-        <p:txBody>
-          <a:bodyPr/>
-          <a:lstStyle/>
-          <a:p>
-            <a:pPr lvl="0" indent="-457200" marL="457200">
-              <a:buAutoNum type="arabicPeriod"/>
-            </a:pPr>
-            <a:r>
-              <a:rPr/>
-              <a:t>Each case represents a randomly generated resumes There are 4870 cases.</a:t>
-            </a:r>
-          </a:p>
-          <a:p>
-            <a:pPr lvl="0" indent="-457200" marL="457200">
-              <a:buAutoNum type="arabicPeriod"/>
-            </a:pPr>
-            <a:r>
-              <a:rPr/>
-              <a:t>This was an </a:t>
-            </a:r>
-            <a:r>
-              <a:rPr b="1"/>
-              <a:t>experiment</a:t>
-            </a:r>
-            <a:r>
-              <a:rPr/>
-              <a:t> conducted over several months during 2001 and 2002 in Boston and Chicago.</a:t>
-            </a:r>
-          </a:p>
-          <a:p>
-            <a:pPr lvl="0" indent="-457200" marL="457200">
-              <a:buAutoNum type="arabicPeriod"/>
-            </a:pPr>
-            <a:r>
-              <a:rPr/>
-              <a:t>The categorical response variable is the </a:t>
-            </a:r>
-            <a:r>
-              <a:rPr b="1"/>
-              <a:t>received_callback</a:t>
-            </a:r>
-          </a:p>
-          <a:p>
-            <a:pPr lvl="0" indent="-457200" marL="457200">
-              <a:buAutoNum type="arabicPeriod"/>
-            </a:pPr>
-            <a:r>
-              <a:rPr/>
-              <a:t>The categorical explanatory (predictor) variable is the </a:t>
-            </a:r>
-            <a:r>
-              <a:rPr b="1"/>
-              <a:t>race</a:t>
-            </a:r>
-          </a:p>
-        </p:txBody>
-      </p:sp>
+      <mc:AlternateContent xmlns:mc="http://schemas.openxmlformats.org/markup-compatibility/2006">
+        <mc:Choice xmlns:a14="http://schemas.microsoft.com/office/drawing/2010/main" Requires="a14">
+          <p:sp>
+            <p:nvSpPr>
+              <p:cNvPr id="12" name="Content Placeholder 2"/>
+              <p:cNvSpPr>
+                <a:spLocks noGrp="1"/>
+              </p:cNvSpPr>
+              <p:nvPr>
+                <p:ph idx="13" sz="quarter"/>
+              </p:nvPr>
+            </p:nvSpPr>
+            <p:spPr/>
+            <p:txBody>
+              <a:bodyPr/>
+              <a:lstStyle/>
+              <a:p>
+                <a:pPr lvl="0" indent="-457200" marL="457200">
+                  <a:buAutoNum type="arabicPeriod"/>
+                </a:pPr>
+                <a:r>
+                  <a:rPr/>
+                  <a:t>Each of the 4870 cases represents a randomly generated resume</a:t>
+                </a:r>
+              </a:p>
+              <a:p>
+                <a:pPr lvl="0" indent="-457200" marL="457200">
+                  <a:buAutoNum type="arabicPeriod"/>
+                </a:pPr>
+                <a:r>
+                  <a:rPr/>
+                  <a:t>This was an </a:t>
+                </a:r>
+                <a:r>
+                  <a:rPr b="1"/>
+                  <a:t>experiment</a:t>
+                </a:r>
+                <a:r>
+                  <a:rPr/>
+                  <a:t> conducted over several months during 2001 and 2002 in Boston and Chicago</a:t>
+                </a:r>
+              </a:p>
+              <a:p>
+                <a:pPr lvl="0" indent="-457200" marL="457200">
+                  <a:buAutoNum type="arabicPeriod"/>
+                </a:pPr>
+                <a:r>
+                  <a:rPr/>
+                  <a:t>Categorical response variable is </a:t>
+                </a:r>
+                <a14:m>
+                  <m:oMath xmlns:m="http://schemas.openxmlformats.org/officeDocument/2006/math">
+                    <m:r>
+                      <m:t>r</m:t>
+                    </m:r>
+                    <m:r>
+                      <m:t>e</m:t>
+                    </m:r>
+                    <m:r>
+                      <m:t>c</m:t>
+                    </m:r>
+                    <m:r>
+                      <m:t>e</m:t>
+                    </m:r>
+                    <m:r>
+                      <m:t>i</m:t>
+                    </m:r>
+                    <m:r>
+                      <m:t>v</m:t>
+                    </m:r>
+                    <m:r>
+                      <m:t>e</m:t>
+                    </m:r>
+                    <m:r>
+                      <m:t>d</m:t>
+                    </m:r>
+                    <m:r>
+                      <m:rPr>
+                        <m:sty m:val="p"/>
+                      </m:rPr>
+                      <m:t>_</m:t>
+                    </m:r>
+                    <m:r>
+                      <m:t>c</m:t>
+                    </m:r>
+                    <m:r>
+                      <m:t>a</m:t>
+                    </m:r>
+                    <m:r>
+                      <m:t>l</m:t>
+                    </m:r>
+                    <m:r>
+                      <m:t>l</m:t>
+                    </m:r>
+                    <m:r>
+                      <m:t>b</m:t>
+                    </m:r>
+                    <m:r>
+                      <m:t>a</m:t>
+                    </m:r>
+                    <m:r>
+                      <m:t>c</m:t>
+                    </m:r>
+                    <m:r>
+                      <m:t>k</m:t>
+                    </m:r>
+                  </m:oMath>
+                </a14:m>
+              </a:p>
+              <a:p>
+                <a:pPr lvl="0" indent="-457200" marL="457200">
+                  <a:buAutoNum type="arabicPeriod"/>
+                </a:pPr>
+                <a:r>
+                  <a:rPr/>
+                  <a:t>Categorical explanatory variable is </a:t>
+                </a:r>
+                <a14:m>
+                  <m:oMath xmlns:m="http://schemas.openxmlformats.org/officeDocument/2006/math">
+                    <m:r>
+                      <m:t>r</m:t>
+                    </m:r>
+                    <m:r>
+                      <m:t>a</m:t>
+                    </m:r>
+                    <m:r>
+                      <m:t>c</m:t>
+                    </m:r>
+                    <m:r>
+                      <m:t>e</m:t>
+                    </m:r>
+                  </m:oMath>
+                </a14:m>
+              </a:p>
+            </p:txBody>
+          </p:sp>
+        </mc:Choice>
+      </mc:AlternateContent>
     </p:spTree>
   </p:cSld>
 </p:sld>
@@ -7465,51 +7773,41 @@
             </a:pPr>
             <a:r>
               <a:rPr/>
-              <a:t>Summary Statistics</a:t>
-            </a:r>
-          </a:p>
-        </p:txBody>
-      </p:sp>
-      <p:sp>
-        <p:nvSpPr>
-          <p:cNvPr id="12" name="Content Placeholder 2"/>
-          <p:cNvSpPr>
-            <a:spLocks noGrp="1"/>
-          </p:cNvSpPr>
-          <p:nvPr>
-            <p:ph idx="13" sz="quarter"/>
-          </p:nvPr>
-        </p:nvSpPr>
-        <p:spPr/>
-        <p:txBody>
-          <a:bodyPr/>
-          <a:lstStyle/>
-          <a:p>
-            <a:pPr lvl="0" indent="0" marL="0">
-              <a:buNone/>
-            </a:pPr>
-            <a:r>
-              <a:rPr/>
-              <a:t>Of all applicants who received a callback, 60% were perceived to be White and 40% were perceived to be Black</a:t>
-            </a:r>
-          </a:p>
-          <a:p>
-            <a:pPr lvl="0" indent="0">
-              <a:buNone/>
-            </a:pPr>
-            <a:r>
-              <a:rPr>
-                <a:latin typeface="Courier"/>
-              </a:rPr>
-              <a:t>## # A tibble: 2 × 3
-##   race      n     p
-##   &lt;fct&gt; &lt;int&gt; &lt;dbl&gt;
-## 1 white   235 0.599
-## 2 black   157 0.401</a:t>
-            </a:r>
-          </a:p>
-        </p:txBody>
-      </p:sp>
+              <a:t>Callback Proportions</a:t>
+            </a:r>
+          </a:p>
+        </p:txBody>
+      </p:sp>
+      <p:pic>
+        <p:nvPicPr>
+          <p:cNvPr descr="Hakim-Project_files/figure-pptx/unnamed-chunk-1-1.png" id="0" name="Picture 1"/>
+          <p:cNvPicPr>
+            <a:picLocks noGrp="1" noChangeAspect="1"/>
+          </p:cNvPicPr>
+          <p:nvPr/>
+        </p:nvPicPr>
+        <p:blipFill>
+          <a:blip r:embed="rId2"/>
+          <a:stretch>
+            <a:fillRect/>
+          </a:stretch>
+        </p:blipFill>
+        <p:spPr bwMode="auto">
+          <a:xfrm>
+            <a:off x="3949700" y="2362200"/>
+            <a:ext cx="4267200" cy="3416300"/>
+          </a:xfrm>
+          <a:prstGeom prst="rect">
+            <a:avLst/>
+          </a:prstGeom>
+          <a:noFill/>
+          <a:ln w="9525">
+            <a:noFill/>
+            <a:headEnd/>
+            <a:tailEnd/>
+          </a:ln>
+        </p:spPr>
+      </p:pic>
     </p:spTree>
   </p:cSld>
 </p:sld>
@@ -7558,7 +7856,7 @@
             </a:pPr>
             <a:r>
               <a:rPr/>
-              <a:t>Compute sample proportion</a:t>
+              <a:t>Calculate sample proportion</a:t>
             </a:r>
           </a:p>
         </p:txBody>
@@ -7891,7 +8189,7 @@
                 </a:solidFill>
                 <a:latin typeface="Courier"/>
               </a:rPr>
-              <a:t>'Yes'</a:t>
+              <a:t>"Yes"</a:t>
             </a:r>
             <a:r>
               <a:rPr>
@@ -7950,7 +8248,7 @@
             </a:pPr>
             <a:r>
               <a:rPr/>
-              <a:t>Plot sample proportion</a:t>
+              <a:t>Sample proportion</a:t>
             </a:r>
           </a:p>
         </p:txBody>
@@ -8063,7 +8361,99 @@
             </a:pPr>
             <a:r>
               <a:rPr/>
-              <a:t>Hypothesis</a:t>
+              <a:t>Confidence Interval</a:t>
+            </a:r>
+          </a:p>
+        </p:txBody>
+      </p:sp>
+      <p:sp>
+        <p:nvSpPr>
+          <p:cNvPr id="12" name="Content Placeholder 2"/>
+          <p:cNvSpPr>
+            <a:spLocks noGrp="1"/>
+          </p:cNvSpPr>
+          <p:nvPr>
+            <p:ph idx="13" sz="quarter"/>
+          </p:nvPr>
+        </p:nvSpPr>
+        <p:spPr/>
+        <p:txBody>
+          <a:bodyPr/>
+          <a:lstStyle/>
+          <a:p>
+            <a:pPr lvl="0" indent="0" marL="0">
+              <a:buNone/>
+            </a:pPr>
+            <a:r>
+              <a:rPr/>
+              <a:t>95% Confidence Interval for the sample proportion:</a:t>
+            </a:r>
+          </a:p>
+          <a:p>
+            <a:pPr lvl="0" indent="0">
+              <a:buNone/>
+            </a:pPr>
+            <a:r>
+              <a:rPr>
+                <a:latin typeface="Courier"/>
+              </a:rPr>
+              <a:t>## # A tibble: 1 × 2
+##   lower_ci upper_ci
+##      &lt;dbl&gt;    &lt;dbl&gt;
+## 1   0.0731   0.0881</a:t>
+            </a:r>
+          </a:p>
+        </p:txBody>
+      </p:sp>
+    </p:spTree>
+  </p:cSld>
+</p:sld>
+</file>
+
+<file path=ppt/slides/slide8.xml><?xml version="1.0" encoding="utf-8"?>
+<p:sld xmlns:a="http://schemas.openxmlformats.org/drawingml/2006/main" xmlns:r="http://schemas.openxmlformats.org/officeDocument/2006/relationships" xmlns:p="http://schemas.openxmlformats.org/presentationml/2006/main">
+  <p:cSld>
+    <p:spTree>
+      <p:nvGrpSpPr>
+        <p:cNvPr id="1" name=""/>
+        <p:cNvGrpSpPr/>
+        <p:nvPr/>
+      </p:nvGrpSpPr>
+      <p:grpSpPr>
+        <a:xfrm>
+          <a:off x="0" y="0"/>
+          <a:ext cx="0" cy="0"/>
+          <a:chOff x="0" y="0"/>
+          <a:chExt cx="0" cy="0"/>
+        </a:xfrm>
+      </p:grpSpPr>
+      <p:sp>
+        <p:nvSpPr>
+          <p:cNvPr id="8" name="Title 7">
+            <a:extLst>
+              <a:ext uri="{FF2B5EF4-FFF2-40B4-BE49-F238E27FC236}">
+                <a16:creationId xmlns:a16="http://schemas.microsoft.com/office/drawing/2014/main" id="{5ED30882-DACC-AA46-8FCE-791D7772B9E6}"/>
+              </a:ext>
+            </a:extLst>
+          </p:cNvPr>
+          <p:cNvSpPr>
+            <a:spLocks noGrp="1"/>
+          </p:cNvSpPr>
+          <p:nvPr>
+            <p:ph type="title"/>
+          </p:nvPr>
+        </p:nvSpPr>
+        <p:spPr/>
+        <p:txBody>
+          <a:bodyPr/>
+          <a:lstStyle/>
+          <a:p>
+            <a:pPr lvl="0" indent="0" marL="0">
+              <a:buNone/>
+            </a:pPr>
+            <a:r>
+              <a:rPr/>
+              <a:t>Independence hypothesis test</a:t>
             </a:r>
           </a:p>
         </p:txBody>
@@ -8108,7 +8498,11 @@
                   <a:rPr/>
                   <a:t>: there is no difference in callback proportion between candidates who are perceived to be white and those perceived to be black</a:t>
                 </a:r>
-                <a:br/>
+              </a:p>
+              <a:p>
+                <a:pPr lvl="0" indent="0" marL="0">
+                  <a:buNone/>
+                </a:pPr>
                 <a14:m>
                   <m:oMath xmlns:m="http://schemas.openxmlformats.org/officeDocument/2006/math">
                     <m:sSub>
@@ -8130,156 +8524,10 @@
                   <a:t>: candidates who are white are more likely to receive callback</a:t>
                 </a:r>
               </a:p>
-              <a:p>
-                <a:pPr lvl="0" indent="0" marL="0">
-                  <a:buNone/>
-                </a:pPr>
-                <a:r>
-                  <a:rPr/>
-                  <a:t>95% Confidence Interval for the sample proportion:</a:t>
-                </a:r>
-              </a:p>
-              <a:p>
-                <a:pPr lvl="0" indent="0">
-                  <a:buNone/>
-                </a:pPr>
-                <a:r>
-                  <a:rPr>
-                    <a:latin typeface="Courier"/>
-                  </a:rPr>
-                  <a:t>## # A tibble: 1 × 2
-##   lower_ci upper_ci
-##      &lt;dbl&gt;    &lt;dbl&gt;
-## 1   0.0731   0.0881</a:t>
-                </a:r>
-              </a:p>
             </p:txBody>
           </p:sp>
         </mc:Choice>
       </mc:AlternateContent>
-    </p:spTree>
-  </p:cSld>
-</p:sld>
-</file>
-
-<file path=ppt/slides/slide8.xml><?xml version="1.0" encoding="utf-8"?>
-<p:sld xmlns:a="http://schemas.openxmlformats.org/drawingml/2006/main" xmlns:r="http://schemas.openxmlformats.org/officeDocument/2006/relationships" xmlns:p="http://schemas.openxmlformats.org/presentationml/2006/main">
-  <p:cSld>
-    <p:spTree>
-      <p:nvGrpSpPr>
-        <p:cNvPr id="1" name=""/>
-        <p:cNvGrpSpPr/>
-        <p:nvPr/>
-      </p:nvGrpSpPr>
-      <p:grpSpPr>
-        <a:xfrm>
-          <a:off x="0" y="0"/>
-          <a:ext cx="0" cy="0"/>
-          <a:chOff x="0" y="0"/>
-          <a:chExt cx="0" cy="0"/>
-        </a:xfrm>
-      </p:grpSpPr>
-      <p:sp>
-        <p:nvSpPr>
-          <p:cNvPr id="8" name="Title 7">
-            <a:extLst>
-              <a:ext uri="{FF2B5EF4-FFF2-40B4-BE49-F238E27FC236}">
-                <a16:creationId xmlns:a16="http://schemas.microsoft.com/office/drawing/2014/main" id="{5ED30882-DACC-AA46-8FCE-791D7772B9E6}"/>
-              </a:ext>
-            </a:extLst>
-          </p:cNvPr>
-          <p:cNvSpPr>
-            <a:spLocks noGrp="1"/>
-          </p:cNvSpPr>
-          <p:nvPr>
-            <p:ph type="title"/>
-          </p:nvPr>
-        </p:nvSpPr>
-        <p:spPr/>
-        <p:txBody>
-          <a:bodyPr/>
-          <a:lstStyle/>
-          <a:p>
-            <a:pPr lvl="0" indent="0" marL="0">
-              <a:buNone/>
-            </a:pPr>
-            <a:r>
-              <a:rPr/>
-              <a:t>Chi-square Testing framework</a:t>
-            </a:r>
-          </a:p>
-        </p:txBody>
-      </p:sp>
-      <p:sp>
-        <p:nvSpPr>
-          <p:cNvPr id="12" name="Content Placeholder 2"/>
-          <p:cNvSpPr>
-            <a:spLocks noGrp="1"/>
-          </p:cNvSpPr>
-          <p:nvPr>
-            <p:ph idx="13" sz="quarter"/>
-          </p:nvPr>
-        </p:nvSpPr>
-        <p:spPr/>
-        <p:txBody>
-          <a:bodyPr/>
-          <a:lstStyle/>
-          <a:p>
-            <a:pPr lvl="0" indent="0" marL="0">
-              <a:buNone/>
-            </a:pPr>
-            <a:r>
-              <a:rPr/>
-              <a:t>Assumptions for using Chi-square:</a:t>
-            </a:r>
-          </a:p>
-          <a:p>
-            <a:pPr lvl="0" indent="-457200" marL="457200">
-              <a:buAutoNum type="arabicPeriod"/>
-            </a:pPr>
-            <a:r>
-              <a:rPr/>
-              <a:t>Both variables are categorical</a:t>
-            </a:r>
-          </a:p>
-          <a:p>
-            <a:pPr lvl="0" indent="-457200" marL="457200">
-              <a:buAutoNum type="arabicPeriod"/>
-            </a:pPr>
-            <a:r>
-              <a:rPr/>
-              <a:t>Observations are independent</a:t>
-            </a:r>
-          </a:p>
-          <a:p>
-            <a:pPr lvl="0" indent="-457200" marL="457200">
-              <a:buAutoNum type="arabicPeriod"/>
-            </a:pPr>
-            <a:r>
-              <a:rPr/>
-              <a:t>Individuals can only belong to one cell in the contingency table. That is, cells in the table are mutually exclusive – an individual cannot belong to more than one cell</a:t>
-            </a:r>
-          </a:p>
-          <a:p>
-            <a:pPr lvl="0" indent="-457200" marL="457200">
-              <a:buAutoNum type="arabicPeriod"/>
-            </a:pPr>
-            <a:r>
-              <a:rPr/>
-              <a:t>There must be at least 5 frequencies in each cell</a:t>
-            </a:r>
-          </a:p>
-          <a:p>
-            <a:pPr lvl="0" indent="0" marL="0">
-              <a:buNone/>
-            </a:pPr>
-            <a:r>
-              <a:rPr/>
-              <a:t>Our dataset satisfies all above assumptions.</a:t>
-            </a:r>
-          </a:p>
-        </p:txBody>
-      </p:sp>
     </p:spTree>
   </p:cSld>
 </p:sld>
@@ -8328,7 +8576,7 @@
             </a:pPr>
             <a:r>
               <a:rPr/>
-              <a:t>Compute Chi-square</a:t>
+              <a:t>Chi-square Testing framework</a:t>
             </a:r>
           </a:p>
         </p:txBody>
@@ -8348,20 +8596,57 @@
           <a:bodyPr/>
           <a:lstStyle/>
           <a:p>
-            <a:pPr lvl="0" indent="0">
+            <a:pPr lvl="0" indent="0" marL="0">
               <a:buNone/>
             </a:pPr>
             <a:r>
-              <a:rPr>
-                <a:latin typeface="Courier"/>
-              </a:rPr>
-              <a:t>## Response: received_callback_cat (factor)
-## Explanatory: race (factor)
-## Null Hypothesis: independence
-## # A tibble: 1 × 1
-##    stat
-##   &lt;dbl&gt;
-## 1  16.4</a:t>
+              <a:rPr/>
+              <a:t>Assumptions for using Chi-square:</a:t>
+            </a:r>
+          </a:p>
+          <a:p>
+            <a:pPr lvl="0" indent="-457200" marL="457200">
+              <a:buAutoNum type="arabicPeriod"/>
+            </a:pPr>
+            <a:r>
+              <a:rPr/>
+              <a:t>Both variables are categorical</a:t>
+            </a:r>
+          </a:p>
+          <a:p>
+            <a:pPr lvl="0" indent="-457200" marL="457200">
+              <a:buAutoNum type="arabicPeriod"/>
+            </a:pPr>
+            <a:r>
+              <a:rPr/>
+              <a:t>Observations are independent</a:t>
+            </a:r>
+          </a:p>
+          <a:p>
+            <a:pPr lvl="0" indent="-457200" marL="457200">
+              <a:buAutoNum type="arabicPeriod"/>
+            </a:pPr>
+            <a:r>
+              <a:rPr/>
+              <a:t>Individuals can only belong to one cell in the contingency table. That is, cells in the table are mutually exclusive – an individual cannot belong to more than one cell</a:t>
+            </a:r>
+          </a:p>
+          <a:p>
+            <a:pPr lvl="0" indent="-457200" marL="457200">
+              <a:buAutoNum type="arabicPeriod"/>
+            </a:pPr>
+            <a:r>
+              <a:rPr/>
+              <a:t>There must be at least 5 frequencies in each cell</a:t>
+            </a:r>
+          </a:p>
+          <a:p>
+            <a:pPr lvl="0" indent="0" marL="0">
+              <a:buNone/>
+            </a:pPr>
+            <a:r>
+              <a:rPr/>
+              <a:t>Our dataset satisfies all above assumptions.</a:t>
             </a:r>
           </a:p>
         </p:txBody>

--- a/Project/Hakim-Project.pptx
+++ b/Project/Hakim-Project.pptx
@@ -6309,7 +6309,7 @@
             </a:pPr>
             <a:r>
               <a:rPr/>
-              <a:t>Compute null distribution</a:t>
+              <a:t>Simulated null distribution</a:t>
             </a:r>
           </a:p>
         </p:txBody>
@@ -6345,7 +6345,7 @@
               <a:rPr>
                 <a:latin typeface="Courier"/>
               </a:rPr>
-              <a:t>null_dist_sim </a:t>
+              <a:t>sim_null_dist </a:t>
             </a:r>
             <a:r>
               <a:rPr>

--- a/Project/Hakim-Project.pptx
+++ b/Project/Hakim-Project.pptx
@@ -7280,7 +7280,7 @@
             </a:pPr>
             <a:r>
               <a:rPr/>
-              <a:t>This study was originally conducted in 2001 and 2002 in Chicago and Boston. Over the last 20 years there has been an increase in awareness of biases The data needs to be refreshed and more cities should be included in the study to eliminate potential regional biases.</a:t>
+              <a:t>This study was originally conducted in 2001 and 2002 in Chicago and Boston. Over the last 20 years there has been increasing awareness of bias in hiring practices. The data needs to be refreshed and more cities should be included in the study to eliminate potential regional biases.</a:t>
             </a:r>
           </a:p>
         </p:txBody>
@@ -7376,7 +7376,7 @@
             </a:pPr>
             <a:r>
               <a:rPr/>
-              <a:t>One hopes such studies will raise awareness regarding subtle biases in hiring practices and the need for training and diligence to overcome such biases.</a:t>
+              <a:t>One hopes such studies will lead to even greater awareness regarding subtle biases in hiring practices and the need for training and due diligence that is necessary to overcome such biases.</a:t>
             </a:r>
           </a:p>
         </p:txBody>

--- a/Project/Hakim-Project.pptx
+++ b/Project/Hakim-Project.pptx
@@ -120,16 +120,11 @@
       </a:defRPr>
     </a:lvl9pPr>
   </p:defaultTextStyle>
-  <p:extLst>
-    <p:ext uri="{EFAFB233-063F-42B5-8137-9DF3F51BA10A}">
-      <p15:sldGuideLst xmlns:p15="http://schemas.microsoft.com/office/powerpoint/2012/main"/>
-    </p:ext>
-  </p:extLst>
 </p:presentation>
 </file>
 
 <file path=ppt/slideLayouts/slideLayout1.xml><?xml version="1.0" encoding="utf-8"?>
-<p:sldLayout xmlns:a="http://schemas.openxmlformats.org/drawingml/2006/main" xmlns:r="http://schemas.openxmlformats.org/officeDocument/2006/relationships" xmlns:p="http://schemas.openxmlformats.org/presentationml/2006/main" type="title" preserve="1">
+<p:sldLayout xmlns:a="http://schemas.openxmlformats.org/drawingml/2006/main" xmlns:r="http://schemas.openxmlformats.org/officeDocument/2006/relationships" xmlns:p="http://schemas.openxmlformats.org/presentationml/2006/main" showMasterSp="0" type="title" preserve="1">
   <p:cSld name="Title Slide">
     <p:spTree>
       <p:nvGrpSpPr>
@@ -145,132 +140,683 @@
           <a:chExt cx="0" cy="0"/>
         </a:xfrm>
       </p:grpSpPr>
-      <p:pic>
-        <p:nvPicPr>
-          <p:cNvPr id="7" name="Picture 6" descr="Droplets-HD-Title-R1d.png"/>
-          <p:cNvPicPr>
-            <a:picLocks noChangeAspect="1"/>
-          </p:cNvPicPr>
+      <p:grpSp>
+        <p:nvGrpSpPr>
+          <p:cNvPr id="7" name="Group 6"/>
+          <p:cNvGrpSpPr/>
           <p:nvPr/>
-        </p:nvPicPr>
-        <p:blipFill>
-          <a:blip r:embed="rId2">
-            <a:extLst>
-              <a:ext uri="{28A0092B-C50C-407E-A947-70E740481C1C}">
-                <a14:useLocalDpi xmlns:a14="http://schemas.microsoft.com/office/drawing/2010/main" val="0"/>
-              </a:ext>
-            </a:extLst>
-          </a:blip>
-          <a:stretch>
-            <a:fillRect/>
-          </a:stretch>
-        </p:blipFill>
+        </p:nvGrpSpPr>
+        <p:grpSpPr>
+          <a:xfrm>
+            <a:off x="0" y="-8467"/>
+            <a:ext cx="12192000" cy="6866467"/>
+            <a:chOff x="0" y="-8467"/>
+            <a:chExt cx="12192000" cy="6866467"/>
+          </a:xfrm>
+        </p:grpSpPr>
+        <p:cxnSp>
+          <p:nvCxnSpPr>
+            <p:cNvPr id="32" name="Straight Connector 31"/>
+            <p:cNvCxnSpPr/>
+            <p:nvPr/>
+          </p:nvCxnSpPr>
+          <p:spPr>
+            <a:xfrm>
+              <a:off x="9371012" y="0"/>
+              <a:ext cx="1219200" cy="6858000"/>
+            </a:xfrm>
+            <a:prstGeom prst="line">
+              <a:avLst/>
+            </a:prstGeom>
+            <a:ln w="9525">
+              <a:solidFill>
+                <a:schemeClr val="bg1">
+                  <a:lumMod val="75000"/>
+                </a:schemeClr>
+              </a:solidFill>
+            </a:ln>
+          </p:spPr>
+          <p:style>
+            <a:lnRef idx="2">
+              <a:schemeClr val="accent1"/>
+            </a:lnRef>
+            <a:fillRef idx="0">
+              <a:schemeClr val="accent1"/>
+            </a:fillRef>
+            <a:effectRef idx="1">
+              <a:schemeClr val="accent1"/>
+            </a:effectRef>
+            <a:fontRef idx="minor">
+              <a:schemeClr val="tx1"/>
+            </a:fontRef>
+          </p:style>
+        </p:cxnSp>
+        <p:cxnSp>
+          <p:nvCxnSpPr>
+            <p:cNvPr id="21" name="Straight Connector 20"/>
+            <p:cNvCxnSpPr/>
+            <p:nvPr/>
+          </p:nvCxnSpPr>
+          <p:spPr>
+            <a:xfrm flipH="1">
+              <a:off x="7425267" y="3681413"/>
+              <a:ext cx="4763558" cy="3176587"/>
+            </a:xfrm>
+            <a:prstGeom prst="line">
+              <a:avLst/>
+            </a:prstGeom>
+            <a:ln w="9525">
+              <a:solidFill>
+                <a:schemeClr val="bg1">
+                  <a:lumMod val="85000"/>
+                </a:schemeClr>
+              </a:solidFill>
+            </a:ln>
+          </p:spPr>
+          <p:style>
+            <a:lnRef idx="2">
+              <a:schemeClr val="accent1"/>
+            </a:lnRef>
+            <a:fillRef idx="0">
+              <a:schemeClr val="accent1"/>
+            </a:fillRef>
+            <a:effectRef idx="1">
+              <a:schemeClr val="accent1"/>
+            </a:effectRef>
+            <a:fontRef idx="minor">
+              <a:schemeClr val="tx1"/>
+            </a:fontRef>
+          </p:style>
+        </p:cxnSp>
+        <p:sp>
+          <p:nvSpPr>
+            <p:cNvPr id="24" name="Rectangle 23"/>
+            <p:cNvSpPr/>
+            <p:nvPr/>
+          </p:nvSpPr>
+          <p:spPr>
+            <a:xfrm>
+              <a:off x="9181476" y="-8467"/>
+              <a:ext cx="3007349" cy="6866467"/>
+            </a:xfrm>
+            <a:custGeom>
+              <a:avLst/>
+              <a:gdLst/>
+              <a:ahLst/>
+              <a:cxnLst/>
+              <a:rect l="l" t="t" r="r" b="b"/>
+              <a:pathLst>
+                <a:path w="3007349" h="6866467">
+                  <a:moveTo>
+                    <a:pt x="2045532" y="0"/>
+                  </a:moveTo>
+                  <a:lnTo>
+                    <a:pt x="3007349" y="0"/>
+                  </a:lnTo>
+                  <a:lnTo>
+                    <a:pt x="3007349" y="6866467"/>
+                  </a:lnTo>
+                  <a:lnTo>
+                    <a:pt x="0" y="6866467"/>
+                  </a:lnTo>
+                  <a:lnTo>
+                    <a:pt x="2045532" y="0"/>
+                  </a:lnTo>
+                  <a:close/>
+                </a:path>
+              </a:pathLst>
+            </a:custGeom>
+            <a:solidFill>
+              <a:schemeClr val="accent1">
+                <a:alpha val="30000"/>
+              </a:schemeClr>
+            </a:solidFill>
+            <a:ln>
+              <a:noFill/>
+            </a:ln>
+            <a:effectLst/>
+          </p:spPr>
+          <p:style>
+            <a:lnRef idx="1">
+              <a:schemeClr val="accent1"/>
+            </a:lnRef>
+            <a:fillRef idx="3">
+              <a:schemeClr val="accent1"/>
+            </a:fillRef>
+            <a:effectRef idx="2">
+              <a:schemeClr val="accent1"/>
+            </a:effectRef>
+            <a:fontRef idx="minor">
+              <a:schemeClr val="lt1"/>
+            </a:fontRef>
+          </p:style>
+        </p:sp>
+        <p:sp>
+          <p:nvSpPr>
+            <p:cNvPr id="26" name="Rectangle 25"/>
+            <p:cNvSpPr/>
+            <p:nvPr/>
+          </p:nvSpPr>
+          <p:spPr>
+            <a:xfrm>
+              <a:off x="9603442" y="-8467"/>
+              <a:ext cx="2588558" cy="6866467"/>
+            </a:xfrm>
+            <a:custGeom>
+              <a:avLst/>
+              <a:gdLst/>
+              <a:ahLst/>
+              <a:cxnLst/>
+              <a:rect l="l" t="t" r="r" b="b"/>
+              <a:pathLst>
+                <a:path w="2573311" h="6866467">
+                  <a:moveTo>
+                    <a:pt x="0" y="0"/>
+                  </a:moveTo>
+                  <a:lnTo>
+                    <a:pt x="2573311" y="0"/>
+                  </a:lnTo>
+                  <a:lnTo>
+                    <a:pt x="2573311" y="6866467"/>
+                  </a:lnTo>
+                  <a:lnTo>
+                    <a:pt x="1202336" y="6866467"/>
+                  </a:lnTo>
+                  <a:lnTo>
+                    <a:pt x="0" y="0"/>
+                  </a:lnTo>
+                  <a:close/>
+                </a:path>
+              </a:pathLst>
+            </a:custGeom>
+            <a:solidFill>
+              <a:schemeClr val="accent1">
+                <a:alpha val="20000"/>
+              </a:schemeClr>
+            </a:solidFill>
+            <a:ln>
+              <a:noFill/>
+            </a:ln>
+            <a:effectLst/>
+          </p:spPr>
+          <p:style>
+            <a:lnRef idx="1">
+              <a:schemeClr val="accent1"/>
+            </a:lnRef>
+            <a:fillRef idx="3">
+              <a:schemeClr val="accent1"/>
+            </a:fillRef>
+            <a:effectRef idx="2">
+              <a:schemeClr val="accent1"/>
+            </a:effectRef>
+            <a:fontRef idx="minor">
+              <a:schemeClr val="lt1"/>
+            </a:fontRef>
+          </p:style>
+        </p:sp>
+        <p:sp>
+          <p:nvSpPr>
+            <p:cNvPr id="27" name="Isosceles Triangle 26"/>
+            <p:cNvSpPr/>
+            <p:nvPr/>
+          </p:nvSpPr>
+          <p:spPr>
+            <a:xfrm>
+              <a:off x="8932333" y="3048000"/>
+              <a:ext cx="3259667" cy="3810000"/>
+            </a:xfrm>
+            <a:prstGeom prst="triangle">
+              <a:avLst>
+                <a:gd name="adj" fmla="val 100000"/>
+              </a:avLst>
+            </a:prstGeom>
+            <a:solidFill>
+              <a:schemeClr val="accent2">
+                <a:alpha val="72000"/>
+              </a:schemeClr>
+            </a:solidFill>
+            <a:ln>
+              <a:noFill/>
+            </a:ln>
+            <a:effectLst/>
+          </p:spPr>
+          <p:style>
+            <a:lnRef idx="1">
+              <a:schemeClr val="accent1"/>
+            </a:lnRef>
+            <a:fillRef idx="3">
+              <a:schemeClr val="accent1"/>
+            </a:fillRef>
+            <a:effectRef idx="2">
+              <a:schemeClr val="accent1"/>
+            </a:effectRef>
+            <a:fontRef idx="minor">
+              <a:schemeClr val="lt1"/>
+            </a:fontRef>
+          </p:style>
+        </p:sp>
+        <p:sp>
+          <p:nvSpPr>
+            <p:cNvPr id="28" name="Rectangle 27"/>
+            <p:cNvSpPr/>
+            <p:nvPr/>
+          </p:nvSpPr>
+          <p:spPr>
+            <a:xfrm>
+              <a:off x="9334500" y="-8467"/>
+              <a:ext cx="2854326" cy="6866467"/>
+            </a:xfrm>
+            <a:custGeom>
+              <a:avLst/>
+              <a:gdLst/>
+              <a:ahLst/>
+              <a:cxnLst/>
+              <a:rect l="l" t="t" r="r" b="b"/>
+              <a:pathLst>
+                <a:path w="2858013" h="6866467">
+                  <a:moveTo>
+                    <a:pt x="0" y="0"/>
+                  </a:moveTo>
+                  <a:lnTo>
+                    <a:pt x="2858013" y="0"/>
+                  </a:lnTo>
+                  <a:lnTo>
+                    <a:pt x="2858013" y="6866467"/>
+                  </a:lnTo>
+                  <a:lnTo>
+                    <a:pt x="2473942" y="6866467"/>
+                  </a:lnTo>
+                  <a:lnTo>
+                    <a:pt x="0" y="0"/>
+                  </a:lnTo>
+                  <a:close/>
+                </a:path>
+              </a:pathLst>
+            </a:custGeom>
+            <a:solidFill>
+              <a:schemeClr val="accent2">
+                <a:lumMod val="75000"/>
+                <a:alpha val="70000"/>
+              </a:schemeClr>
+            </a:solidFill>
+            <a:ln>
+              <a:noFill/>
+            </a:ln>
+            <a:effectLst/>
+          </p:spPr>
+          <p:style>
+            <a:lnRef idx="1">
+              <a:schemeClr val="accent1"/>
+            </a:lnRef>
+            <a:fillRef idx="3">
+              <a:schemeClr val="accent1"/>
+            </a:fillRef>
+            <a:effectRef idx="2">
+              <a:schemeClr val="accent1"/>
+            </a:effectRef>
+            <a:fontRef idx="minor">
+              <a:schemeClr val="lt1"/>
+            </a:fontRef>
+          </p:style>
+        </p:sp>
+        <p:sp>
+          <p:nvSpPr>
+            <p:cNvPr id="29" name="Rectangle 28"/>
+            <p:cNvSpPr/>
+            <p:nvPr/>
+          </p:nvSpPr>
+          <p:spPr>
+            <a:xfrm>
+              <a:off x="10898730" y="-8467"/>
+              <a:ext cx="1290094" cy="6866467"/>
+            </a:xfrm>
+            <a:custGeom>
+              <a:avLst/>
+              <a:gdLst/>
+              <a:ahLst/>
+              <a:cxnLst/>
+              <a:rect l="l" t="t" r="r" b="b"/>
+              <a:pathLst>
+                <a:path w="1290094" h="6858000">
+                  <a:moveTo>
+                    <a:pt x="1019735" y="0"/>
+                  </a:moveTo>
+                  <a:lnTo>
+                    <a:pt x="1290094" y="0"/>
+                  </a:lnTo>
+                  <a:lnTo>
+                    <a:pt x="1290094" y="6858000"/>
+                  </a:lnTo>
+                  <a:lnTo>
+                    <a:pt x="0" y="6858000"/>
+                  </a:lnTo>
+                  <a:lnTo>
+                    <a:pt x="1019735" y="0"/>
+                  </a:lnTo>
+                  <a:close/>
+                </a:path>
+              </a:pathLst>
+            </a:custGeom>
+            <a:solidFill>
+              <a:schemeClr val="accent1">
+                <a:lumMod val="60000"/>
+                <a:lumOff val="40000"/>
+                <a:alpha val="70000"/>
+              </a:schemeClr>
+            </a:solidFill>
+            <a:ln>
+              <a:noFill/>
+            </a:ln>
+            <a:effectLst/>
+          </p:spPr>
+          <p:style>
+            <a:lnRef idx="1">
+              <a:schemeClr val="accent1"/>
+            </a:lnRef>
+            <a:fillRef idx="3">
+              <a:schemeClr val="accent1"/>
+            </a:fillRef>
+            <a:effectRef idx="2">
+              <a:schemeClr val="accent1"/>
+            </a:effectRef>
+            <a:fontRef idx="minor">
+              <a:schemeClr val="lt1"/>
+            </a:fontRef>
+          </p:style>
+        </p:sp>
+        <p:sp>
+          <p:nvSpPr>
+            <p:cNvPr id="30" name="Rectangle 29"/>
+            <p:cNvSpPr/>
+            <p:nvPr/>
+          </p:nvSpPr>
+          <p:spPr>
+            <a:xfrm>
+              <a:off x="10938999" y="-8467"/>
+              <a:ext cx="1249825" cy="6866467"/>
+            </a:xfrm>
+            <a:custGeom>
+              <a:avLst/>
+              <a:gdLst/>
+              <a:ahLst/>
+              <a:cxnLst/>
+              <a:rect l="l" t="t" r="r" b="b"/>
+              <a:pathLst>
+                <a:path w="1249825" h="6858000">
+                  <a:moveTo>
+                    <a:pt x="0" y="0"/>
+                  </a:moveTo>
+                  <a:lnTo>
+                    <a:pt x="1249825" y="0"/>
+                  </a:lnTo>
+                  <a:lnTo>
+                    <a:pt x="1249825" y="6858000"/>
+                  </a:lnTo>
+                  <a:lnTo>
+                    <a:pt x="1109382" y="6858000"/>
+                  </a:lnTo>
+                  <a:lnTo>
+                    <a:pt x="0" y="0"/>
+                  </a:lnTo>
+                  <a:close/>
+                </a:path>
+              </a:pathLst>
+            </a:custGeom>
+            <a:solidFill>
+              <a:schemeClr val="accent1">
+                <a:alpha val="65000"/>
+              </a:schemeClr>
+            </a:solidFill>
+            <a:ln>
+              <a:noFill/>
+            </a:ln>
+            <a:effectLst/>
+          </p:spPr>
+          <p:style>
+            <a:lnRef idx="1">
+              <a:schemeClr val="accent1"/>
+            </a:lnRef>
+            <a:fillRef idx="3">
+              <a:schemeClr val="accent1"/>
+            </a:fillRef>
+            <a:effectRef idx="2">
+              <a:schemeClr val="accent1"/>
+            </a:effectRef>
+            <a:fontRef idx="minor">
+              <a:schemeClr val="lt1"/>
+            </a:fontRef>
+          </p:style>
+        </p:sp>
+        <p:sp>
+          <p:nvSpPr>
+            <p:cNvPr id="31" name="Isosceles Triangle 30"/>
+            <p:cNvSpPr/>
+            <p:nvPr/>
+          </p:nvSpPr>
+          <p:spPr>
+            <a:xfrm>
+              <a:off x="10371666" y="3589867"/>
+              <a:ext cx="1817159" cy="3268133"/>
+            </a:xfrm>
+            <a:prstGeom prst="triangle">
+              <a:avLst>
+                <a:gd name="adj" fmla="val 100000"/>
+              </a:avLst>
+            </a:prstGeom>
+            <a:solidFill>
+              <a:schemeClr val="accent1">
+                <a:alpha val="80000"/>
+              </a:schemeClr>
+            </a:solidFill>
+            <a:ln>
+              <a:noFill/>
+            </a:ln>
+            <a:effectLst/>
+          </p:spPr>
+          <p:style>
+            <a:lnRef idx="1">
+              <a:schemeClr val="accent1"/>
+            </a:lnRef>
+            <a:fillRef idx="3">
+              <a:schemeClr val="accent1"/>
+            </a:fillRef>
+            <a:effectRef idx="2">
+              <a:schemeClr val="accent1"/>
+            </a:effectRef>
+            <a:fontRef idx="minor">
+              <a:schemeClr val="lt1"/>
+            </a:fontRef>
+          </p:style>
+        </p:sp>
+        <p:sp>
+          <p:nvSpPr>
+            <p:cNvPr id="19" name="Isosceles Triangle 18"/>
+            <p:cNvSpPr/>
+            <p:nvPr/>
+          </p:nvSpPr>
+          <p:spPr>
+            <a:xfrm rot="10800000">
+              <a:off x="0" y="0"/>
+              <a:ext cx="842596" cy="5666154"/>
+            </a:xfrm>
+            <a:prstGeom prst="triangle">
+              <a:avLst>
+                <a:gd name="adj" fmla="val 100000"/>
+              </a:avLst>
+            </a:prstGeom>
+            <a:solidFill>
+              <a:schemeClr val="accent1">
+                <a:alpha val="85000"/>
+              </a:schemeClr>
+            </a:solidFill>
+            <a:ln>
+              <a:noFill/>
+            </a:ln>
+            <a:effectLst/>
+          </p:spPr>
+          <p:style>
+            <a:lnRef idx="1">
+              <a:schemeClr val="accent1"/>
+            </a:lnRef>
+            <a:fillRef idx="3">
+              <a:schemeClr val="accent1"/>
+            </a:fillRef>
+            <a:effectRef idx="2">
+              <a:schemeClr val="accent1"/>
+            </a:effectRef>
+            <a:fontRef idx="minor">
+              <a:schemeClr val="lt1"/>
+            </a:fontRef>
+          </p:style>
+        </p:sp>
+      </p:grpSp>
+      <p:sp>
+        <p:nvSpPr>
+          <p:cNvPr id="2" name="Title 1"/>
+          <p:cNvSpPr>
+            <a:spLocks noGrp="1"/>
+          </p:cNvSpPr>
+          <p:nvPr>
+            <p:ph type="ctrTitle"/>
+          </p:nvPr>
+        </p:nvSpPr>
         <p:spPr>
           <a:xfrm>
-            <a:off x="0" y="0"/>
-            <a:ext cx="12192000" cy="6858000"/>
+            <a:off x="1507067" y="2404534"/>
+            <a:ext cx="7766936" cy="1646302"/>
           </a:xfrm>
-          <a:prstGeom prst="rect">
-            <a:avLst/>
-          </a:prstGeom>
         </p:spPr>
-      </p:pic>
-      <p:sp>
-        <p:nvSpPr>
-          <p:cNvPr id="2" name="Title 1"/>
-          <p:cNvSpPr>
-            <a:spLocks noGrp="1"/>
-          </p:cNvSpPr>
-          <p:nvPr>
-            <p:ph type="ctrTitle"/>
+        <p:txBody>
+          <a:bodyPr anchor="b">
+            <a:noAutofit/>
+          </a:bodyPr>
+          <a:lstStyle>
+            <a:lvl1pPr algn="r">
+              <a:defRPr sz="5400">
+                <a:solidFill>
+                  <a:schemeClr val="accent1"/>
+                </a:solidFill>
+              </a:defRPr>
+            </a:lvl1pPr>
+          </a:lstStyle>
+          <a:p>
+            <a:r>
+              <a:rPr lang="en-US"/>
+              <a:t>Click to edit Master title style</a:t>
+            </a:r>
+            <a:endParaRPr lang="en-US" dirty="0"/>
+          </a:p>
+        </p:txBody>
+      </p:sp>
+      <p:sp>
+        <p:nvSpPr>
+          <p:cNvPr id="3" name="Subtitle 2"/>
+          <p:cNvSpPr>
+            <a:spLocks noGrp="1"/>
+          </p:cNvSpPr>
+          <p:nvPr>
+            <p:ph type="subTitle" idx="1"/>
           </p:nvPr>
         </p:nvSpPr>
         <p:spPr>
           <a:xfrm>
-            <a:off x="1751012" y="1300785"/>
-            <a:ext cx="8689976" cy="2509213"/>
+            <a:off x="1507067" y="4050833"/>
+            <a:ext cx="7766936" cy="1096899"/>
           </a:xfrm>
         </p:spPr>
         <p:txBody>
-          <a:bodyPr anchor="b">
-            <a:normAutofit/>
-          </a:bodyPr>
+          <a:bodyPr anchor="t"/>
           <a:lstStyle>
-            <a:lvl1pPr algn="ctr">
-              <a:defRPr sz="4800"/>
-            </a:lvl1pPr>
-          </a:lstStyle>
-          <a:p>
-            <a:r>
-              <a:rPr lang="en-US"/>
-              <a:t>Click to edit Master title style</a:t>
-            </a:r>
-            <a:endParaRPr lang="en-US" dirty="0"/>
-          </a:p>
-        </p:txBody>
-      </p:sp>
-      <p:sp>
-        <p:nvSpPr>
-          <p:cNvPr id="3" name="Subtitle 2"/>
-          <p:cNvSpPr>
-            <a:spLocks noGrp="1"/>
-          </p:cNvSpPr>
-          <p:nvPr>
-            <p:ph type="subTitle" idx="1"/>
-          </p:nvPr>
-        </p:nvSpPr>
-        <p:spPr>
-          <a:xfrm>
-            <a:off x="1751012" y="3886200"/>
-            <a:ext cx="8689976" cy="1371599"/>
-          </a:xfrm>
-        </p:spPr>
-        <p:txBody>
-          <a:bodyPr>
-            <a:normAutofit/>
-          </a:bodyPr>
-          <a:lstStyle>
-            <a:lvl1pPr marL="0" indent="0" algn="ctr">
-              <a:buNone/>
-              <a:defRPr sz="2200">
-                <a:solidFill>
-                  <a:schemeClr val="bg1">
+            <a:lvl1pPr marL="0" indent="0" algn="r">
+              <a:buNone/>
+              <a:defRPr>
+                <a:solidFill>
+                  <a:schemeClr val="tx1">
                     <a:lumMod val="50000"/>
+                    <a:lumOff val="50000"/>
                   </a:schemeClr>
                 </a:solidFill>
               </a:defRPr>
             </a:lvl1pPr>
             <a:lvl2pPr marL="457200" indent="0" algn="ctr">
               <a:buNone/>
-              <a:defRPr sz="2000"/>
+              <a:defRPr>
+                <a:solidFill>
+                  <a:schemeClr val="tx1">
+                    <a:tint val="75000"/>
+                  </a:schemeClr>
+                </a:solidFill>
+              </a:defRPr>
             </a:lvl2pPr>
             <a:lvl3pPr marL="914400" indent="0" algn="ctr">
               <a:buNone/>
-              <a:defRPr sz="1800"/>
+              <a:defRPr>
+                <a:solidFill>
+                  <a:schemeClr val="tx1">
+                    <a:tint val="75000"/>
+                  </a:schemeClr>
+                </a:solidFill>
+              </a:defRPr>
             </a:lvl3pPr>
             <a:lvl4pPr marL="1371600" indent="0" algn="ctr">
               <a:buNone/>
-              <a:defRPr sz="1600"/>
+              <a:defRPr>
+                <a:solidFill>
+                  <a:schemeClr val="tx1">
+                    <a:tint val="75000"/>
+                  </a:schemeClr>
+                </a:solidFill>
+              </a:defRPr>
             </a:lvl4pPr>
             <a:lvl5pPr marL="1828800" indent="0" algn="ctr">
               <a:buNone/>
-              <a:defRPr sz="1600"/>
+              <a:defRPr>
+                <a:solidFill>
+                  <a:schemeClr val="tx1">
+                    <a:tint val="75000"/>
+                  </a:schemeClr>
+                </a:solidFill>
+              </a:defRPr>
             </a:lvl5pPr>
             <a:lvl6pPr marL="2286000" indent="0" algn="ctr">
               <a:buNone/>
-              <a:defRPr sz="1600"/>
+              <a:defRPr>
+                <a:solidFill>
+                  <a:schemeClr val="tx1">
+                    <a:tint val="75000"/>
+                  </a:schemeClr>
+                </a:solidFill>
+              </a:defRPr>
             </a:lvl6pPr>
             <a:lvl7pPr marL="2743200" indent="0" algn="ctr">
               <a:buNone/>
-              <a:defRPr sz="1600"/>
+              <a:defRPr>
+                <a:solidFill>
+                  <a:schemeClr val="tx1">
+                    <a:tint val="75000"/>
+                  </a:schemeClr>
+                </a:solidFill>
+              </a:defRPr>
             </a:lvl7pPr>
             <a:lvl8pPr marL="3200400" indent="0" algn="ctr">
               <a:buNone/>
-              <a:defRPr sz="1600"/>
+              <a:defRPr>
+                <a:solidFill>
+                  <a:schemeClr val="tx1">
+                    <a:tint val="75000"/>
+                  </a:schemeClr>
+                </a:solidFill>
+              </a:defRPr>
             </a:lvl8pPr>
             <a:lvl9pPr marL="3657600" indent="0" algn="ctr">
               <a:buNone/>
-              <a:defRPr sz="1600"/>
+              <a:defRPr>
+                <a:solidFill>
+                  <a:schemeClr val="tx1">
+                    <a:tint val="75000"/>
+                  </a:schemeClr>
+                </a:solidFill>
+              </a:defRPr>
             </a:lvl9pPr>
           </a:lstStyle>
           <a:p>
@@ -297,9 +843,10 @@
           <a:bodyPr/>
           <a:lstStyle/>
           <a:p>
-            <a:fld id="{48A87A34-81AB-432B-8DAE-1953F412C126}" type="datetimeFigureOut">
+            <a:fld id="{B61BEF0D-F0BB-DE4B-95CE-6DB70DBA9567}" type="datetimeFigureOut">
               <a:rPr lang="en-US" dirty="0"/>
-              <a:t>11/29/22</a:t>
+              <a:pPr/>
+              <a:t>12/2/22</a:t>
             </a:fld>
             <a:endParaRPr lang="en-US" dirty="0"/>
           </a:p>
@@ -339,8 +886,9 @@
           <a:bodyPr/>
           <a:lstStyle/>
           <a:p>
-            <a:fld id="{6D22F896-40B5-4ADD-8801-0D06FADFA095}" type="slidenum">
+            <a:fld id="{D57F1E4F-1CFF-5643-939E-217C01CDF565}" type="slidenum">
               <a:rPr lang="en-US" dirty="0"/>
+              <a:pPr/>
               <a:t>‹#›</a:t>
             </a:fld>
             <a:endParaRPr lang="en-US" dirty="0"/>
@@ -356,313 +904,6 @@
 </file>
 
 <file path=ppt/slideLayouts/slideLayout10.xml><?xml version="1.0" encoding="utf-8"?>
-<p:sldLayout xmlns:a="http://schemas.openxmlformats.org/drawingml/2006/main" xmlns:r="http://schemas.openxmlformats.org/officeDocument/2006/relationships" xmlns:p="http://schemas.openxmlformats.org/presentationml/2006/main" preserve="1">
-  <p:cSld name="Panoramic Picture with Caption">
-    <p:spTree>
-      <p:nvGrpSpPr>
-        <p:cNvPr id="1" name=""/>
-        <p:cNvGrpSpPr/>
-        <p:nvPr/>
-      </p:nvGrpSpPr>
-      <p:grpSpPr>
-        <a:xfrm>
-          <a:off x="0" y="0"/>
-          <a:ext cx="0" cy="0"/>
-          <a:chOff x="0" y="0"/>
-          <a:chExt cx="0" cy="0"/>
-        </a:xfrm>
-      </p:grpSpPr>
-      <p:pic>
-        <p:nvPicPr>
-          <p:cNvPr id="10" name="Picture 9" descr="Droplets-HD-Content-R1d.png"/>
-          <p:cNvPicPr>
-            <a:picLocks noChangeAspect="1"/>
-          </p:cNvPicPr>
-          <p:nvPr/>
-        </p:nvPicPr>
-        <p:blipFill>
-          <a:blip r:embed="rId2">
-            <a:extLst>
-              <a:ext uri="{28A0092B-C50C-407E-A947-70E740481C1C}">
-                <a14:useLocalDpi xmlns:a14="http://schemas.microsoft.com/office/drawing/2010/main" val="0"/>
-              </a:ext>
-            </a:extLst>
-          </a:blip>
-          <a:stretch>
-            <a:fillRect/>
-          </a:stretch>
-        </p:blipFill>
-        <p:spPr>
-          <a:xfrm>
-            <a:off x="0" y="0"/>
-            <a:ext cx="12192000" cy="6858000"/>
-          </a:xfrm>
-          <a:prstGeom prst="rect">
-            <a:avLst/>
-          </a:prstGeom>
-        </p:spPr>
-      </p:pic>
-      <p:sp>
-        <p:nvSpPr>
-          <p:cNvPr id="2" name="Title 1"/>
-          <p:cNvSpPr>
-            <a:spLocks noGrp="1"/>
-          </p:cNvSpPr>
-          <p:nvPr>
-            <p:ph type="title"/>
-          </p:nvPr>
-        </p:nvSpPr>
-        <p:spPr>
-          <a:xfrm>
-            <a:off x="913794" y="4289374"/>
-            <a:ext cx="10364432" cy="811610"/>
-          </a:xfrm>
-        </p:spPr>
-        <p:txBody>
-          <a:bodyPr anchor="b"/>
-          <a:lstStyle>
-            <a:lvl1pPr>
-              <a:defRPr sz="3200"/>
-            </a:lvl1pPr>
-          </a:lstStyle>
-          <a:p>
-            <a:r>
-              <a:rPr lang="en-US"/>
-              <a:t>Click to edit Master title style</a:t>
-            </a:r>
-            <a:endParaRPr lang="en-US" dirty="0"/>
-          </a:p>
-        </p:txBody>
-      </p:sp>
-      <p:sp>
-        <p:nvSpPr>
-          <p:cNvPr id="3" name="Picture Placeholder 2"/>
-          <p:cNvSpPr>
-            <a:spLocks noGrp="1" noChangeAspect="1"/>
-          </p:cNvSpPr>
-          <p:nvPr>
-            <p:ph type="pic" idx="1"/>
-          </p:nvPr>
-        </p:nvSpPr>
-        <p:spPr>
-          <a:xfrm>
-            <a:off x="1184744" y="698261"/>
-            <a:ext cx="9822532" cy="3214136"/>
-          </a:xfrm>
-          <a:prstGeom prst="roundRect">
-            <a:avLst>
-              <a:gd name="adj" fmla="val 4944"/>
-            </a:avLst>
-          </a:prstGeom>
-          <a:noFill/>
-          <a:ln w="82550" cap="sq">
-            <a:solidFill>
-              <a:srgbClr val="EAEAEA"/>
-            </a:solidFill>
-            <a:miter lim="800000"/>
-          </a:ln>
-          <a:effectLst/>
-          <a:scene3d>
-            <a:camera prst="orthographicFront"/>
-            <a:lightRig rig="threePt" dir="t">
-              <a:rot lat="0" lon="0" rev="2700000"/>
-            </a:lightRig>
-          </a:scene3d>
-          <a:sp3d contourW="6350">
-            <a:bevelT h="38100"/>
-            <a:contourClr>
-              <a:srgbClr val="C0C0C0"/>
-            </a:contourClr>
-          </a:sp3d>
-        </p:spPr>
-        <p:txBody>
-          <a:bodyPr anchor="t"/>
-          <a:lstStyle>
-            <a:lvl1pPr marL="0" indent="0" algn="ctr">
-              <a:buNone/>
-              <a:defRPr sz="3200"/>
-            </a:lvl1pPr>
-            <a:lvl2pPr marL="457200" indent="0">
-              <a:buNone/>
-              <a:defRPr sz="2800"/>
-            </a:lvl2pPr>
-            <a:lvl3pPr marL="914400" indent="0">
-              <a:buNone/>
-              <a:defRPr sz="2400"/>
-            </a:lvl3pPr>
-            <a:lvl4pPr marL="1371600" indent="0">
-              <a:buNone/>
-              <a:defRPr sz="2000"/>
-            </a:lvl4pPr>
-            <a:lvl5pPr marL="1828800" indent="0">
-              <a:buNone/>
-              <a:defRPr sz="2000"/>
-            </a:lvl5pPr>
-            <a:lvl6pPr marL="2286000" indent="0">
-              <a:buNone/>
-              <a:defRPr sz="2000"/>
-            </a:lvl6pPr>
-            <a:lvl7pPr marL="2743200" indent="0">
-              <a:buNone/>
-              <a:defRPr sz="2000"/>
-            </a:lvl7pPr>
-            <a:lvl8pPr marL="3200400" indent="0">
-              <a:buNone/>
-              <a:defRPr sz="2000"/>
-            </a:lvl8pPr>
-            <a:lvl9pPr marL="3657600" indent="0">
-              <a:buNone/>
-              <a:defRPr sz="2000"/>
-            </a:lvl9pPr>
-          </a:lstStyle>
-          <a:p>
-            <a:r>
-              <a:rPr lang="en-US"/>
-              <a:t>Click icon to add picture</a:t>
-            </a:r>
-            <a:endParaRPr lang="en-US" dirty="0"/>
-          </a:p>
-        </p:txBody>
-      </p:sp>
-      <p:sp>
-        <p:nvSpPr>
-          <p:cNvPr id="4" name="Text Placeholder 3"/>
-          <p:cNvSpPr>
-            <a:spLocks noGrp="1"/>
-          </p:cNvSpPr>
-          <p:nvPr>
-            <p:ph type="body" sz="half" idx="2"/>
-          </p:nvPr>
-        </p:nvSpPr>
-        <p:spPr>
-          <a:xfrm>
-            <a:off x="913774" y="5108728"/>
-            <a:ext cx="10364452" cy="682472"/>
-          </a:xfrm>
-        </p:spPr>
-        <p:txBody>
-          <a:bodyPr/>
-          <a:lstStyle>
-            <a:lvl1pPr marL="0" indent="0" algn="ctr">
-              <a:buNone/>
-              <a:defRPr sz="1600"/>
-            </a:lvl1pPr>
-            <a:lvl2pPr marL="457200" indent="0">
-              <a:buNone/>
-              <a:defRPr sz="1400"/>
-            </a:lvl2pPr>
-            <a:lvl3pPr marL="914400" indent="0">
-              <a:buNone/>
-              <a:defRPr sz="1200"/>
-            </a:lvl3pPr>
-            <a:lvl4pPr marL="1371600" indent="0">
-              <a:buNone/>
-              <a:defRPr sz="1000"/>
-            </a:lvl4pPr>
-            <a:lvl5pPr marL="1828800" indent="0">
-              <a:buNone/>
-              <a:defRPr sz="1000"/>
-            </a:lvl5pPr>
-            <a:lvl6pPr marL="2286000" indent="0">
-              <a:buNone/>
-              <a:defRPr sz="1000"/>
-            </a:lvl6pPr>
-            <a:lvl7pPr marL="2743200" indent="0">
-              <a:buNone/>
-              <a:defRPr sz="1000"/>
-            </a:lvl7pPr>
-            <a:lvl8pPr marL="3200400" indent="0">
-              <a:buNone/>
-              <a:defRPr sz="1000"/>
-            </a:lvl8pPr>
-            <a:lvl9pPr marL="3657600" indent="0">
-              <a:buNone/>
-              <a:defRPr sz="1000"/>
-            </a:lvl9pPr>
-          </a:lstStyle>
-          <a:p>
-            <a:pPr lvl="0"/>
-            <a:r>
-              <a:rPr lang="en-US"/>
-              <a:t>Edit Master text styles</a:t>
-            </a:r>
-          </a:p>
-        </p:txBody>
-      </p:sp>
-      <p:sp>
-        <p:nvSpPr>
-          <p:cNvPr id="5" name="Date Placeholder 4"/>
-          <p:cNvSpPr>
-            <a:spLocks noGrp="1"/>
-          </p:cNvSpPr>
-          <p:nvPr>
-            <p:ph type="dt" sz="half" idx="10"/>
-          </p:nvPr>
-        </p:nvSpPr>
-        <p:spPr/>
-        <p:txBody>
-          <a:bodyPr/>
-          <a:lstStyle/>
-          <a:p>
-            <a:fld id="{48A87A34-81AB-432B-8DAE-1953F412C126}" type="datetimeFigureOut">
-              <a:rPr lang="en-US" dirty="0"/>
-              <a:t>11/29/22</a:t>
-            </a:fld>
-            <a:endParaRPr lang="en-US" dirty="0"/>
-          </a:p>
-        </p:txBody>
-      </p:sp>
-      <p:sp>
-        <p:nvSpPr>
-          <p:cNvPr id="6" name="Footer Placeholder 5"/>
-          <p:cNvSpPr>
-            <a:spLocks noGrp="1"/>
-          </p:cNvSpPr>
-          <p:nvPr>
-            <p:ph type="ftr" sz="quarter" idx="11"/>
-          </p:nvPr>
-        </p:nvSpPr>
-        <p:spPr/>
-        <p:txBody>
-          <a:bodyPr/>
-          <a:lstStyle/>
-          <a:p>
-            <a:endParaRPr lang="en-US" dirty="0"/>
-          </a:p>
-        </p:txBody>
-      </p:sp>
-      <p:sp>
-        <p:nvSpPr>
-          <p:cNvPr id="7" name="Slide Number Placeholder 6"/>
-          <p:cNvSpPr>
-            <a:spLocks noGrp="1"/>
-          </p:cNvSpPr>
-          <p:nvPr>
-            <p:ph type="sldNum" sz="quarter" idx="12"/>
-          </p:nvPr>
-        </p:nvSpPr>
-        <p:spPr/>
-        <p:txBody>
-          <a:bodyPr/>
-          <a:lstStyle/>
-          <a:p>
-            <a:fld id="{6D22F896-40B5-4ADD-8801-0D06FADFA095}" type="slidenum">
-              <a:rPr lang="en-US" dirty="0"/>
-              <a:t>‹#›</a:t>
-            </a:fld>
-            <a:endParaRPr lang="en-US" dirty="0"/>
-          </a:p>
-        </p:txBody>
-      </p:sp>
-    </p:spTree>
-  </p:cSld>
-  <p:clrMapOvr>
-    <a:masterClrMapping/>
-  </p:clrMapOvr>
-</p:sldLayout>
-</file>
-
-<file path=ppt/slideLayouts/slideLayout11.xml><?xml version="1.0" encoding="utf-8"?>
 <p:sldLayout xmlns:a="http://schemas.openxmlformats.org/drawingml/2006/main" xmlns:r="http://schemas.openxmlformats.org/officeDocument/2006/relationships" xmlns:p="http://schemas.openxmlformats.org/presentationml/2006/main" preserve="1">
   <p:cSld name="Title and Caption">
     <p:spTree>
@@ -679,122 +920,151 @@
           <a:chExt cx="0" cy="0"/>
         </a:xfrm>
       </p:grpSpPr>
-      <p:pic>
-        <p:nvPicPr>
-          <p:cNvPr id="8" name="Picture 7" descr="Droplets-HD-Content-R1d.png"/>
-          <p:cNvPicPr>
-            <a:picLocks noChangeAspect="1"/>
-          </p:cNvPicPr>
-          <p:nvPr/>
-        </p:nvPicPr>
-        <p:blipFill>
-          <a:blip r:embed="rId2">
-            <a:extLst>
-              <a:ext uri="{28A0092B-C50C-407E-A947-70E740481C1C}">
-                <a14:useLocalDpi xmlns:a14="http://schemas.microsoft.com/office/drawing/2010/main" val="0"/>
-              </a:ext>
-            </a:extLst>
-          </a:blip>
-          <a:stretch>
-            <a:fillRect/>
-          </a:stretch>
-        </p:blipFill>
+      <p:sp>
+        <p:nvSpPr>
+          <p:cNvPr id="2" name="Title 1"/>
+          <p:cNvSpPr>
+            <a:spLocks noGrp="1"/>
+          </p:cNvSpPr>
+          <p:nvPr>
+            <p:ph type="title"/>
+          </p:nvPr>
+        </p:nvSpPr>
         <p:spPr>
           <a:xfrm>
-            <a:off x="0" y="0"/>
-            <a:ext cx="12192000" cy="6858000"/>
+            <a:off x="677335" y="609600"/>
+            <a:ext cx="8596668" cy="3403600"/>
           </a:xfrm>
-          <a:prstGeom prst="rect">
-            <a:avLst/>
-          </a:prstGeom>
         </p:spPr>
-      </p:pic>
-      <p:sp>
-        <p:nvSpPr>
-          <p:cNvPr id="2" name="Title 1"/>
-          <p:cNvSpPr>
-            <a:spLocks noGrp="1"/>
-          </p:cNvSpPr>
-          <p:nvPr>
-            <p:ph type="title"/>
+        <p:txBody>
+          <a:bodyPr anchor="ctr">
+            <a:normAutofit/>
+          </a:bodyPr>
+          <a:lstStyle>
+            <a:lvl1pPr algn="l">
+              <a:defRPr sz="4400" b="0" cap="none"/>
+            </a:lvl1pPr>
+          </a:lstStyle>
+          <a:p>
+            <a:r>
+              <a:rPr lang="en-US"/>
+              <a:t>Click to edit Master title style</a:t>
+            </a:r>
+            <a:endParaRPr lang="en-US" dirty="0"/>
+          </a:p>
+        </p:txBody>
+      </p:sp>
+      <p:sp>
+        <p:nvSpPr>
+          <p:cNvPr id="3" name="Text Placeholder 2"/>
+          <p:cNvSpPr>
+            <a:spLocks noGrp="1"/>
+          </p:cNvSpPr>
+          <p:nvPr>
+            <p:ph type="body" idx="1"/>
           </p:nvPr>
         </p:nvSpPr>
         <p:spPr>
           <a:xfrm>
-            <a:off x="913774" y="609599"/>
-            <a:ext cx="10364452" cy="3427245"/>
+            <a:off x="677335" y="4470400"/>
+            <a:ext cx="8596668" cy="1570962"/>
           </a:xfrm>
         </p:spPr>
         <p:txBody>
-          <a:bodyPr anchor="ctr"/>
+          <a:bodyPr anchor="ctr">
+            <a:normAutofit/>
+          </a:bodyPr>
           <a:lstStyle>
-            <a:lvl1pPr algn="ctr">
-              <a:defRPr sz="3200"/>
-            </a:lvl1pPr>
-          </a:lstStyle>
-          <a:p>
-            <a:r>
-              <a:rPr lang="en-US"/>
-              <a:t>Click to edit Master title style</a:t>
-            </a:r>
-            <a:endParaRPr lang="en-US" dirty="0"/>
-          </a:p>
-        </p:txBody>
-      </p:sp>
-      <p:sp>
-        <p:nvSpPr>
-          <p:cNvPr id="4" name="Text Placeholder 3"/>
-          <p:cNvSpPr>
-            <a:spLocks noGrp="1"/>
-          </p:cNvSpPr>
-          <p:nvPr>
-            <p:ph type="body" sz="half" idx="2"/>
-          </p:nvPr>
-        </p:nvSpPr>
-        <p:spPr>
-          <a:xfrm>
-            <a:off x="913775" y="4204821"/>
-            <a:ext cx="10364452" cy="1586380"/>
-          </a:xfrm>
-        </p:spPr>
-        <p:txBody>
-          <a:bodyPr anchor="ctr"/>
-          <a:lstStyle>
-            <a:lvl1pPr marL="0" indent="0" algn="ctr">
-              <a:buNone/>
-              <a:defRPr sz="1600"/>
+            <a:lvl1pPr marL="0" indent="0" algn="l">
+              <a:buNone/>
+              <a:defRPr sz="1800">
+                <a:solidFill>
+                  <a:schemeClr val="tx1">
+                    <a:lumMod val="75000"/>
+                    <a:lumOff val="25000"/>
+                  </a:schemeClr>
+                </a:solidFill>
+              </a:defRPr>
             </a:lvl1pPr>
             <a:lvl2pPr marL="457200" indent="0">
               <a:buNone/>
-              <a:defRPr sz="1400"/>
+              <a:defRPr sz="1800">
+                <a:solidFill>
+                  <a:schemeClr val="tx1">
+                    <a:tint val="75000"/>
+                  </a:schemeClr>
+                </a:solidFill>
+              </a:defRPr>
             </a:lvl2pPr>
             <a:lvl3pPr marL="914400" indent="0">
               <a:buNone/>
-              <a:defRPr sz="1200"/>
+              <a:defRPr sz="1600">
+                <a:solidFill>
+                  <a:schemeClr val="tx1">
+                    <a:tint val="75000"/>
+                  </a:schemeClr>
+                </a:solidFill>
+              </a:defRPr>
             </a:lvl3pPr>
             <a:lvl4pPr marL="1371600" indent="0">
               <a:buNone/>
-              <a:defRPr sz="1000"/>
+              <a:defRPr sz="1400">
+                <a:solidFill>
+                  <a:schemeClr val="tx1">
+                    <a:tint val="75000"/>
+                  </a:schemeClr>
+                </a:solidFill>
+              </a:defRPr>
             </a:lvl4pPr>
             <a:lvl5pPr marL="1828800" indent="0">
               <a:buNone/>
-              <a:defRPr sz="1000"/>
+              <a:defRPr sz="1400">
+                <a:solidFill>
+                  <a:schemeClr val="tx1">
+                    <a:tint val="75000"/>
+                  </a:schemeClr>
+                </a:solidFill>
+              </a:defRPr>
             </a:lvl5pPr>
             <a:lvl6pPr marL="2286000" indent="0">
               <a:buNone/>
-              <a:defRPr sz="1000"/>
+              <a:defRPr sz="1400">
+                <a:solidFill>
+                  <a:schemeClr val="tx1">
+                    <a:tint val="75000"/>
+                  </a:schemeClr>
+                </a:solidFill>
+              </a:defRPr>
             </a:lvl6pPr>
             <a:lvl7pPr marL="2743200" indent="0">
               <a:buNone/>
-              <a:defRPr sz="1000"/>
+              <a:defRPr sz="1400">
+                <a:solidFill>
+                  <a:schemeClr val="tx1">
+                    <a:tint val="75000"/>
+                  </a:schemeClr>
+                </a:solidFill>
+              </a:defRPr>
             </a:lvl7pPr>
             <a:lvl8pPr marL="3200400" indent="0">
               <a:buNone/>
-              <a:defRPr sz="1000"/>
+              <a:defRPr sz="1400">
+                <a:solidFill>
+                  <a:schemeClr val="tx1">
+                    <a:tint val="75000"/>
+                  </a:schemeClr>
+                </a:solidFill>
+              </a:defRPr>
             </a:lvl8pPr>
             <a:lvl9pPr marL="3657600" indent="0">
               <a:buNone/>
-              <a:defRPr sz="1000"/>
+              <a:defRPr sz="1400">
+                <a:solidFill>
+                  <a:schemeClr val="tx1">
+                    <a:tint val="75000"/>
+                  </a:schemeClr>
+                </a:solidFill>
+              </a:defRPr>
             </a:lvl9pPr>
           </a:lstStyle>
           <a:p>
@@ -808,7 +1078,7 @@
       </p:sp>
       <p:sp>
         <p:nvSpPr>
-          <p:cNvPr id="5" name="Date Placeholder 4"/>
+          <p:cNvPr id="4" name="Date Placeholder 3"/>
           <p:cNvSpPr>
             <a:spLocks noGrp="1"/>
           </p:cNvSpPr>
@@ -821,9 +1091,10 @@
           <a:bodyPr/>
           <a:lstStyle/>
           <a:p>
-            <a:fld id="{48A87A34-81AB-432B-8DAE-1953F412C126}" type="datetimeFigureOut">
+            <a:fld id="{B61BEF0D-F0BB-DE4B-95CE-6DB70DBA9567}" type="datetimeFigureOut">
               <a:rPr lang="en-US" dirty="0"/>
-              <a:t>11/29/22</a:t>
+              <a:pPr/>
+              <a:t>12/2/22</a:t>
             </a:fld>
             <a:endParaRPr lang="en-US" dirty="0"/>
           </a:p>
@@ -831,7 +1102,7 @@
       </p:sp>
       <p:sp>
         <p:nvSpPr>
-          <p:cNvPr id="6" name="Footer Placeholder 5"/>
+          <p:cNvPr id="5" name="Footer Placeholder 4"/>
           <p:cNvSpPr>
             <a:spLocks noGrp="1"/>
           </p:cNvSpPr>
@@ -850,7 +1121,7 @@
       </p:sp>
       <p:sp>
         <p:nvSpPr>
-          <p:cNvPr id="7" name="Slide Number Placeholder 6"/>
+          <p:cNvPr id="6" name="Slide Number Placeholder 5"/>
           <p:cNvSpPr>
             <a:spLocks noGrp="1"/>
           </p:cNvSpPr>
@@ -863,8 +1134,9 @@
           <a:bodyPr/>
           <a:lstStyle/>
           <a:p>
-            <a:fld id="{6D22F896-40B5-4ADD-8801-0D06FADFA095}" type="slidenum">
+            <a:fld id="{D57F1E4F-1CFF-5643-939E-217C01CDF565}" type="slidenum">
               <a:rPr lang="en-US" dirty="0"/>
+              <a:pPr/>
               <a:t>‹#›</a:t>
             </a:fld>
             <a:endParaRPr lang="en-US" dirty="0"/>
@@ -879,7 +1151,7 @@
 </p:sldLayout>
 </file>
 
-<file path=ppt/slideLayouts/slideLayout12.xml><?xml version="1.0" encoding="utf-8"?>
+<file path=ppt/slideLayouts/slideLayout11.xml><?xml version="1.0" encoding="utf-8"?>
 <p:sldLayout xmlns:a="http://schemas.openxmlformats.org/drawingml/2006/main" xmlns:r="http://schemas.openxmlformats.org/officeDocument/2006/relationships" xmlns:p="http://schemas.openxmlformats.org/presentationml/2006/main" preserve="1">
   <p:cSld name="Quote with Caption">
     <p:spTree>
@@ -896,149 +1168,20 @@
           <a:chExt cx="0" cy="0"/>
         </a:xfrm>
       </p:grpSpPr>
-      <p:pic>
-        <p:nvPicPr>
-          <p:cNvPr id="11" name="Picture 10" descr="Droplets-HD-Content-R1d.png"/>
-          <p:cNvPicPr>
-            <a:picLocks noChangeAspect="1"/>
-          </p:cNvPicPr>
-          <p:nvPr/>
-        </p:nvPicPr>
-        <p:blipFill>
-          <a:blip r:embed="rId2">
-            <a:extLst>
-              <a:ext uri="{28A0092B-C50C-407E-A947-70E740481C1C}">
-                <a14:useLocalDpi xmlns:a14="http://schemas.microsoft.com/office/drawing/2010/main" val="0"/>
-              </a:ext>
-            </a:extLst>
-          </a:blip>
-          <a:stretch>
-            <a:fillRect/>
-          </a:stretch>
-        </p:blipFill>
+      <p:sp>
+        <p:nvSpPr>
+          <p:cNvPr id="2" name="Title 1"/>
+          <p:cNvSpPr>
+            <a:spLocks noGrp="1"/>
+          </p:cNvSpPr>
+          <p:nvPr>
+            <p:ph type="title"/>
+          </p:nvPr>
+        </p:nvSpPr>
         <p:spPr>
           <a:xfrm>
-            <a:off x="0" y="0"/>
-            <a:ext cx="12192000" cy="6858000"/>
-          </a:xfrm>
-          <a:prstGeom prst="rect">
-            <a:avLst/>
-          </a:prstGeom>
-        </p:spPr>
-      </p:pic>
-      <p:sp>
-        <p:nvSpPr>
-          <p:cNvPr id="2" name="Title 1"/>
-          <p:cNvSpPr>
-            <a:spLocks noGrp="1"/>
-          </p:cNvSpPr>
-          <p:nvPr>
-            <p:ph type="title"/>
-          </p:nvPr>
-        </p:nvSpPr>
-        <p:spPr>
-          <a:xfrm>
-            <a:off x="1446212" y="609600"/>
-            <a:ext cx="9302752" cy="2992904"/>
-          </a:xfrm>
-        </p:spPr>
-        <p:txBody>
-          <a:bodyPr anchor="ctr"/>
-          <a:lstStyle>
-            <a:lvl1pPr>
-              <a:defRPr sz="3200"/>
-            </a:lvl1pPr>
-          </a:lstStyle>
-          <a:p>
-            <a:r>
-              <a:rPr lang="en-US"/>
-              <a:t>Click to edit Master title style</a:t>
-            </a:r>
-            <a:endParaRPr lang="en-US" dirty="0"/>
-          </a:p>
-        </p:txBody>
-      </p:sp>
-      <p:sp>
-        <p:nvSpPr>
-          <p:cNvPr id="12" name="Text Placeholder 3"/>
-          <p:cNvSpPr>
-            <a:spLocks noGrp="1"/>
-          </p:cNvSpPr>
-          <p:nvPr>
-            <p:ph type="body" sz="half" idx="13"/>
-          </p:nvPr>
-        </p:nvSpPr>
-        <p:spPr>
-          <a:xfrm>
-            <a:off x="1720644" y="3610032"/>
-            <a:ext cx="8752299" cy="594788"/>
-          </a:xfrm>
-        </p:spPr>
-        <p:txBody>
-          <a:bodyPr anchor="t">
-            <a:normAutofit/>
-          </a:bodyPr>
-          <a:lstStyle>
-            <a:lvl1pPr marL="0" indent="0">
-              <a:buNone/>
-              <a:defRPr sz="1400"/>
-            </a:lvl1pPr>
-            <a:lvl2pPr marL="457200" indent="0">
-              <a:buNone/>
-              <a:defRPr sz="1400"/>
-            </a:lvl2pPr>
-            <a:lvl3pPr marL="914400" indent="0">
-              <a:buNone/>
-              <a:defRPr sz="1200"/>
-            </a:lvl3pPr>
-            <a:lvl4pPr marL="1371600" indent="0">
-              <a:buNone/>
-              <a:defRPr sz="1000"/>
-            </a:lvl4pPr>
-            <a:lvl5pPr marL="1828800" indent="0">
-              <a:buNone/>
-              <a:defRPr sz="1000"/>
-            </a:lvl5pPr>
-            <a:lvl6pPr marL="2286000" indent="0">
-              <a:buNone/>
-              <a:defRPr sz="1000"/>
-            </a:lvl6pPr>
-            <a:lvl7pPr marL="2743200" indent="0">
-              <a:buNone/>
-              <a:defRPr sz="1000"/>
-            </a:lvl7pPr>
-            <a:lvl8pPr marL="3200400" indent="0">
-              <a:buNone/>
-              <a:defRPr sz="1000"/>
-            </a:lvl8pPr>
-            <a:lvl9pPr marL="3657600" indent="0">
-              <a:buNone/>
-              <a:defRPr sz="1000"/>
-            </a:lvl9pPr>
-          </a:lstStyle>
-          <a:p>
-            <a:pPr lvl="0"/>
-            <a:r>
-              <a:rPr lang="en-US"/>
-              <a:t>Edit Master text styles</a:t>
-            </a:r>
-          </a:p>
-        </p:txBody>
-      </p:sp>
-      <p:sp>
-        <p:nvSpPr>
-          <p:cNvPr id="4" name="Text Placeholder 3"/>
-          <p:cNvSpPr>
-            <a:spLocks noGrp="1"/>
-          </p:cNvSpPr>
-          <p:nvPr>
-            <p:ph type="body" sz="half" idx="2"/>
-          </p:nvPr>
-        </p:nvSpPr>
-        <p:spPr>
-          <a:xfrm>
-            <a:off x="913774" y="4372796"/>
-            <a:ext cx="10364452" cy="1421053"/>
+            <a:off x="931334" y="609600"/>
+            <a:ext cx="8094134" cy="3022600"/>
           </a:xfrm>
         </p:spPr>
         <p:txBody>
@@ -1046,41 +1189,193 @@
             <a:normAutofit/>
           </a:bodyPr>
           <a:lstStyle>
-            <a:lvl1pPr marL="0" indent="0" algn="ctr">
-              <a:buNone/>
-              <a:defRPr sz="1600"/>
+            <a:lvl1pPr algn="l">
+              <a:defRPr sz="4400" b="0" cap="none"/>
+            </a:lvl1pPr>
+          </a:lstStyle>
+          <a:p>
+            <a:r>
+              <a:rPr lang="en-US"/>
+              <a:t>Click to edit Master title style</a:t>
+            </a:r>
+            <a:endParaRPr lang="en-US" dirty="0"/>
+          </a:p>
+        </p:txBody>
+      </p:sp>
+      <p:sp>
+        <p:nvSpPr>
+          <p:cNvPr id="23" name="Text Placeholder 9"/>
+          <p:cNvSpPr>
+            <a:spLocks noGrp="1"/>
+          </p:cNvSpPr>
+          <p:nvPr>
+            <p:ph type="body" sz="quarter" idx="13"/>
+          </p:nvPr>
+        </p:nvSpPr>
+        <p:spPr>
+          <a:xfrm>
+            <a:off x="1366139" y="3632200"/>
+            <a:ext cx="7224524" cy="381000"/>
+          </a:xfrm>
+        </p:spPr>
+        <p:txBody>
+          <a:bodyPr anchor="ctr">
+            <a:noAutofit/>
+          </a:bodyPr>
+          <a:lstStyle>
+            <a:lvl1pPr marL="0" indent="0">
+              <a:buFontTx/>
+              <a:buNone/>
+              <a:defRPr sz="1600">
+                <a:solidFill>
+                  <a:schemeClr val="tx1">
+                    <a:lumMod val="50000"/>
+                    <a:lumOff val="50000"/>
+                  </a:schemeClr>
+                </a:solidFill>
+              </a:defRPr>
             </a:lvl1pPr>
             <a:lvl2pPr marL="457200" indent="0">
-              <a:buNone/>
-              <a:defRPr sz="1400"/>
+              <a:buFontTx/>
+              <a:buNone/>
+              <a:defRPr/>
             </a:lvl2pPr>
             <a:lvl3pPr marL="914400" indent="0">
-              <a:buNone/>
-              <a:defRPr sz="1200"/>
+              <a:buFontTx/>
+              <a:buNone/>
+              <a:defRPr/>
             </a:lvl3pPr>
             <a:lvl4pPr marL="1371600" indent="0">
-              <a:buNone/>
-              <a:defRPr sz="1000"/>
+              <a:buFontTx/>
+              <a:buNone/>
+              <a:defRPr/>
             </a:lvl4pPr>
             <a:lvl5pPr marL="1828800" indent="0">
-              <a:buNone/>
-              <a:defRPr sz="1000"/>
+              <a:buFontTx/>
+              <a:buNone/>
+              <a:defRPr/>
+            </a:lvl5pPr>
+          </a:lstStyle>
+          <a:p>
+            <a:pPr lvl="0"/>
+            <a:r>
+              <a:rPr lang="en-US"/>
+              <a:t>Edit Master text styles</a:t>
+            </a:r>
+          </a:p>
+        </p:txBody>
+      </p:sp>
+      <p:sp>
+        <p:nvSpPr>
+          <p:cNvPr id="3" name="Text Placeholder 2"/>
+          <p:cNvSpPr>
+            <a:spLocks noGrp="1"/>
+          </p:cNvSpPr>
+          <p:nvPr>
+            <p:ph type="body" idx="1"/>
+          </p:nvPr>
+        </p:nvSpPr>
+        <p:spPr>
+          <a:xfrm>
+            <a:off x="677335" y="4470400"/>
+            <a:ext cx="8596668" cy="1570962"/>
+          </a:xfrm>
+        </p:spPr>
+        <p:txBody>
+          <a:bodyPr anchor="ctr">
+            <a:normAutofit/>
+          </a:bodyPr>
+          <a:lstStyle>
+            <a:lvl1pPr marL="0" indent="0" algn="l">
+              <a:buNone/>
+              <a:defRPr sz="1800">
+                <a:solidFill>
+                  <a:schemeClr val="tx1">
+                    <a:lumMod val="75000"/>
+                    <a:lumOff val="25000"/>
+                  </a:schemeClr>
+                </a:solidFill>
+              </a:defRPr>
+            </a:lvl1pPr>
+            <a:lvl2pPr marL="457200" indent="0">
+              <a:buNone/>
+              <a:defRPr sz="1800">
+                <a:solidFill>
+                  <a:schemeClr val="tx1">
+                    <a:tint val="75000"/>
+                  </a:schemeClr>
+                </a:solidFill>
+              </a:defRPr>
+            </a:lvl2pPr>
+            <a:lvl3pPr marL="914400" indent="0">
+              <a:buNone/>
+              <a:defRPr sz="1600">
+                <a:solidFill>
+                  <a:schemeClr val="tx1">
+                    <a:tint val="75000"/>
+                  </a:schemeClr>
+                </a:solidFill>
+              </a:defRPr>
+            </a:lvl3pPr>
+            <a:lvl4pPr marL="1371600" indent="0">
+              <a:buNone/>
+              <a:defRPr sz="1400">
+                <a:solidFill>
+                  <a:schemeClr val="tx1">
+                    <a:tint val="75000"/>
+                  </a:schemeClr>
+                </a:solidFill>
+              </a:defRPr>
+            </a:lvl4pPr>
+            <a:lvl5pPr marL="1828800" indent="0">
+              <a:buNone/>
+              <a:defRPr sz="1400">
+                <a:solidFill>
+                  <a:schemeClr val="tx1">
+                    <a:tint val="75000"/>
+                  </a:schemeClr>
+                </a:solidFill>
+              </a:defRPr>
             </a:lvl5pPr>
             <a:lvl6pPr marL="2286000" indent="0">
               <a:buNone/>
-              <a:defRPr sz="1000"/>
+              <a:defRPr sz="1400">
+                <a:solidFill>
+                  <a:schemeClr val="tx1">
+                    <a:tint val="75000"/>
+                  </a:schemeClr>
+                </a:solidFill>
+              </a:defRPr>
             </a:lvl6pPr>
             <a:lvl7pPr marL="2743200" indent="0">
               <a:buNone/>
-              <a:defRPr sz="1000"/>
+              <a:defRPr sz="1400">
+                <a:solidFill>
+                  <a:schemeClr val="tx1">
+                    <a:tint val="75000"/>
+                  </a:schemeClr>
+                </a:solidFill>
+              </a:defRPr>
             </a:lvl7pPr>
             <a:lvl8pPr marL="3200400" indent="0">
               <a:buNone/>
-              <a:defRPr sz="1000"/>
+              <a:defRPr sz="1400">
+                <a:solidFill>
+                  <a:schemeClr val="tx1">
+                    <a:tint val="75000"/>
+                  </a:schemeClr>
+                </a:solidFill>
+              </a:defRPr>
             </a:lvl8pPr>
             <a:lvl9pPr marL="3657600" indent="0">
               <a:buNone/>
-              <a:defRPr sz="1000"/>
+              <a:defRPr sz="1400">
+                <a:solidFill>
+                  <a:schemeClr val="tx1">
+                    <a:tint val="75000"/>
+                  </a:schemeClr>
+                </a:solidFill>
+              </a:defRPr>
             </a:lvl9pPr>
           </a:lstStyle>
           <a:p>
@@ -1094,7 +1389,7 @@
       </p:sp>
       <p:sp>
         <p:nvSpPr>
-          <p:cNvPr id="5" name="Date Placeholder 4"/>
+          <p:cNvPr id="4" name="Date Placeholder 3"/>
           <p:cNvSpPr>
             <a:spLocks noGrp="1"/>
           </p:cNvSpPr>
@@ -1107,9 +1402,10 @@
           <a:bodyPr/>
           <a:lstStyle/>
           <a:p>
-            <a:fld id="{48A87A34-81AB-432B-8DAE-1953F412C126}" type="datetimeFigureOut">
+            <a:fld id="{B61BEF0D-F0BB-DE4B-95CE-6DB70DBA9567}" type="datetimeFigureOut">
               <a:rPr lang="en-US" dirty="0"/>
-              <a:t>11/29/22</a:t>
+              <a:pPr/>
+              <a:t>12/2/22</a:t>
             </a:fld>
             <a:endParaRPr lang="en-US" dirty="0"/>
           </a:p>
@@ -1117,7 +1413,7 @@
       </p:sp>
       <p:sp>
         <p:nvSpPr>
-          <p:cNvPr id="6" name="Footer Placeholder 5"/>
+          <p:cNvPr id="5" name="Footer Placeholder 4"/>
           <p:cNvSpPr>
             <a:spLocks noGrp="1"/>
           </p:cNvSpPr>
@@ -1136,7 +1432,7 @@
       </p:sp>
       <p:sp>
         <p:nvSpPr>
-          <p:cNvPr id="7" name="Slide Number Placeholder 6"/>
+          <p:cNvPr id="6" name="Slide Number Placeholder 5"/>
           <p:cNvSpPr>
             <a:spLocks noGrp="1"/>
           </p:cNvSpPr>
@@ -1149,8 +1445,9 @@
           <a:bodyPr/>
           <a:lstStyle/>
           <a:p>
-            <a:fld id="{6D22F896-40B5-4ADD-8801-0D06FADFA095}" type="slidenum">
+            <a:fld id="{D57F1E4F-1CFF-5643-939E-217C01CDF565}" type="slidenum">
               <a:rPr lang="en-US" dirty="0"/>
+              <a:pPr/>
               <a:t>‹#›</a:t>
             </a:fld>
             <a:endParaRPr lang="en-US" dirty="0"/>
@@ -1159,13 +1456,13 @@
       </p:sp>
       <p:sp>
         <p:nvSpPr>
-          <p:cNvPr id="13" name="TextBox 12"/>
+          <p:cNvPr id="20" name="TextBox 19"/>
           <p:cNvSpPr txBox="1"/>
           <p:nvPr/>
         </p:nvSpPr>
         <p:spPr>
           <a:xfrm>
-            <a:off x="1001488" y="754166"/>
+            <a:off x="541870" y="790378"/>
             <a:ext cx="609600" cy="584776"/>
           </a:xfrm>
           <a:prstGeom prst="rect">
@@ -1176,97 +1473,22 @@
           <a:bodyPr vert="horz" lIns="91440" tIns="45720" rIns="91440" bIns="45720" rtlCol="0" anchor="ctr">
             <a:noAutofit/>
           </a:bodyPr>
-          <a:lstStyle>
-            <a:lvl1pPr>
-              <a:spcBef>
-                <a:spcPct val="0"/>
-              </a:spcBef>
-              <a:buNone/>
-              <a:defRPr sz="3200" b="0" cap="all">
+          <a:lstStyle/>
+          <a:p>
+            <a:pPr lvl="0"/>
+            <a:r>
+              <a:rPr lang="en-US" sz="8000" baseline="0" dirty="0">
                 <a:ln w="3175" cmpd="sng">
                   <a:noFill/>
                 </a:ln>
-                <a:effectLst>
-                  <a:glow rad="38100">
-                    <a:schemeClr val="bg1">
-                      <a:lumMod val="65000"/>
-                      <a:lumOff val="35000"/>
-                      <a:alpha val="40000"/>
-                    </a:schemeClr>
-                  </a:glow>
-                  <a:outerShdw blurRad="28575" dist="38100" dir="14040000" algn="tl" rotWithShape="0">
-                    <a:srgbClr val="000000">
-                      <a:alpha val="25000"/>
-                    </a:srgbClr>
-                  </a:outerShdw>
-                </a:effectLst>
-              </a:defRPr>
-            </a:lvl1pPr>
-            <a:lvl2pPr>
-              <a:defRPr>
-                <a:solidFill>
-                  <a:schemeClr val="tx2"/>
-                </a:solidFill>
-              </a:defRPr>
-            </a:lvl2pPr>
-            <a:lvl3pPr>
-              <a:defRPr>
-                <a:solidFill>
-                  <a:schemeClr val="tx2"/>
-                </a:solidFill>
-              </a:defRPr>
-            </a:lvl3pPr>
-            <a:lvl4pPr>
-              <a:defRPr>
-                <a:solidFill>
-                  <a:schemeClr val="tx2"/>
-                </a:solidFill>
-              </a:defRPr>
-            </a:lvl4pPr>
-            <a:lvl5pPr>
-              <a:defRPr>
-                <a:solidFill>
-                  <a:schemeClr val="tx2"/>
-                </a:solidFill>
-              </a:defRPr>
-            </a:lvl5pPr>
-            <a:lvl6pPr>
-              <a:defRPr>
-                <a:solidFill>
-                  <a:schemeClr val="tx2"/>
-                </a:solidFill>
-              </a:defRPr>
-            </a:lvl6pPr>
-            <a:lvl7pPr>
-              <a:defRPr>
-                <a:solidFill>
-                  <a:schemeClr val="tx2"/>
-                </a:solidFill>
-              </a:defRPr>
-            </a:lvl7pPr>
-            <a:lvl8pPr>
-              <a:defRPr>
-                <a:solidFill>
-                  <a:schemeClr val="tx2"/>
-                </a:solidFill>
-              </a:defRPr>
-            </a:lvl8pPr>
-            <a:lvl9pPr>
-              <a:defRPr>
-                <a:solidFill>
-                  <a:schemeClr val="tx2"/>
-                </a:solidFill>
-              </a:defRPr>
-            </a:lvl9pPr>
-          </a:lstStyle>
-          <a:p>
-            <a:pPr lvl="0"/>
-            <a:r>
-              <a:rPr lang="en-US" sz="8000" dirty="0">
-                <a:solidFill>
-                  <a:schemeClr val="tx1"/>
+                <a:solidFill>
+                  <a:schemeClr val="accent1">
+                    <a:lumMod val="60000"/>
+                    <a:lumOff val="40000"/>
+                  </a:schemeClr>
                 </a:solidFill>
                 <a:effectLst/>
+                <a:latin typeface="Arial"/>
               </a:rPr>
               <a:t>“</a:t>
             </a:r>
@@ -1275,13 +1497,13 @@
       </p:sp>
       <p:sp>
         <p:nvSpPr>
-          <p:cNvPr id="14" name="TextBox 13"/>
+          <p:cNvPr id="22" name="TextBox 21"/>
           <p:cNvSpPr txBox="1"/>
           <p:nvPr/>
         </p:nvSpPr>
         <p:spPr>
           <a:xfrm>
-            <a:off x="10557558" y="2993578"/>
+            <a:off x="8893011" y="2886556"/>
             <a:ext cx="609600" cy="584776"/>
           </a:xfrm>
           <a:prstGeom prst="rect">
@@ -1292,100 +1514,33 @@
           <a:bodyPr vert="horz" lIns="91440" tIns="45720" rIns="91440" bIns="45720" rtlCol="0" anchor="ctr">
             <a:noAutofit/>
           </a:bodyPr>
-          <a:lstStyle>
-            <a:lvl1pPr>
-              <a:spcBef>
-                <a:spcPct val="0"/>
-              </a:spcBef>
-              <a:buNone/>
-              <a:defRPr sz="3200" b="0" cap="all">
+          <a:lstStyle/>
+          <a:p>
+            <a:pPr lvl="0"/>
+            <a:r>
+              <a:rPr lang="en-US" sz="8000" baseline="0" dirty="0">
                 <a:ln w="3175" cmpd="sng">
                   <a:noFill/>
                 </a:ln>
-                <a:effectLst>
-                  <a:glow rad="38100">
-                    <a:schemeClr val="bg1">
-                      <a:lumMod val="65000"/>
-                      <a:lumOff val="35000"/>
-                      <a:alpha val="40000"/>
-                    </a:schemeClr>
-                  </a:glow>
-                  <a:outerShdw blurRad="28575" dist="38100" dir="14040000" algn="tl" rotWithShape="0">
-                    <a:srgbClr val="000000">
-                      <a:alpha val="25000"/>
-                    </a:srgbClr>
-                  </a:outerShdw>
-                </a:effectLst>
-              </a:defRPr>
-            </a:lvl1pPr>
-            <a:lvl2pPr>
-              <a:defRPr>
-                <a:solidFill>
-                  <a:schemeClr val="tx2"/>
-                </a:solidFill>
-              </a:defRPr>
-            </a:lvl2pPr>
-            <a:lvl3pPr>
-              <a:defRPr>
-                <a:solidFill>
-                  <a:schemeClr val="tx2"/>
-                </a:solidFill>
-              </a:defRPr>
-            </a:lvl3pPr>
-            <a:lvl4pPr>
-              <a:defRPr>
-                <a:solidFill>
-                  <a:schemeClr val="tx2"/>
-                </a:solidFill>
-              </a:defRPr>
-            </a:lvl4pPr>
-            <a:lvl5pPr>
-              <a:defRPr>
-                <a:solidFill>
-                  <a:schemeClr val="tx2"/>
-                </a:solidFill>
-              </a:defRPr>
-            </a:lvl5pPr>
-            <a:lvl6pPr>
-              <a:defRPr>
-                <a:solidFill>
-                  <a:schemeClr val="tx2"/>
-                </a:solidFill>
-              </a:defRPr>
-            </a:lvl6pPr>
-            <a:lvl7pPr>
-              <a:defRPr>
-                <a:solidFill>
-                  <a:schemeClr val="tx2"/>
-                </a:solidFill>
-              </a:defRPr>
-            </a:lvl7pPr>
-            <a:lvl8pPr>
-              <a:defRPr>
-                <a:solidFill>
-                  <a:schemeClr val="tx2"/>
-                </a:solidFill>
-              </a:defRPr>
-            </a:lvl8pPr>
-            <a:lvl9pPr>
-              <a:defRPr>
-                <a:solidFill>
-                  <a:schemeClr val="tx2"/>
-                </a:solidFill>
-              </a:defRPr>
-            </a:lvl9pPr>
-          </a:lstStyle>
-          <a:p>
-            <a:pPr lvl="0" algn="r"/>
-            <a:r>
-              <a:rPr lang="en-US" sz="8000" dirty="0">
-                <a:solidFill>
-                  <a:schemeClr val="tx1"/>
-                </a:solidFill>
-                <a:effectLst/>
+                <a:solidFill>
+                  <a:schemeClr val="accent1">
+                    <a:lumMod val="60000"/>
+                    <a:lumOff val="40000"/>
+                  </a:schemeClr>
+                </a:solidFill>
+                <a:latin typeface="Arial"/>
               </a:rPr>
               <a:t>”</a:t>
             </a:r>
+            <a:endParaRPr lang="en-US" dirty="0">
+              <a:solidFill>
+                <a:schemeClr val="accent1">
+                  <a:lumMod val="60000"/>
+                  <a:lumOff val="40000"/>
+                </a:schemeClr>
+              </a:solidFill>
+              <a:latin typeface="Arial"/>
+            </a:endParaRPr>
           </a:p>
         </p:txBody>
       </p:sp>
@@ -1397,7 +1552,7 @@
 </p:sldLayout>
 </file>
 
-<file path=ppt/slideLayouts/slideLayout13.xml><?xml version="1.0" encoding="utf-8"?>
+<file path=ppt/slideLayouts/slideLayout12.xml><?xml version="1.0" encoding="utf-8"?>
 <p:sldLayout xmlns:a="http://schemas.openxmlformats.org/drawingml/2006/main" xmlns:r="http://schemas.openxmlformats.org/officeDocument/2006/relationships" xmlns:p="http://schemas.openxmlformats.org/presentationml/2006/main" preserve="1">
   <p:cSld name="Name Card">
     <p:spTree>
@@ -1414,122 +1569,151 @@
           <a:chExt cx="0" cy="0"/>
         </a:xfrm>
       </p:grpSpPr>
-      <p:pic>
-        <p:nvPicPr>
-          <p:cNvPr id="8" name="Picture 7" descr="Droplets-HD-Content-R1d.png"/>
-          <p:cNvPicPr>
-            <a:picLocks noChangeAspect="1"/>
-          </p:cNvPicPr>
-          <p:nvPr/>
-        </p:nvPicPr>
-        <p:blipFill>
-          <a:blip r:embed="rId2">
-            <a:extLst>
-              <a:ext uri="{28A0092B-C50C-407E-A947-70E740481C1C}">
-                <a14:useLocalDpi xmlns:a14="http://schemas.microsoft.com/office/drawing/2010/main" val="0"/>
-              </a:ext>
-            </a:extLst>
-          </a:blip>
-          <a:stretch>
-            <a:fillRect/>
-          </a:stretch>
-        </p:blipFill>
+      <p:sp>
+        <p:nvSpPr>
+          <p:cNvPr id="2" name="Title 1"/>
+          <p:cNvSpPr>
+            <a:spLocks noGrp="1"/>
+          </p:cNvSpPr>
+          <p:nvPr>
+            <p:ph type="title"/>
+          </p:nvPr>
+        </p:nvSpPr>
         <p:spPr>
           <a:xfrm>
-            <a:off x="0" y="0"/>
-            <a:ext cx="12192000" cy="6858000"/>
+            <a:off x="677335" y="1931988"/>
+            <a:ext cx="8596668" cy="2595460"/>
           </a:xfrm>
-          <a:prstGeom prst="rect">
-            <a:avLst/>
-          </a:prstGeom>
         </p:spPr>
-      </p:pic>
-      <p:sp>
-        <p:nvSpPr>
-          <p:cNvPr id="2" name="Title 1"/>
-          <p:cNvSpPr>
-            <a:spLocks noGrp="1"/>
-          </p:cNvSpPr>
-          <p:nvPr>
-            <p:ph type="title"/>
+        <p:txBody>
+          <a:bodyPr anchor="b">
+            <a:normAutofit/>
+          </a:bodyPr>
+          <a:lstStyle>
+            <a:lvl1pPr algn="l">
+              <a:defRPr sz="4400" b="0" cap="none"/>
+            </a:lvl1pPr>
+          </a:lstStyle>
+          <a:p>
+            <a:r>
+              <a:rPr lang="en-US"/>
+              <a:t>Click to edit Master title style</a:t>
+            </a:r>
+            <a:endParaRPr lang="en-US" dirty="0"/>
+          </a:p>
+        </p:txBody>
+      </p:sp>
+      <p:sp>
+        <p:nvSpPr>
+          <p:cNvPr id="3" name="Text Placeholder 2"/>
+          <p:cNvSpPr>
+            <a:spLocks noGrp="1"/>
+          </p:cNvSpPr>
+          <p:nvPr>
+            <p:ph type="body" idx="1"/>
           </p:nvPr>
         </p:nvSpPr>
         <p:spPr>
           <a:xfrm>
-            <a:off x="913775" y="2138721"/>
-            <a:ext cx="10364452" cy="2511835"/>
+            <a:off x="677335" y="4527448"/>
+            <a:ext cx="8596668" cy="1513914"/>
           </a:xfrm>
         </p:spPr>
         <p:txBody>
-          <a:bodyPr anchor="b"/>
+          <a:bodyPr anchor="t">
+            <a:normAutofit/>
+          </a:bodyPr>
           <a:lstStyle>
-            <a:lvl1pPr algn="ctr">
-              <a:defRPr sz="3200"/>
-            </a:lvl1pPr>
-          </a:lstStyle>
-          <a:p>
-            <a:r>
-              <a:rPr lang="en-US"/>
-              <a:t>Click to edit Master title style</a:t>
-            </a:r>
-            <a:endParaRPr lang="en-US" dirty="0"/>
-          </a:p>
-        </p:txBody>
-      </p:sp>
-      <p:sp>
-        <p:nvSpPr>
-          <p:cNvPr id="4" name="Text Placeholder 3"/>
-          <p:cNvSpPr>
-            <a:spLocks noGrp="1"/>
-          </p:cNvSpPr>
-          <p:nvPr>
-            <p:ph type="body" sz="half" idx="2"/>
-          </p:nvPr>
-        </p:nvSpPr>
-        <p:spPr>
-          <a:xfrm>
-            <a:off x="913775" y="4662335"/>
-            <a:ext cx="10364452" cy="1140644"/>
-          </a:xfrm>
-        </p:spPr>
-        <p:txBody>
-          <a:bodyPr anchor="t"/>
-          <a:lstStyle>
-            <a:lvl1pPr marL="0" indent="0" algn="ctr">
-              <a:buNone/>
-              <a:defRPr sz="1600"/>
+            <a:lvl1pPr marL="0" indent="0" algn="l">
+              <a:buNone/>
+              <a:defRPr sz="1800">
+                <a:solidFill>
+                  <a:schemeClr val="tx1">
+                    <a:lumMod val="75000"/>
+                    <a:lumOff val="25000"/>
+                  </a:schemeClr>
+                </a:solidFill>
+              </a:defRPr>
             </a:lvl1pPr>
             <a:lvl2pPr marL="457200" indent="0">
               <a:buNone/>
-              <a:defRPr sz="1400"/>
+              <a:defRPr sz="1800">
+                <a:solidFill>
+                  <a:schemeClr val="tx1">
+                    <a:tint val="75000"/>
+                  </a:schemeClr>
+                </a:solidFill>
+              </a:defRPr>
             </a:lvl2pPr>
             <a:lvl3pPr marL="914400" indent="0">
               <a:buNone/>
-              <a:defRPr sz="1200"/>
+              <a:defRPr sz="1600">
+                <a:solidFill>
+                  <a:schemeClr val="tx1">
+                    <a:tint val="75000"/>
+                  </a:schemeClr>
+                </a:solidFill>
+              </a:defRPr>
             </a:lvl3pPr>
             <a:lvl4pPr marL="1371600" indent="0">
               <a:buNone/>
-              <a:defRPr sz="1000"/>
+              <a:defRPr sz="1400">
+                <a:solidFill>
+                  <a:schemeClr val="tx1">
+                    <a:tint val="75000"/>
+                  </a:schemeClr>
+                </a:solidFill>
+              </a:defRPr>
             </a:lvl4pPr>
             <a:lvl5pPr marL="1828800" indent="0">
               <a:buNone/>
-              <a:defRPr sz="1000"/>
+              <a:defRPr sz="1400">
+                <a:solidFill>
+                  <a:schemeClr val="tx1">
+                    <a:tint val="75000"/>
+                  </a:schemeClr>
+                </a:solidFill>
+              </a:defRPr>
             </a:lvl5pPr>
             <a:lvl6pPr marL="2286000" indent="0">
               <a:buNone/>
-              <a:defRPr sz="1000"/>
+              <a:defRPr sz="1400">
+                <a:solidFill>
+                  <a:schemeClr val="tx1">
+                    <a:tint val="75000"/>
+                  </a:schemeClr>
+                </a:solidFill>
+              </a:defRPr>
             </a:lvl6pPr>
             <a:lvl7pPr marL="2743200" indent="0">
               <a:buNone/>
-              <a:defRPr sz="1000"/>
+              <a:defRPr sz="1400">
+                <a:solidFill>
+                  <a:schemeClr val="tx1">
+                    <a:tint val="75000"/>
+                  </a:schemeClr>
+                </a:solidFill>
+              </a:defRPr>
             </a:lvl7pPr>
             <a:lvl8pPr marL="3200400" indent="0">
               <a:buNone/>
-              <a:defRPr sz="1000"/>
+              <a:defRPr sz="1400">
+                <a:solidFill>
+                  <a:schemeClr val="tx1">
+                    <a:tint val="75000"/>
+                  </a:schemeClr>
+                </a:solidFill>
+              </a:defRPr>
             </a:lvl8pPr>
             <a:lvl9pPr marL="3657600" indent="0">
               <a:buNone/>
-              <a:defRPr sz="1000"/>
+              <a:defRPr sz="1400">
+                <a:solidFill>
+                  <a:schemeClr val="tx1">
+                    <a:tint val="75000"/>
+                  </a:schemeClr>
+                </a:solidFill>
+              </a:defRPr>
             </a:lvl9pPr>
           </a:lstStyle>
           <a:p>
@@ -1543,7 +1727,7 @@
       </p:sp>
       <p:sp>
         <p:nvSpPr>
-          <p:cNvPr id="5" name="Date Placeholder 4"/>
+          <p:cNvPr id="4" name="Date Placeholder 3"/>
           <p:cNvSpPr>
             <a:spLocks noGrp="1"/>
           </p:cNvSpPr>
@@ -1556,9 +1740,10 @@
           <a:bodyPr/>
           <a:lstStyle/>
           <a:p>
-            <a:fld id="{48A87A34-81AB-432B-8DAE-1953F412C126}" type="datetimeFigureOut">
+            <a:fld id="{B61BEF0D-F0BB-DE4B-95CE-6DB70DBA9567}" type="datetimeFigureOut">
               <a:rPr lang="en-US" dirty="0"/>
-              <a:t>11/29/22</a:t>
+              <a:pPr/>
+              <a:t>12/2/22</a:t>
             </a:fld>
             <a:endParaRPr lang="en-US" dirty="0"/>
           </a:p>
@@ -1566,7 +1751,7 @@
       </p:sp>
       <p:sp>
         <p:nvSpPr>
-          <p:cNvPr id="6" name="Footer Placeholder 5"/>
+          <p:cNvPr id="5" name="Footer Placeholder 4"/>
           <p:cNvSpPr>
             <a:spLocks noGrp="1"/>
           </p:cNvSpPr>
@@ -1585,7 +1770,7 @@
       </p:sp>
       <p:sp>
         <p:nvSpPr>
-          <p:cNvPr id="7" name="Slide Number Placeholder 6"/>
+          <p:cNvPr id="6" name="Slide Number Placeholder 5"/>
           <p:cNvSpPr>
             <a:spLocks noGrp="1"/>
           </p:cNvSpPr>
@@ -1598,8 +1783,9 @@
           <a:bodyPr/>
           <a:lstStyle/>
           <a:p>
-            <a:fld id="{6D22F896-40B5-4ADD-8801-0D06FADFA095}" type="slidenum">
+            <a:fld id="{D57F1E4F-1CFF-5643-939E-217C01CDF565}" type="slidenum">
               <a:rPr lang="en-US" dirty="0"/>
+              <a:pPr/>
               <a:t>‹#›</a:t>
             </a:fld>
             <a:endParaRPr lang="en-US" dirty="0"/>
@@ -1614,9 +1800,9 @@
 </p:sldLayout>
 </file>
 
-<file path=ppt/slideLayouts/slideLayout14.xml><?xml version="1.0" encoding="utf-8"?>
+<file path=ppt/slideLayouts/slideLayout13.xml><?xml version="1.0" encoding="utf-8"?>
 <p:sldLayout xmlns:a="http://schemas.openxmlformats.org/drawingml/2006/main" xmlns:r="http://schemas.openxmlformats.org/officeDocument/2006/relationships" xmlns:p="http://schemas.openxmlformats.org/presentationml/2006/main" preserve="1">
-  <p:cSld name="3 Column">
+  <p:cSld name="Quote Name Card">
     <p:spTree>
       <p:nvGrpSpPr>
         <p:cNvPr id="1" name=""/>
@@ -1631,549 +1817,371 @@
           <a:chExt cx="0" cy="0"/>
         </a:xfrm>
       </p:grpSpPr>
-      <p:pic>
-        <p:nvPicPr>
-          <p:cNvPr id="13" name="Picture 12" descr="Droplets-HD-Content-R1d.png"/>
-          <p:cNvPicPr>
-            <a:picLocks noChangeAspect="1"/>
-          </p:cNvPicPr>
-          <p:nvPr/>
-        </p:nvPicPr>
-        <p:blipFill>
-          <a:blip r:embed="rId2">
-            <a:extLst>
-              <a:ext uri="{28A0092B-C50C-407E-A947-70E740481C1C}">
-                <a14:useLocalDpi xmlns:a14="http://schemas.microsoft.com/office/drawing/2010/main" val="0"/>
-              </a:ext>
-            </a:extLst>
-          </a:blip>
-          <a:stretch>
-            <a:fillRect/>
-          </a:stretch>
-        </p:blipFill>
+      <p:sp>
+        <p:nvSpPr>
+          <p:cNvPr id="2" name="Title 1"/>
+          <p:cNvSpPr>
+            <a:spLocks noGrp="1"/>
+          </p:cNvSpPr>
+          <p:nvPr>
+            <p:ph type="title"/>
+          </p:nvPr>
+        </p:nvSpPr>
         <p:spPr>
           <a:xfrm>
-            <a:off x="0" y="0"/>
-            <a:ext cx="12192000" cy="6858000"/>
+            <a:off x="931334" y="609600"/>
+            <a:ext cx="8094134" cy="3022600"/>
+          </a:xfrm>
+        </p:spPr>
+        <p:txBody>
+          <a:bodyPr anchor="ctr">
+            <a:normAutofit/>
+          </a:bodyPr>
+          <a:lstStyle>
+            <a:lvl1pPr algn="l">
+              <a:defRPr sz="4400" b="0" cap="none"/>
+            </a:lvl1pPr>
+          </a:lstStyle>
+          <a:p>
+            <a:r>
+              <a:rPr lang="en-US"/>
+              <a:t>Click to edit Master title style</a:t>
+            </a:r>
+            <a:endParaRPr lang="en-US" dirty="0"/>
+          </a:p>
+        </p:txBody>
+      </p:sp>
+      <p:sp>
+        <p:nvSpPr>
+          <p:cNvPr id="23" name="Text Placeholder 9"/>
+          <p:cNvSpPr>
+            <a:spLocks noGrp="1"/>
+          </p:cNvSpPr>
+          <p:nvPr>
+            <p:ph type="body" sz="quarter" idx="13"/>
+          </p:nvPr>
+        </p:nvSpPr>
+        <p:spPr>
+          <a:xfrm>
+            <a:off x="677332" y="4013200"/>
+            <a:ext cx="8596669" cy="514248"/>
+          </a:xfrm>
+        </p:spPr>
+        <p:txBody>
+          <a:bodyPr anchor="b">
+            <a:noAutofit/>
+          </a:bodyPr>
+          <a:lstStyle>
+            <a:lvl1pPr marL="0" indent="0">
+              <a:buFontTx/>
+              <a:buNone/>
+              <a:defRPr sz="2400">
+                <a:solidFill>
+                  <a:schemeClr val="tx1">
+                    <a:lumMod val="75000"/>
+                    <a:lumOff val="25000"/>
+                  </a:schemeClr>
+                </a:solidFill>
+              </a:defRPr>
+            </a:lvl1pPr>
+            <a:lvl2pPr marL="457200" indent="0">
+              <a:buFontTx/>
+              <a:buNone/>
+              <a:defRPr/>
+            </a:lvl2pPr>
+            <a:lvl3pPr marL="914400" indent="0">
+              <a:buFontTx/>
+              <a:buNone/>
+              <a:defRPr/>
+            </a:lvl3pPr>
+            <a:lvl4pPr marL="1371600" indent="0">
+              <a:buFontTx/>
+              <a:buNone/>
+              <a:defRPr/>
+            </a:lvl4pPr>
+            <a:lvl5pPr marL="1828800" indent="0">
+              <a:buFontTx/>
+              <a:buNone/>
+              <a:defRPr/>
+            </a:lvl5pPr>
+          </a:lstStyle>
+          <a:p>
+            <a:pPr lvl="0"/>
+            <a:r>
+              <a:rPr lang="en-US"/>
+              <a:t>Edit Master text styles</a:t>
+            </a:r>
+          </a:p>
+        </p:txBody>
+      </p:sp>
+      <p:sp>
+        <p:nvSpPr>
+          <p:cNvPr id="3" name="Text Placeholder 2"/>
+          <p:cNvSpPr>
+            <a:spLocks noGrp="1"/>
+          </p:cNvSpPr>
+          <p:nvPr>
+            <p:ph type="body" idx="1"/>
+          </p:nvPr>
+        </p:nvSpPr>
+        <p:spPr>
+          <a:xfrm>
+            <a:off x="677335" y="4527448"/>
+            <a:ext cx="8596668" cy="1513914"/>
+          </a:xfrm>
+        </p:spPr>
+        <p:txBody>
+          <a:bodyPr anchor="t">
+            <a:normAutofit/>
+          </a:bodyPr>
+          <a:lstStyle>
+            <a:lvl1pPr marL="0" indent="0" algn="l">
+              <a:buNone/>
+              <a:defRPr sz="1800">
+                <a:solidFill>
+                  <a:schemeClr val="tx1">
+                    <a:lumMod val="50000"/>
+                    <a:lumOff val="50000"/>
+                  </a:schemeClr>
+                </a:solidFill>
+              </a:defRPr>
+            </a:lvl1pPr>
+            <a:lvl2pPr marL="457200" indent="0">
+              <a:buNone/>
+              <a:defRPr sz="1800">
+                <a:solidFill>
+                  <a:schemeClr val="tx1">
+                    <a:tint val="75000"/>
+                  </a:schemeClr>
+                </a:solidFill>
+              </a:defRPr>
+            </a:lvl2pPr>
+            <a:lvl3pPr marL="914400" indent="0">
+              <a:buNone/>
+              <a:defRPr sz="1600">
+                <a:solidFill>
+                  <a:schemeClr val="tx1">
+                    <a:tint val="75000"/>
+                  </a:schemeClr>
+                </a:solidFill>
+              </a:defRPr>
+            </a:lvl3pPr>
+            <a:lvl4pPr marL="1371600" indent="0">
+              <a:buNone/>
+              <a:defRPr sz="1400">
+                <a:solidFill>
+                  <a:schemeClr val="tx1">
+                    <a:tint val="75000"/>
+                  </a:schemeClr>
+                </a:solidFill>
+              </a:defRPr>
+            </a:lvl4pPr>
+            <a:lvl5pPr marL="1828800" indent="0">
+              <a:buNone/>
+              <a:defRPr sz="1400">
+                <a:solidFill>
+                  <a:schemeClr val="tx1">
+                    <a:tint val="75000"/>
+                  </a:schemeClr>
+                </a:solidFill>
+              </a:defRPr>
+            </a:lvl5pPr>
+            <a:lvl6pPr marL="2286000" indent="0">
+              <a:buNone/>
+              <a:defRPr sz="1400">
+                <a:solidFill>
+                  <a:schemeClr val="tx1">
+                    <a:tint val="75000"/>
+                  </a:schemeClr>
+                </a:solidFill>
+              </a:defRPr>
+            </a:lvl6pPr>
+            <a:lvl7pPr marL="2743200" indent="0">
+              <a:buNone/>
+              <a:defRPr sz="1400">
+                <a:solidFill>
+                  <a:schemeClr val="tx1">
+                    <a:tint val="75000"/>
+                  </a:schemeClr>
+                </a:solidFill>
+              </a:defRPr>
+            </a:lvl7pPr>
+            <a:lvl8pPr marL="3200400" indent="0">
+              <a:buNone/>
+              <a:defRPr sz="1400">
+                <a:solidFill>
+                  <a:schemeClr val="tx1">
+                    <a:tint val="75000"/>
+                  </a:schemeClr>
+                </a:solidFill>
+              </a:defRPr>
+            </a:lvl8pPr>
+            <a:lvl9pPr marL="3657600" indent="0">
+              <a:buNone/>
+              <a:defRPr sz="1400">
+                <a:solidFill>
+                  <a:schemeClr val="tx1">
+                    <a:tint val="75000"/>
+                  </a:schemeClr>
+                </a:solidFill>
+              </a:defRPr>
+            </a:lvl9pPr>
+          </a:lstStyle>
+          <a:p>
+            <a:pPr lvl="0"/>
+            <a:r>
+              <a:rPr lang="en-US"/>
+              <a:t>Edit Master text styles</a:t>
+            </a:r>
+          </a:p>
+        </p:txBody>
+      </p:sp>
+      <p:sp>
+        <p:nvSpPr>
+          <p:cNvPr id="4" name="Date Placeholder 3"/>
+          <p:cNvSpPr>
+            <a:spLocks noGrp="1"/>
+          </p:cNvSpPr>
+          <p:nvPr>
+            <p:ph type="dt" sz="half" idx="10"/>
+          </p:nvPr>
+        </p:nvSpPr>
+        <p:spPr/>
+        <p:txBody>
+          <a:bodyPr/>
+          <a:lstStyle/>
+          <a:p>
+            <a:fld id="{B61BEF0D-F0BB-DE4B-95CE-6DB70DBA9567}" type="datetimeFigureOut">
+              <a:rPr lang="en-US" dirty="0"/>
+              <a:pPr/>
+              <a:t>12/2/22</a:t>
+            </a:fld>
+            <a:endParaRPr lang="en-US" dirty="0"/>
+          </a:p>
+        </p:txBody>
+      </p:sp>
+      <p:sp>
+        <p:nvSpPr>
+          <p:cNvPr id="5" name="Footer Placeholder 4"/>
+          <p:cNvSpPr>
+            <a:spLocks noGrp="1"/>
+          </p:cNvSpPr>
+          <p:nvPr>
+            <p:ph type="ftr" sz="quarter" idx="11"/>
+          </p:nvPr>
+        </p:nvSpPr>
+        <p:spPr/>
+        <p:txBody>
+          <a:bodyPr/>
+          <a:lstStyle/>
+          <a:p>
+            <a:endParaRPr lang="en-US" dirty="0"/>
+          </a:p>
+        </p:txBody>
+      </p:sp>
+      <p:sp>
+        <p:nvSpPr>
+          <p:cNvPr id="6" name="Slide Number Placeholder 5"/>
+          <p:cNvSpPr>
+            <a:spLocks noGrp="1"/>
+          </p:cNvSpPr>
+          <p:nvPr>
+            <p:ph type="sldNum" sz="quarter" idx="12"/>
+          </p:nvPr>
+        </p:nvSpPr>
+        <p:spPr/>
+        <p:txBody>
+          <a:bodyPr/>
+          <a:lstStyle/>
+          <a:p>
+            <a:fld id="{D57F1E4F-1CFF-5643-939E-217C01CDF565}" type="slidenum">
+              <a:rPr lang="en-US" dirty="0"/>
+              <a:pPr/>
+              <a:t>‹#›</a:t>
+            </a:fld>
+            <a:endParaRPr lang="en-US" dirty="0"/>
+          </a:p>
+        </p:txBody>
+      </p:sp>
+      <p:sp>
+        <p:nvSpPr>
+          <p:cNvPr id="24" name="TextBox 23"/>
+          <p:cNvSpPr txBox="1"/>
+          <p:nvPr/>
+        </p:nvSpPr>
+        <p:spPr>
+          <a:xfrm>
+            <a:off x="541870" y="790378"/>
+            <a:ext cx="609600" cy="584776"/>
           </a:xfrm>
           <a:prstGeom prst="rect">
             <a:avLst/>
           </a:prstGeom>
         </p:spPr>
-      </p:pic>
-      <p:sp>
-        <p:nvSpPr>
-          <p:cNvPr id="15" name="Title 1"/>
-          <p:cNvSpPr>
-            <a:spLocks noGrp="1"/>
-          </p:cNvSpPr>
-          <p:nvPr>
-            <p:ph type="title"/>
-          </p:nvPr>
+        <p:txBody>
+          <a:bodyPr vert="horz" lIns="91440" tIns="45720" rIns="91440" bIns="45720" rtlCol="0" anchor="ctr">
+            <a:noAutofit/>
+          </a:bodyPr>
+          <a:lstStyle/>
+          <a:p>
+            <a:pPr lvl="0"/>
+            <a:r>
+              <a:rPr lang="en-US" sz="8000" baseline="0" dirty="0">
+                <a:ln w="3175" cmpd="sng">
+                  <a:noFill/>
+                </a:ln>
+                <a:solidFill>
+                  <a:schemeClr val="accent1">
+                    <a:lumMod val="60000"/>
+                    <a:lumOff val="40000"/>
+                  </a:schemeClr>
+                </a:solidFill>
+                <a:effectLst/>
+                <a:latin typeface="Arial"/>
+              </a:rPr>
+              <a:t>“</a:t>
+            </a:r>
+          </a:p>
+        </p:txBody>
+      </p:sp>
+      <p:sp>
+        <p:nvSpPr>
+          <p:cNvPr id="25" name="TextBox 24"/>
+          <p:cNvSpPr txBox="1"/>
+          <p:nvPr/>
         </p:nvSpPr>
         <p:spPr>
           <a:xfrm>
-            <a:off x="913774" y="609600"/>
-            <a:ext cx="10364452" cy="1605094"/>
+            <a:off x="8893011" y="2886556"/>
+            <a:ext cx="609600" cy="584776"/>
           </a:xfrm>
+          <a:prstGeom prst="rect">
+            <a:avLst/>
+          </a:prstGeom>
         </p:spPr>
         <p:txBody>
-          <a:bodyPr/>
-          <a:lstStyle/>
-          <a:p>
-            <a:r>
-              <a:rPr lang="en-US"/>
-              <a:t>Click to edit Master title style</a:t>
-            </a:r>
-            <a:endParaRPr lang="en-US" dirty="0"/>
-          </a:p>
-        </p:txBody>
-      </p:sp>
-      <p:sp>
-        <p:nvSpPr>
-          <p:cNvPr id="7" name="Text Placeholder 2"/>
-          <p:cNvSpPr>
-            <a:spLocks noGrp="1"/>
-          </p:cNvSpPr>
-          <p:nvPr>
-            <p:ph type="body" idx="1"/>
-          </p:nvPr>
-        </p:nvSpPr>
-        <p:spPr>
-          <a:xfrm>
-            <a:off x="913774" y="2367093"/>
-            <a:ext cx="3298976" cy="576262"/>
-          </a:xfrm>
-        </p:spPr>
-        <p:txBody>
-          <a:bodyPr anchor="b">
+          <a:bodyPr vert="horz" lIns="91440" tIns="45720" rIns="91440" bIns="45720" rtlCol="0" anchor="ctr">
             <a:noAutofit/>
           </a:bodyPr>
-          <a:lstStyle>
-            <a:lvl1pPr marL="0" indent="0" algn="ctr">
-              <a:lnSpc>
-                <a:spcPct val="85000"/>
-              </a:lnSpc>
-              <a:buNone/>
-              <a:defRPr sz="2400" b="0">
-                <a:solidFill>
-                  <a:schemeClr val="tx1"/>
-                </a:solidFill>
-              </a:defRPr>
-            </a:lvl1pPr>
-            <a:lvl2pPr marL="457200" indent="0">
-              <a:buNone/>
-              <a:defRPr sz="2000" b="1"/>
-            </a:lvl2pPr>
-            <a:lvl3pPr marL="914400" indent="0">
-              <a:buNone/>
-              <a:defRPr sz="1800" b="1"/>
-            </a:lvl3pPr>
-            <a:lvl4pPr marL="1371600" indent="0">
-              <a:buNone/>
-              <a:defRPr sz="1600" b="1"/>
-            </a:lvl4pPr>
-            <a:lvl5pPr marL="1828800" indent="0">
-              <a:buNone/>
-              <a:defRPr sz="1600" b="1"/>
-            </a:lvl5pPr>
-            <a:lvl6pPr marL="2286000" indent="0">
-              <a:buNone/>
-              <a:defRPr sz="1600" b="1"/>
-            </a:lvl6pPr>
-            <a:lvl7pPr marL="2743200" indent="0">
-              <a:buNone/>
-              <a:defRPr sz="1600" b="1"/>
-            </a:lvl7pPr>
-            <a:lvl8pPr marL="3200400" indent="0">
-              <a:buNone/>
-              <a:defRPr sz="1600" b="1"/>
-            </a:lvl8pPr>
-            <a:lvl9pPr marL="3657600" indent="0">
-              <a:buNone/>
-              <a:defRPr sz="1600" b="1"/>
-            </a:lvl9pPr>
-          </a:lstStyle>
+          <a:lstStyle/>
           <a:p>
             <a:pPr lvl="0"/>
             <a:r>
-              <a:rPr lang="en-US"/>
-              <a:t>Edit Master text styles</a:t>
-            </a:r>
-          </a:p>
-        </p:txBody>
-      </p:sp>
-      <p:sp>
-        <p:nvSpPr>
-          <p:cNvPr id="8" name="Text Placeholder 3"/>
-          <p:cNvSpPr>
-            <a:spLocks noGrp="1"/>
-          </p:cNvSpPr>
-          <p:nvPr>
-            <p:ph type="body" sz="half" idx="15"/>
-          </p:nvPr>
-        </p:nvSpPr>
-        <p:spPr>
-          <a:xfrm>
-            <a:off x="913774" y="2943355"/>
-            <a:ext cx="3298976" cy="2847845"/>
-          </a:xfrm>
-        </p:spPr>
-        <p:txBody>
-          <a:bodyPr anchor="t">
-            <a:normAutofit/>
-          </a:bodyPr>
-          <a:lstStyle>
-            <a:lvl1pPr marL="0" indent="0" algn="ctr">
-              <a:buNone/>
-              <a:defRPr sz="1400"/>
-            </a:lvl1pPr>
-            <a:lvl2pPr marL="457200" indent="0">
-              <a:buNone/>
-              <a:defRPr sz="1200"/>
-            </a:lvl2pPr>
-            <a:lvl3pPr marL="914400" indent="0">
-              <a:buNone/>
-              <a:defRPr sz="1000"/>
-            </a:lvl3pPr>
-            <a:lvl4pPr marL="1371600" indent="0">
-              <a:buNone/>
-              <a:defRPr sz="900"/>
-            </a:lvl4pPr>
-            <a:lvl5pPr marL="1828800" indent="0">
-              <a:buNone/>
-              <a:defRPr sz="900"/>
-            </a:lvl5pPr>
-            <a:lvl6pPr marL="2286000" indent="0">
-              <a:buNone/>
-              <a:defRPr sz="900"/>
-            </a:lvl6pPr>
-            <a:lvl7pPr marL="2743200" indent="0">
-              <a:buNone/>
-              <a:defRPr sz="900"/>
-            </a:lvl7pPr>
-            <a:lvl8pPr marL="3200400" indent="0">
-              <a:buNone/>
-              <a:defRPr sz="900"/>
-            </a:lvl8pPr>
-            <a:lvl9pPr marL="3657600" indent="0">
-              <a:buNone/>
-              <a:defRPr sz="900"/>
-            </a:lvl9pPr>
-          </a:lstStyle>
-          <a:p>
-            <a:pPr lvl="0"/>
-            <a:r>
-              <a:rPr lang="en-US"/>
-              <a:t>Edit Master text styles</a:t>
-            </a:r>
-          </a:p>
-        </p:txBody>
-      </p:sp>
-      <p:sp>
-        <p:nvSpPr>
-          <p:cNvPr id="9" name="Text Placeholder 4"/>
-          <p:cNvSpPr>
-            <a:spLocks noGrp="1"/>
-          </p:cNvSpPr>
-          <p:nvPr>
-            <p:ph type="body" sz="quarter" idx="3"/>
-          </p:nvPr>
-        </p:nvSpPr>
-        <p:spPr>
-          <a:xfrm>
-            <a:off x="4452389" y="2367093"/>
-            <a:ext cx="3291521" cy="576262"/>
-          </a:xfrm>
-        </p:spPr>
-        <p:txBody>
-          <a:bodyPr anchor="b">
-            <a:noAutofit/>
-          </a:bodyPr>
-          <a:lstStyle>
-            <a:lvl1pPr marL="0" indent="0" algn="ctr">
-              <a:lnSpc>
-                <a:spcPct val="85000"/>
-              </a:lnSpc>
-              <a:buNone/>
-              <a:defRPr sz="2400" b="0">
-                <a:solidFill>
-                  <a:schemeClr val="tx1"/>
-                </a:solidFill>
-              </a:defRPr>
-            </a:lvl1pPr>
-            <a:lvl2pPr marL="457200" indent="0">
-              <a:buNone/>
-              <a:defRPr sz="2000" b="1"/>
-            </a:lvl2pPr>
-            <a:lvl3pPr marL="914400" indent="0">
-              <a:buNone/>
-              <a:defRPr sz="1800" b="1"/>
-            </a:lvl3pPr>
-            <a:lvl4pPr marL="1371600" indent="0">
-              <a:buNone/>
-              <a:defRPr sz="1600" b="1"/>
-            </a:lvl4pPr>
-            <a:lvl5pPr marL="1828800" indent="0">
-              <a:buNone/>
-              <a:defRPr sz="1600" b="1"/>
-            </a:lvl5pPr>
-            <a:lvl6pPr marL="2286000" indent="0">
-              <a:buNone/>
-              <a:defRPr sz="1600" b="1"/>
-            </a:lvl6pPr>
-            <a:lvl7pPr marL="2743200" indent="0">
-              <a:buNone/>
-              <a:defRPr sz="1600" b="1"/>
-            </a:lvl7pPr>
-            <a:lvl8pPr marL="3200400" indent="0">
-              <a:buNone/>
-              <a:defRPr sz="1600" b="1"/>
-            </a:lvl8pPr>
-            <a:lvl9pPr marL="3657600" indent="0">
-              <a:buNone/>
-              <a:defRPr sz="1600" b="1"/>
-            </a:lvl9pPr>
-          </a:lstStyle>
-          <a:p>
-            <a:pPr lvl="0"/>
-            <a:r>
-              <a:rPr lang="en-US"/>
-              <a:t>Edit Master text styles</a:t>
-            </a:r>
-          </a:p>
-        </p:txBody>
-      </p:sp>
-      <p:sp>
-        <p:nvSpPr>
-          <p:cNvPr id="10" name="Text Placeholder 3"/>
-          <p:cNvSpPr>
-            <a:spLocks noGrp="1"/>
-          </p:cNvSpPr>
-          <p:nvPr>
-            <p:ph type="body" sz="half" idx="16"/>
-          </p:nvPr>
-        </p:nvSpPr>
-        <p:spPr>
-          <a:xfrm>
-            <a:off x="4441348" y="2943355"/>
-            <a:ext cx="3303351" cy="2847845"/>
-          </a:xfrm>
-        </p:spPr>
-        <p:txBody>
-          <a:bodyPr anchor="t">
-            <a:normAutofit/>
-          </a:bodyPr>
-          <a:lstStyle>
-            <a:lvl1pPr marL="0" indent="0" algn="ctr">
-              <a:buNone/>
-              <a:defRPr sz="1400"/>
-            </a:lvl1pPr>
-            <a:lvl2pPr marL="457200" indent="0">
-              <a:buNone/>
-              <a:defRPr sz="1200"/>
-            </a:lvl2pPr>
-            <a:lvl3pPr marL="914400" indent="0">
-              <a:buNone/>
-              <a:defRPr sz="1000"/>
-            </a:lvl3pPr>
-            <a:lvl4pPr marL="1371600" indent="0">
-              <a:buNone/>
-              <a:defRPr sz="900"/>
-            </a:lvl4pPr>
-            <a:lvl5pPr marL="1828800" indent="0">
-              <a:buNone/>
-              <a:defRPr sz="900"/>
-            </a:lvl5pPr>
-            <a:lvl6pPr marL="2286000" indent="0">
-              <a:buNone/>
-              <a:defRPr sz="900"/>
-            </a:lvl6pPr>
-            <a:lvl7pPr marL="2743200" indent="0">
-              <a:buNone/>
-              <a:defRPr sz="900"/>
-            </a:lvl7pPr>
-            <a:lvl8pPr marL="3200400" indent="0">
-              <a:buNone/>
-              <a:defRPr sz="900"/>
-            </a:lvl8pPr>
-            <a:lvl9pPr marL="3657600" indent="0">
-              <a:buNone/>
-              <a:defRPr sz="900"/>
-            </a:lvl9pPr>
-          </a:lstStyle>
-          <a:p>
-            <a:pPr lvl="0"/>
-            <a:r>
-              <a:rPr lang="en-US"/>
-              <a:t>Edit Master text styles</a:t>
-            </a:r>
-          </a:p>
-        </p:txBody>
-      </p:sp>
-      <p:sp>
-        <p:nvSpPr>
-          <p:cNvPr id="11" name="Text Placeholder 4"/>
-          <p:cNvSpPr>
-            <a:spLocks noGrp="1"/>
-          </p:cNvSpPr>
-          <p:nvPr>
-            <p:ph type="body" sz="quarter" idx="13"/>
-          </p:nvPr>
-        </p:nvSpPr>
-        <p:spPr>
-          <a:xfrm>
-            <a:off x="7973298" y="2367093"/>
-            <a:ext cx="3304928" cy="576262"/>
-          </a:xfrm>
-        </p:spPr>
-        <p:txBody>
-          <a:bodyPr anchor="b">
-            <a:noAutofit/>
-          </a:bodyPr>
-          <a:lstStyle>
-            <a:lvl1pPr marL="0" indent="0" algn="ctr">
-              <a:lnSpc>
-                <a:spcPct val="85000"/>
-              </a:lnSpc>
-              <a:buNone/>
-              <a:defRPr sz="2400" b="0">
-                <a:solidFill>
-                  <a:schemeClr val="tx1"/>
-                </a:solidFill>
-              </a:defRPr>
-            </a:lvl1pPr>
-            <a:lvl2pPr marL="457200" indent="0">
-              <a:buNone/>
-              <a:defRPr sz="2000" b="1"/>
-            </a:lvl2pPr>
-            <a:lvl3pPr marL="914400" indent="0">
-              <a:buNone/>
-              <a:defRPr sz="1800" b="1"/>
-            </a:lvl3pPr>
-            <a:lvl4pPr marL="1371600" indent="0">
-              <a:buNone/>
-              <a:defRPr sz="1600" b="1"/>
-            </a:lvl4pPr>
-            <a:lvl5pPr marL="1828800" indent="0">
-              <a:buNone/>
-              <a:defRPr sz="1600" b="1"/>
-            </a:lvl5pPr>
-            <a:lvl6pPr marL="2286000" indent="0">
-              <a:buNone/>
-              <a:defRPr sz="1600" b="1"/>
-            </a:lvl6pPr>
-            <a:lvl7pPr marL="2743200" indent="0">
-              <a:buNone/>
-              <a:defRPr sz="1600" b="1"/>
-            </a:lvl7pPr>
-            <a:lvl8pPr marL="3200400" indent="0">
-              <a:buNone/>
-              <a:defRPr sz="1600" b="1"/>
-            </a:lvl8pPr>
-            <a:lvl9pPr marL="3657600" indent="0">
-              <a:buNone/>
-              <a:defRPr sz="1600" b="1"/>
-            </a:lvl9pPr>
-          </a:lstStyle>
-          <a:p>
-            <a:pPr lvl="0"/>
-            <a:r>
-              <a:rPr lang="en-US"/>
-              <a:t>Edit Master text styles</a:t>
-            </a:r>
-          </a:p>
-        </p:txBody>
-      </p:sp>
-      <p:sp>
-        <p:nvSpPr>
-          <p:cNvPr id="12" name="Text Placeholder 3"/>
-          <p:cNvSpPr>
-            <a:spLocks noGrp="1"/>
-          </p:cNvSpPr>
-          <p:nvPr>
-            <p:ph type="body" sz="half" idx="17"/>
-          </p:nvPr>
-        </p:nvSpPr>
-        <p:spPr>
-          <a:xfrm>
-            <a:off x="7973298" y="2943355"/>
-            <a:ext cx="3304928" cy="2847845"/>
-          </a:xfrm>
-        </p:spPr>
-        <p:txBody>
-          <a:bodyPr anchor="t">
-            <a:normAutofit/>
-          </a:bodyPr>
-          <a:lstStyle>
-            <a:lvl1pPr marL="0" indent="0" algn="ctr">
-              <a:buNone/>
-              <a:defRPr sz="1400"/>
-            </a:lvl1pPr>
-            <a:lvl2pPr marL="457200" indent="0">
-              <a:buNone/>
-              <a:defRPr sz="1200"/>
-            </a:lvl2pPr>
-            <a:lvl3pPr marL="914400" indent="0">
-              <a:buNone/>
-              <a:defRPr sz="1000"/>
-            </a:lvl3pPr>
-            <a:lvl4pPr marL="1371600" indent="0">
-              <a:buNone/>
-              <a:defRPr sz="900"/>
-            </a:lvl4pPr>
-            <a:lvl5pPr marL="1828800" indent="0">
-              <a:buNone/>
-              <a:defRPr sz="900"/>
-            </a:lvl5pPr>
-            <a:lvl6pPr marL="2286000" indent="0">
-              <a:buNone/>
-              <a:defRPr sz="900"/>
-            </a:lvl6pPr>
-            <a:lvl7pPr marL="2743200" indent="0">
-              <a:buNone/>
-              <a:defRPr sz="900"/>
-            </a:lvl7pPr>
-            <a:lvl8pPr marL="3200400" indent="0">
-              <a:buNone/>
-              <a:defRPr sz="900"/>
-            </a:lvl8pPr>
-            <a:lvl9pPr marL="3657600" indent="0">
-              <a:buNone/>
-              <a:defRPr sz="900"/>
-            </a:lvl9pPr>
-          </a:lstStyle>
-          <a:p>
-            <a:pPr lvl="0"/>
-            <a:r>
-              <a:rPr lang="en-US"/>
-              <a:t>Edit Master text styles</a:t>
-            </a:r>
-          </a:p>
-        </p:txBody>
-      </p:sp>
-      <p:sp>
-        <p:nvSpPr>
-          <p:cNvPr id="3" name="Date Placeholder 2"/>
-          <p:cNvSpPr>
-            <a:spLocks noGrp="1"/>
-          </p:cNvSpPr>
-          <p:nvPr>
-            <p:ph type="dt" sz="half" idx="10"/>
-          </p:nvPr>
-        </p:nvSpPr>
-        <p:spPr/>
-        <p:txBody>
-          <a:bodyPr/>
-          <a:lstStyle/>
-          <a:p>
-            <a:fld id="{48A87A34-81AB-432B-8DAE-1953F412C126}" type="datetimeFigureOut">
-              <a:rPr lang="en-US" dirty="0"/>
-              <a:t>11/29/22</a:t>
-            </a:fld>
-            <a:endParaRPr lang="en-US" dirty="0"/>
-          </a:p>
-        </p:txBody>
-      </p:sp>
-      <p:sp>
-        <p:nvSpPr>
-          <p:cNvPr id="4" name="Footer Placeholder 3"/>
-          <p:cNvSpPr>
-            <a:spLocks noGrp="1"/>
-          </p:cNvSpPr>
-          <p:nvPr>
-            <p:ph type="ftr" sz="quarter" idx="11"/>
-          </p:nvPr>
-        </p:nvSpPr>
-        <p:spPr/>
-        <p:txBody>
-          <a:bodyPr/>
-          <a:lstStyle/>
-          <a:p>
-            <a:endParaRPr lang="en-US" dirty="0"/>
-          </a:p>
-        </p:txBody>
-      </p:sp>
-      <p:sp>
-        <p:nvSpPr>
-          <p:cNvPr id="5" name="Slide Number Placeholder 4"/>
-          <p:cNvSpPr>
-            <a:spLocks noGrp="1"/>
-          </p:cNvSpPr>
-          <p:nvPr>
-            <p:ph type="sldNum" sz="quarter" idx="12"/>
-          </p:nvPr>
-        </p:nvSpPr>
-        <p:spPr/>
-        <p:txBody>
-          <a:bodyPr/>
-          <a:lstStyle/>
-          <a:p>
-            <a:fld id="{6D22F896-40B5-4ADD-8801-0D06FADFA095}" type="slidenum">
-              <a:rPr lang="en-US" dirty="0"/>
-              <a:t>‹#›</a:t>
-            </a:fld>
-            <a:endParaRPr lang="en-US" dirty="0"/>
+              <a:rPr lang="en-US" sz="8000" baseline="0" dirty="0">
+                <a:ln w="3175" cmpd="sng">
+                  <a:noFill/>
+                </a:ln>
+                <a:solidFill>
+                  <a:schemeClr val="accent1">
+                    <a:lumMod val="60000"/>
+                    <a:lumOff val="40000"/>
+                  </a:schemeClr>
+                </a:solidFill>
+                <a:effectLst/>
+                <a:latin typeface="Arial"/>
+              </a:rPr>
+              <a:t>”</a:t>
+            </a:r>
           </a:p>
         </p:txBody>
       </p:sp>
@@ -2185,9 +2193,9 @@
 </p:sldLayout>
 </file>
 
-<file path=ppt/slideLayouts/slideLayout15.xml><?xml version="1.0" encoding="utf-8"?>
+<file path=ppt/slideLayouts/slideLayout14.xml><?xml version="1.0" encoding="utf-8"?>
 <p:sldLayout xmlns:a="http://schemas.openxmlformats.org/drawingml/2006/main" xmlns:r="http://schemas.openxmlformats.org/officeDocument/2006/relationships" xmlns:p="http://schemas.openxmlformats.org/presentationml/2006/main" preserve="1">
-  <p:cSld name="3 Picture Column">
+  <p:cSld name="True or False">
     <p:spTree>
       <p:nvGrpSpPr>
         <p:cNvPr id="1" name=""/>
@@ -2202,78 +2210,54 @@
           <a:chExt cx="0" cy="0"/>
         </a:xfrm>
       </p:grpSpPr>
-      <p:pic>
-        <p:nvPicPr>
-          <p:cNvPr id="16" name="Picture 15" descr="Droplets-HD-Content-R1d.png"/>
-          <p:cNvPicPr>
-            <a:picLocks noChangeAspect="1"/>
-          </p:cNvPicPr>
-          <p:nvPr/>
-        </p:nvPicPr>
-        <p:blipFill>
-          <a:blip r:embed="rId2">
-            <a:extLst>
-              <a:ext uri="{28A0092B-C50C-407E-A947-70E740481C1C}">
-                <a14:useLocalDpi xmlns:a14="http://schemas.microsoft.com/office/drawing/2010/main" val="0"/>
-              </a:ext>
-            </a:extLst>
-          </a:blip>
-          <a:stretch>
-            <a:fillRect/>
-          </a:stretch>
-        </p:blipFill>
+      <p:sp>
+        <p:nvSpPr>
+          <p:cNvPr id="2" name="Title 1"/>
+          <p:cNvSpPr>
+            <a:spLocks noGrp="1"/>
+          </p:cNvSpPr>
+          <p:nvPr>
+            <p:ph type="title"/>
+          </p:nvPr>
+        </p:nvSpPr>
         <p:spPr>
           <a:xfrm>
-            <a:off x="0" y="0"/>
-            <a:ext cx="12192000" cy="6858000"/>
+            <a:off x="685799" y="609600"/>
+            <a:ext cx="8588203" cy="3022600"/>
           </a:xfrm>
-          <a:prstGeom prst="rect">
-            <a:avLst/>
-          </a:prstGeom>
         </p:spPr>
-      </p:pic>
-      <p:sp>
-        <p:nvSpPr>
-          <p:cNvPr id="30" name="Title 1"/>
-          <p:cNvSpPr>
-            <a:spLocks noGrp="1"/>
-          </p:cNvSpPr>
-          <p:nvPr>
-            <p:ph type="title"/>
+        <p:txBody>
+          <a:bodyPr anchor="ctr">
+            <a:normAutofit/>
+          </a:bodyPr>
+          <a:lstStyle>
+            <a:lvl1pPr algn="l">
+              <a:defRPr sz="4400" b="0" cap="none"/>
+            </a:lvl1pPr>
+          </a:lstStyle>
+          <a:p>
+            <a:r>
+              <a:rPr lang="en-US"/>
+              <a:t>Click to edit Master title style</a:t>
+            </a:r>
+            <a:endParaRPr lang="en-US" dirty="0"/>
+          </a:p>
+        </p:txBody>
+      </p:sp>
+      <p:sp>
+        <p:nvSpPr>
+          <p:cNvPr id="23" name="Text Placeholder 9"/>
+          <p:cNvSpPr>
+            <a:spLocks noGrp="1"/>
+          </p:cNvSpPr>
+          <p:nvPr>
+            <p:ph type="body" sz="quarter" idx="13"/>
           </p:nvPr>
         </p:nvSpPr>
         <p:spPr>
           <a:xfrm>
-            <a:off x="913774" y="610772"/>
-            <a:ext cx="10364452" cy="1603922"/>
-          </a:xfrm>
-        </p:spPr>
-        <p:txBody>
-          <a:bodyPr/>
-          <a:lstStyle/>
-          <a:p>
-            <a:r>
-              <a:rPr lang="en-US"/>
-              <a:t>Click to edit Master title style</a:t>
-            </a:r>
-            <a:endParaRPr lang="en-US" dirty="0"/>
-          </a:p>
-        </p:txBody>
-      </p:sp>
-      <p:sp>
-        <p:nvSpPr>
-          <p:cNvPr id="19" name="Text Placeholder 2"/>
-          <p:cNvSpPr>
-            <a:spLocks noGrp="1"/>
-          </p:cNvSpPr>
-          <p:nvPr>
-            <p:ph type="body" idx="1"/>
-          </p:nvPr>
-        </p:nvSpPr>
-        <p:spPr>
-          <a:xfrm>
-            <a:off x="913774" y="4204820"/>
-            <a:ext cx="3296409" cy="576262"/>
+            <a:off x="677332" y="4013200"/>
+            <a:ext cx="8596669" cy="514248"/>
           </a:xfrm>
         </p:spPr>
         <p:txBody>
@@ -2281,49 +2265,35 @@
             <a:noAutofit/>
           </a:bodyPr>
           <a:lstStyle>
-            <a:lvl1pPr marL="0" indent="0" algn="ctr">
-              <a:lnSpc>
-                <a:spcPct val="85000"/>
-              </a:lnSpc>
-              <a:buNone/>
-              <a:defRPr sz="2200" b="0">
-                <a:solidFill>
-                  <a:schemeClr val="tx1"/>
+            <a:lvl1pPr marL="0" indent="0">
+              <a:buFontTx/>
+              <a:buNone/>
+              <a:defRPr sz="2400">
+                <a:solidFill>
+                  <a:schemeClr val="accent1"/>
                 </a:solidFill>
               </a:defRPr>
             </a:lvl1pPr>
             <a:lvl2pPr marL="457200" indent="0">
-              <a:buNone/>
-              <a:defRPr sz="2000" b="1"/>
+              <a:buFontTx/>
+              <a:buNone/>
+              <a:defRPr/>
             </a:lvl2pPr>
             <a:lvl3pPr marL="914400" indent="0">
-              <a:buNone/>
-              <a:defRPr sz="1800" b="1"/>
+              <a:buFontTx/>
+              <a:buNone/>
+              <a:defRPr/>
             </a:lvl3pPr>
             <a:lvl4pPr marL="1371600" indent="0">
-              <a:buNone/>
-              <a:defRPr sz="1600" b="1"/>
+              <a:buFontTx/>
+              <a:buNone/>
+              <a:defRPr/>
             </a:lvl4pPr>
             <a:lvl5pPr marL="1828800" indent="0">
-              <a:buNone/>
-              <a:defRPr sz="1600" b="1"/>
+              <a:buFontTx/>
+              <a:buNone/>
+              <a:defRPr/>
             </a:lvl5pPr>
-            <a:lvl6pPr marL="2286000" indent="0">
-              <a:buNone/>
-              <a:defRPr sz="1600" b="1"/>
-            </a:lvl6pPr>
-            <a:lvl7pPr marL="2743200" indent="0">
-              <a:buNone/>
-              <a:defRPr sz="1600" b="1"/>
-            </a:lvl7pPr>
-            <a:lvl8pPr marL="3200400" indent="0">
-              <a:buNone/>
-              <a:defRPr sz="1600" b="1"/>
-            </a:lvl8pPr>
-            <a:lvl9pPr marL="3657600" indent="0">
-              <a:buNone/>
-              <a:defRPr sz="1600" b="1"/>
-            </a:lvl9pPr>
           </a:lstStyle>
           <a:p>
             <a:pPr lvl="0"/>
@@ -2336,226 +2306,115 @@
       </p:sp>
       <p:sp>
         <p:nvSpPr>
-          <p:cNvPr id="20" name="Picture Placeholder 2"/>
-          <p:cNvSpPr>
-            <a:spLocks noGrp="1" noChangeAspect="1"/>
-          </p:cNvSpPr>
-          <p:nvPr>
-            <p:ph type="pic" idx="15"/>
+          <p:cNvPr id="3" name="Text Placeholder 2"/>
+          <p:cNvSpPr>
+            <a:spLocks noGrp="1"/>
+          </p:cNvSpPr>
+          <p:nvPr>
+            <p:ph type="body" idx="1"/>
           </p:nvPr>
         </p:nvSpPr>
         <p:spPr>
           <a:xfrm>
-            <a:off x="913774" y="2367093"/>
-            <a:ext cx="3296409" cy="1524000"/>
+            <a:off x="677335" y="4527448"/>
+            <a:ext cx="8596668" cy="1513914"/>
           </a:xfrm>
-          <a:prstGeom prst="roundRect">
-            <a:avLst>
-              <a:gd name="adj" fmla="val 9363"/>
-            </a:avLst>
-          </a:prstGeom>
-          <a:noFill/>
-          <a:ln w="82550" cap="sq">
-            <a:solidFill>
-              <a:srgbClr val="EAEAEA"/>
-            </a:solidFill>
-            <a:miter lim="800000"/>
-          </a:ln>
-          <a:effectLst/>
-          <a:scene3d>
-            <a:camera prst="orthographicFront"/>
-            <a:lightRig rig="threePt" dir="t">
-              <a:rot lat="0" lon="0" rev="2700000"/>
-            </a:lightRig>
-          </a:scene3d>
-          <a:sp3d contourW="6350">
-            <a:bevelT h="38100"/>
-            <a:contourClr>
-              <a:srgbClr val="C0C0C0"/>
-            </a:contourClr>
-          </a:sp3d>
         </p:spPr>
         <p:txBody>
           <a:bodyPr anchor="t">
             <a:normAutofit/>
           </a:bodyPr>
           <a:lstStyle>
-            <a:lvl1pPr marL="0" indent="0" algn="ctr">
-              <a:buNone/>
-              <a:defRPr sz="1600"/>
-            </a:lvl1pPr>
-            <a:lvl2pPr marL="457200" indent="0">
-              <a:buNone/>
-              <a:defRPr sz="1600"/>
-            </a:lvl2pPr>
-            <a:lvl3pPr marL="914400" indent="0">
-              <a:buNone/>
-              <a:defRPr sz="1600"/>
-            </a:lvl3pPr>
-            <a:lvl4pPr marL="1371600" indent="0">
-              <a:buNone/>
-              <a:defRPr sz="1600"/>
-            </a:lvl4pPr>
-            <a:lvl5pPr marL="1828800" indent="0">
-              <a:buNone/>
-              <a:defRPr sz="1600"/>
-            </a:lvl5pPr>
-            <a:lvl6pPr marL="2286000" indent="0">
-              <a:buNone/>
-              <a:defRPr sz="1600"/>
-            </a:lvl6pPr>
-            <a:lvl7pPr marL="2743200" indent="0">
-              <a:buNone/>
-              <a:defRPr sz="1600"/>
-            </a:lvl7pPr>
-            <a:lvl8pPr marL="3200400" indent="0">
-              <a:buNone/>
-              <a:defRPr sz="1600"/>
-            </a:lvl8pPr>
-            <a:lvl9pPr marL="3657600" indent="0">
-              <a:buNone/>
-              <a:defRPr sz="1600"/>
-            </a:lvl9pPr>
-          </a:lstStyle>
-          <a:p>
-            <a:r>
-              <a:rPr lang="en-US"/>
-              <a:t>Click icon to add picture</a:t>
-            </a:r>
-            <a:endParaRPr lang="en-US" dirty="0"/>
-          </a:p>
-        </p:txBody>
-      </p:sp>
-      <p:sp>
-        <p:nvSpPr>
-          <p:cNvPr id="21" name="Text Placeholder 3"/>
-          <p:cNvSpPr>
-            <a:spLocks noGrp="1"/>
-          </p:cNvSpPr>
-          <p:nvPr>
-            <p:ph type="body" sz="half" idx="18"/>
-          </p:nvPr>
-        </p:nvSpPr>
-        <p:spPr>
-          <a:xfrm>
-            <a:off x="913774" y="4781082"/>
-            <a:ext cx="3296409" cy="1010118"/>
-          </a:xfrm>
-        </p:spPr>
-        <p:txBody>
-          <a:bodyPr anchor="t">
-            <a:normAutofit/>
-          </a:bodyPr>
-          <a:lstStyle>
-            <a:lvl1pPr marL="0" indent="0" algn="ctr">
-              <a:buNone/>
-              <a:defRPr sz="1400"/>
-            </a:lvl1pPr>
-            <a:lvl2pPr marL="457200" indent="0">
-              <a:buNone/>
-              <a:defRPr sz="1200"/>
-            </a:lvl2pPr>
-            <a:lvl3pPr marL="914400" indent="0">
-              <a:buNone/>
-              <a:defRPr sz="1000"/>
-            </a:lvl3pPr>
-            <a:lvl4pPr marL="1371600" indent="0">
-              <a:buNone/>
-              <a:defRPr sz="900"/>
-            </a:lvl4pPr>
-            <a:lvl5pPr marL="1828800" indent="0">
-              <a:buNone/>
-              <a:defRPr sz="900"/>
-            </a:lvl5pPr>
-            <a:lvl6pPr marL="2286000" indent="0">
-              <a:buNone/>
-              <a:defRPr sz="900"/>
-            </a:lvl6pPr>
-            <a:lvl7pPr marL="2743200" indent="0">
-              <a:buNone/>
-              <a:defRPr sz="900"/>
-            </a:lvl7pPr>
-            <a:lvl8pPr marL="3200400" indent="0">
-              <a:buNone/>
-              <a:defRPr sz="900"/>
-            </a:lvl8pPr>
-            <a:lvl9pPr marL="3657600" indent="0">
-              <a:buNone/>
-              <a:defRPr sz="900"/>
-            </a:lvl9pPr>
-          </a:lstStyle>
-          <a:p>
-            <a:pPr lvl="0"/>
-            <a:r>
-              <a:rPr lang="en-US"/>
-              <a:t>Edit Master text styles</a:t>
-            </a:r>
-          </a:p>
-        </p:txBody>
-      </p:sp>
-      <p:sp>
-        <p:nvSpPr>
-          <p:cNvPr id="22" name="Text Placeholder 4"/>
-          <p:cNvSpPr>
-            <a:spLocks noGrp="1"/>
-          </p:cNvSpPr>
-          <p:nvPr>
-            <p:ph type="body" sz="quarter" idx="3"/>
-          </p:nvPr>
-        </p:nvSpPr>
-        <p:spPr>
-          <a:xfrm>
-            <a:off x="4442759" y="4204820"/>
-            <a:ext cx="3301828" cy="576262"/>
-          </a:xfrm>
-        </p:spPr>
-        <p:txBody>
-          <a:bodyPr anchor="b">
-            <a:noAutofit/>
-          </a:bodyPr>
-          <a:lstStyle>
-            <a:lvl1pPr marL="0" indent="0" algn="ctr">
-              <a:lnSpc>
-                <a:spcPct val="85000"/>
-              </a:lnSpc>
-              <a:buNone/>
-              <a:defRPr sz="2200" b="0">
-                <a:solidFill>
-                  <a:schemeClr val="tx1"/>
+            <a:lvl1pPr marL="0" indent="0" algn="l">
+              <a:buNone/>
+              <a:defRPr sz="1800">
+                <a:solidFill>
+                  <a:schemeClr val="tx1">
+                    <a:lumMod val="50000"/>
+                    <a:lumOff val="50000"/>
+                  </a:schemeClr>
                 </a:solidFill>
               </a:defRPr>
             </a:lvl1pPr>
             <a:lvl2pPr marL="457200" indent="0">
               <a:buNone/>
-              <a:defRPr sz="2000" b="1"/>
+              <a:defRPr sz="1800">
+                <a:solidFill>
+                  <a:schemeClr val="tx1">
+                    <a:tint val="75000"/>
+                  </a:schemeClr>
+                </a:solidFill>
+              </a:defRPr>
             </a:lvl2pPr>
             <a:lvl3pPr marL="914400" indent="0">
               <a:buNone/>
-              <a:defRPr sz="1800" b="1"/>
+              <a:defRPr sz="1600">
+                <a:solidFill>
+                  <a:schemeClr val="tx1">
+                    <a:tint val="75000"/>
+                  </a:schemeClr>
+                </a:solidFill>
+              </a:defRPr>
             </a:lvl3pPr>
             <a:lvl4pPr marL="1371600" indent="0">
               <a:buNone/>
-              <a:defRPr sz="1600" b="1"/>
+              <a:defRPr sz="1400">
+                <a:solidFill>
+                  <a:schemeClr val="tx1">
+                    <a:tint val="75000"/>
+                  </a:schemeClr>
+                </a:solidFill>
+              </a:defRPr>
             </a:lvl4pPr>
             <a:lvl5pPr marL="1828800" indent="0">
               <a:buNone/>
-              <a:defRPr sz="1600" b="1"/>
+              <a:defRPr sz="1400">
+                <a:solidFill>
+                  <a:schemeClr val="tx1">
+                    <a:tint val="75000"/>
+                  </a:schemeClr>
+                </a:solidFill>
+              </a:defRPr>
             </a:lvl5pPr>
             <a:lvl6pPr marL="2286000" indent="0">
               <a:buNone/>
-              <a:defRPr sz="1600" b="1"/>
+              <a:defRPr sz="1400">
+                <a:solidFill>
+                  <a:schemeClr val="tx1">
+                    <a:tint val="75000"/>
+                  </a:schemeClr>
+                </a:solidFill>
+              </a:defRPr>
             </a:lvl6pPr>
             <a:lvl7pPr marL="2743200" indent="0">
               <a:buNone/>
-              <a:defRPr sz="1600" b="1"/>
+              <a:defRPr sz="1400">
+                <a:solidFill>
+                  <a:schemeClr val="tx1">
+                    <a:tint val="75000"/>
+                  </a:schemeClr>
+                </a:solidFill>
+              </a:defRPr>
             </a:lvl7pPr>
             <a:lvl8pPr marL="3200400" indent="0">
               <a:buNone/>
-              <a:defRPr sz="1600" b="1"/>
+              <a:defRPr sz="1400">
+                <a:solidFill>
+                  <a:schemeClr val="tx1">
+                    <a:tint val="75000"/>
+                  </a:schemeClr>
+                </a:solidFill>
+              </a:defRPr>
             </a:lvl8pPr>
             <a:lvl9pPr marL="3657600" indent="0">
               <a:buNone/>
-              <a:defRPr sz="1600" b="1"/>
+              <a:defRPr sz="1400">
+                <a:solidFill>
+                  <a:schemeClr val="tx1">
+                    <a:tint val="75000"/>
+                  </a:schemeClr>
+                </a:solidFill>
+              </a:defRPr>
             </a:lvl9pPr>
           </a:lstStyle>
           <a:p>
@@ -2569,399 +2428,7 @@
       </p:sp>
       <p:sp>
         <p:nvSpPr>
-          <p:cNvPr id="23" name="Picture Placeholder 2"/>
-          <p:cNvSpPr>
-            <a:spLocks noGrp="1" noChangeAspect="1"/>
-          </p:cNvSpPr>
-          <p:nvPr>
-            <p:ph type="pic" idx="21"/>
-          </p:nvPr>
-        </p:nvSpPr>
-        <p:spPr>
-          <a:xfrm>
-            <a:off x="4441348" y="2367093"/>
-            <a:ext cx="3303352" cy="1524000"/>
-          </a:xfrm>
-          <a:prstGeom prst="roundRect">
-            <a:avLst>
-              <a:gd name="adj" fmla="val 8841"/>
-            </a:avLst>
-          </a:prstGeom>
-          <a:noFill/>
-          <a:ln w="82550" cap="sq">
-            <a:solidFill>
-              <a:srgbClr val="EAEAEA"/>
-            </a:solidFill>
-            <a:miter lim="800000"/>
-          </a:ln>
-          <a:effectLst/>
-          <a:scene3d>
-            <a:camera prst="orthographicFront"/>
-            <a:lightRig rig="threePt" dir="t">
-              <a:rot lat="0" lon="0" rev="2700000"/>
-            </a:lightRig>
-          </a:scene3d>
-          <a:sp3d contourW="6350">
-            <a:bevelT h="38100"/>
-            <a:contourClr>
-              <a:srgbClr val="C0C0C0"/>
-            </a:contourClr>
-          </a:sp3d>
-        </p:spPr>
-        <p:txBody>
-          <a:bodyPr anchor="t">
-            <a:normAutofit/>
-          </a:bodyPr>
-          <a:lstStyle>
-            <a:lvl1pPr marL="0" indent="0" algn="ctr">
-              <a:buNone/>
-              <a:defRPr sz="1600"/>
-            </a:lvl1pPr>
-            <a:lvl2pPr marL="457200" indent="0">
-              <a:buNone/>
-              <a:defRPr sz="1600"/>
-            </a:lvl2pPr>
-            <a:lvl3pPr marL="914400" indent="0">
-              <a:buNone/>
-              <a:defRPr sz="1600"/>
-            </a:lvl3pPr>
-            <a:lvl4pPr marL="1371600" indent="0">
-              <a:buNone/>
-              <a:defRPr sz="1600"/>
-            </a:lvl4pPr>
-            <a:lvl5pPr marL="1828800" indent="0">
-              <a:buNone/>
-              <a:defRPr sz="1600"/>
-            </a:lvl5pPr>
-            <a:lvl6pPr marL="2286000" indent="0">
-              <a:buNone/>
-              <a:defRPr sz="1600"/>
-            </a:lvl6pPr>
-            <a:lvl7pPr marL="2743200" indent="0">
-              <a:buNone/>
-              <a:defRPr sz="1600"/>
-            </a:lvl7pPr>
-            <a:lvl8pPr marL="3200400" indent="0">
-              <a:buNone/>
-              <a:defRPr sz="1600"/>
-            </a:lvl8pPr>
-            <a:lvl9pPr marL="3657600" indent="0">
-              <a:buNone/>
-              <a:defRPr sz="1600"/>
-            </a:lvl9pPr>
-          </a:lstStyle>
-          <a:p>
-            <a:r>
-              <a:rPr lang="en-US"/>
-              <a:t>Click icon to add picture</a:t>
-            </a:r>
-            <a:endParaRPr lang="en-US" dirty="0"/>
-          </a:p>
-        </p:txBody>
-      </p:sp>
-      <p:sp>
-        <p:nvSpPr>
-          <p:cNvPr id="24" name="Text Placeholder 3"/>
-          <p:cNvSpPr>
-            <a:spLocks noGrp="1"/>
-          </p:cNvSpPr>
-          <p:nvPr>
-            <p:ph type="body" sz="half" idx="19"/>
-          </p:nvPr>
-        </p:nvSpPr>
-        <p:spPr>
-          <a:xfrm>
-            <a:off x="4441348" y="4781080"/>
-            <a:ext cx="3303352" cy="1010119"/>
-          </a:xfrm>
-        </p:spPr>
-        <p:txBody>
-          <a:bodyPr anchor="t">
-            <a:normAutofit/>
-          </a:bodyPr>
-          <a:lstStyle>
-            <a:lvl1pPr marL="0" indent="0" algn="ctr">
-              <a:buNone/>
-              <a:defRPr sz="1400"/>
-            </a:lvl1pPr>
-            <a:lvl2pPr marL="457200" indent="0">
-              <a:buNone/>
-              <a:defRPr sz="1200"/>
-            </a:lvl2pPr>
-            <a:lvl3pPr marL="914400" indent="0">
-              <a:buNone/>
-              <a:defRPr sz="1000"/>
-            </a:lvl3pPr>
-            <a:lvl4pPr marL="1371600" indent="0">
-              <a:buNone/>
-              <a:defRPr sz="900"/>
-            </a:lvl4pPr>
-            <a:lvl5pPr marL="1828800" indent="0">
-              <a:buNone/>
-              <a:defRPr sz="900"/>
-            </a:lvl5pPr>
-            <a:lvl6pPr marL="2286000" indent="0">
-              <a:buNone/>
-              <a:defRPr sz="900"/>
-            </a:lvl6pPr>
-            <a:lvl7pPr marL="2743200" indent="0">
-              <a:buNone/>
-              <a:defRPr sz="900"/>
-            </a:lvl7pPr>
-            <a:lvl8pPr marL="3200400" indent="0">
-              <a:buNone/>
-              <a:defRPr sz="900"/>
-            </a:lvl8pPr>
-            <a:lvl9pPr marL="3657600" indent="0">
-              <a:buNone/>
-              <a:defRPr sz="900"/>
-            </a:lvl9pPr>
-          </a:lstStyle>
-          <a:p>
-            <a:pPr lvl="0"/>
-            <a:r>
-              <a:rPr lang="en-US"/>
-              <a:t>Edit Master text styles</a:t>
-            </a:r>
-          </a:p>
-        </p:txBody>
-      </p:sp>
-      <p:sp>
-        <p:nvSpPr>
-          <p:cNvPr id="25" name="Text Placeholder 4"/>
-          <p:cNvSpPr>
-            <a:spLocks noGrp="1"/>
-          </p:cNvSpPr>
-          <p:nvPr>
-            <p:ph type="body" sz="quarter" idx="13"/>
-          </p:nvPr>
-        </p:nvSpPr>
-        <p:spPr>
-          <a:xfrm>
-            <a:off x="7973298" y="4204820"/>
-            <a:ext cx="3300681" cy="576262"/>
-          </a:xfrm>
-        </p:spPr>
-        <p:txBody>
-          <a:bodyPr anchor="b">
-            <a:noAutofit/>
-          </a:bodyPr>
-          <a:lstStyle>
-            <a:lvl1pPr marL="0" indent="0" algn="ctr">
-              <a:lnSpc>
-                <a:spcPct val="85000"/>
-              </a:lnSpc>
-              <a:buNone/>
-              <a:defRPr sz="2200" b="0">
-                <a:solidFill>
-                  <a:schemeClr val="tx1"/>
-                </a:solidFill>
-              </a:defRPr>
-            </a:lvl1pPr>
-            <a:lvl2pPr marL="457200" indent="0">
-              <a:buNone/>
-              <a:defRPr sz="2000" b="1"/>
-            </a:lvl2pPr>
-            <a:lvl3pPr marL="914400" indent="0">
-              <a:buNone/>
-              <a:defRPr sz="1800" b="1"/>
-            </a:lvl3pPr>
-            <a:lvl4pPr marL="1371600" indent="0">
-              <a:buNone/>
-              <a:defRPr sz="1600" b="1"/>
-            </a:lvl4pPr>
-            <a:lvl5pPr marL="1828800" indent="0">
-              <a:buNone/>
-              <a:defRPr sz="1600" b="1"/>
-            </a:lvl5pPr>
-            <a:lvl6pPr marL="2286000" indent="0">
-              <a:buNone/>
-              <a:defRPr sz="1600" b="1"/>
-            </a:lvl6pPr>
-            <a:lvl7pPr marL="2743200" indent="0">
-              <a:buNone/>
-              <a:defRPr sz="1600" b="1"/>
-            </a:lvl7pPr>
-            <a:lvl8pPr marL="3200400" indent="0">
-              <a:buNone/>
-              <a:defRPr sz="1600" b="1"/>
-            </a:lvl8pPr>
-            <a:lvl9pPr marL="3657600" indent="0">
-              <a:buNone/>
-              <a:defRPr sz="1600" b="1"/>
-            </a:lvl9pPr>
-          </a:lstStyle>
-          <a:p>
-            <a:pPr lvl="0"/>
-            <a:r>
-              <a:rPr lang="en-US"/>
-              <a:t>Edit Master text styles</a:t>
-            </a:r>
-          </a:p>
-        </p:txBody>
-      </p:sp>
-      <p:sp>
-        <p:nvSpPr>
-          <p:cNvPr id="26" name="Picture Placeholder 2"/>
-          <p:cNvSpPr>
-            <a:spLocks noGrp="1" noChangeAspect="1"/>
-          </p:cNvSpPr>
-          <p:nvPr>
-            <p:ph type="pic" idx="22"/>
-          </p:nvPr>
-        </p:nvSpPr>
-        <p:spPr>
-          <a:xfrm>
-            <a:off x="7973298" y="2367093"/>
-            <a:ext cx="3304928" cy="1524000"/>
-          </a:xfrm>
-          <a:prstGeom prst="roundRect">
-            <a:avLst>
-              <a:gd name="adj" fmla="val 8841"/>
-            </a:avLst>
-          </a:prstGeom>
-          <a:noFill/>
-          <a:ln w="82550" cap="sq">
-            <a:solidFill>
-              <a:srgbClr val="EAEAEA"/>
-            </a:solidFill>
-            <a:miter lim="800000"/>
-          </a:ln>
-          <a:effectLst/>
-          <a:scene3d>
-            <a:camera prst="orthographicFront"/>
-            <a:lightRig rig="threePt" dir="t">
-              <a:rot lat="0" lon="0" rev="2700000"/>
-            </a:lightRig>
-          </a:scene3d>
-          <a:sp3d contourW="6350">
-            <a:bevelT h="38100"/>
-            <a:contourClr>
-              <a:srgbClr val="C0C0C0"/>
-            </a:contourClr>
-          </a:sp3d>
-        </p:spPr>
-        <p:txBody>
-          <a:bodyPr anchor="t">
-            <a:normAutofit/>
-          </a:bodyPr>
-          <a:lstStyle>
-            <a:lvl1pPr marL="0" indent="0" algn="ctr">
-              <a:buNone/>
-              <a:defRPr sz="1600"/>
-            </a:lvl1pPr>
-            <a:lvl2pPr marL="457200" indent="0">
-              <a:buNone/>
-              <a:defRPr sz="1600"/>
-            </a:lvl2pPr>
-            <a:lvl3pPr marL="914400" indent="0">
-              <a:buNone/>
-              <a:defRPr sz="1600"/>
-            </a:lvl3pPr>
-            <a:lvl4pPr marL="1371600" indent="0">
-              <a:buNone/>
-              <a:defRPr sz="1600"/>
-            </a:lvl4pPr>
-            <a:lvl5pPr marL="1828800" indent="0">
-              <a:buNone/>
-              <a:defRPr sz="1600"/>
-            </a:lvl5pPr>
-            <a:lvl6pPr marL="2286000" indent="0">
-              <a:buNone/>
-              <a:defRPr sz="1600"/>
-            </a:lvl6pPr>
-            <a:lvl7pPr marL="2743200" indent="0">
-              <a:buNone/>
-              <a:defRPr sz="1600"/>
-            </a:lvl7pPr>
-            <a:lvl8pPr marL="3200400" indent="0">
-              <a:buNone/>
-              <a:defRPr sz="1600"/>
-            </a:lvl8pPr>
-            <a:lvl9pPr marL="3657600" indent="0">
-              <a:buNone/>
-              <a:defRPr sz="1600"/>
-            </a:lvl9pPr>
-          </a:lstStyle>
-          <a:p>
-            <a:r>
-              <a:rPr lang="en-US"/>
-              <a:t>Click icon to add picture</a:t>
-            </a:r>
-            <a:endParaRPr lang="en-US" dirty="0"/>
-          </a:p>
-        </p:txBody>
-      </p:sp>
-      <p:sp>
-        <p:nvSpPr>
-          <p:cNvPr id="27" name="Text Placeholder 3"/>
-          <p:cNvSpPr>
-            <a:spLocks noGrp="1"/>
-          </p:cNvSpPr>
-          <p:nvPr>
-            <p:ph type="body" sz="half" idx="20"/>
-          </p:nvPr>
-        </p:nvSpPr>
-        <p:spPr>
-          <a:xfrm>
-            <a:off x="7973173" y="4781078"/>
-            <a:ext cx="3305053" cy="1010121"/>
-          </a:xfrm>
-        </p:spPr>
-        <p:txBody>
-          <a:bodyPr anchor="t">
-            <a:normAutofit/>
-          </a:bodyPr>
-          <a:lstStyle>
-            <a:lvl1pPr marL="0" indent="0" algn="ctr">
-              <a:buNone/>
-              <a:defRPr sz="1400"/>
-            </a:lvl1pPr>
-            <a:lvl2pPr marL="457200" indent="0">
-              <a:buNone/>
-              <a:defRPr sz="1200"/>
-            </a:lvl2pPr>
-            <a:lvl3pPr marL="914400" indent="0">
-              <a:buNone/>
-              <a:defRPr sz="1000"/>
-            </a:lvl3pPr>
-            <a:lvl4pPr marL="1371600" indent="0">
-              <a:buNone/>
-              <a:defRPr sz="900"/>
-            </a:lvl4pPr>
-            <a:lvl5pPr marL="1828800" indent="0">
-              <a:buNone/>
-              <a:defRPr sz="900"/>
-            </a:lvl5pPr>
-            <a:lvl6pPr marL="2286000" indent="0">
-              <a:buNone/>
-              <a:defRPr sz="900"/>
-            </a:lvl6pPr>
-            <a:lvl7pPr marL="2743200" indent="0">
-              <a:buNone/>
-              <a:defRPr sz="900"/>
-            </a:lvl7pPr>
-            <a:lvl8pPr marL="3200400" indent="0">
-              <a:buNone/>
-              <a:defRPr sz="900"/>
-            </a:lvl8pPr>
-            <a:lvl9pPr marL="3657600" indent="0">
-              <a:buNone/>
-              <a:defRPr sz="900"/>
-            </a:lvl9pPr>
-          </a:lstStyle>
-          <a:p>
-            <a:pPr lvl="0"/>
-            <a:r>
-              <a:rPr lang="en-US"/>
-              <a:t>Edit Master text styles</a:t>
-            </a:r>
-          </a:p>
-        </p:txBody>
-      </p:sp>
-      <p:sp>
-        <p:nvSpPr>
-          <p:cNvPr id="3" name="Date Placeholder 2"/>
+          <p:cNvPr id="4" name="Date Placeholder 3"/>
           <p:cNvSpPr>
             <a:spLocks noGrp="1"/>
           </p:cNvSpPr>
@@ -2974,9 +2441,10 @@
           <a:bodyPr/>
           <a:lstStyle/>
           <a:p>
-            <a:fld id="{48A87A34-81AB-432B-8DAE-1953F412C126}" type="datetimeFigureOut">
+            <a:fld id="{B61BEF0D-F0BB-DE4B-95CE-6DB70DBA9567}" type="datetimeFigureOut">
               <a:rPr lang="en-US" dirty="0"/>
-              <a:t>11/29/22</a:t>
+              <a:pPr/>
+              <a:t>12/2/22</a:t>
             </a:fld>
             <a:endParaRPr lang="en-US" dirty="0"/>
           </a:p>
@@ -2984,7 +2452,7 @@
       </p:sp>
       <p:sp>
         <p:nvSpPr>
-          <p:cNvPr id="4" name="Footer Placeholder 3"/>
+          <p:cNvPr id="5" name="Footer Placeholder 4"/>
           <p:cNvSpPr>
             <a:spLocks noGrp="1"/>
           </p:cNvSpPr>
@@ -3003,7 +2471,7 @@
       </p:sp>
       <p:sp>
         <p:nvSpPr>
-          <p:cNvPr id="5" name="Slide Number Placeholder 4"/>
+          <p:cNvPr id="6" name="Slide Number Placeholder 5"/>
           <p:cNvSpPr>
             <a:spLocks noGrp="1"/>
           </p:cNvSpPr>
@@ -3016,8 +2484,9 @@
           <a:bodyPr/>
           <a:lstStyle/>
           <a:p>
-            <a:fld id="{6D22F896-40B5-4ADD-8801-0D06FADFA095}" type="slidenum">
+            <a:fld id="{D57F1E4F-1CFF-5643-939E-217C01CDF565}" type="slidenum">
               <a:rPr lang="en-US" dirty="0"/>
+              <a:pPr/>
               <a:t>‹#›</a:t>
             </a:fld>
             <a:endParaRPr lang="en-US" dirty="0"/>
@@ -3032,7 +2501,7 @@
 </p:sldLayout>
 </file>
 
-<file path=ppt/slideLayouts/slideLayout16.xml><?xml version="1.0" encoding="utf-8"?>
+<file path=ppt/slideLayouts/slideLayout15.xml><?xml version="1.0" encoding="utf-8"?>
 <p:sldLayout xmlns:a="http://schemas.openxmlformats.org/drawingml/2006/main" xmlns:r="http://schemas.openxmlformats.org/officeDocument/2006/relationships" xmlns:p="http://schemas.openxmlformats.org/presentationml/2006/main" type="vertTx" preserve="1">
   <p:cSld name="Title and Vertical Text">
     <p:spTree>
@@ -3049,36 +2518,6 @@
           <a:chExt cx="0" cy="0"/>
         </a:xfrm>
       </p:grpSpPr>
-      <p:pic>
-        <p:nvPicPr>
-          <p:cNvPr id="8" name="Picture 7" descr="Droplets-HD-Content-R1d.png"/>
-          <p:cNvPicPr>
-            <a:picLocks noChangeAspect="1"/>
-          </p:cNvPicPr>
-          <p:nvPr/>
-        </p:nvPicPr>
-        <p:blipFill>
-          <a:blip r:embed="rId2">
-            <a:extLst>
-              <a:ext uri="{28A0092B-C50C-407E-A947-70E740481C1C}">
-                <a14:useLocalDpi xmlns:a14="http://schemas.microsoft.com/office/drawing/2010/main" val="0"/>
-              </a:ext>
-            </a:extLst>
-          </a:blip>
-          <a:stretch>
-            <a:fillRect/>
-          </a:stretch>
-        </p:blipFill>
-        <p:spPr>
-          <a:xfrm>
-            <a:off x="0" y="0"/>
-            <a:ext cx="12192000" cy="6858000"/>
-          </a:xfrm>
-          <a:prstGeom prst="rect">
-            <a:avLst/>
-          </a:prstGeom>
-        </p:spPr>
-      </p:pic>
       <p:sp>
         <p:nvSpPr>
           <p:cNvPr id="2" name="Title 1"/>
@@ -3104,20 +2543,15 @@
       </p:sp>
       <p:sp>
         <p:nvSpPr>
-          <p:cNvPr id="11" name="Vertical Text Placeholder 2"/>
-          <p:cNvSpPr>
-            <a:spLocks noGrp="1"/>
-          </p:cNvSpPr>
-          <p:nvPr>
-            <p:ph type="body" orient="vert" sz="quarter" idx="13"/>
-          </p:nvPr>
-        </p:nvSpPr>
-        <p:spPr>
-          <a:xfrm>
-            <a:off x="913775" y="2367093"/>
-            <a:ext cx="10364452" cy="3424107"/>
-          </a:xfrm>
-        </p:spPr>
+          <p:cNvPr id="3" name="Vertical Text Placeholder 2"/>
+          <p:cNvSpPr>
+            <a:spLocks noGrp="1"/>
+          </p:cNvSpPr>
+          <p:nvPr>
+            <p:ph type="body" orient="vert" idx="1"/>
+          </p:nvPr>
+        </p:nvSpPr>
+        <p:spPr/>
         <p:txBody>
           <a:bodyPr vert="eaVert"/>
           <a:lstStyle/>
@@ -3174,9 +2608,9 @@
           <a:bodyPr/>
           <a:lstStyle/>
           <a:p>
-            <a:fld id="{48A87A34-81AB-432B-8DAE-1953F412C126}" type="datetimeFigureOut">
+            <a:fld id="{55C6B4A9-1611-4792-9094-5F34BCA07E0B}" type="datetimeFigureOut">
               <a:rPr lang="en-US" dirty="0"/>
-              <a:t>11/29/22</a:t>
+              <a:t>12/2/22</a:t>
             </a:fld>
             <a:endParaRPr lang="en-US" dirty="0"/>
           </a:p>
@@ -3216,7 +2650,7 @@
           <a:bodyPr/>
           <a:lstStyle/>
           <a:p>
-            <a:fld id="{6D22F896-40B5-4ADD-8801-0D06FADFA095}" type="slidenum">
+            <a:fld id="{89333C77-0158-454C-844F-B7AB9BD7DAD4}" type="slidenum">
               <a:rPr lang="en-US" dirty="0"/>
               <a:t>‹#›</a:t>
             </a:fld>
@@ -3232,7 +2666,7 @@
 </p:sldLayout>
 </file>
 
-<file path=ppt/slideLayouts/slideLayout17.xml><?xml version="1.0" encoding="utf-8"?>
+<file path=ppt/slideLayouts/slideLayout16.xml><?xml version="1.0" encoding="utf-8"?>
 <p:sldLayout xmlns:a="http://schemas.openxmlformats.org/drawingml/2006/main" xmlns:r="http://schemas.openxmlformats.org/officeDocument/2006/relationships" xmlns:p="http://schemas.openxmlformats.org/presentationml/2006/main" type="vertTitleAndTx" preserve="1">
   <p:cSld name="Vertical Title and Text">
     <p:spTree>
@@ -3249,86 +2683,52 @@
           <a:chExt cx="0" cy="0"/>
         </a:xfrm>
       </p:grpSpPr>
-      <p:pic>
-        <p:nvPicPr>
-          <p:cNvPr id="9" name="Picture 8" descr="Droplets-HD-Content-R1d.png"/>
-          <p:cNvPicPr>
-            <a:picLocks noChangeAspect="1"/>
-          </p:cNvPicPr>
-          <p:nvPr/>
-        </p:nvPicPr>
-        <p:blipFill>
-          <a:blip r:embed="rId2">
-            <a:extLst>
-              <a:ext uri="{28A0092B-C50C-407E-A947-70E740481C1C}">
-                <a14:useLocalDpi xmlns:a14="http://schemas.microsoft.com/office/drawing/2010/main" val="0"/>
-              </a:ext>
-            </a:extLst>
-          </a:blip>
-          <a:stretch>
-            <a:fillRect/>
-          </a:stretch>
-        </p:blipFill>
+      <p:sp>
+        <p:nvSpPr>
+          <p:cNvPr id="2" name="Vertical Title 1"/>
+          <p:cNvSpPr>
+            <a:spLocks noGrp="1"/>
+          </p:cNvSpPr>
+          <p:nvPr>
+            <p:ph type="title" orient="vert"/>
+          </p:nvPr>
+        </p:nvSpPr>
         <p:spPr>
           <a:xfrm>
-            <a:off x="0" y="0"/>
-            <a:ext cx="12192000" cy="6858000"/>
+            <a:off x="7967673" y="609599"/>
+            <a:ext cx="1304743" cy="5251451"/>
           </a:xfrm>
-          <a:prstGeom prst="rect">
-            <a:avLst/>
-          </a:prstGeom>
         </p:spPr>
-      </p:pic>
-      <p:sp>
-        <p:nvSpPr>
-          <p:cNvPr id="2" name="Vertical Title 1"/>
-          <p:cNvSpPr>
-            <a:spLocks noGrp="1"/>
-          </p:cNvSpPr>
-          <p:nvPr>
-            <p:ph type="title" orient="vert"/>
+        <p:txBody>
+          <a:bodyPr vert="eaVert" anchor="ctr"/>
+          <a:lstStyle/>
+          <a:p>
+            <a:r>
+              <a:rPr lang="en-US"/>
+              <a:t>Click to edit Master title style</a:t>
+            </a:r>
+            <a:endParaRPr lang="en-US" dirty="0"/>
+          </a:p>
+        </p:txBody>
+      </p:sp>
+      <p:sp>
+        <p:nvSpPr>
+          <p:cNvPr id="3" name="Vertical Text Placeholder 2"/>
+          <p:cNvSpPr>
+            <a:spLocks noGrp="1"/>
+          </p:cNvSpPr>
+          <p:nvPr>
+            <p:ph type="body" orient="vert" idx="1"/>
           </p:nvPr>
         </p:nvSpPr>
         <p:spPr>
           <a:xfrm>
-            <a:off x="8724900" y="609601"/>
-            <a:ext cx="2553326" cy="5181599"/>
+            <a:off x="677335" y="609600"/>
+            <a:ext cx="7060150" cy="5251450"/>
           </a:xfrm>
         </p:spPr>
         <p:txBody>
           <a:bodyPr vert="eaVert"/>
-          <a:lstStyle>
-            <a:lvl1pPr algn="l">
-              <a:defRPr/>
-            </a:lvl1pPr>
-          </a:lstStyle>
-          <a:p>
-            <a:r>
-              <a:rPr lang="en-US"/>
-              <a:t>Click to edit Master title style</a:t>
-            </a:r>
-            <a:endParaRPr lang="en-US" dirty="0"/>
-          </a:p>
-        </p:txBody>
-      </p:sp>
-      <p:sp>
-        <p:nvSpPr>
-          <p:cNvPr id="8" name="Vertical Text Placeholder 2"/>
-          <p:cNvSpPr>
-            <a:spLocks noGrp="1"/>
-          </p:cNvSpPr>
-          <p:nvPr>
-            <p:ph type="body" orient="vert" sz="quarter" idx="13"/>
-          </p:nvPr>
-        </p:nvSpPr>
-        <p:spPr>
-          <a:xfrm>
-            <a:off x="913775" y="609601"/>
-            <a:ext cx="7658724" cy="5181599"/>
-          </a:xfrm>
-        </p:spPr>
-        <p:txBody>
-          <a:bodyPr vert="eaVert"/>
           <a:lstStyle/>
           <a:p>
             <a:pPr lvl="0"/>
@@ -3383,9 +2783,10 @@
           <a:bodyPr/>
           <a:lstStyle/>
           <a:p>
-            <a:fld id="{48A87A34-81AB-432B-8DAE-1953F412C126}" type="datetimeFigureOut">
+            <a:fld id="{B61BEF0D-F0BB-DE4B-95CE-6DB70DBA9567}" type="datetimeFigureOut">
               <a:rPr lang="en-US" dirty="0"/>
-              <a:t>11/29/22</a:t>
+              <a:pPr/>
+              <a:t>12/2/22</a:t>
             </a:fld>
             <a:endParaRPr lang="en-US" dirty="0"/>
           </a:p>
@@ -3425,8 +2826,9 @@
           <a:bodyPr/>
           <a:lstStyle/>
           <a:p>
-            <a:fld id="{6D22F896-40B5-4ADD-8801-0D06FADFA095}" type="slidenum">
+            <a:fld id="{D57F1E4F-1CFF-5643-939E-217C01CDF565}" type="slidenum">
               <a:rPr lang="en-US" dirty="0"/>
+              <a:pPr/>
               <a:t>‹#›</a:t>
             </a:fld>
             <a:endParaRPr lang="en-US" dirty="0"/>
@@ -3442,7 +2844,7 @@
 </file>
 
 <file path=ppt/slideLayouts/slideLayout2.xml><?xml version="1.0" encoding="utf-8"?>
-<p:sldLayout xmlns:a="http://schemas.openxmlformats.org/drawingml/2006/main" xmlns:r="http://schemas.openxmlformats.org/officeDocument/2006/relationships" xmlns:p="http://schemas.openxmlformats.org/presentationml/2006/main" preserve="1" userDrawn="1">
+<p:sldLayout xmlns:a="http://schemas.openxmlformats.org/drawingml/2006/main" xmlns:r="http://schemas.openxmlformats.org/officeDocument/2006/relationships" xmlns:p="http://schemas.openxmlformats.org/presentationml/2006/main" type="obj" preserve="1">
   <p:cSld name="Title and Content">
     <p:spTree>
       <p:nvGrpSpPr>
@@ -3458,52 +2860,46 @@
           <a:chExt cx="0" cy="0"/>
         </a:xfrm>
       </p:grpSpPr>
-      <p:pic>
-        <p:nvPicPr>
-          <p:cNvPr id="3" name="Picture 2" descr="Droplets-HD-Content-R1d.png"/>
-          <p:cNvPicPr>
-            <a:picLocks noChangeAspect="1"/>
-          </p:cNvPicPr>
-          <p:nvPr/>
-        </p:nvPicPr>
-        <p:blipFill>
-          <a:blip r:embed="rId2">
-            <a:extLst>
-              <a:ext uri="{28A0092B-C50C-407E-A947-70E740481C1C}">
-                <a14:useLocalDpi xmlns:a14="http://schemas.microsoft.com/office/drawing/2010/main" val="0"/>
-              </a:ext>
-            </a:extLst>
-          </a:blip>
-          <a:stretch>
-            <a:fillRect/>
-          </a:stretch>
-        </p:blipFill>
-        <p:spPr>
-          <a:xfrm>
-            <a:off x="0" y="0"/>
-            <a:ext cx="12192000" cy="6858000"/>
-          </a:xfrm>
-          <a:prstGeom prst="rect">
-            <a:avLst/>
-          </a:prstGeom>
-        </p:spPr>
-      </p:pic>
-      <p:sp>
-        <p:nvSpPr>
-          <p:cNvPr id="12" name="Content Placeholder 2"/>
-          <p:cNvSpPr>
-            <a:spLocks noGrp="1"/>
-          </p:cNvSpPr>
-          <p:nvPr>
-            <p:ph sz="quarter" idx="13"/>
-          </p:nvPr>
-        </p:nvSpPr>
-        <p:spPr>
-          <a:xfrm>
-            <a:off x="913774" y="2367092"/>
-            <a:ext cx="10363826" cy="3424107"/>
-          </a:xfrm>
-        </p:spPr>
+      <p:sp>
+        <p:nvSpPr>
+          <p:cNvPr id="2" name="Title 1"/>
+          <p:cNvSpPr>
+            <a:spLocks noGrp="1"/>
+          </p:cNvSpPr>
+          <p:nvPr>
+            <p:ph type="title"/>
+          </p:nvPr>
+        </p:nvSpPr>
+        <p:spPr/>
+        <p:txBody>
+          <a:bodyPr>
+            <a:normAutofit/>
+          </a:bodyPr>
+          <a:lstStyle>
+            <a:lvl1pPr>
+              <a:defRPr sz="3600"/>
+            </a:lvl1pPr>
+          </a:lstStyle>
+          <a:p>
+            <a:r>
+              <a:rPr lang="en-US"/>
+              <a:t>Click to edit Master title style</a:t>
+            </a:r>
+            <a:endParaRPr lang="en-US" dirty="0"/>
+          </a:p>
+        </p:txBody>
+      </p:sp>
+      <p:sp>
+        <p:nvSpPr>
+          <p:cNvPr id="3" name="Content Placeholder 2"/>
+          <p:cNvSpPr>
+            <a:spLocks noGrp="1"/>
+          </p:cNvSpPr>
+          <p:nvPr>
+            <p:ph idx="1"/>
+          </p:nvPr>
+        </p:nvSpPr>
+        <p:spPr/>
         <p:txBody>
           <a:bodyPr/>
           <a:lstStyle/>
@@ -3547,18 +2943,12 @@
       </p:sp>
       <p:sp>
         <p:nvSpPr>
-          <p:cNvPr id="8" name="Title 7">
-            <a:extLst>
-              <a:ext uri="{FF2B5EF4-FFF2-40B4-BE49-F238E27FC236}">
-                <a16:creationId xmlns:a16="http://schemas.microsoft.com/office/drawing/2014/main" id="{5ED30882-DACC-AA46-8FCE-791D7772B9E6}"/>
-              </a:ext>
-            </a:extLst>
-          </p:cNvPr>
-          <p:cNvSpPr>
-            <a:spLocks noGrp="1"/>
-          </p:cNvSpPr>
-          <p:nvPr>
-            <p:ph type="title"/>
+          <p:cNvPr id="4" name="Date Placeholder 3"/>
+          <p:cNvSpPr>
+            <a:spLocks noGrp="1"/>
+          </p:cNvSpPr>
+          <p:nvPr>
+            <p:ph type="dt" sz="half" idx="10"/>
           </p:nvPr>
         </p:nvSpPr>
         <p:spPr/>
@@ -3566,38 +2956,10 @@
           <a:bodyPr/>
           <a:lstStyle/>
           <a:p>
-            <a:r>
-              <a:rPr lang="en-US"/>
-              <a:t>Click to edit Master title style</a:t>
-            </a:r>
-          </a:p>
-        </p:txBody>
-      </p:sp>
-      <p:sp>
-        <p:nvSpPr>
-          <p:cNvPr id="9" name="Date Placeholder 8">
-            <a:extLst>
-              <a:ext uri="{FF2B5EF4-FFF2-40B4-BE49-F238E27FC236}">
-                <a16:creationId xmlns:a16="http://schemas.microsoft.com/office/drawing/2014/main" id="{F3B75E3C-6E21-714F-AB7A-519F0E00FB2D}"/>
-              </a:ext>
-            </a:extLst>
-          </p:cNvPr>
-          <p:cNvSpPr>
-            <a:spLocks noGrp="1"/>
-          </p:cNvSpPr>
-          <p:nvPr>
-            <p:ph type="dt" sz="half" idx="14"/>
-          </p:nvPr>
-        </p:nvSpPr>
-        <p:spPr/>
-        <p:txBody>
-          <a:bodyPr/>
-          <a:lstStyle/>
-          <a:p>
-            <a:fld id="{48A87A34-81AB-432B-8DAE-1953F412C126}" type="datetimeFigureOut">
-              <a:rPr lang="en-US" smtClean="0"/>
+            <a:fld id="{B61BEF0D-F0BB-DE4B-95CE-6DB70DBA9567}" type="datetimeFigureOut">
+              <a:rPr lang="en-US" dirty="0"/>
               <a:pPr/>
-              <a:t>11/29/22</a:t>
+              <a:t>12/2/22</a:t>
             </a:fld>
             <a:endParaRPr lang="en-US" dirty="0"/>
           </a:p>
@@ -3605,18 +2967,12 @@
       </p:sp>
       <p:sp>
         <p:nvSpPr>
-          <p:cNvPr id="10" name="Footer Placeholder 9">
-            <a:extLst>
-              <a:ext uri="{FF2B5EF4-FFF2-40B4-BE49-F238E27FC236}">
-                <a16:creationId xmlns:a16="http://schemas.microsoft.com/office/drawing/2014/main" id="{189F0140-F070-3544-94B8-F186900C9B42}"/>
-              </a:ext>
-            </a:extLst>
-          </p:cNvPr>
-          <p:cNvSpPr>
-            <a:spLocks noGrp="1"/>
-          </p:cNvSpPr>
-          <p:nvPr>
-            <p:ph type="ftr" sz="quarter" idx="15"/>
+          <p:cNvPr id="5" name="Footer Placeholder 4"/>
+          <p:cNvSpPr>
+            <a:spLocks noGrp="1"/>
+          </p:cNvSpPr>
+          <p:nvPr>
+            <p:ph type="ftr" sz="quarter" idx="11"/>
           </p:nvPr>
         </p:nvSpPr>
         <p:spPr/>
@@ -3630,18 +2986,12 @@
       </p:sp>
       <p:sp>
         <p:nvSpPr>
-          <p:cNvPr id="11" name="Slide Number Placeholder 10">
-            <a:extLst>
-              <a:ext uri="{FF2B5EF4-FFF2-40B4-BE49-F238E27FC236}">
-                <a16:creationId xmlns:a16="http://schemas.microsoft.com/office/drawing/2014/main" id="{6D35FB28-940F-C645-9A60-ADAC0267B13B}"/>
-              </a:ext>
-            </a:extLst>
-          </p:cNvPr>
-          <p:cNvSpPr>
-            <a:spLocks noGrp="1"/>
-          </p:cNvSpPr>
-          <p:nvPr>
-            <p:ph type="sldNum" sz="quarter" idx="16"/>
+          <p:cNvPr id="6" name="Slide Number Placeholder 5"/>
+          <p:cNvSpPr>
+            <a:spLocks noGrp="1"/>
+          </p:cNvSpPr>
+          <p:nvPr>
+            <p:ph type="sldNum" sz="quarter" idx="12"/>
           </p:nvPr>
         </p:nvSpPr>
         <p:spPr/>
@@ -3649,8 +2999,8 @@
           <a:bodyPr/>
           <a:lstStyle/>
           <a:p>
-            <a:fld id="{6D22F896-40B5-4ADD-8801-0D06FADFA095}" type="slidenum">
-              <a:rPr lang="en-US" smtClean="0"/>
+            <a:fld id="{D57F1E4F-1CFF-5643-939E-217C01CDF565}" type="slidenum">
+              <a:rPr lang="en-US" dirty="0"/>
               <a:pPr/>
               <a:t>‹#›</a:t>
             </a:fld>
@@ -3683,104 +3033,71 @@
           <a:chExt cx="0" cy="0"/>
         </a:xfrm>
       </p:grpSpPr>
-      <p:pic>
-        <p:nvPicPr>
-          <p:cNvPr id="9" name="Picture 8" descr="Droplets-HD-Content-R1d.png"/>
-          <p:cNvPicPr>
-            <a:picLocks noChangeAspect="1"/>
-          </p:cNvPicPr>
-          <p:nvPr/>
-        </p:nvPicPr>
-        <p:blipFill>
-          <a:blip r:embed="rId2">
-            <a:extLst>
-              <a:ext uri="{28A0092B-C50C-407E-A947-70E740481C1C}">
-                <a14:useLocalDpi xmlns:a14="http://schemas.microsoft.com/office/drawing/2010/main" val="0"/>
-              </a:ext>
-            </a:extLst>
-          </a:blip>
-          <a:stretch>
-            <a:fillRect/>
-          </a:stretch>
-        </p:blipFill>
+      <p:sp>
+        <p:nvSpPr>
+          <p:cNvPr id="2" name="Title 1"/>
+          <p:cNvSpPr>
+            <a:spLocks noGrp="1"/>
+          </p:cNvSpPr>
+          <p:nvPr>
+            <p:ph type="title"/>
+          </p:nvPr>
+        </p:nvSpPr>
         <p:spPr>
           <a:xfrm>
-            <a:off x="0" y="0"/>
-            <a:ext cx="12192000" cy="6858000"/>
+            <a:off x="677335" y="2700867"/>
+            <a:ext cx="8596668" cy="1826581"/>
           </a:xfrm>
-          <a:prstGeom prst="rect">
-            <a:avLst/>
-          </a:prstGeom>
         </p:spPr>
-      </p:pic>
-      <p:sp>
-        <p:nvSpPr>
-          <p:cNvPr id="2" name="Title 1"/>
-          <p:cNvSpPr>
-            <a:spLocks noGrp="1"/>
-          </p:cNvSpPr>
-          <p:nvPr>
-            <p:ph type="title"/>
+        <p:txBody>
+          <a:bodyPr anchor="b"/>
+          <a:lstStyle>
+            <a:lvl1pPr algn="l">
+              <a:defRPr sz="4000" b="0" cap="none"/>
+            </a:lvl1pPr>
+          </a:lstStyle>
+          <a:p>
+            <a:r>
+              <a:rPr lang="en-US"/>
+              <a:t>Click to edit Master title style</a:t>
+            </a:r>
+            <a:endParaRPr lang="en-US" dirty="0"/>
+          </a:p>
+        </p:txBody>
+      </p:sp>
+      <p:sp>
+        <p:nvSpPr>
+          <p:cNvPr id="3" name="Text Placeholder 2"/>
+          <p:cNvSpPr>
+            <a:spLocks noGrp="1"/>
+          </p:cNvSpPr>
+          <p:nvPr>
+            <p:ph type="body" idx="1"/>
           </p:nvPr>
         </p:nvSpPr>
         <p:spPr>
           <a:xfrm>
-            <a:off x="913774" y="828563"/>
-            <a:ext cx="10351752" cy="2736819"/>
+            <a:off x="677335" y="4527448"/>
+            <a:ext cx="8596668" cy="860400"/>
           </a:xfrm>
         </p:spPr>
         <p:txBody>
-          <a:bodyPr anchor="b">
-            <a:normAutofit/>
-          </a:bodyPr>
+          <a:bodyPr anchor="t"/>
           <a:lstStyle>
-            <a:lvl1pPr>
-              <a:defRPr sz="4000"/>
-            </a:lvl1pPr>
-          </a:lstStyle>
-          <a:p>
-            <a:r>
-              <a:rPr lang="en-US"/>
-              <a:t>Click to edit Master title style</a:t>
-            </a:r>
-            <a:endParaRPr lang="en-US" dirty="0"/>
-          </a:p>
-        </p:txBody>
-      </p:sp>
-      <p:sp>
-        <p:nvSpPr>
-          <p:cNvPr id="3" name="Text Placeholder 2"/>
-          <p:cNvSpPr>
-            <a:spLocks noGrp="1"/>
-          </p:cNvSpPr>
-          <p:nvPr>
-            <p:ph type="body" idx="1"/>
-          </p:nvPr>
-        </p:nvSpPr>
-        <p:spPr>
-          <a:xfrm>
-            <a:off x="913774" y="3657457"/>
-            <a:ext cx="10351752" cy="1368183"/>
-          </a:xfrm>
-        </p:spPr>
-        <p:txBody>
-          <a:bodyPr>
-            <a:normAutofit/>
-          </a:bodyPr>
-          <a:lstStyle>
-            <a:lvl1pPr marL="0" indent="0" algn="ctr">
+            <a:lvl1pPr marL="0" indent="0" algn="l">
               <a:buNone/>
               <a:defRPr sz="2000">
                 <a:solidFill>
-                  <a:schemeClr val="bg1">
+                  <a:schemeClr val="tx1">
                     <a:lumMod val="50000"/>
+                    <a:lumOff val="50000"/>
                   </a:schemeClr>
                 </a:solidFill>
               </a:defRPr>
             </a:lvl1pPr>
             <a:lvl2pPr marL="457200" indent="0">
               <a:buNone/>
-              <a:defRPr sz="2000">
+              <a:defRPr sz="1800">
                 <a:solidFill>
                   <a:schemeClr val="tx1">
                     <a:tint val="75000"/>
@@ -3790,7 +3107,7 @@
             </a:lvl2pPr>
             <a:lvl3pPr marL="914400" indent="0">
               <a:buNone/>
-              <a:defRPr sz="1800">
+              <a:defRPr sz="1600">
                 <a:solidFill>
                   <a:schemeClr val="tx1">
                     <a:tint val="75000"/>
@@ -3800,7 +3117,7 @@
             </a:lvl3pPr>
             <a:lvl4pPr marL="1371600" indent="0">
               <a:buNone/>
-              <a:defRPr sz="1600">
+              <a:defRPr sz="1400">
                 <a:solidFill>
                   <a:schemeClr val="tx1">
                     <a:tint val="75000"/>
@@ -3810,7 +3127,7 @@
             </a:lvl4pPr>
             <a:lvl5pPr marL="1828800" indent="0">
               <a:buNone/>
-              <a:defRPr sz="1600">
+              <a:defRPr sz="1400">
                 <a:solidFill>
                   <a:schemeClr val="tx1">
                     <a:tint val="75000"/>
@@ -3820,7 +3137,7 @@
             </a:lvl5pPr>
             <a:lvl6pPr marL="2286000" indent="0">
               <a:buNone/>
-              <a:defRPr sz="1600">
+              <a:defRPr sz="1400">
                 <a:solidFill>
                   <a:schemeClr val="tx1">
                     <a:tint val="75000"/>
@@ -3830,7 +3147,7 @@
             </a:lvl6pPr>
             <a:lvl7pPr marL="2743200" indent="0">
               <a:buNone/>
-              <a:defRPr sz="1600">
+              <a:defRPr sz="1400">
                 <a:solidFill>
                   <a:schemeClr val="tx1">
                     <a:tint val="75000"/>
@@ -3840,7 +3157,7 @@
             </a:lvl7pPr>
             <a:lvl8pPr marL="3200400" indent="0">
               <a:buNone/>
-              <a:defRPr sz="1600">
+              <a:defRPr sz="1400">
                 <a:solidFill>
                   <a:schemeClr val="tx1">
                     <a:tint val="75000"/>
@@ -3850,7 +3167,7 @@
             </a:lvl8pPr>
             <a:lvl9pPr marL="3657600" indent="0">
               <a:buNone/>
-              <a:defRPr sz="1600">
+              <a:defRPr sz="1400">
                 <a:solidFill>
                   <a:schemeClr val="tx1">
                     <a:tint val="75000"/>
@@ -3883,9 +3200,10 @@
           <a:bodyPr/>
           <a:lstStyle/>
           <a:p>
-            <a:fld id="{48A87A34-81AB-432B-8DAE-1953F412C126}" type="datetimeFigureOut">
+            <a:fld id="{B61BEF0D-F0BB-DE4B-95CE-6DB70DBA9567}" type="datetimeFigureOut">
               <a:rPr lang="en-US" dirty="0"/>
-              <a:t>11/29/22</a:t>
+              <a:pPr/>
+              <a:t>12/2/22</a:t>
             </a:fld>
             <a:endParaRPr lang="en-US" dirty="0"/>
           </a:p>
@@ -3925,8 +3243,9 @@
           <a:bodyPr/>
           <a:lstStyle/>
           <a:p>
-            <a:fld id="{6D22F896-40B5-4ADD-8801-0D06FADFA095}" type="slidenum">
+            <a:fld id="{D57F1E4F-1CFF-5643-939E-217C01CDF565}" type="slidenum">
               <a:rPr lang="en-US" dirty="0"/>
+              <a:pPr/>
               <a:t>‹#›</a:t>
             </a:fld>
             <a:endParaRPr lang="en-US" dirty="0"/>
@@ -3958,84 +3277,106 @@
           <a:chExt cx="0" cy="0"/>
         </a:xfrm>
       </p:grpSpPr>
-      <p:pic>
-        <p:nvPicPr>
-          <p:cNvPr id="10" name="Picture 9" descr="Droplets-HD-Content-R1d.png"/>
-          <p:cNvPicPr>
-            <a:picLocks noChangeAspect="1"/>
-          </p:cNvPicPr>
-          <p:nvPr/>
-        </p:nvPicPr>
-        <p:blipFill>
-          <a:blip r:embed="rId2">
-            <a:extLst>
-              <a:ext uri="{28A0092B-C50C-407E-A947-70E740481C1C}">
-                <a14:useLocalDpi xmlns:a14="http://schemas.microsoft.com/office/drawing/2010/main" val="0"/>
-              </a:ext>
-            </a:extLst>
-          </a:blip>
-          <a:stretch>
-            <a:fillRect/>
-          </a:stretch>
-        </p:blipFill>
+      <p:sp>
+        <p:nvSpPr>
+          <p:cNvPr id="2" name="Title 1"/>
+          <p:cNvSpPr>
+            <a:spLocks noGrp="1"/>
+          </p:cNvSpPr>
+          <p:nvPr>
+            <p:ph type="title"/>
+          </p:nvPr>
+        </p:nvSpPr>
+        <p:spPr/>
+        <p:txBody>
+          <a:bodyPr/>
+          <a:lstStyle/>
+          <a:p>
+            <a:r>
+              <a:rPr lang="en-US"/>
+              <a:t>Click to edit Master title style</a:t>
+            </a:r>
+            <a:endParaRPr lang="en-US" dirty="0"/>
+          </a:p>
+        </p:txBody>
+      </p:sp>
+      <p:sp>
+        <p:nvSpPr>
+          <p:cNvPr id="3" name="Content Placeholder 2"/>
+          <p:cNvSpPr>
+            <a:spLocks noGrp="1"/>
+          </p:cNvSpPr>
+          <p:nvPr>
+            <p:ph sz="half" idx="1"/>
+          </p:nvPr>
+        </p:nvSpPr>
         <p:spPr>
           <a:xfrm>
-            <a:off x="0" y="0"/>
-            <a:ext cx="12192000" cy="6858000"/>
+            <a:off x="677334" y="2160589"/>
+            <a:ext cx="4184035" cy="3880772"/>
           </a:xfrm>
-          <a:prstGeom prst="rect">
-            <a:avLst/>
-          </a:prstGeom>
         </p:spPr>
-      </p:pic>
-      <p:sp>
-        <p:nvSpPr>
-          <p:cNvPr id="14" name="Title 1"/>
-          <p:cNvSpPr>
-            <a:spLocks noGrp="1"/>
-          </p:cNvSpPr>
-          <p:nvPr>
-            <p:ph type="title"/>
+        <p:txBody>
+          <a:bodyPr/>
+          <a:lstStyle/>
+          <a:p>
+            <a:pPr lvl="0"/>
+            <a:r>
+              <a:rPr lang="en-US"/>
+              <a:t>Edit Master text styles</a:t>
+            </a:r>
+          </a:p>
+          <a:p>
+            <a:pPr lvl="1"/>
+            <a:r>
+              <a:rPr lang="en-US"/>
+              <a:t>Second level</a:t>
+            </a:r>
+          </a:p>
+          <a:p>
+            <a:pPr lvl="2"/>
+            <a:r>
+              <a:rPr lang="en-US"/>
+              <a:t>Third level</a:t>
+            </a:r>
+          </a:p>
+          <a:p>
+            <a:pPr lvl="3"/>
+            <a:r>
+              <a:rPr lang="en-US"/>
+              <a:t>Fourth level</a:t>
+            </a:r>
+          </a:p>
+          <a:p>
+            <a:pPr lvl="4"/>
+            <a:r>
+              <a:rPr lang="en-US"/>
+              <a:t>Fifth level</a:t>
+            </a:r>
+            <a:endParaRPr lang="en-US" dirty="0"/>
+          </a:p>
+        </p:txBody>
+      </p:sp>
+      <p:sp>
+        <p:nvSpPr>
+          <p:cNvPr id="4" name="Content Placeholder 3"/>
+          <p:cNvSpPr>
+            <a:spLocks noGrp="1"/>
+          </p:cNvSpPr>
+          <p:nvPr>
+            <p:ph sz="half" idx="2"/>
           </p:nvPr>
         </p:nvSpPr>
         <p:spPr>
           <a:xfrm>
-            <a:off x="913775" y="618517"/>
-            <a:ext cx="10364451" cy="1596177"/>
+            <a:off x="5089970" y="2160589"/>
+            <a:ext cx="4184034" cy="3880773"/>
           </a:xfrm>
         </p:spPr>
         <p:txBody>
           <a:bodyPr/>
           <a:lstStyle/>
           <a:p>
-            <a:r>
-              <a:rPr lang="en-US"/>
-              <a:t>Click to edit Master title style</a:t>
-            </a:r>
-            <a:endParaRPr lang="en-US" dirty="0"/>
-          </a:p>
-        </p:txBody>
-      </p:sp>
-      <p:sp>
-        <p:nvSpPr>
-          <p:cNvPr id="12" name="Content Placeholder 2"/>
-          <p:cNvSpPr>
-            <a:spLocks noGrp="1"/>
-          </p:cNvSpPr>
-          <p:nvPr>
-            <p:ph sz="quarter" idx="13"/>
-          </p:nvPr>
-        </p:nvSpPr>
-        <p:spPr>
-          <a:xfrm>
-            <a:off x="913774" y="2367092"/>
-            <a:ext cx="5106026" cy="3424107"/>
-          </a:xfrm>
-        </p:spPr>
-        <p:txBody>
-          <a:bodyPr/>
-          <a:lstStyle/>
-          <a:p>
             <a:pPr lvl="0"/>
             <a:r>
               <a:rPr lang="en-US"/>
@@ -4075,79 +3416,22 @@
       </p:sp>
       <p:sp>
         <p:nvSpPr>
-          <p:cNvPr id="13" name="Content Placeholder 3"/>
-          <p:cNvSpPr>
-            <a:spLocks noGrp="1"/>
-          </p:cNvSpPr>
-          <p:nvPr>
-            <p:ph sz="quarter" idx="14"/>
-          </p:nvPr>
-        </p:nvSpPr>
-        <p:spPr>
-          <a:xfrm>
-            <a:off x="6172200" y="2367092"/>
-            <a:ext cx="5105400" cy="3424107"/>
-          </a:xfrm>
-        </p:spPr>
+          <p:cNvPr id="5" name="Date Placeholder 4"/>
+          <p:cNvSpPr>
+            <a:spLocks noGrp="1"/>
+          </p:cNvSpPr>
+          <p:nvPr>
+            <p:ph type="dt" sz="half" idx="10"/>
+          </p:nvPr>
+        </p:nvSpPr>
+        <p:spPr/>
         <p:txBody>
           <a:bodyPr/>
           <a:lstStyle/>
           <a:p>
-            <a:pPr lvl="0"/>
-            <a:r>
-              <a:rPr lang="en-US"/>
-              <a:t>Edit Master text styles</a:t>
-            </a:r>
-          </a:p>
-          <a:p>
-            <a:pPr lvl="1"/>
-            <a:r>
-              <a:rPr lang="en-US"/>
-              <a:t>Second level</a:t>
-            </a:r>
-          </a:p>
-          <a:p>
-            <a:pPr lvl="2"/>
-            <a:r>
-              <a:rPr lang="en-US"/>
-              <a:t>Third level</a:t>
-            </a:r>
-          </a:p>
-          <a:p>
-            <a:pPr lvl="3"/>
-            <a:r>
-              <a:rPr lang="en-US"/>
-              <a:t>Fourth level</a:t>
-            </a:r>
-          </a:p>
-          <a:p>
-            <a:pPr lvl="4"/>
-            <a:r>
-              <a:rPr lang="en-US"/>
-              <a:t>Fifth level</a:t>
-            </a:r>
-            <a:endParaRPr lang="en-US" dirty="0"/>
-          </a:p>
-        </p:txBody>
-      </p:sp>
-      <p:sp>
-        <p:nvSpPr>
-          <p:cNvPr id="5" name="Date Placeholder 4"/>
-          <p:cNvSpPr>
-            <a:spLocks noGrp="1"/>
-          </p:cNvSpPr>
-          <p:nvPr>
-            <p:ph type="dt" sz="half" idx="10"/>
-          </p:nvPr>
-        </p:nvSpPr>
-        <p:spPr/>
-        <p:txBody>
-          <a:bodyPr/>
-          <a:lstStyle/>
-          <a:p>
-            <a:fld id="{48A87A34-81AB-432B-8DAE-1953F412C126}" type="datetimeFigureOut">
+            <a:fld id="{EB712588-04B1-427B-82EE-E8DB90309F08}" type="datetimeFigureOut">
               <a:rPr lang="en-US" dirty="0"/>
-              <a:t>11/29/22</a:t>
+              <a:t>12/2/22</a:t>
             </a:fld>
             <a:endParaRPr lang="en-US" dirty="0"/>
           </a:p>
@@ -4187,7 +3471,7 @@
           <a:bodyPr/>
           <a:lstStyle/>
           <a:p>
-            <a:fld id="{6D22F896-40B5-4ADD-8801-0D06FADFA095}" type="slidenum">
+            <a:fld id="{6FF9F0C5-380F-41C2-899A-BAC0F0927E16}" type="slidenum">
               <a:rPr lang="en-US" dirty="0"/>
               <a:t>‹#›</a:t>
             </a:fld>
@@ -4220,78 +3504,47 @@
           <a:chExt cx="0" cy="0"/>
         </a:xfrm>
       </p:grpSpPr>
-      <p:pic>
-        <p:nvPicPr>
-          <p:cNvPr id="15" name="Picture 14" descr="Droplets-HD-Content-R1d.png"/>
-          <p:cNvPicPr>
-            <a:picLocks noChangeAspect="1"/>
-          </p:cNvPicPr>
-          <p:nvPr/>
-        </p:nvPicPr>
-        <p:blipFill>
-          <a:blip r:embed="rId2">
-            <a:extLst>
-              <a:ext uri="{28A0092B-C50C-407E-A947-70E740481C1C}">
-                <a14:useLocalDpi xmlns:a14="http://schemas.microsoft.com/office/drawing/2010/main" val="0"/>
-              </a:ext>
-            </a:extLst>
-          </a:blip>
-          <a:stretch>
-            <a:fillRect/>
-          </a:stretch>
-        </p:blipFill>
+      <p:sp>
+        <p:nvSpPr>
+          <p:cNvPr id="2" name="Title 1"/>
+          <p:cNvSpPr>
+            <a:spLocks noGrp="1"/>
+          </p:cNvSpPr>
+          <p:nvPr>
+            <p:ph type="title"/>
+          </p:nvPr>
+        </p:nvSpPr>
+        <p:spPr/>
+        <p:txBody>
+          <a:bodyPr/>
+          <a:lstStyle>
+            <a:lvl1pPr>
+              <a:defRPr/>
+            </a:lvl1pPr>
+          </a:lstStyle>
+          <a:p>
+            <a:r>
+              <a:rPr lang="en-US"/>
+              <a:t>Click to edit Master title style</a:t>
+            </a:r>
+            <a:endParaRPr lang="en-US" dirty="0"/>
+          </a:p>
+        </p:txBody>
+      </p:sp>
+      <p:sp>
+        <p:nvSpPr>
+          <p:cNvPr id="3" name="Text Placeholder 2"/>
+          <p:cNvSpPr>
+            <a:spLocks noGrp="1"/>
+          </p:cNvSpPr>
+          <p:nvPr>
+            <p:ph type="body" idx="1"/>
+          </p:nvPr>
+        </p:nvSpPr>
         <p:spPr>
           <a:xfrm>
-            <a:off x="0" y="0"/>
-            <a:ext cx="12192000" cy="6858000"/>
-          </a:xfrm>
-          <a:prstGeom prst="rect">
-            <a:avLst/>
-          </a:prstGeom>
-        </p:spPr>
-      </p:pic>
-      <p:sp>
-        <p:nvSpPr>
-          <p:cNvPr id="14" name="Title 1"/>
-          <p:cNvSpPr>
-            <a:spLocks noGrp="1"/>
-          </p:cNvSpPr>
-          <p:nvPr>
-            <p:ph type="title"/>
-          </p:nvPr>
-        </p:nvSpPr>
-        <p:spPr>
-          <a:xfrm>
-            <a:off x="913775" y="618517"/>
-            <a:ext cx="10364451" cy="1596177"/>
-          </a:xfrm>
-        </p:spPr>
-        <p:txBody>
-          <a:bodyPr/>
-          <a:lstStyle/>
-          <a:p>
-            <a:r>
-              <a:rPr lang="en-US"/>
-              <a:t>Click to edit Master title style</a:t>
-            </a:r>
-            <a:endParaRPr lang="en-US" dirty="0"/>
-          </a:p>
-        </p:txBody>
-      </p:sp>
-      <p:sp>
-        <p:nvSpPr>
-          <p:cNvPr id="3" name="Text Placeholder 2"/>
-          <p:cNvSpPr>
-            <a:spLocks noGrp="1"/>
-          </p:cNvSpPr>
-          <p:nvPr>
-            <p:ph type="body" idx="1"/>
-          </p:nvPr>
-        </p:nvSpPr>
-        <p:spPr>
-          <a:xfrm>
-            <a:off x="1146328" y="2371018"/>
-            <a:ext cx="4873474" cy="679994"/>
+            <a:off x="675745" y="2160983"/>
+            <a:ext cx="4185623" cy="576262"/>
           </a:xfrm>
         </p:spPr>
         <p:txBody>
@@ -4300,15 +3553,8 @@
           </a:bodyPr>
           <a:lstStyle>
             <a:lvl1pPr marL="0" indent="0">
-              <a:lnSpc>
-                <a:spcPct val="85000"/>
-              </a:lnSpc>
-              <a:buNone/>
-              <a:defRPr sz="2600" b="0">
-                <a:solidFill>
-                  <a:schemeClr val="tx1"/>
-                </a:solidFill>
-              </a:defRPr>
+              <a:buNone/>
+              <a:defRPr sz="2400" b="0"/>
             </a:lvl1pPr>
             <a:lvl2pPr marL="457200" indent="0">
               <a:buNone/>
@@ -4354,22 +3600,24 @@
       </p:sp>
       <p:sp>
         <p:nvSpPr>
-          <p:cNvPr id="12" name="Content Placeholder 3"/>
-          <p:cNvSpPr>
-            <a:spLocks noGrp="1"/>
-          </p:cNvSpPr>
-          <p:nvPr>
-            <p:ph sz="quarter" idx="13"/>
+          <p:cNvPr id="4" name="Content Placeholder 3"/>
+          <p:cNvSpPr>
+            <a:spLocks noGrp="1"/>
+          </p:cNvSpPr>
+          <p:nvPr>
+            <p:ph sz="half" idx="2"/>
           </p:nvPr>
         </p:nvSpPr>
         <p:spPr>
           <a:xfrm>
-            <a:off x="913774" y="3051012"/>
-            <a:ext cx="5106027" cy="2740187"/>
+            <a:off x="675745" y="2737245"/>
+            <a:ext cx="4185623" cy="3304117"/>
           </a:xfrm>
         </p:spPr>
         <p:txBody>
-          <a:bodyPr/>
+          <a:bodyPr>
+            <a:normAutofit/>
+          </a:bodyPr>
           <a:lstStyle/>
           <a:p>
             <a:pPr lvl="0"/>
@@ -4421,8 +3669,8 @@
         </p:nvSpPr>
         <p:spPr>
           <a:xfrm>
-            <a:off x="6396423" y="2371018"/>
-            <a:ext cx="4881804" cy="679994"/>
+            <a:off x="5088383" y="2160983"/>
+            <a:ext cx="4185618" cy="576262"/>
           </a:xfrm>
         </p:spPr>
         <p:txBody>
@@ -4431,15 +3679,8 @@
           </a:bodyPr>
           <a:lstStyle>
             <a:lvl1pPr marL="0" indent="0">
-              <a:lnSpc>
-                <a:spcPct val="85000"/>
-              </a:lnSpc>
-              <a:buNone/>
-              <a:defRPr sz="2600" b="0">
-                <a:solidFill>
-                  <a:schemeClr val="tx1"/>
-                </a:solidFill>
-              </a:defRPr>
+              <a:buNone/>
+              <a:defRPr sz="2400" b="0"/>
             </a:lvl1pPr>
             <a:lvl2pPr marL="457200" indent="0">
               <a:buNone/>
@@ -4485,22 +3726,24 @@
       </p:sp>
       <p:sp>
         <p:nvSpPr>
-          <p:cNvPr id="13" name="Content Placeholder 5"/>
-          <p:cNvSpPr>
-            <a:spLocks noGrp="1"/>
-          </p:cNvSpPr>
-          <p:nvPr>
-            <p:ph sz="quarter" idx="14"/>
+          <p:cNvPr id="6" name="Content Placeholder 5"/>
+          <p:cNvSpPr>
+            <a:spLocks noGrp="1"/>
+          </p:cNvSpPr>
+          <p:nvPr>
+            <p:ph sz="quarter" idx="4"/>
           </p:nvPr>
         </p:nvSpPr>
         <p:spPr>
           <a:xfrm>
-            <a:off x="6172200" y="3051012"/>
-            <a:ext cx="5105401" cy="2740187"/>
+            <a:off x="5088384" y="2737245"/>
+            <a:ext cx="4185617" cy="3304117"/>
           </a:xfrm>
         </p:spPr>
         <p:txBody>
-          <a:bodyPr/>
+          <a:bodyPr>
+            <a:normAutofit/>
+          </a:bodyPr>
           <a:lstStyle/>
           <a:p>
             <a:pPr lvl="0"/>
@@ -4555,9 +3798,10 @@
           <a:bodyPr/>
           <a:lstStyle/>
           <a:p>
-            <a:fld id="{48A87A34-81AB-432B-8DAE-1953F412C126}" type="datetimeFigureOut">
+            <a:fld id="{B61BEF0D-F0BB-DE4B-95CE-6DB70DBA9567}" type="datetimeFigureOut">
               <a:rPr lang="en-US" dirty="0"/>
-              <a:t>11/29/22</a:t>
+              <a:pPr/>
+              <a:t>12/2/22</a:t>
             </a:fld>
             <a:endParaRPr lang="en-US" dirty="0"/>
           </a:p>
@@ -4597,8 +3841,9 @@
           <a:bodyPr/>
           <a:lstStyle/>
           <a:p>
-            <a:fld id="{6D22F896-40B5-4ADD-8801-0D06FADFA095}" type="slidenum">
+            <a:fld id="{D57F1E4F-1CFF-5643-939E-217C01CDF565}" type="slidenum">
               <a:rPr lang="en-US" dirty="0"/>
+              <a:pPr/>
               <a:t>‹#›</a:t>
             </a:fld>
             <a:endParaRPr lang="en-US" dirty="0"/>
@@ -4630,47 +3875,22 @@
           <a:chExt cx="0" cy="0"/>
         </a:xfrm>
       </p:grpSpPr>
-      <p:pic>
-        <p:nvPicPr>
-          <p:cNvPr id="8" name="Picture 7" descr="Droplets-HD-Content-R1d.png"/>
-          <p:cNvPicPr>
-            <a:picLocks noChangeAspect="1"/>
-          </p:cNvPicPr>
-          <p:nvPr/>
-        </p:nvPicPr>
-        <p:blipFill>
-          <a:blip r:embed="rId2">
-            <a:extLst>
-              <a:ext uri="{28A0092B-C50C-407E-A947-70E740481C1C}">
-                <a14:useLocalDpi xmlns:a14="http://schemas.microsoft.com/office/drawing/2010/main" val="0"/>
-              </a:ext>
-            </a:extLst>
-          </a:blip>
-          <a:stretch>
-            <a:fillRect/>
-          </a:stretch>
-        </p:blipFill>
+      <p:sp>
+        <p:nvSpPr>
+          <p:cNvPr id="2" name="Title 1"/>
+          <p:cNvSpPr>
+            <a:spLocks noGrp="1"/>
+          </p:cNvSpPr>
+          <p:nvPr>
+            <p:ph type="title"/>
+          </p:nvPr>
+        </p:nvSpPr>
         <p:spPr>
           <a:xfrm>
-            <a:off x="0" y="0"/>
-            <a:ext cx="12192000" cy="6858000"/>
+            <a:off x="677334" y="609600"/>
+            <a:ext cx="8596668" cy="1320800"/>
           </a:xfrm>
-          <a:prstGeom prst="rect">
-            <a:avLst/>
-          </a:prstGeom>
         </p:spPr>
-      </p:pic>
-      <p:sp>
-        <p:nvSpPr>
-          <p:cNvPr id="2" name="Title 1"/>
-          <p:cNvSpPr>
-            <a:spLocks noGrp="1"/>
-          </p:cNvSpPr>
-          <p:nvPr>
-            <p:ph type="title"/>
-          </p:nvPr>
-        </p:nvSpPr>
-        <p:spPr/>
         <p:txBody>
           <a:bodyPr/>
           <a:lstStyle/>
@@ -4698,9 +3918,10 @@
           <a:bodyPr/>
           <a:lstStyle/>
           <a:p>
-            <a:fld id="{48A87A34-81AB-432B-8DAE-1953F412C126}" type="datetimeFigureOut">
+            <a:fld id="{B61BEF0D-F0BB-DE4B-95CE-6DB70DBA9567}" type="datetimeFigureOut">
               <a:rPr lang="en-US" dirty="0"/>
-              <a:t>11/29/22</a:t>
+              <a:pPr/>
+              <a:t>12/2/22</a:t>
             </a:fld>
             <a:endParaRPr lang="en-US" dirty="0"/>
           </a:p>
@@ -4740,8 +3961,9 @@
           <a:bodyPr/>
           <a:lstStyle/>
           <a:p>
-            <a:fld id="{6D22F896-40B5-4ADD-8801-0D06FADFA095}" type="slidenum">
+            <a:fld id="{D57F1E4F-1CFF-5643-939E-217C01CDF565}" type="slidenum">
               <a:rPr lang="en-US" dirty="0"/>
+              <a:pPr/>
               <a:t>‹#›</a:t>
             </a:fld>
             <a:endParaRPr lang="en-US" dirty="0"/>
@@ -4773,36 +3995,6 @@
           <a:chExt cx="0" cy="0"/>
         </a:xfrm>
       </p:grpSpPr>
-      <p:pic>
-        <p:nvPicPr>
-          <p:cNvPr id="7" name="Picture 6" descr="Droplets-HD-Content-R1d.png"/>
-          <p:cNvPicPr>
-            <a:picLocks noChangeAspect="1"/>
-          </p:cNvPicPr>
-          <p:nvPr/>
-        </p:nvPicPr>
-        <p:blipFill>
-          <a:blip r:embed="rId2">
-            <a:extLst>
-              <a:ext uri="{28A0092B-C50C-407E-A947-70E740481C1C}">
-                <a14:useLocalDpi xmlns:a14="http://schemas.microsoft.com/office/drawing/2010/main" val="0"/>
-              </a:ext>
-            </a:extLst>
-          </a:blip>
-          <a:stretch>
-            <a:fillRect/>
-          </a:stretch>
-        </p:blipFill>
-        <p:spPr>
-          <a:xfrm>
-            <a:off x="0" y="0"/>
-            <a:ext cx="12192000" cy="6858000"/>
-          </a:xfrm>
-          <a:prstGeom prst="rect">
-            <a:avLst/>
-          </a:prstGeom>
-        </p:spPr>
-      </p:pic>
       <p:sp>
         <p:nvSpPr>
           <p:cNvPr id="2" name="Date Placeholder 1"/>
@@ -4818,9 +4010,10 @@
           <a:bodyPr/>
           <a:lstStyle/>
           <a:p>
-            <a:fld id="{48A87A34-81AB-432B-8DAE-1953F412C126}" type="datetimeFigureOut">
+            <a:fld id="{B61BEF0D-F0BB-DE4B-95CE-6DB70DBA9567}" type="datetimeFigureOut">
               <a:rPr lang="en-US" dirty="0"/>
-              <a:t>11/29/22</a:t>
+              <a:pPr/>
+              <a:t>12/2/22</a:t>
             </a:fld>
             <a:endParaRPr lang="en-US" dirty="0"/>
           </a:p>
@@ -4860,8 +4053,9 @@
           <a:bodyPr/>
           <a:lstStyle/>
           <a:p>
-            <a:fld id="{6D22F896-40B5-4ADD-8801-0D06FADFA095}" type="slidenum">
+            <a:fld id="{D57F1E4F-1CFF-5643-939E-217C01CDF565}" type="slidenum">
               <a:rPr lang="en-US" dirty="0"/>
+              <a:pPr/>
               <a:t>‹#›</a:t>
             </a:fld>
             <a:endParaRPr lang="en-US" dirty="0"/>
@@ -4893,63 +4087,94 @@
           <a:chExt cx="0" cy="0"/>
         </a:xfrm>
       </p:grpSpPr>
-      <p:pic>
-        <p:nvPicPr>
-          <p:cNvPr id="11" name="Picture 10" descr="Droplets-HD-Content-R1d.png"/>
-          <p:cNvPicPr>
-            <a:picLocks noChangeAspect="1"/>
-          </p:cNvPicPr>
-          <p:nvPr/>
-        </p:nvPicPr>
-        <p:blipFill>
-          <a:blip r:embed="rId2">
-            <a:extLst>
-              <a:ext uri="{28A0092B-C50C-407E-A947-70E740481C1C}">
-                <a14:useLocalDpi xmlns:a14="http://schemas.microsoft.com/office/drawing/2010/main" val="0"/>
-              </a:ext>
-            </a:extLst>
-          </a:blip>
-          <a:stretch>
-            <a:fillRect/>
-          </a:stretch>
-        </p:blipFill>
+      <p:sp>
+        <p:nvSpPr>
+          <p:cNvPr id="2" name="Title 1"/>
+          <p:cNvSpPr>
+            <a:spLocks noGrp="1"/>
+          </p:cNvSpPr>
+          <p:nvPr>
+            <p:ph type="title"/>
+          </p:nvPr>
+        </p:nvSpPr>
         <p:spPr>
           <a:xfrm>
-            <a:off x="0" y="0"/>
-            <a:ext cx="12192000" cy="6858000"/>
+            <a:off x="677334" y="1498604"/>
+            <a:ext cx="3854528" cy="1278466"/>
           </a:xfrm>
-          <a:prstGeom prst="rect">
-            <a:avLst/>
-          </a:prstGeom>
         </p:spPr>
-      </p:pic>
-      <p:sp>
-        <p:nvSpPr>
-          <p:cNvPr id="2" name="Title 1"/>
-          <p:cNvSpPr>
-            <a:spLocks noGrp="1"/>
-          </p:cNvSpPr>
-          <p:nvPr>
-            <p:ph type="title"/>
+        <p:txBody>
+          <a:bodyPr anchor="b">
+            <a:normAutofit/>
+          </a:bodyPr>
+          <a:lstStyle>
+            <a:lvl1pPr>
+              <a:defRPr sz="2000"/>
+            </a:lvl1pPr>
+          </a:lstStyle>
+          <a:p>
+            <a:r>
+              <a:rPr lang="en-US"/>
+              <a:t>Click to edit Master title style</a:t>
+            </a:r>
+            <a:endParaRPr lang="en-US" dirty="0"/>
+          </a:p>
+        </p:txBody>
+      </p:sp>
+      <p:sp>
+        <p:nvSpPr>
+          <p:cNvPr id="3" name="Content Placeholder 2"/>
+          <p:cNvSpPr>
+            <a:spLocks noGrp="1"/>
+          </p:cNvSpPr>
+          <p:nvPr>
+            <p:ph idx="1"/>
           </p:nvPr>
         </p:nvSpPr>
         <p:spPr>
           <a:xfrm>
-            <a:off x="913775" y="609600"/>
-            <a:ext cx="3935688" cy="2023252"/>
+            <a:off x="4760461" y="514924"/>
+            <a:ext cx="4513541" cy="5526437"/>
           </a:xfrm>
         </p:spPr>
         <p:txBody>
-          <a:bodyPr anchor="b"/>
-          <a:lstStyle>
-            <a:lvl1pPr algn="ctr">
-              <a:defRPr sz="3200"/>
-            </a:lvl1pPr>
-          </a:lstStyle>
-          <a:p>
+          <a:bodyPr>
+            <a:normAutofit/>
+          </a:bodyPr>
+          <a:lstStyle/>
+          <a:p>
+            <a:pPr lvl="0"/>
             <a:r>
               <a:rPr lang="en-US"/>
-              <a:t>Click to edit Master title style</a:t>
+              <a:t>Edit Master text styles</a:t>
+            </a:r>
+          </a:p>
+          <a:p>
+            <a:pPr lvl="1"/>
+            <a:r>
+              <a:rPr lang="en-US"/>
+              <a:t>Second level</a:t>
+            </a:r>
+          </a:p>
+          <a:p>
+            <a:pPr lvl="2"/>
+            <a:r>
+              <a:rPr lang="en-US"/>
+              <a:t>Third level</a:t>
+            </a:r>
+          </a:p>
+          <a:p>
+            <a:pPr lvl="3"/>
+            <a:r>
+              <a:rPr lang="en-US"/>
+              <a:t>Fourth level</a:t>
+            </a:r>
+          </a:p>
+          <a:p>
+            <a:pPr lvl="4"/>
+            <a:r>
+              <a:rPr lang="en-US"/>
+              <a:t>Fifth level</a:t>
             </a:r>
             <a:endParaRPr lang="en-US" dirty="0"/>
           </a:p>
@@ -4957,113 +4182,58 @@
       </p:sp>
       <p:sp>
         <p:nvSpPr>
-          <p:cNvPr id="10" name="Content Placeholder 2"/>
-          <p:cNvSpPr>
-            <a:spLocks noGrp="1"/>
-          </p:cNvSpPr>
-          <p:nvPr>
-            <p:ph sz="quarter" idx="13"/>
+          <p:cNvPr id="4" name="Text Placeholder 3"/>
+          <p:cNvSpPr>
+            <a:spLocks noGrp="1"/>
+          </p:cNvSpPr>
+          <p:nvPr>
+            <p:ph type="body" sz="half" idx="2"/>
           </p:nvPr>
         </p:nvSpPr>
         <p:spPr>
           <a:xfrm>
-            <a:off x="5078062" y="609600"/>
-            <a:ext cx="6200163" cy="5181599"/>
+            <a:off x="677334" y="2777069"/>
+            <a:ext cx="3854528" cy="2584449"/>
           </a:xfrm>
         </p:spPr>
         <p:txBody>
-          <a:bodyPr/>
-          <a:lstStyle/>
-          <a:p>
-            <a:pPr lvl="0"/>
-            <a:r>
-              <a:rPr lang="en-US"/>
-              <a:t>Edit Master text styles</a:t>
-            </a:r>
-          </a:p>
-          <a:p>
-            <a:pPr lvl="1"/>
-            <a:r>
-              <a:rPr lang="en-US"/>
-              <a:t>Second level</a:t>
-            </a:r>
-          </a:p>
-          <a:p>
-            <a:pPr lvl="2"/>
-            <a:r>
-              <a:rPr lang="en-US"/>
-              <a:t>Third level</a:t>
-            </a:r>
-          </a:p>
-          <a:p>
-            <a:pPr lvl="3"/>
-            <a:r>
-              <a:rPr lang="en-US"/>
-              <a:t>Fourth level</a:t>
-            </a:r>
-          </a:p>
-          <a:p>
-            <a:pPr lvl="4"/>
-            <a:r>
-              <a:rPr lang="en-US"/>
-              <a:t>Fifth level</a:t>
-            </a:r>
-            <a:endParaRPr lang="en-US" dirty="0"/>
-          </a:p>
-        </p:txBody>
-      </p:sp>
-      <p:sp>
-        <p:nvSpPr>
-          <p:cNvPr id="4" name="Text Placeholder 3"/>
-          <p:cNvSpPr>
-            <a:spLocks noGrp="1"/>
-          </p:cNvSpPr>
-          <p:nvPr>
-            <p:ph type="body" sz="half" idx="2"/>
-          </p:nvPr>
-        </p:nvSpPr>
-        <p:spPr>
-          <a:xfrm>
-            <a:off x="913774" y="2632852"/>
-            <a:ext cx="3935689" cy="3158348"/>
-          </a:xfrm>
-        </p:spPr>
-        <p:txBody>
-          <a:bodyPr/>
+          <a:bodyPr>
+            <a:normAutofit/>
+          </a:bodyPr>
           <a:lstStyle>
-            <a:lvl1pPr marL="0" indent="0" algn="ctr">
-              <a:buNone/>
-              <a:defRPr sz="1600"/>
+            <a:lvl1pPr marL="0" indent="0">
+              <a:buNone/>
+              <a:defRPr sz="1400"/>
             </a:lvl1pPr>
-            <a:lvl2pPr marL="457200" indent="0">
+            <a:lvl2pPr marL="457063" indent="0">
               <a:buNone/>
               <a:defRPr sz="1400"/>
             </a:lvl2pPr>
-            <a:lvl3pPr marL="914400" indent="0">
+            <a:lvl3pPr marL="914126" indent="0">
               <a:buNone/>
               <a:defRPr sz="1200"/>
             </a:lvl3pPr>
-            <a:lvl4pPr marL="1371600" indent="0">
+            <a:lvl4pPr marL="1371189" indent="0">
               <a:buNone/>
               <a:defRPr sz="1000"/>
             </a:lvl4pPr>
-            <a:lvl5pPr marL="1828800" indent="0">
+            <a:lvl5pPr marL="1828251" indent="0">
               <a:buNone/>
               <a:defRPr sz="1000"/>
             </a:lvl5pPr>
-            <a:lvl6pPr marL="2286000" indent="0">
+            <a:lvl6pPr marL="2285314" indent="0">
               <a:buNone/>
               <a:defRPr sz="1000"/>
             </a:lvl6pPr>
-            <a:lvl7pPr marL="2743200" indent="0">
+            <a:lvl7pPr marL="2742377" indent="0">
               <a:buNone/>
               <a:defRPr sz="1000"/>
             </a:lvl7pPr>
-            <a:lvl8pPr marL="3200400" indent="0">
+            <a:lvl8pPr marL="3199440" indent="0">
               <a:buNone/>
               <a:defRPr sz="1000"/>
             </a:lvl8pPr>
-            <a:lvl9pPr marL="3657600" indent="0">
+            <a:lvl9pPr marL="3656503" indent="0">
               <a:buNone/>
               <a:defRPr sz="1000"/>
             </a:lvl9pPr>
@@ -5092,9 +4262,9 @@
           <a:bodyPr/>
           <a:lstStyle/>
           <a:p>
-            <a:fld id="{48A87A34-81AB-432B-8DAE-1953F412C126}" type="datetimeFigureOut">
+            <a:fld id="{42A54C80-263E-416B-A8E0-580EDEADCBDC}" type="datetimeFigureOut">
               <a:rPr lang="en-US" dirty="0"/>
-              <a:t>11/29/22</a:t>
+              <a:t>12/2/22</a:t>
             </a:fld>
             <a:endParaRPr lang="en-US" dirty="0"/>
           </a:p>
@@ -5134,7 +4304,7 @@
           <a:bodyPr/>
           <a:lstStyle/>
           <a:p>
-            <a:fld id="{6D22F896-40B5-4ADD-8801-0D06FADFA095}" type="slidenum">
+            <a:fld id="{519954A3-9DFD-4C44-94BA-B95130A3BA1C}" type="slidenum">
               <a:rPr lang="en-US" dirty="0"/>
               <a:t>‹#›</a:t>
             </a:fld>
@@ -5167,176 +4337,60 @@
           <a:chExt cx="0" cy="0"/>
         </a:xfrm>
       </p:grpSpPr>
-      <p:pic>
-        <p:nvPicPr>
-          <p:cNvPr id="10" name="Picture 9" descr="Droplets-HD-Content-R1d.png"/>
-          <p:cNvPicPr>
-            <a:picLocks noChangeAspect="1"/>
-          </p:cNvPicPr>
-          <p:nvPr/>
-        </p:nvPicPr>
-        <p:blipFill>
-          <a:blip r:embed="rId2">
-            <a:extLst>
-              <a:ext uri="{28A0092B-C50C-407E-A947-70E740481C1C}">
-                <a14:useLocalDpi xmlns:a14="http://schemas.microsoft.com/office/drawing/2010/main" val="0"/>
-              </a:ext>
-            </a:extLst>
-          </a:blip>
-          <a:stretch>
-            <a:fillRect/>
-          </a:stretch>
-        </p:blipFill>
+      <p:sp>
+        <p:nvSpPr>
+          <p:cNvPr id="2" name="Title 1"/>
+          <p:cNvSpPr>
+            <a:spLocks noGrp="1"/>
+          </p:cNvSpPr>
+          <p:nvPr>
+            <p:ph type="title"/>
+          </p:nvPr>
+        </p:nvSpPr>
         <p:spPr>
           <a:xfrm>
-            <a:off x="0" y="0"/>
-            <a:ext cx="12192000" cy="6858000"/>
+            <a:off x="677334" y="4800600"/>
+            <a:ext cx="8596667" cy="566738"/>
           </a:xfrm>
-          <a:prstGeom prst="rect">
-            <a:avLst/>
-          </a:prstGeom>
         </p:spPr>
-      </p:pic>
-      <p:sp>
-        <p:nvSpPr>
-          <p:cNvPr id="2" name="Title 1"/>
-          <p:cNvSpPr>
-            <a:spLocks noGrp="1"/>
-          </p:cNvSpPr>
-          <p:nvPr>
-            <p:ph type="title"/>
+        <p:txBody>
+          <a:bodyPr anchor="b">
+            <a:normAutofit/>
+          </a:bodyPr>
+          <a:lstStyle>
+            <a:lvl1pPr algn="l">
+              <a:defRPr sz="2400" b="0"/>
+            </a:lvl1pPr>
+          </a:lstStyle>
+          <a:p>
+            <a:r>
+              <a:rPr lang="en-US"/>
+              <a:t>Click to edit Master title style</a:t>
+            </a:r>
+            <a:endParaRPr lang="en-US" dirty="0"/>
+          </a:p>
+        </p:txBody>
+      </p:sp>
+      <p:sp>
+        <p:nvSpPr>
+          <p:cNvPr id="3" name="Picture Placeholder 2"/>
+          <p:cNvSpPr>
+            <a:spLocks noGrp="1" noChangeAspect="1"/>
+          </p:cNvSpPr>
+          <p:nvPr>
+            <p:ph type="pic" idx="1"/>
           </p:nvPr>
         </p:nvSpPr>
         <p:spPr>
           <a:xfrm>
-            <a:off x="913774" y="609600"/>
-            <a:ext cx="5934969" cy="2023254"/>
+            <a:off x="677334" y="609600"/>
+            <a:ext cx="8596668" cy="3845718"/>
           </a:xfrm>
         </p:spPr>
         <p:txBody>
-          <a:bodyPr anchor="b"/>
-          <a:lstStyle>
-            <a:lvl1pPr algn="ctr">
-              <a:defRPr sz="3200"/>
-            </a:lvl1pPr>
-          </a:lstStyle>
-          <a:p>
-            <a:r>
-              <a:rPr lang="en-US"/>
-              <a:t>Click to edit Master title style</a:t>
-            </a:r>
-            <a:endParaRPr lang="en-US" dirty="0"/>
-          </a:p>
-        </p:txBody>
-      </p:sp>
-      <p:sp>
-        <p:nvSpPr>
-          <p:cNvPr id="3" name="Picture Placeholder 2"/>
-          <p:cNvSpPr>
-            <a:spLocks noGrp="1" noChangeAspect="1"/>
-          </p:cNvSpPr>
-          <p:nvPr>
-            <p:ph type="pic" idx="1"/>
-          </p:nvPr>
-        </p:nvSpPr>
-        <p:spPr>
-          <a:xfrm>
-            <a:off x="7424803" y="609601"/>
-            <a:ext cx="3255358" cy="5181600"/>
-          </a:xfrm>
-          <a:prstGeom prst="roundRect">
-            <a:avLst>
-              <a:gd name="adj" fmla="val 4943"/>
-            </a:avLst>
-          </a:prstGeom>
-          <a:noFill/>
-          <a:ln w="82550" cap="sq">
-            <a:solidFill>
-              <a:srgbClr val="EAEAEA"/>
-            </a:solidFill>
-            <a:miter lim="800000"/>
-          </a:ln>
-          <a:effectLst/>
-          <a:scene3d>
-            <a:camera prst="orthographicFront"/>
-            <a:lightRig rig="threePt" dir="t">
-              <a:rot lat="0" lon="0" rev="2700000"/>
-            </a:lightRig>
-          </a:scene3d>
-          <a:sp3d contourW="6350">
-            <a:bevelT h="38100"/>
-            <a:contourClr>
-              <a:srgbClr val="C0C0C0"/>
-            </a:contourClr>
-          </a:sp3d>
-        </p:spPr>
-        <p:txBody>
-          <a:bodyPr anchor="t"/>
-          <a:lstStyle>
-            <a:lvl1pPr marL="0" indent="0">
-              <a:buNone/>
-              <a:defRPr sz="3200"/>
-            </a:lvl1pPr>
-            <a:lvl2pPr marL="457200" indent="0">
-              <a:buNone/>
-              <a:defRPr sz="2800"/>
-            </a:lvl2pPr>
-            <a:lvl3pPr marL="914400" indent="0">
-              <a:buNone/>
-              <a:defRPr sz="2400"/>
-            </a:lvl3pPr>
-            <a:lvl4pPr marL="1371600" indent="0">
-              <a:buNone/>
-              <a:defRPr sz="2000"/>
-            </a:lvl4pPr>
-            <a:lvl5pPr marL="1828800" indent="0">
-              <a:buNone/>
-              <a:defRPr sz="2000"/>
-            </a:lvl5pPr>
-            <a:lvl6pPr marL="2286000" indent="0">
-              <a:buNone/>
-              <a:defRPr sz="2000"/>
-            </a:lvl6pPr>
-            <a:lvl7pPr marL="2743200" indent="0">
-              <a:buNone/>
-              <a:defRPr sz="2000"/>
-            </a:lvl7pPr>
-            <a:lvl8pPr marL="3200400" indent="0">
-              <a:buNone/>
-              <a:defRPr sz="2000"/>
-            </a:lvl8pPr>
-            <a:lvl9pPr marL="3657600" indent="0">
-              <a:buNone/>
-              <a:defRPr sz="2000"/>
-            </a:lvl9pPr>
-          </a:lstStyle>
-          <a:p>
-            <a:r>
-              <a:rPr lang="en-US"/>
-              <a:t>Click icon to add picture</a:t>
-            </a:r>
-            <a:endParaRPr lang="en-US" dirty="0"/>
-          </a:p>
-        </p:txBody>
-      </p:sp>
-      <p:sp>
-        <p:nvSpPr>
-          <p:cNvPr id="4" name="Text Placeholder 3"/>
-          <p:cNvSpPr>
-            <a:spLocks noGrp="1"/>
-          </p:cNvSpPr>
-          <p:nvPr>
-            <p:ph type="body" sz="half" idx="2"/>
-          </p:nvPr>
-        </p:nvSpPr>
-        <p:spPr>
-          <a:xfrm>
-            <a:off x="913794" y="2632852"/>
-            <a:ext cx="5934949" cy="3158347"/>
-          </a:xfrm>
-        </p:spPr>
-        <p:txBody>
-          <a:bodyPr/>
+          <a:bodyPr anchor="t">
+            <a:normAutofit/>
+          </a:bodyPr>
           <a:lstStyle>
             <a:lvl1pPr marL="0" indent="0" algn="ctr">
               <a:buNone/>
@@ -5344,38 +4398,105 @@
             </a:lvl1pPr>
             <a:lvl2pPr marL="457200" indent="0">
               <a:buNone/>
-              <a:defRPr sz="1400"/>
+              <a:defRPr sz="1600"/>
             </a:lvl2pPr>
             <a:lvl3pPr marL="914400" indent="0">
               <a:buNone/>
-              <a:defRPr sz="1200"/>
+              <a:defRPr sz="1600"/>
             </a:lvl3pPr>
             <a:lvl4pPr marL="1371600" indent="0">
               <a:buNone/>
-              <a:defRPr sz="1000"/>
+              <a:defRPr sz="1600"/>
             </a:lvl4pPr>
             <a:lvl5pPr marL="1828800" indent="0">
               <a:buNone/>
-              <a:defRPr sz="1000"/>
+              <a:defRPr sz="1600"/>
             </a:lvl5pPr>
             <a:lvl6pPr marL="2286000" indent="0">
               <a:buNone/>
-              <a:defRPr sz="1000"/>
+              <a:defRPr sz="1600"/>
             </a:lvl6pPr>
             <a:lvl7pPr marL="2743200" indent="0">
               <a:buNone/>
-              <a:defRPr sz="1000"/>
+              <a:defRPr sz="1600"/>
             </a:lvl7pPr>
             <a:lvl8pPr marL="3200400" indent="0">
               <a:buNone/>
-              <a:defRPr sz="1000"/>
+              <a:defRPr sz="1600"/>
             </a:lvl8pPr>
             <a:lvl9pPr marL="3657600" indent="0">
               <a:buNone/>
-              <a:defRPr sz="1000"/>
+              <a:defRPr sz="1600"/>
             </a:lvl9pPr>
           </a:lstStyle>
           <a:p>
+            <a:r>
+              <a:rPr lang="en-US"/>
+              <a:t>Click icon to add picture</a:t>
+            </a:r>
+            <a:endParaRPr lang="en-US" dirty="0"/>
+          </a:p>
+        </p:txBody>
+      </p:sp>
+      <p:sp>
+        <p:nvSpPr>
+          <p:cNvPr id="4" name="Text Placeholder 3"/>
+          <p:cNvSpPr>
+            <a:spLocks noGrp="1"/>
+          </p:cNvSpPr>
+          <p:nvPr>
+            <p:ph type="body" sz="half" idx="2"/>
+          </p:nvPr>
+        </p:nvSpPr>
+        <p:spPr>
+          <a:xfrm>
+            <a:off x="677334" y="5367338"/>
+            <a:ext cx="8596667" cy="674024"/>
+          </a:xfrm>
+        </p:spPr>
+        <p:txBody>
+          <a:bodyPr>
+            <a:normAutofit/>
+          </a:bodyPr>
+          <a:lstStyle>
+            <a:lvl1pPr marL="0" indent="0">
+              <a:buNone/>
+              <a:defRPr sz="1200"/>
+            </a:lvl1pPr>
+            <a:lvl2pPr marL="457200" indent="0">
+              <a:buNone/>
+              <a:defRPr sz="1200"/>
+            </a:lvl2pPr>
+            <a:lvl3pPr marL="914400" indent="0">
+              <a:buNone/>
+              <a:defRPr sz="1000"/>
+            </a:lvl3pPr>
+            <a:lvl4pPr marL="1371600" indent="0">
+              <a:buNone/>
+              <a:defRPr sz="900"/>
+            </a:lvl4pPr>
+            <a:lvl5pPr marL="1828800" indent="0">
+              <a:buNone/>
+              <a:defRPr sz="900"/>
+            </a:lvl5pPr>
+            <a:lvl6pPr marL="2286000" indent="0">
+              <a:buNone/>
+              <a:defRPr sz="900"/>
+            </a:lvl6pPr>
+            <a:lvl7pPr marL="2743200" indent="0">
+              <a:buNone/>
+              <a:defRPr sz="900"/>
+            </a:lvl7pPr>
+            <a:lvl8pPr marL="3200400" indent="0">
+              <a:buNone/>
+              <a:defRPr sz="900"/>
+            </a:lvl8pPr>
+            <a:lvl9pPr marL="3657600" indent="0">
+              <a:buNone/>
+              <a:defRPr sz="900"/>
+            </a:lvl9pPr>
+          </a:lstStyle>
+          <a:p>
             <a:pPr lvl="0"/>
             <a:r>
               <a:rPr lang="en-US"/>
@@ -5399,9 +4520,10 @@
           <a:bodyPr/>
           <a:lstStyle/>
           <a:p>
-            <a:fld id="{48A87A34-81AB-432B-8DAE-1953F412C126}" type="datetimeFigureOut">
+            <a:fld id="{B61BEF0D-F0BB-DE4B-95CE-6DB70DBA9567}" type="datetimeFigureOut">
               <a:rPr lang="en-US" dirty="0"/>
-              <a:t>11/29/22</a:t>
+              <a:pPr/>
+              <a:t>12/2/22</a:t>
             </a:fld>
             <a:endParaRPr lang="en-US" dirty="0"/>
           </a:p>
@@ -5441,8 +4563,9 @@
           <a:bodyPr/>
           <a:lstStyle/>
           <a:p>
-            <a:fld id="{6D22F896-40B5-4ADD-8801-0D06FADFA095}" type="slidenum">
+            <a:fld id="{D57F1E4F-1CFF-5643-939E-217C01CDF565}" type="slidenum">
               <a:rPr lang="en-US" dirty="0"/>
+              <a:pPr/>
               <a:t>‹#›</a:t>
             </a:fld>
             <a:endParaRPr lang="en-US" dirty="0"/>
@@ -5461,7 +4584,7 @@
 <p:sldMaster xmlns:a="http://schemas.openxmlformats.org/drawingml/2006/main" xmlns:p="http://schemas.openxmlformats.org/presentationml/2006/main" xmlns:r="http://schemas.openxmlformats.org/officeDocument/2006/relationships">
   <p:cSld>
     <p:bg>
-      <p:bgRef idx="1002">
+      <p:bgRef idx="1001">
         <a:schemeClr val="bg1"/>
       </p:bgRef>
     </p:bg>
@@ -5479,48 +4602,536 @@
           <a:chExt cx="0" cy="0"/>
         </a:xfrm>
       </p:grpSpPr>
-      <p:pic>
-        <p:nvPicPr>
-          <p:cNvPr descr="\\DROBO-FS\QuickDrops\JB\PPTX NG\Droplets\LightingOverlay.png" id="1026" name="Picture 2"/>
-          <p:cNvPicPr>
-            <a:picLocks noChangeArrowheads="1" noChangeAspect="1"/>
-          </p:cNvPicPr>
+      <p:grpSp>
+        <p:nvGrpSpPr>
+          <p:cNvPr id="7" name="Group 6"/>
+          <p:cNvGrpSpPr/>
           <p:nvPr/>
-        </p:nvPicPr>
-        <p:blipFill>
-          <a:blip r:embed="rId19">
-            <a:alphaModFix/>
-            <a:extLst>
-              <a:ext uri="{28A0092B-C50C-407E-A947-70E740481C1C}">
-                <a14:useLocalDpi xmlns:a14="http://schemas.microsoft.com/office/drawing/2010/main" val="0"/>
-              </a:ext>
-            </a:extLst>
-          </a:blip>
-          <a:srcRect/>
-          <a:stretch>
-            <a:fillRect/>
-          </a:stretch>
-        </p:blipFill>
-        <p:spPr bwMode="auto">
+        </p:nvGrpSpPr>
+        <p:grpSpPr>
           <a:xfrm>
-            <a:off x="0" y="-1"/>
-            <a:ext cx="12192003" cy="6858001"/>
+            <a:off x="0" y="-8467"/>
+            <a:ext cx="12192000" cy="6866467"/>
+            <a:chOff x="0" y="-8467"/>
+            <a:chExt cx="12192000" cy="6866467"/>
           </a:xfrm>
-          <a:prstGeom prst="rect">
-            <a:avLst/>
-          </a:prstGeom>
-          <a:noFill/>
-          <a:extLst>
-            <a:ext uri="{909E8E84-426E-40DD-AFC4-6F175D3DCCD1}">
-              <a14:hiddenFill xmlns:a14="http://schemas.microsoft.com/office/drawing/2010/main">
-                <a:solidFill>
-                  <a:srgbClr val="FFFFFF"/>
-                </a:solidFill>
-              </a14:hiddenFill>
-            </a:ext>
-          </a:extLst>
-        </p:spPr>
-      </p:pic>
+        </p:grpSpPr>
+        <p:cxnSp>
+          <p:nvCxnSpPr>
+            <p:cNvPr id="20" name="Straight Connector 19"/>
+            <p:cNvCxnSpPr/>
+            <p:nvPr/>
+          </p:nvCxnSpPr>
+          <p:spPr>
+            <a:xfrm>
+              <a:off x="9371012" y="0"/>
+              <a:ext cx="1219200" cy="6858000"/>
+            </a:xfrm>
+            <a:prstGeom prst="line">
+              <a:avLst/>
+            </a:prstGeom>
+            <a:ln w="9525">
+              <a:solidFill>
+                <a:schemeClr val="bg1">
+                  <a:lumMod val="75000"/>
+                </a:schemeClr>
+              </a:solidFill>
+            </a:ln>
+          </p:spPr>
+          <p:style>
+            <a:lnRef idx="2">
+              <a:schemeClr val="accent1"/>
+            </a:lnRef>
+            <a:fillRef idx="0">
+              <a:schemeClr val="accent1"/>
+            </a:fillRef>
+            <a:effectRef idx="1">
+              <a:schemeClr val="accent1"/>
+            </a:effectRef>
+            <a:fontRef idx="minor">
+              <a:schemeClr val="tx1"/>
+            </a:fontRef>
+          </p:style>
+        </p:cxnSp>
+        <p:cxnSp>
+          <p:nvCxnSpPr>
+            <p:cNvPr id="21" name="Straight Connector 20"/>
+            <p:cNvCxnSpPr/>
+            <p:nvPr/>
+          </p:nvCxnSpPr>
+          <p:spPr>
+            <a:xfrm flipH="1">
+              <a:off x="7425267" y="3681413"/>
+              <a:ext cx="4763558" cy="3176587"/>
+            </a:xfrm>
+            <a:prstGeom prst="line">
+              <a:avLst/>
+            </a:prstGeom>
+            <a:ln w="9525">
+              <a:solidFill>
+                <a:schemeClr val="bg1">
+                  <a:lumMod val="85000"/>
+                </a:schemeClr>
+              </a:solidFill>
+            </a:ln>
+          </p:spPr>
+          <p:style>
+            <a:lnRef idx="2">
+              <a:schemeClr val="accent1"/>
+            </a:lnRef>
+            <a:fillRef idx="0">
+              <a:schemeClr val="accent1"/>
+            </a:fillRef>
+            <a:effectRef idx="1">
+              <a:schemeClr val="accent1"/>
+            </a:effectRef>
+            <a:fontRef idx="minor">
+              <a:schemeClr val="tx1"/>
+            </a:fontRef>
+          </p:style>
+        </p:cxnSp>
+        <p:sp>
+          <p:nvSpPr>
+            <p:cNvPr id="22" name="Rectangle 23"/>
+            <p:cNvSpPr/>
+            <p:nvPr/>
+          </p:nvSpPr>
+          <p:spPr>
+            <a:xfrm>
+              <a:off x="9181476" y="-8467"/>
+              <a:ext cx="3007349" cy="6866467"/>
+            </a:xfrm>
+            <a:custGeom>
+              <a:avLst/>
+              <a:gdLst/>
+              <a:ahLst/>
+              <a:cxnLst/>
+              <a:rect b="b" l="l" r="r" t="t"/>
+              <a:pathLst>
+                <a:path h="6866467" w="3007349">
+                  <a:moveTo>
+                    <a:pt x="2045532" y="0"/>
+                  </a:moveTo>
+                  <a:lnTo>
+                    <a:pt x="3007349" y="0"/>
+                  </a:lnTo>
+                  <a:lnTo>
+                    <a:pt x="3007349" y="6866467"/>
+                  </a:lnTo>
+                  <a:lnTo>
+                    <a:pt x="0" y="6866467"/>
+                  </a:lnTo>
+                  <a:lnTo>
+                    <a:pt x="2045532" y="0"/>
+                  </a:lnTo>
+                  <a:close/>
+                </a:path>
+              </a:pathLst>
+            </a:custGeom>
+            <a:solidFill>
+              <a:schemeClr val="accent1">
+                <a:alpha val="30000"/>
+              </a:schemeClr>
+            </a:solidFill>
+            <a:ln>
+              <a:noFill/>
+            </a:ln>
+            <a:effectLst/>
+          </p:spPr>
+          <p:style>
+            <a:lnRef idx="1">
+              <a:schemeClr val="accent1"/>
+            </a:lnRef>
+            <a:fillRef idx="3">
+              <a:schemeClr val="accent1"/>
+            </a:fillRef>
+            <a:effectRef idx="2">
+              <a:schemeClr val="accent1"/>
+            </a:effectRef>
+            <a:fontRef idx="minor">
+              <a:schemeClr val="lt1"/>
+            </a:fontRef>
+          </p:style>
+        </p:sp>
+        <p:sp>
+          <p:nvSpPr>
+            <p:cNvPr id="23" name="Rectangle 25"/>
+            <p:cNvSpPr/>
+            <p:nvPr/>
+          </p:nvSpPr>
+          <p:spPr>
+            <a:xfrm>
+              <a:off x="9603442" y="-8467"/>
+              <a:ext cx="2588558" cy="6866467"/>
+            </a:xfrm>
+            <a:custGeom>
+              <a:avLst/>
+              <a:gdLst/>
+              <a:ahLst/>
+              <a:cxnLst/>
+              <a:rect b="b" l="l" r="r" t="t"/>
+              <a:pathLst>
+                <a:path h="6866467" w="2573311">
+                  <a:moveTo>
+                    <a:pt x="0" y="0"/>
+                  </a:moveTo>
+                  <a:lnTo>
+                    <a:pt x="2573311" y="0"/>
+                  </a:lnTo>
+                  <a:lnTo>
+                    <a:pt x="2573311" y="6866467"/>
+                  </a:lnTo>
+                  <a:lnTo>
+                    <a:pt x="1202336" y="6866467"/>
+                  </a:lnTo>
+                  <a:lnTo>
+                    <a:pt x="0" y="0"/>
+                  </a:lnTo>
+                  <a:close/>
+                </a:path>
+              </a:pathLst>
+            </a:custGeom>
+            <a:solidFill>
+              <a:schemeClr val="accent1">
+                <a:alpha val="20000"/>
+              </a:schemeClr>
+            </a:solidFill>
+            <a:ln>
+              <a:noFill/>
+            </a:ln>
+            <a:effectLst/>
+          </p:spPr>
+          <p:style>
+            <a:lnRef idx="1">
+              <a:schemeClr val="accent1"/>
+            </a:lnRef>
+            <a:fillRef idx="3">
+              <a:schemeClr val="accent1"/>
+            </a:fillRef>
+            <a:effectRef idx="2">
+              <a:schemeClr val="accent1"/>
+            </a:effectRef>
+            <a:fontRef idx="minor">
+              <a:schemeClr val="lt1"/>
+            </a:fontRef>
+          </p:style>
+        </p:sp>
+        <p:sp>
+          <p:nvSpPr>
+            <p:cNvPr id="24" name="Isosceles Triangle 23"/>
+            <p:cNvSpPr/>
+            <p:nvPr/>
+          </p:nvSpPr>
+          <p:spPr>
+            <a:xfrm>
+              <a:off x="8932333" y="3048000"/>
+              <a:ext cx="3259667" cy="3810000"/>
+            </a:xfrm>
+            <a:prstGeom prst="triangle">
+              <a:avLst>
+                <a:gd fmla="val 100000" name="adj"/>
+              </a:avLst>
+            </a:prstGeom>
+            <a:solidFill>
+              <a:schemeClr val="accent2">
+                <a:alpha val="72000"/>
+              </a:schemeClr>
+            </a:solidFill>
+            <a:ln>
+              <a:noFill/>
+            </a:ln>
+            <a:effectLst/>
+          </p:spPr>
+          <p:style>
+            <a:lnRef idx="1">
+              <a:schemeClr val="accent1"/>
+            </a:lnRef>
+            <a:fillRef idx="3">
+              <a:schemeClr val="accent1"/>
+            </a:fillRef>
+            <a:effectRef idx="2">
+              <a:schemeClr val="accent1"/>
+            </a:effectRef>
+            <a:fontRef idx="minor">
+              <a:schemeClr val="lt1"/>
+            </a:fontRef>
+          </p:style>
+        </p:sp>
+        <p:sp>
+          <p:nvSpPr>
+            <p:cNvPr id="25" name="Rectangle 27"/>
+            <p:cNvSpPr/>
+            <p:nvPr/>
+          </p:nvSpPr>
+          <p:spPr>
+            <a:xfrm>
+              <a:off x="9334500" y="-8467"/>
+              <a:ext cx="2854326" cy="6866467"/>
+            </a:xfrm>
+            <a:custGeom>
+              <a:avLst/>
+              <a:gdLst/>
+              <a:ahLst/>
+              <a:cxnLst/>
+              <a:rect b="b" l="l" r="r" t="t"/>
+              <a:pathLst>
+                <a:path h="6866467" w="2858013">
+                  <a:moveTo>
+                    <a:pt x="0" y="0"/>
+                  </a:moveTo>
+                  <a:lnTo>
+                    <a:pt x="2858013" y="0"/>
+                  </a:lnTo>
+                  <a:lnTo>
+                    <a:pt x="2858013" y="6866467"/>
+                  </a:lnTo>
+                  <a:lnTo>
+                    <a:pt x="2473942" y="6866467"/>
+                  </a:lnTo>
+                  <a:lnTo>
+                    <a:pt x="0" y="0"/>
+                  </a:lnTo>
+                  <a:close/>
+                </a:path>
+              </a:pathLst>
+            </a:custGeom>
+            <a:solidFill>
+              <a:schemeClr val="accent2">
+                <a:lumMod val="75000"/>
+                <a:alpha val="70000"/>
+              </a:schemeClr>
+            </a:solidFill>
+            <a:ln>
+              <a:noFill/>
+            </a:ln>
+            <a:effectLst/>
+          </p:spPr>
+          <p:style>
+            <a:lnRef idx="1">
+              <a:schemeClr val="accent1"/>
+            </a:lnRef>
+            <a:fillRef idx="3">
+              <a:schemeClr val="accent1"/>
+            </a:fillRef>
+            <a:effectRef idx="2">
+              <a:schemeClr val="accent1"/>
+            </a:effectRef>
+            <a:fontRef idx="minor">
+              <a:schemeClr val="lt1"/>
+            </a:fontRef>
+          </p:style>
+        </p:sp>
+        <p:sp>
+          <p:nvSpPr>
+            <p:cNvPr id="26" name="Rectangle 28"/>
+            <p:cNvSpPr/>
+            <p:nvPr/>
+          </p:nvSpPr>
+          <p:spPr>
+            <a:xfrm>
+              <a:off x="10898730" y="-8467"/>
+              <a:ext cx="1290094" cy="6866467"/>
+            </a:xfrm>
+            <a:custGeom>
+              <a:avLst/>
+              <a:gdLst/>
+              <a:ahLst/>
+              <a:cxnLst/>
+              <a:rect b="b" l="l" r="r" t="t"/>
+              <a:pathLst>
+                <a:path h="6858000" w="1290094">
+                  <a:moveTo>
+                    <a:pt x="1019735" y="0"/>
+                  </a:moveTo>
+                  <a:lnTo>
+                    <a:pt x="1290094" y="0"/>
+                  </a:lnTo>
+                  <a:lnTo>
+                    <a:pt x="1290094" y="6858000"/>
+                  </a:lnTo>
+                  <a:lnTo>
+                    <a:pt x="0" y="6858000"/>
+                  </a:lnTo>
+                  <a:lnTo>
+                    <a:pt x="1019735" y="0"/>
+                  </a:lnTo>
+                  <a:close/>
+                </a:path>
+              </a:pathLst>
+            </a:custGeom>
+            <a:solidFill>
+              <a:schemeClr val="accent1">
+                <a:lumMod val="60000"/>
+                <a:lumOff val="40000"/>
+                <a:alpha val="70000"/>
+              </a:schemeClr>
+            </a:solidFill>
+            <a:ln>
+              <a:noFill/>
+            </a:ln>
+            <a:effectLst/>
+          </p:spPr>
+          <p:style>
+            <a:lnRef idx="1">
+              <a:schemeClr val="accent1"/>
+            </a:lnRef>
+            <a:fillRef idx="3">
+              <a:schemeClr val="accent1"/>
+            </a:fillRef>
+            <a:effectRef idx="2">
+              <a:schemeClr val="accent1"/>
+            </a:effectRef>
+            <a:fontRef idx="minor">
+              <a:schemeClr val="lt1"/>
+            </a:fontRef>
+          </p:style>
+        </p:sp>
+        <p:sp>
+          <p:nvSpPr>
+            <p:cNvPr id="27" name="Rectangle 29"/>
+            <p:cNvSpPr/>
+            <p:nvPr/>
+          </p:nvSpPr>
+          <p:spPr>
+            <a:xfrm>
+              <a:off x="10938999" y="-8467"/>
+              <a:ext cx="1249825" cy="6866467"/>
+            </a:xfrm>
+            <a:custGeom>
+              <a:avLst/>
+              <a:gdLst/>
+              <a:ahLst/>
+              <a:cxnLst/>
+              <a:rect b="b" l="l" r="r" t="t"/>
+              <a:pathLst>
+                <a:path h="6858000" w="1249825">
+                  <a:moveTo>
+                    <a:pt x="0" y="0"/>
+                  </a:moveTo>
+                  <a:lnTo>
+                    <a:pt x="1249825" y="0"/>
+                  </a:lnTo>
+                  <a:lnTo>
+                    <a:pt x="1249825" y="6858000"/>
+                  </a:lnTo>
+                  <a:lnTo>
+                    <a:pt x="1109382" y="6858000"/>
+                  </a:lnTo>
+                  <a:lnTo>
+                    <a:pt x="0" y="0"/>
+                  </a:lnTo>
+                  <a:close/>
+                </a:path>
+              </a:pathLst>
+            </a:custGeom>
+            <a:solidFill>
+              <a:schemeClr val="accent1">
+                <a:alpha val="65000"/>
+              </a:schemeClr>
+            </a:solidFill>
+            <a:ln>
+              <a:noFill/>
+            </a:ln>
+            <a:effectLst/>
+          </p:spPr>
+          <p:style>
+            <a:lnRef idx="1">
+              <a:schemeClr val="accent1"/>
+            </a:lnRef>
+            <a:fillRef idx="3">
+              <a:schemeClr val="accent1"/>
+            </a:fillRef>
+            <a:effectRef idx="2">
+              <a:schemeClr val="accent1"/>
+            </a:effectRef>
+            <a:fontRef idx="minor">
+              <a:schemeClr val="lt1"/>
+            </a:fontRef>
+          </p:style>
+        </p:sp>
+        <p:sp>
+          <p:nvSpPr>
+            <p:cNvPr id="28" name="Isosceles Triangle 27"/>
+            <p:cNvSpPr/>
+            <p:nvPr/>
+          </p:nvSpPr>
+          <p:spPr>
+            <a:xfrm>
+              <a:off x="10371666" y="3589867"/>
+              <a:ext cx="1817159" cy="3268133"/>
+            </a:xfrm>
+            <a:prstGeom prst="triangle">
+              <a:avLst>
+                <a:gd fmla="val 100000" name="adj"/>
+              </a:avLst>
+            </a:prstGeom>
+            <a:solidFill>
+              <a:schemeClr val="accent1">
+                <a:alpha val="80000"/>
+              </a:schemeClr>
+            </a:solidFill>
+            <a:ln>
+              <a:noFill/>
+            </a:ln>
+            <a:effectLst/>
+          </p:spPr>
+          <p:style>
+            <a:lnRef idx="1">
+              <a:schemeClr val="accent1"/>
+            </a:lnRef>
+            <a:fillRef idx="3">
+              <a:schemeClr val="accent1"/>
+            </a:fillRef>
+            <a:effectRef idx="2">
+              <a:schemeClr val="accent1"/>
+            </a:effectRef>
+            <a:fontRef idx="minor">
+              <a:schemeClr val="lt1"/>
+            </a:fontRef>
+          </p:style>
+        </p:sp>
+        <p:sp>
+          <p:nvSpPr>
+            <p:cNvPr id="29" name="Isosceles Triangle 28"/>
+            <p:cNvSpPr/>
+            <p:nvPr/>
+          </p:nvSpPr>
+          <p:spPr>
+            <a:xfrm>
+              <a:off x="0" y="4013200"/>
+              <a:ext cx="448733" cy="2844800"/>
+            </a:xfrm>
+            <a:prstGeom prst="triangle">
+              <a:avLst>
+                <a:gd fmla="val 0" name="adj"/>
+              </a:avLst>
+            </a:prstGeom>
+            <a:solidFill>
+              <a:schemeClr val="accent1">
+                <a:alpha val="85000"/>
+              </a:schemeClr>
+            </a:solidFill>
+            <a:ln>
+              <a:noFill/>
+            </a:ln>
+            <a:effectLst/>
+          </p:spPr>
+          <p:style>
+            <a:lnRef idx="1">
+              <a:schemeClr val="accent1"/>
+            </a:lnRef>
+            <a:fillRef idx="3">
+              <a:schemeClr val="accent1"/>
+            </a:fillRef>
+            <a:effectRef idx="2">
+              <a:schemeClr val="accent1"/>
+            </a:effectRef>
+            <a:fontRef idx="minor">
+              <a:schemeClr val="lt1"/>
+            </a:fontRef>
+          </p:style>
+        </p:sp>
+      </p:grpSp>
       <p:sp>
         <p:nvSpPr>
           <p:cNvPr id="2" name="Title Placeholder 1"/>
@@ -5533,23 +5144,24 @@
         </p:nvSpPr>
         <p:spPr>
           <a:xfrm>
-            <a:off x="913775" y="618517"/>
-            <a:ext cx="10364451" cy="1596177"/>
+            <a:off x="677334" y="609600"/>
+            <a:ext cx="8596668" cy="1320800"/>
           </a:xfrm>
           <a:prstGeom prst="rect">
             <a:avLst/>
           </a:prstGeom>
         </p:spPr>
         <p:txBody>
-          <a:bodyPr anchor="ctr" bIns="45720" lIns="91440" rIns="91440" rtlCol="0" tIns="45720" vert="horz">
+          <a:bodyPr anchor="t" bIns="45720" lIns="91440" rIns="91440" rtlCol="0" tIns="45720" vert="horz">
             <a:normAutofit/>
           </a:bodyPr>
           <a:lstStyle/>
           <a:p>
             <a:r>
-              <a:rPr dirty="0" lang="en-US"/>
+              <a:rPr lang="en-US"/>
               <a:t>Click to edit Master title style</a:t>
             </a:r>
+            <a:endParaRPr dirty="0" lang="en-US"/>
           </a:p>
         </p:txBody>
       </p:sp>
@@ -5565,8 +5177,8 @@
         </p:nvSpPr>
         <p:spPr>
           <a:xfrm>
-            <a:off x="913775" y="2367093"/>
-            <a:ext cx="10364452" cy="3424107"/>
+            <a:off x="677334" y="2160589"/>
+            <a:ext cx="8596668" cy="3880773"/>
           </a:xfrm>
           <a:prstGeom prst="rect">
             <a:avLst/>
@@ -5587,30 +5199,31 @@
           <a:p>
             <a:pPr lvl="1"/>
             <a:r>
-              <a:rPr dirty="0" lang="en-US"/>
+              <a:rPr lang="en-US"/>
               <a:t>Second level</a:t>
             </a:r>
           </a:p>
           <a:p>
             <a:pPr lvl="2"/>
             <a:r>
-              <a:rPr dirty="0" lang="en-US"/>
+              <a:rPr lang="en-US"/>
               <a:t>Third level</a:t>
             </a:r>
           </a:p>
           <a:p>
             <a:pPr lvl="3"/>
             <a:r>
-              <a:rPr dirty="0" lang="en-US"/>
+              <a:rPr lang="en-US"/>
               <a:t>Fourth level</a:t>
             </a:r>
           </a:p>
           <a:p>
             <a:pPr lvl="4"/>
             <a:r>
-              <a:rPr dirty="0" lang="en-US"/>
+              <a:rPr lang="en-US"/>
               <a:t>Fifth level</a:t>
             </a:r>
+            <a:endParaRPr dirty="0" lang="en-US"/>
           </a:p>
         </p:txBody>
       </p:sp>
@@ -5626,8 +5239,8 @@
         </p:nvSpPr>
         <p:spPr>
           <a:xfrm>
-            <a:off x="7678737" y="5883275"/>
-            <a:ext cx="2743200" cy="365125"/>
+            <a:off x="7205133" y="6041362"/>
+            <a:ext cx="911939" cy="365125"/>
           </a:xfrm>
           <a:prstGeom prst="rect">
             <a:avLst/>
@@ -5637,18 +5250,20 @@
           <a:bodyPr anchor="ctr" bIns="45720" lIns="91440" rIns="91440" rtlCol="0" tIns="45720" vert="horz"/>
           <a:lstStyle>
             <a:lvl1pPr algn="r">
-              <a:defRPr sz="1000">
-                <a:solidFill>
-                  <a:schemeClr val="tx1"/>
+              <a:defRPr sz="900">
+                <a:solidFill>
+                  <a:schemeClr val="tx1">
+                    <a:tint val="75000"/>
+                  </a:schemeClr>
                 </a:solidFill>
               </a:defRPr>
             </a:lvl1pPr>
           </a:lstStyle>
           <a:p>
-            <a:fld id="{48A87A34-81AB-432B-8DAE-1953F412C126}" type="datetimeFigureOut">
+            <a:fld id="{B61BEF0D-F0BB-DE4B-95CE-6DB70DBA9567}" type="datetimeFigureOut">
               <a:rPr dirty="0" lang="en-US"/>
               <a:pPr/>
-              <a:t>11/29/22</a:t>
+              <a:t>12/2/22</a:t>
             </a:fld>
             <a:endParaRPr dirty="0" lang="en-US"/>
           </a:p>
@@ -5666,8 +5281,8 @@
         </p:nvSpPr>
         <p:spPr>
           <a:xfrm>
-            <a:off x="913774" y="5883275"/>
-            <a:ext cx="6672887" cy="365125"/>
+            <a:off x="677334" y="6041362"/>
+            <a:ext cx="6297612" cy="365125"/>
           </a:xfrm>
           <a:prstGeom prst="rect">
             <a:avLst/>
@@ -5677,9 +5292,11 @@
           <a:bodyPr anchor="ctr" bIns="45720" lIns="91440" rIns="91440" rtlCol="0" tIns="45720" vert="horz"/>
           <a:lstStyle>
             <a:lvl1pPr algn="l">
-              <a:defRPr sz="1000">
-                <a:solidFill>
-                  <a:schemeClr val="tx1"/>
+              <a:defRPr sz="900">
+                <a:solidFill>
+                  <a:schemeClr val="tx1">
+                    <a:tint val="75000"/>
+                  </a:schemeClr>
                 </a:solidFill>
               </a:defRPr>
             </a:lvl1pPr>
@@ -5701,8 +5318,8 @@
         </p:nvSpPr>
         <p:spPr>
           <a:xfrm>
-            <a:off x="10514011" y="5883275"/>
-            <a:ext cx="764215" cy="365125"/>
+            <a:off x="8590663" y="6041362"/>
+            <a:ext cx="683339" cy="365125"/>
           </a:xfrm>
           <a:prstGeom prst="rect">
             <a:avLst/>
@@ -5712,15 +5329,15 @@
           <a:bodyPr anchor="ctr" bIns="45720" lIns="91440" rIns="91440" rtlCol="0" tIns="45720" vert="horz"/>
           <a:lstStyle>
             <a:lvl1pPr algn="r">
-              <a:defRPr sz="1000">
-                <a:solidFill>
-                  <a:schemeClr val="tx1"/>
+              <a:defRPr sz="900">
+                <a:solidFill>
+                  <a:schemeClr val="accent1"/>
                 </a:solidFill>
               </a:defRPr>
             </a:lvl1pPr>
           </a:lstStyle>
           <a:p>
-            <a:fld id="{6D22F896-40B5-4ADD-8801-0D06FADFA095}" type="slidenum">
+            <a:fld id="{D57F1E4F-1CFF-5643-939E-217C01CDF565}" type="slidenum">
               <a:rPr dirty="0" lang="en-US"/>
               <a:pPr/>
               <a:t>‹#›</a:t>
@@ -5736,236 +5353,314 @@
     <p:sldLayoutId id="2147483649" r:id="rId1"/>
     <p:sldLayoutId id="2147483650" r:id="rId2"/>
     <p:sldLayoutId id="2147483651" r:id="rId3"/>
-    <p:sldLayoutId id="2147483652" r:id="rId4"/>
+    <p:sldLayoutId id="2147483665" r:id="rId4"/>
     <p:sldLayoutId id="2147483653" r:id="rId5"/>
     <p:sldLayoutId id="2147483654" r:id="rId6"/>
     <p:sldLayoutId id="2147483655" r:id="rId7"/>
-    <p:sldLayoutId id="2147483656" r:id="rId8"/>
+    <p:sldLayoutId id="2147483666" r:id="rId8"/>
     <p:sldLayoutId id="2147483657" r:id="rId9"/>
     <p:sldLayoutId id="2147483660" r:id="rId10"/>
     <p:sldLayoutId id="2147483661" r:id="rId11"/>
-    <p:sldLayoutId id="2147483666" r:id="rId12"/>
+    <p:sldLayoutId id="2147483662" r:id="rId12"/>
     <p:sldLayoutId id="2147483663" r:id="rId13"/>
-    <p:sldLayoutId id="2147483667" r:id="rId14"/>
-    <p:sldLayoutId id="2147483668" r:id="rId15"/>
-    <p:sldLayoutId id="2147483658" r:id="rId16"/>
-    <p:sldLayoutId id="2147483659" r:id="rId17"/>
+    <p:sldLayoutId id="2147483664" r:id="rId14"/>
+    <p:sldLayoutId id="2147483667" r:id="rId15"/>
+    <p:sldLayoutId id="2147483659" r:id="rId16"/>
   </p:sldLayoutIdLst>
   <p:txStyles>
     <p:titleStyle>
-      <a:lvl1pPr algn="ctr" defTabSz="914400" eaLnBrk="1" hangingPunct="1" latinLnBrk="0" rtl="0">
-        <a:lnSpc>
-          <a:spcPct val="90000"/>
-        </a:lnSpc>
+      <a:lvl1pPr algn="l" defTabSz="457200" eaLnBrk="1" hangingPunct="1" latinLnBrk="0" rtl="0">
         <a:spcBef>
           <a:spcPct val="0"/>
         </a:spcBef>
         <a:buNone/>
-        <a:defRPr baseline="0" cap="all" kern="1200" sz="3600">
+        <a:defRPr kern="1200" sz="3600">
           <a:solidFill>
-            <a:schemeClr val="tx1"/>
+            <a:schemeClr val="accent1"/>
           </a:solidFill>
-          <a:effectLst/>
           <a:latin typeface="+mj-lt"/>
           <a:ea typeface="+mj-ea"/>
           <a:cs typeface="+mj-cs"/>
         </a:defRPr>
       </a:lvl1pPr>
+      <a:lvl2pPr eaLnBrk="1" hangingPunct="1">
+        <a:defRPr>
+          <a:solidFill>
+            <a:schemeClr val="tx2"/>
+          </a:solidFill>
+        </a:defRPr>
+      </a:lvl2pPr>
+      <a:lvl3pPr eaLnBrk="1" hangingPunct="1">
+        <a:defRPr>
+          <a:solidFill>
+            <a:schemeClr val="tx2"/>
+          </a:solidFill>
+        </a:defRPr>
+      </a:lvl3pPr>
+      <a:lvl4pPr eaLnBrk="1" hangingPunct="1">
+        <a:defRPr>
+          <a:solidFill>
+            <a:schemeClr val="tx2"/>
+          </a:solidFill>
+        </a:defRPr>
+      </a:lvl4pPr>
+      <a:lvl5pPr eaLnBrk="1" hangingPunct="1">
+        <a:defRPr>
+          <a:solidFill>
+            <a:schemeClr val="tx2"/>
+          </a:solidFill>
+        </a:defRPr>
+      </a:lvl5pPr>
+      <a:lvl6pPr eaLnBrk="1" hangingPunct="1">
+        <a:defRPr>
+          <a:solidFill>
+            <a:schemeClr val="tx2"/>
+          </a:solidFill>
+        </a:defRPr>
+      </a:lvl6pPr>
+      <a:lvl7pPr eaLnBrk="1" hangingPunct="1">
+        <a:defRPr>
+          <a:solidFill>
+            <a:schemeClr val="tx2"/>
+          </a:solidFill>
+        </a:defRPr>
+      </a:lvl7pPr>
+      <a:lvl8pPr eaLnBrk="1" hangingPunct="1">
+        <a:defRPr>
+          <a:solidFill>
+            <a:schemeClr val="tx2"/>
+          </a:solidFill>
+        </a:defRPr>
+      </a:lvl8pPr>
+      <a:lvl9pPr eaLnBrk="1" hangingPunct="1">
+        <a:defRPr>
+          <a:solidFill>
+            <a:schemeClr val="tx2"/>
+          </a:solidFill>
+        </a:defRPr>
+      </a:lvl9pPr>
     </p:titleStyle>
     <p:bodyStyle>
-      <a:lvl1pPr algn="l" defTabSz="914400" eaLnBrk="1" hangingPunct="1" indent="-228600" latinLnBrk="0" marL="228600" rtl="0">
-        <a:lnSpc>
-          <a:spcPct val="120000"/>
-        </a:lnSpc>
+      <a:lvl1pPr algn="l" defTabSz="457200" eaLnBrk="1" hangingPunct="1" indent="-342900" latinLnBrk="0" marL="342900" rtl="0">
         <a:spcBef>
           <a:spcPts val="1000"/>
         </a:spcBef>
+        <a:spcAft>
+          <a:spcPts val="0"/>
+        </a:spcAft>
         <a:buClr>
-          <a:schemeClr val="tx1"/>
+          <a:schemeClr val="accent1"/>
         </a:buClr>
-        <a:buFont charset="0" panose="020B0604020202020204" pitchFamily="34" typeface="Arial"/>
-        <a:buChar char="•"/>
-        <a:defRPr baseline="0" cap="all" kern="1200" sz="2000">
+        <a:buSzPct val="80000"/>
+        <a:buFont charset="2" typeface="Wingdings 3"/>
+        <a:buChar char=""/>
+        <a:defRPr kern="1200" sz="1800">
           <a:solidFill>
-            <a:schemeClr val="tx1"/>
+            <a:schemeClr val="tx1">
+              <a:lumMod val="75000"/>
+              <a:lumOff val="25000"/>
+            </a:schemeClr>
           </a:solidFill>
-          <a:effectLst/>
           <a:latin typeface="+mn-lt"/>
           <a:ea typeface="+mn-ea"/>
           <a:cs typeface="+mn-cs"/>
         </a:defRPr>
       </a:lvl1pPr>
-      <a:lvl2pPr algn="l" defTabSz="914400" eaLnBrk="1" hangingPunct="1" indent="-228600" latinLnBrk="0" marL="685800" rtl="0">
-        <a:lnSpc>
-          <a:spcPct val="120000"/>
-        </a:lnSpc>
+      <a:lvl2pPr algn="l" defTabSz="457200" eaLnBrk="1" hangingPunct="1" indent="-285750" latinLnBrk="0" marL="742950" rtl="0">
         <a:spcBef>
-          <a:spcPts val="500"/>
+          <a:spcPts val="1000"/>
         </a:spcBef>
+        <a:spcAft>
+          <a:spcPts val="0"/>
+        </a:spcAft>
         <a:buClr>
-          <a:schemeClr val="tx1"/>
+          <a:schemeClr val="accent1"/>
         </a:buClr>
-        <a:buFont charset="0" panose="020B0604020202020204" pitchFamily="34" typeface="Arial"/>
-        <a:buChar char="•"/>
-        <a:defRPr baseline="0" cap="all" kern="1200" sz="1800">
+        <a:buSzPct val="80000"/>
+        <a:buFont charset="2" typeface="Wingdings 3"/>
+        <a:buChar char=""/>
+        <a:defRPr kern="1200" sz="1600">
           <a:solidFill>
-            <a:schemeClr val="tx1"/>
+            <a:schemeClr val="tx1">
+              <a:lumMod val="75000"/>
+              <a:lumOff val="25000"/>
+            </a:schemeClr>
           </a:solidFill>
-          <a:effectLst/>
           <a:latin typeface="+mn-lt"/>
           <a:ea typeface="+mn-ea"/>
           <a:cs typeface="+mn-cs"/>
         </a:defRPr>
       </a:lvl2pPr>
-      <a:lvl3pPr algn="l" defTabSz="914400" eaLnBrk="1" hangingPunct="1" indent="-228600" latinLnBrk="0" marL="1143000" rtl="0">
-        <a:lnSpc>
-          <a:spcPct val="120000"/>
-        </a:lnSpc>
+      <a:lvl3pPr algn="l" defTabSz="457200" eaLnBrk="1" hangingPunct="1" indent="-228600" latinLnBrk="0" marL="1143000" rtl="0">
         <a:spcBef>
-          <a:spcPts val="500"/>
+          <a:spcPts val="1000"/>
         </a:spcBef>
+        <a:spcAft>
+          <a:spcPts val="0"/>
+        </a:spcAft>
         <a:buClr>
-          <a:schemeClr val="tx1"/>
+          <a:schemeClr val="accent1"/>
         </a:buClr>
-        <a:buFont charset="0" panose="020B0604020202020204" pitchFamily="34" typeface="Arial"/>
-        <a:buChar char="•"/>
-        <a:defRPr baseline="0" cap="all" kern="1200" sz="1600">
+        <a:buSzPct val="80000"/>
+        <a:buFont charset="2" typeface="Wingdings 3"/>
+        <a:buChar char=""/>
+        <a:defRPr kern="1200" sz="1400">
           <a:solidFill>
-            <a:schemeClr val="tx1"/>
+            <a:schemeClr val="tx1">
+              <a:lumMod val="75000"/>
+              <a:lumOff val="25000"/>
+            </a:schemeClr>
           </a:solidFill>
-          <a:effectLst/>
           <a:latin typeface="+mn-lt"/>
           <a:ea typeface="+mn-ea"/>
           <a:cs typeface="+mn-cs"/>
         </a:defRPr>
       </a:lvl3pPr>
-      <a:lvl4pPr algn="l" defTabSz="914400" eaLnBrk="1" hangingPunct="1" indent="-228600" latinLnBrk="0" marL="1600200" rtl="0">
-        <a:lnSpc>
-          <a:spcPct val="120000"/>
-        </a:lnSpc>
+      <a:lvl4pPr algn="l" defTabSz="457200" eaLnBrk="1" hangingPunct="1" indent="-228600" latinLnBrk="0" marL="1600200" rtl="0">
         <a:spcBef>
-          <a:spcPts val="500"/>
+          <a:spcPts val="1000"/>
         </a:spcBef>
+        <a:spcAft>
+          <a:spcPts val="0"/>
+        </a:spcAft>
         <a:buClr>
-          <a:schemeClr val="tx1"/>
+          <a:schemeClr val="accent1"/>
         </a:buClr>
-        <a:buFont charset="0" panose="020B0604020202020204" pitchFamily="34" typeface="Arial"/>
-        <a:buChar char="•"/>
-        <a:defRPr baseline="0" cap="all" kern="1200" sz="1400">
+        <a:buSzPct val="80000"/>
+        <a:buFont charset="2" typeface="Wingdings 3"/>
+        <a:buChar char=""/>
+        <a:defRPr kern="1200" sz="1200">
           <a:solidFill>
-            <a:schemeClr val="tx1"/>
+            <a:schemeClr val="tx1">
+              <a:lumMod val="75000"/>
+              <a:lumOff val="25000"/>
+            </a:schemeClr>
           </a:solidFill>
-          <a:effectLst/>
           <a:latin typeface="+mn-lt"/>
           <a:ea typeface="+mn-ea"/>
           <a:cs typeface="+mn-cs"/>
         </a:defRPr>
       </a:lvl4pPr>
-      <a:lvl5pPr algn="l" defTabSz="914400" eaLnBrk="1" hangingPunct="1" indent="-228600" latinLnBrk="0" marL="2057400" rtl="0">
-        <a:lnSpc>
-          <a:spcPct val="120000"/>
-        </a:lnSpc>
+      <a:lvl5pPr algn="l" defTabSz="457200" eaLnBrk="1" hangingPunct="1" indent="-228600" latinLnBrk="0" marL="2057400" rtl="0">
         <a:spcBef>
-          <a:spcPts val="500"/>
+          <a:spcPts val="1000"/>
         </a:spcBef>
+        <a:spcAft>
+          <a:spcPts val="0"/>
+        </a:spcAft>
         <a:buClr>
-          <a:schemeClr val="tx1"/>
+          <a:schemeClr val="accent1"/>
         </a:buClr>
-        <a:buFont charset="0" panose="020B0604020202020204" pitchFamily="34" typeface="Arial"/>
-        <a:buChar char="•"/>
-        <a:defRPr baseline="0" cap="all" kern="1200" sz="1400">
+        <a:buSzPct val="80000"/>
+        <a:buFont charset="2" typeface="Wingdings 3"/>
+        <a:buChar char=""/>
+        <a:defRPr kern="1200" sz="1200">
           <a:solidFill>
-            <a:schemeClr val="tx1"/>
+            <a:schemeClr val="tx1">
+              <a:lumMod val="75000"/>
+              <a:lumOff val="25000"/>
+            </a:schemeClr>
           </a:solidFill>
-          <a:effectLst/>
           <a:latin typeface="+mn-lt"/>
           <a:ea typeface="+mn-ea"/>
           <a:cs typeface="+mn-cs"/>
         </a:defRPr>
       </a:lvl5pPr>
-      <a:lvl6pPr algn="l" defTabSz="914400" eaLnBrk="1" hangingPunct="1" indent="-228600" latinLnBrk="0" marL="2514600" rtl="0">
-        <a:lnSpc>
-          <a:spcPct val="120000"/>
-        </a:lnSpc>
+      <a:lvl6pPr algn="l" defTabSz="457200" eaLnBrk="1" hangingPunct="1" indent="-228600" latinLnBrk="0" marL="2514600" rtl="0">
         <a:spcBef>
-          <a:spcPts val="500"/>
+          <a:spcPts val="1000"/>
         </a:spcBef>
+        <a:spcAft>
+          <a:spcPts val="0"/>
+        </a:spcAft>
         <a:buClr>
-          <a:schemeClr val="tx1"/>
+          <a:schemeClr val="accent1"/>
         </a:buClr>
-        <a:buFont charset="0" panose="020B0604020202020204" pitchFamily="34" typeface="Arial"/>
-        <a:buChar char="•"/>
-        <a:defRPr baseline="0" cap="all" kern="1200" sz="1400">
+        <a:buSzPct val="80000"/>
+        <a:buFont charset="2" typeface="Wingdings 3"/>
+        <a:buChar char=""/>
+        <a:defRPr kern="1200" sz="1200">
           <a:solidFill>
-            <a:schemeClr val="tx1"/>
+            <a:schemeClr val="tx1">
+              <a:lumMod val="75000"/>
+              <a:lumOff val="25000"/>
+            </a:schemeClr>
           </a:solidFill>
-          <a:effectLst/>
           <a:latin typeface="+mn-lt"/>
           <a:ea typeface="+mn-ea"/>
           <a:cs typeface="+mn-cs"/>
         </a:defRPr>
       </a:lvl6pPr>
-      <a:lvl7pPr algn="l" defTabSz="914400" eaLnBrk="1" hangingPunct="1" indent="-228600" latinLnBrk="0" marL="2971800" rtl="0">
-        <a:lnSpc>
-          <a:spcPct val="120000"/>
-        </a:lnSpc>
+      <a:lvl7pPr algn="l" defTabSz="457200" eaLnBrk="1" hangingPunct="1" indent="-228600" latinLnBrk="0" marL="2971800" rtl="0">
         <a:spcBef>
-          <a:spcPts val="500"/>
+          <a:spcPts val="1000"/>
         </a:spcBef>
+        <a:spcAft>
+          <a:spcPts val="0"/>
+        </a:spcAft>
         <a:buClr>
-          <a:schemeClr val="tx1"/>
+          <a:schemeClr val="accent1"/>
         </a:buClr>
-        <a:buFont charset="0" panose="020B0604020202020204" pitchFamily="34" typeface="Arial"/>
-        <a:buChar char="•"/>
-        <a:defRPr baseline="0" cap="all" kern="1200" sz="1400">
+        <a:buSzPct val="80000"/>
+        <a:buFont charset="2" typeface="Wingdings 3"/>
+        <a:buChar char=""/>
+        <a:defRPr kern="1200" sz="1200">
           <a:solidFill>
-            <a:schemeClr val="tx1"/>
+            <a:schemeClr val="tx1">
+              <a:lumMod val="75000"/>
+              <a:lumOff val="25000"/>
+            </a:schemeClr>
           </a:solidFill>
-          <a:effectLst/>
           <a:latin typeface="+mn-lt"/>
           <a:ea typeface="+mn-ea"/>
           <a:cs typeface="+mn-cs"/>
         </a:defRPr>
       </a:lvl7pPr>
-      <a:lvl8pPr algn="l" defTabSz="914400" eaLnBrk="1" hangingPunct="1" indent="-228600" latinLnBrk="0" marL="3429000" rtl="0">
-        <a:lnSpc>
-          <a:spcPct val="120000"/>
-        </a:lnSpc>
+      <a:lvl8pPr algn="l" defTabSz="457200" eaLnBrk="1" hangingPunct="1" indent="-228600" latinLnBrk="0" marL="3429000" rtl="0">
         <a:spcBef>
-          <a:spcPts val="500"/>
+          <a:spcPts val="1000"/>
         </a:spcBef>
+        <a:spcAft>
+          <a:spcPts val="0"/>
+        </a:spcAft>
         <a:buClr>
-          <a:schemeClr val="tx1"/>
+          <a:schemeClr val="accent1"/>
         </a:buClr>
-        <a:buFont charset="0" panose="020B0604020202020204" pitchFamily="34" typeface="Arial"/>
-        <a:buChar char="•"/>
-        <a:defRPr baseline="0" cap="all" kern="1200" sz="1400">
+        <a:buSzPct val="80000"/>
+        <a:buFont charset="2" typeface="Wingdings 3"/>
+        <a:buChar char=""/>
+        <a:defRPr kern="1200" sz="1200">
           <a:solidFill>
-            <a:schemeClr val="tx1"/>
+            <a:schemeClr val="tx1">
+              <a:lumMod val="75000"/>
+              <a:lumOff val="25000"/>
+            </a:schemeClr>
           </a:solidFill>
-          <a:effectLst/>
           <a:latin typeface="+mn-lt"/>
           <a:ea typeface="+mn-ea"/>
           <a:cs typeface="+mn-cs"/>
         </a:defRPr>
       </a:lvl8pPr>
-      <a:lvl9pPr algn="l" defTabSz="914400" eaLnBrk="1" hangingPunct="1" indent="-228600" latinLnBrk="0" marL="3886200" rtl="0">
-        <a:lnSpc>
-          <a:spcPct val="120000"/>
-        </a:lnSpc>
+      <a:lvl9pPr algn="l" defTabSz="457200" eaLnBrk="1" hangingPunct="1" indent="-228600" latinLnBrk="0" marL="3886200" rtl="0">
         <a:spcBef>
-          <a:spcPts val="500"/>
+          <a:spcPts val="1000"/>
         </a:spcBef>
+        <a:spcAft>
+          <a:spcPts val="0"/>
+        </a:spcAft>
         <a:buClr>
-          <a:schemeClr val="tx1"/>
+          <a:schemeClr val="accent1"/>
         </a:buClr>
-        <a:buFont charset="0" panose="020B0604020202020204" pitchFamily="34" typeface="Arial"/>
-        <a:buChar char="•"/>
-        <a:defRPr baseline="0" cap="all" kern="1200" sz="1400">
+        <a:buSzPct val="80000"/>
+        <a:buFont charset="2" typeface="Wingdings 3"/>
+        <a:buChar char=""/>
+        <a:defRPr kern="1200" sz="1200">
           <a:solidFill>
-            <a:schemeClr val="tx1"/>
+            <a:schemeClr val="tx1">
+              <a:lumMod val="75000"/>
+              <a:lumOff val="25000"/>
+            </a:schemeClr>
           </a:solidFill>
-          <a:effectLst/>
           <a:latin typeface="+mn-lt"/>
           <a:ea typeface="+mn-ea"/>
           <a:cs typeface="+mn-cs"/>
@@ -5976,7 +5671,7 @@
       <a:defPPr>
         <a:defRPr lang="en-US"/>
       </a:defPPr>
-      <a:lvl1pPr algn="l" defTabSz="914400" eaLnBrk="1" hangingPunct="1" latinLnBrk="0" marL="0" rtl="0">
+      <a:lvl1pPr algn="l" defTabSz="457200" eaLnBrk="1" hangingPunct="1" latinLnBrk="0" marL="0" rtl="0">
         <a:defRPr kern="1200" sz="1800">
           <a:solidFill>
             <a:schemeClr val="tx1"/>
@@ -5986,7 +5681,7 @@
           <a:cs typeface="+mn-cs"/>
         </a:defRPr>
       </a:lvl1pPr>
-      <a:lvl2pPr algn="l" defTabSz="914400" eaLnBrk="1" hangingPunct="1" latinLnBrk="0" marL="457200" rtl="0">
+      <a:lvl2pPr algn="l" defTabSz="457200" eaLnBrk="1" hangingPunct="1" latinLnBrk="0" marL="457200" rtl="0">
         <a:defRPr kern="1200" sz="1800">
           <a:solidFill>
             <a:schemeClr val="tx1"/>
@@ -5996,7 +5691,7 @@
           <a:cs typeface="+mn-cs"/>
         </a:defRPr>
       </a:lvl2pPr>
-      <a:lvl3pPr algn="l" defTabSz="914400" eaLnBrk="1" hangingPunct="1" latinLnBrk="0" marL="914400" rtl="0">
+      <a:lvl3pPr algn="l" defTabSz="457200" eaLnBrk="1" hangingPunct="1" latinLnBrk="0" marL="914400" rtl="0">
         <a:defRPr kern="1200" sz="1800">
           <a:solidFill>
             <a:schemeClr val="tx1"/>
@@ -6006,7 +5701,7 @@
           <a:cs typeface="+mn-cs"/>
         </a:defRPr>
       </a:lvl3pPr>
-      <a:lvl4pPr algn="l" defTabSz="914400" eaLnBrk="1" hangingPunct="1" latinLnBrk="0" marL="1371600" rtl="0">
+      <a:lvl4pPr algn="l" defTabSz="457200" eaLnBrk="1" hangingPunct="1" latinLnBrk="0" marL="1371600" rtl="0">
         <a:defRPr kern="1200" sz="1800">
           <a:solidFill>
             <a:schemeClr val="tx1"/>
@@ -6016,7 +5711,7 @@
           <a:cs typeface="+mn-cs"/>
         </a:defRPr>
       </a:lvl4pPr>
-      <a:lvl5pPr algn="l" defTabSz="914400" eaLnBrk="1" hangingPunct="1" latinLnBrk="0" marL="1828800" rtl="0">
+      <a:lvl5pPr algn="l" defTabSz="457200" eaLnBrk="1" hangingPunct="1" latinLnBrk="0" marL="1828800" rtl="0">
         <a:defRPr kern="1200" sz="1800">
           <a:solidFill>
             <a:schemeClr val="tx1"/>
@@ -6026,7 +5721,7 @@
           <a:cs typeface="+mn-cs"/>
         </a:defRPr>
       </a:lvl5pPr>
-      <a:lvl6pPr algn="l" defTabSz="914400" eaLnBrk="1" hangingPunct="1" latinLnBrk="0" marL="2286000" rtl="0">
+      <a:lvl6pPr algn="l" defTabSz="457200" eaLnBrk="1" hangingPunct="1" latinLnBrk="0" marL="2286000" rtl="0">
         <a:defRPr kern="1200" sz="1800">
           <a:solidFill>
             <a:schemeClr val="tx1"/>
@@ -6036,7 +5731,7 @@
           <a:cs typeface="+mn-cs"/>
         </a:defRPr>
       </a:lvl6pPr>
-      <a:lvl7pPr algn="l" defTabSz="914400" eaLnBrk="1" hangingPunct="1" latinLnBrk="0" marL="2743200" rtl="0">
+      <a:lvl7pPr algn="l" defTabSz="457200" eaLnBrk="1" hangingPunct="1" latinLnBrk="0" marL="2743200" rtl="0">
         <a:defRPr kern="1200" sz="1800">
           <a:solidFill>
             <a:schemeClr val="tx1"/>
@@ -6046,7 +5741,7 @@
           <a:cs typeface="+mn-cs"/>
         </a:defRPr>
       </a:lvl7pPr>
-      <a:lvl8pPr algn="l" defTabSz="914400" eaLnBrk="1" hangingPunct="1" latinLnBrk="0" marL="3200400" rtl="0">
+      <a:lvl8pPr algn="l" defTabSz="457200" eaLnBrk="1" hangingPunct="1" latinLnBrk="0" marL="3200400" rtl="0">
         <a:defRPr kern="1200" sz="1800">
           <a:solidFill>
             <a:schemeClr val="tx1"/>
@@ -6056,7 +5751,7 @@
           <a:cs typeface="+mn-cs"/>
         </a:defRPr>
       </a:lvl8pPr>
-      <a:lvl9pPr algn="l" defTabSz="914400" eaLnBrk="1" hangingPunct="1" latinLnBrk="0" marL="3657600" rtl="0">
+      <a:lvl9pPr algn="l" defTabSz="457200" eaLnBrk="1" hangingPunct="1" latinLnBrk="0" marL="3657600" rtl="0">
         <a:defRPr kern="1200" sz="1800">
           <a:solidFill>
             <a:schemeClr val="tx1"/>
@@ -6100,8 +5795,8 @@
         </p:nvSpPr>
         <p:spPr>
           <a:xfrm>
-            <a:off x="1751012" y="1300785"/>
-            <a:ext cx="8689976" cy="2509213"/>
+            <a:off x="1507067" y="2404534"/>
+            <a:ext cx="7766936" cy="1646302"/>
           </a:xfrm>
         </p:spPr>
         <p:txBody>
@@ -6130,8 +5825,8 @@
         </p:nvSpPr>
         <p:spPr>
           <a:xfrm>
-            <a:off x="1751012" y="3886200"/>
-            <a:ext cx="8689976" cy="1371599"/>
+            <a:off x="1507067" y="4050833"/>
+            <a:ext cx="7766936" cy="1096899"/>
           </a:xfrm>
         </p:spPr>
         <p:txBody>
@@ -6170,7 +5865,7 @@
             </a:pPr>
             <a:r>
               <a:rPr/>
-              <a:t>2022-12-01</a:t>
+              <a:t>2022-12-02</a:t>
             </a:r>
           </a:p>
         </p:txBody>
@@ -6199,13 +5894,7 @@
       </p:grpSpPr>
       <p:sp>
         <p:nvSpPr>
-          <p:cNvPr id="8" name="Title 7">
-            <a:extLst>
-              <a:ext uri="{FF2B5EF4-FFF2-40B4-BE49-F238E27FC236}">
-                <a16:creationId xmlns:a16="http://schemas.microsoft.com/office/drawing/2014/main" id="{5ED30882-DACC-AA46-8FCE-791D7772B9E6}"/>
-              </a:ext>
-            </a:extLst>
-          </p:cNvPr>
+          <p:cNvPr id="2" name="Title 1"/>
           <p:cNvSpPr>
             <a:spLocks noGrp="1"/>
           </p:cNvSpPr>
@@ -6230,12 +5919,12 @@
       </p:sp>
       <p:sp>
         <p:nvSpPr>
-          <p:cNvPr id="12" name="Content Placeholder 2"/>
-          <p:cNvSpPr>
-            <a:spLocks noGrp="1"/>
-          </p:cNvSpPr>
-          <p:nvPr>
-            <p:ph idx="13" sz="quarter"/>
+          <p:cNvPr id="3" name="Content Placeholder 2"/>
+          <p:cNvSpPr>
+            <a:spLocks noGrp="1"/>
+          </p:cNvSpPr>
+          <p:nvPr>
+            <p:ph idx="1"/>
           </p:nvPr>
         </p:nvSpPr>
         <p:spPr/>
@@ -6285,13 +5974,7 @@
       </p:grpSpPr>
       <p:sp>
         <p:nvSpPr>
-          <p:cNvPr id="8" name="Title 7">
-            <a:extLst>
-              <a:ext uri="{FF2B5EF4-FFF2-40B4-BE49-F238E27FC236}">
-                <a16:creationId xmlns:a16="http://schemas.microsoft.com/office/drawing/2014/main" id="{5ED30882-DACC-AA46-8FCE-791D7772B9E6}"/>
-              </a:ext>
-            </a:extLst>
-          </p:cNvPr>
+          <p:cNvPr id="2" name="Title 1"/>
           <p:cNvSpPr>
             <a:spLocks noGrp="1"/>
           </p:cNvSpPr>
@@ -6316,12 +5999,12 @@
       </p:sp>
       <p:sp>
         <p:nvSpPr>
-          <p:cNvPr id="12" name="Content Placeholder 2"/>
-          <p:cNvSpPr>
-            <a:spLocks noGrp="1"/>
-          </p:cNvSpPr>
-          <p:nvPr>
-            <p:ph idx="13" sz="quarter"/>
+          <p:cNvPr id="3" name="Content Placeholder 2"/>
+          <p:cNvSpPr>
+            <a:spLocks noGrp="1"/>
+          </p:cNvSpPr>
+          <p:nvPr>
+            <p:ph idx="1"/>
           </p:nvPr>
         </p:nvSpPr>
         <p:spPr/>
@@ -6744,13 +6427,7 @@
       </p:grpSpPr>
       <p:sp>
         <p:nvSpPr>
-          <p:cNvPr id="8" name="Title 7">
-            <a:extLst>
-              <a:ext uri="{FF2B5EF4-FFF2-40B4-BE49-F238E27FC236}">
-                <a16:creationId xmlns:a16="http://schemas.microsoft.com/office/drawing/2014/main" id="{5ED30882-DACC-AA46-8FCE-791D7772B9E6}"/>
-              </a:ext>
-            </a:extLst>
-          </p:cNvPr>
+          <p:cNvPr id="2" name="Title 1"/>
           <p:cNvSpPr>
             <a:spLocks noGrp="1"/>
           </p:cNvSpPr>
@@ -6789,8 +6466,8 @@
         </p:blipFill>
         <p:spPr bwMode="auto">
           <a:xfrm>
-            <a:off x="3949700" y="2362200"/>
-            <a:ext cx="4267200" cy="3416300"/>
+            <a:off x="2540000" y="2159000"/>
+            <a:ext cx="4838700" cy="3873500"/>
           </a:xfrm>
           <a:prstGeom prst="rect">
             <a:avLst/>
@@ -6829,12 +6506,12 @@
         <mc:Choice xmlns:a14="http://schemas.microsoft.com/office/drawing/2010/main" Requires="a14">
           <p:sp>
             <p:nvSpPr>
-              <p:cNvPr id="12" name="Content Placeholder 2"/>
+              <p:cNvPr id="3" name="Content Placeholder 2"/>
               <p:cNvSpPr>
                 <a:spLocks noGrp="1"/>
               </p:cNvSpPr>
               <p:nvPr>
-                <p:ph idx="13" sz="quarter"/>
+                <p:ph idx="1"/>
               </p:nvPr>
             </p:nvSpPr>
             <p:spPr/>
@@ -6988,13 +6665,7 @@
       </p:grpSpPr>
       <p:sp>
         <p:nvSpPr>
-          <p:cNvPr id="8" name="Title 7">
-            <a:extLst>
-              <a:ext uri="{FF2B5EF4-FFF2-40B4-BE49-F238E27FC236}">
-                <a16:creationId xmlns:a16="http://schemas.microsoft.com/office/drawing/2014/main" id="{5ED30882-DACC-AA46-8FCE-791D7772B9E6}"/>
-              </a:ext>
-            </a:extLst>
-          </p:cNvPr>
+          <p:cNvPr id="2" name="Title 1"/>
           <p:cNvSpPr>
             <a:spLocks noGrp="1"/>
           </p:cNvSpPr>
@@ -7021,12 +6692,12 @@
         <mc:Choice xmlns:a14="http://schemas.microsoft.com/office/drawing/2010/main" Requires="a14">
           <p:sp>
             <p:nvSpPr>
-              <p:cNvPr id="12" name="Content Placeholder 2"/>
+              <p:cNvPr id="3" name="Content Placeholder 2"/>
               <p:cNvSpPr>
                 <a:spLocks noGrp="1"/>
               </p:cNvSpPr>
               <p:nvPr>
-                <p:ph idx="13" sz="quarter"/>
+                <p:ph idx="1"/>
               </p:nvPr>
             </p:nvSpPr>
             <p:spPr/>
@@ -7144,13 +6815,7 @@
       </p:grpSpPr>
       <p:sp>
         <p:nvSpPr>
-          <p:cNvPr id="8" name="Title 7">
-            <a:extLst>
-              <a:ext uri="{FF2B5EF4-FFF2-40B4-BE49-F238E27FC236}">
-                <a16:creationId xmlns:a16="http://schemas.microsoft.com/office/drawing/2014/main" id="{5ED30882-DACC-AA46-8FCE-791D7772B9E6}"/>
-              </a:ext>
-            </a:extLst>
-          </p:cNvPr>
+          <p:cNvPr id="2" name="Title 1"/>
           <p:cNvSpPr>
             <a:spLocks noGrp="1"/>
           </p:cNvSpPr>
@@ -7175,12 +6840,12 @@
       </p:sp>
       <p:sp>
         <p:nvSpPr>
-          <p:cNvPr id="12" name="Content Placeholder 2"/>
-          <p:cNvSpPr>
-            <a:spLocks noGrp="1"/>
-          </p:cNvSpPr>
-          <p:nvPr>
-            <p:ph idx="13" sz="quarter"/>
+          <p:cNvPr id="3" name="Content Placeholder 2"/>
+          <p:cNvSpPr>
+            <a:spLocks noGrp="1"/>
+          </p:cNvSpPr>
+          <p:nvPr>
+            <p:ph idx="1"/>
           </p:nvPr>
         </p:nvSpPr>
         <p:spPr/>
@@ -7231,13 +6896,7 @@
       </p:grpSpPr>
       <p:sp>
         <p:nvSpPr>
-          <p:cNvPr id="8" name="Title 7">
-            <a:extLst>
-              <a:ext uri="{FF2B5EF4-FFF2-40B4-BE49-F238E27FC236}">
-                <a16:creationId xmlns:a16="http://schemas.microsoft.com/office/drawing/2014/main" id="{5ED30882-DACC-AA46-8FCE-791D7772B9E6}"/>
-              </a:ext>
-            </a:extLst>
-          </p:cNvPr>
+          <p:cNvPr id="2" name="Title 1"/>
           <p:cNvSpPr>
             <a:spLocks noGrp="1"/>
           </p:cNvSpPr>
@@ -7262,12 +6921,12 @@
       </p:sp>
       <p:sp>
         <p:nvSpPr>
-          <p:cNvPr id="12" name="Content Placeholder 2"/>
-          <p:cNvSpPr>
-            <a:spLocks noGrp="1"/>
-          </p:cNvSpPr>
-          <p:nvPr>
-            <p:ph idx="13" sz="quarter"/>
+          <p:cNvPr id="3" name="Content Placeholder 2"/>
+          <p:cNvSpPr>
+            <a:spLocks noGrp="1"/>
+          </p:cNvSpPr>
+          <p:nvPr>
+            <p:ph idx="1"/>
           </p:nvPr>
         </p:nvSpPr>
         <p:spPr/>
@@ -7309,13 +6968,7 @@
       </p:grpSpPr>
       <p:sp>
         <p:nvSpPr>
-          <p:cNvPr id="8" name="Title 7">
-            <a:extLst>
-              <a:ext uri="{FF2B5EF4-FFF2-40B4-BE49-F238E27FC236}">
-                <a16:creationId xmlns:a16="http://schemas.microsoft.com/office/drawing/2014/main" id="{5ED30882-DACC-AA46-8FCE-791D7772B9E6}"/>
-              </a:ext>
-            </a:extLst>
-          </p:cNvPr>
+          <p:cNvPr id="2" name="Title 1"/>
           <p:cNvSpPr>
             <a:spLocks noGrp="1"/>
           </p:cNvSpPr>
@@ -7340,12 +6993,12 @@
       </p:sp>
       <p:sp>
         <p:nvSpPr>
-          <p:cNvPr id="12" name="Content Placeholder 2"/>
-          <p:cNvSpPr>
-            <a:spLocks noGrp="1"/>
-          </p:cNvSpPr>
-          <p:nvPr>
-            <p:ph idx="13" sz="quarter"/>
+          <p:cNvPr id="3" name="Content Placeholder 2"/>
+          <p:cNvSpPr>
+            <a:spLocks noGrp="1"/>
+          </p:cNvSpPr>
+          <p:nvPr>
+            <p:ph idx="1"/>
           </p:nvPr>
         </p:nvSpPr>
         <p:spPr/>
@@ -7405,13 +7058,7 @@
       </p:grpSpPr>
       <p:sp>
         <p:nvSpPr>
-          <p:cNvPr id="8" name="Title 7">
-            <a:extLst>
-              <a:ext uri="{FF2B5EF4-FFF2-40B4-BE49-F238E27FC236}">
-                <a16:creationId xmlns:a16="http://schemas.microsoft.com/office/drawing/2014/main" id="{5ED30882-DACC-AA46-8FCE-791D7772B9E6}"/>
-              </a:ext>
-            </a:extLst>
-          </p:cNvPr>
+          <p:cNvPr id="2" name="Title 1"/>
           <p:cNvSpPr>
             <a:spLocks noGrp="1"/>
           </p:cNvSpPr>
@@ -7436,12 +7083,12 @@
       </p:sp>
       <p:sp>
         <p:nvSpPr>
-          <p:cNvPr id="12" name="Content Placeholder 2"/>
-          <p:cNvSpPr>
-            <a:spLocks noGrp="1"/>
-          </p:cNvSpPr>
-          <p:nvPr>
-            <p:ph idx="13" sz="quarter"/>
+          <p:cNvPr id="3" name="Content Placeholder 2"/>
+          <p:cNvSpPr>
+            <a:spLocks noGrp="1"/>
+          </p:cNvSpPr>
+          <p:nvPr>
+            <p:ph idx="1"/>
           </p:nvPr>
         </p:nvSpPr>
         <p:spPr/>
@@ -7548,13 +7195,7 @@
       </p:grpSpPr>
       <p:sp>
         <p:nvSpPr>
-          <p:cNvPr id="8" name="Title 7">
-            <a:extLst>
-              <a:ext uri="{FF2B5EF4-FFF2-40B4-BE49-F238E27FC236}">
-                <a16:creationId xmlns:a16="http://schemas.microsoft.com/office/drawing/2014/main" id="{5ED30882-DACC-AA46-8FCE-791D7772B9E6}"/>
-              </a:ext>
-            </a:extLst>
-          </p:cNvPr>
+          <p:cNvPr id="2" name="Title 1"/>
           <p:cNvSpPr>
             <a:spLocks noGrp="1"/>
           </p:cNvSpPr>
@@ -7591,12 +7232,12 @@
         <mc:Choice xmlns:a14="http://schemas.microsoft.com/office/drawing/2010/main" Requires="a14">
           <p:sp>
             <p:nvSpPr>
-              <p:cNvPr id="12" name="Content Placeholder 2"/>
+              <p:cNvPr id="3" name="Content Placeholder 2"/>
               <p:cNvSpPr>
                 <a:spLocks noGrp="1"/>
               </p:cNvSpPr>
               <p:nvPr>
-                <p:ph idx="13" sz="quarter"/>
+                <p:ph idx="1"/>
               </p:nvPr>
             </p:nvSpPr>
             <p:spPr/>
@@ -7749,13 +7390,7 @@
       </p:grpSpPr>
       <p:sp>
         <p:nvSpPr>
-          <p:cNvPr id="8" name="Title 7">
-            <a:extLst>
-              <a:ext uri="{FF2B5EF4-FFF2-40B4-BE49-F238E27FC236}">
-                <a16:creationId xmlns:a16="http://schemas.microsoft.com/office/drawing/2014/main" id="{5ED30882-DACC-AA46-8FCE-791D7772B9E6}"/>
-              </a:ext>
-            </a:extLst>
-          </p:cNvPr>
+          <p:cNvPr id="2" name="Title 1"/>
           <p:cNvSpPr>
             <a:spLocks noGrp="1"/>
           </p:cNvSpPr>
@@ -7794,8 +7429,8 @@
         </p:blipFill>
         <p:spPr bwMode="auto">
           <a:xfrm>
-            <a:off x="3949700" y="2362200"/>
-            <a:ext cx="4267200" cy="3416300"/>
+            <a:off x="2540000" y="2159000"/>
+            <a:ext cx="4838700" cy="3873500"/>
           </a:xfrm>
           <a:prstGeom prst="rect">
             <a:avLst/>
@@ -7832,13 +7467,7 @@
       </p:grpSpPr>
       <p:sp>
         <p:nvSpPr>
-          <p:cNvPr id="8" name="Title 7">
-            <a:extLst>
-              <a:ext uri="{FF2B5EF4-FFF2-40B4-BE49-F238E27FC236}">
-                <a16:creationId xmlns:a16="http://schemas.microsoft.com/office/drawing/2014/main" id="{5ED30882-DACC-AA46-8FCE-791D7772B9E6}"/>
-              </a:ext>
-            </a:extLst>
-          </p:cNvPr>
+          <p:cNvPr id="2" name="Title 1"/>
           <p:cNvSpPr>
             <a:spLocks noGrp="1"/>
           </p:cNvSpPr>
@@ -7863,12 +7492,12 @@
       </p:sp>
       <p:sp>
         <p:nvSpPr>
-          <p:cNvPr id="12" name="Content Placeholder 2"/>
-          <p:cNvSpPr>
-            <a:spLocks noGrp="1"/>
-          </p:cNvSpPr>
-          <p:nvPr>
-            <p:ph idx="13" sz="quarter"/>
+          <p:cNvPr id="3" name="Content Placeholder 2"/>
+          <p:cNvSpPr>
+            <a:spLocks noGrp="1"/>
+          </p:cNvSpPr>
+          <p:nvPr>
+            <p:ph idx="1"/>
           </p:nvPr>
         </p:nvSpPr>
         <p:spPr/>
@@ -8224,13 +7853,7 @@
       </p:grpSpPr>
       <p:sp>
         <p:nvSpPr>
-          <p:cNvPr id="8" name="Title 7">
-            <a:extLst>
-              <a:ext uri="{FF2B5EF4-FFF2-40B4-BE49-F238E27FC236}">
-                <a16:creationId xmlns:a16="http://schemas.microsoft.com/office/drawing/2014/main" id="{5ED30882-DACC-AA46-8FCE-791D7772B9E6}"/>
-              </a:ext>
-            </a:extLst>
-          </p:cNvPr>
+          <p:cNvPr id="2" name="Title 1"/>
           <p:cNvSpPr>
             <a:spLocks noGrp="1"/>
           </p:cNvSpPr>
@@ -8269,8 +7892,8 @@
         </p:blipFill>
         <p:spPr bwMode="auto">
           <a:xfrm>
-            <a:off x="4267200" y="2362200"/>
-            <a:ext cx="3632200" cy="2908300"/>
+            <a:off x="2857500" y="2159000"/>
+            <a:ext cx="4203700" cy="3365500"/>
           </a:xfrm>
           <a:prstGeom prst="rect">
             <a:avLst/>
@@ -8291,8 +7914,8 @@
         </p:nvSpPr>
         <p:spPr>
           <a:xfrm>
-            <a:off x="901700" y="5270500"/>
-            <a:ext cx="10363200" cy="508000"/>
+            <a:off x="673100" y="5524500"/>
+            <a:ext cx="8585200" cy="508000"/>
           </a:xfrm>
           <a:prstGeom prst="rect">
             <a:avLst/>
@@ -8337,13 +7960,7 @@
       </p:grpSpPr>
       <p:sp>
         <p:nvSpPr>
-          <p:cNvPr id="8" name="Title 7">
-            <a:extLst>
-              <a:ext uri="{FF2B5EF4-FFF2-40B4-BE49-F238E27FC236}">
-                <a16:creationId xmlns:a16="http://schemas.microsoft.com/office/drawing/2014/main" id="{5ED30882-DACC-AA46-8FCE-791D7772B9E6}"/>
-              </a:ext>
-            </a:extLst>
-          </p:cNvPr>
+          <p:cNvPr id="2" name="Title 1"/>
           <p:cNvSpPr>
             <a:spLocks noGrp="1"/>
           </p:cNvSpPr>
@@ -8368,12 +7985,12 @@
       </p:sp>
       <p:sp>
         <p:nvSpPr>
-          <p:cNvPr id="12" name="Content Placeholder 2"/>
-          <p:cNvSpPr>
-            <a:spLocks noGrp="1"/>
-          </p:cNvSpPr>
-          <p:nvPr>
-            <p:ph idx="13" sz="quarter"/>
+          <p:cNvPr id="3" name="Content Placeholder 2"/>
+          <p:cNvSpPr>
+            <a:spLocks noGrp="1"/>
+          </p:cNvSpPr>
+          <p:nvPr>
+            <p:ph idx="1"/>
           </p:nvPr>
         </p:nvSpPr>
         <p:spPr/>
@@ -8429,13 +8046,7 @@
       </p:grpSpPr>
       <p:sp>
         <p:nvSpPr>
-          <p:cNvPr id="8" name="Title 7">
-            <a:extLst>
-              <a:ext uri="{FF2B5EF4-FFF2-40B4-BE49-F238E27FC236}">
-                <a16:creationId xmlns:a16="http://schemas.microsoft.com/office/drawing/2014/main" id="{5ED30882-DACC-AA46-8FCE-791D7772B9E6}"/>
-              </a:ext>
-            </a:extLst>
-          </p:cNvPr>
+          <p:cNvPr id="2" name="Title 1"/>
           <p:cNvSpPr>
             <a:spLocks noGrp="1"/>
           </p:cNvSpPr>
@@ -8462,12 +8073,12 @@
         <mc:Choice xmlns:a14="http://schemas.microsoft.com/office/drawing/2010/main" Requires="a14">
           <p:sp>
             <p:nvSpPr>
-              <p:cNvPr id="12" name="Content Placeholder 2"/>
+              <p:cNvPr id="3" name="Content Placeholder 2"/>
               <p:cNvSpPr>
                 <a:spLocks noGrp="1"/>
               </p:cNvSpPr>
               <p:nvPr>
-                <p:ph idx="13" sz="quarter"/>
+                <p:ph idx="1"/>
               </p:nvPr>
             </p:nvSpPr>
             <p:spPr/>
@@ -8552,13 +8163,7 @@
       </p:grpSpPr>
       <p:sp>
         <p:nvSpPr>
-          <p:cNvPr id="8" name="Title 7">
-            <a:extLst>
-              <a:ext uri="{FF2B5EF4-FFF2-40B4-BE49-F238E27FC236}">
-                <a16:creationId xmlns:a16="http://schemas.microsoft.com/office/drawing/2014/main" id="{5ED30882-DACC-AA46-8FCE-791D7772B9E6}"/>
-              </a:ext>
-            </a:extLst>
-          </p:cNvPr>
+          <p:cNvPr id="2" name="Title 1"/>
           <p:cNvSpPr>
             <a:spLocks noGrp="1"/>
           </p:cNvSpPr>
@@ -8583,12 +8188,12 @@
       </p:sp>
       <p:sp>
         <p:nvSpPr>
-          <p:cNvPr id="12" name="Content Placeholder 2"/>
-          <p:cNvSpPr>
-            <a:spLocks noGrp="1"/>
-          </p:cNvSpPr>
-          <p:nvPr>
-            <p:ph idx="13" sz="quarter"/>
+          <p:cNvPr id="3" name="Content Placeholder 2"/>
+          <p:cNvSpPr>
+            <a:spLocks noGrp="1"/>
+          </p:cNvSpPr>
+          <p:nvPr>
+            <p:ph idx="1"/>
           </p:nvPr>
         </p:nvSpPr>
         <p:spPr/>
@@ -8657,9 +8262,9 @@
 </file>
 
 <file path=ppt/theme/theme1.xml><?xml version="1.0" encoding="utf-8"?>
-<a:theme xmlns:a="http://schemas.openxmlformats.org/drawingml/2006/main" name="Droplet">
+<a:theme xmlns:a="http://schemas.openxmlformats.org/drawingml/2006/main" name="Facet">
   <a:themeElements>
-    <a:clrScheme name="Droplet">
+    <a:clrScheme name="Facet">
       <a:dk1>
         <a:sysClr val="windowText" lastClr="000000"/>
       </a:dk1>
@@ -8667,46 +8272,46 @@
         <a:sysClr val="window" lastClr="FFFFFF"/>
       </a:lt1>
       <a:dk2>
-        <a:srgbClr val="355071"/>
+        <a:srgbClr val="2C3C43"/>
       </a:dk2>
       <a:lt2>
-        <a:srgbClr val="AABED7"/>
+        <a:srgbClr val="EBEBEB"/>
       </a:lt2>
       <a:accent1>
-        <a:srgbClr val="2FA3EE"/>
+        <a:srgbClr val="90C226"/>
       </a:accent1>
       <a:accent2>
-        <a:srgbClr val="4BCAAD"/>
+        <a:srgbClr val="54A021"/>
       </a:accent2>
       <a:accent3>
-        <a:srgbClr val="86C157"/>
+        <a:srgbClr val="E6B91E"/>
       </a:accent3>
       <a:accent4>
-        <a:srgbClr val="D99C3F"/>
+        <a:srgbClr val="E76618"/>
       </a:accent4>
       <a:accent5>
-        <a:srgbClr val="CE6633"/>
+        <a:srgbClr val="C42F1A"/>
       </a:accent5>
       <a:accent6>
-        <a:srgbClr val="A35DD1"/>
+        <a:srgbClr val="918655"/>
       </a:accent6>
       <a:hlink>
-        <a:srgbClr val="56BCFE"/>
+        <a:srgbClr val="99CA3C"/>
       </a:hlink>
       <a:folHlink>
-        <a:srgbClr val="97C5E3"/>
+        <a:srgbClr val="B9D181"/>
       </a:folHlink>
     </a:clrScheme>
-    <a:fontScheme name="Calibri">
+    <a:fontScheme name="Facet">
       <a:majorFont>
-        <a:latin typeface="Calibri" panose="020F0502020204030204"/>
+        <a:latin typeface="Trebuchet MS" panose="020B0603020202020204"/>
         <a:ea typeface=""/>
         <a:cs typeface=""/>
         <a:font script="Jpan" typeface="メイリオ"/>
         <a:font script="Hang" typeface="맑은 고딕"/>
-        <a:font script="Hans" typeface="宋体"/>
-        <a:font script="Hant" typeface="新細明體"/>
-        <a:font script="Arab" typeface="Arial"/>
+        <a:font script="Hans" typeface="方正姚体"/>
+        <a:font script="Hant" typeface="微軟正黑體"/>
+        <a:font script="Arab" typeface="Tahoma"/>
         <a:font script="Hebr" typeface="Arial"/>
         <a:font script="Thai" typeface="Cordia New"/>
         <a:font script="Ethi" typeface="Nyala"/>
@@ -8734,16 +8339,16 @@
         <a:font script="Geor" typeface="Sylfaen"/>
       </a:majorFont>
       <a:minorFont>
-        <a:latin typeface="Calibri" panose="020F0502020204030204"/>
+        <a:latin typeface="Trebuchet MS" panose="020B0603020202020204"/>
         <a:ea typeface=""/>
         <a:cs typeface=""/>
         <a:font script="Jpan" typeface="メイリオ"/>
-        <a:font script="Hang" typeface="맑은 고딕"/>
-        <a:font script="Hans" typeface="宋体"/>
-        <a:font script="Hant" typeface="新細明體"/>
-        <a:font script="Arab" typeface="Arial"/>
-        <a:font script="Hebr" typeface="Arial"/>
-        <a:font script="Thai" typeface="Cordia New"/>
+        <a:font script="Hang" typeface="HY그래픽M"/>
+        <a:font script="Hans" typeface="华文新魏"/>
+        <a:font script="Hant" typeface="微軟正黑體"/>
+        <a:font script="Arab" typeface="Tahoma"/>
+        <a:font script="Hebr" typeface="Gisha"/>
+        <a:font script="Thai" typeface="IrisUPC"/>
         <a:font script="Ethi" typeface="Nyala"/>
         <a:font script="Beng" typeface="Vrinda"/>
         <a:font script="Gujr" typeface="Shruti"/>
@@ -8764,45 +8369,44 @@
         <a:font script="Laoo" typeface="DokChampa"/>
         <a:font script="Sinh" typeface="Iskoola Pota"/>
         <a:font script="Mong" typeface="Mongolian Baiti"/>
-        <a:font script="Viet" typeface="Tahoma"/>
+        <a:font script="Viet" typeface="Arial"/>
         <a:font script="Uigh" typeface="Microsoft Uighur"/>
         <a:font script="Geor" typeface="Sylfaen"/>
       </a:minorFont>
     </a:fontScheme>
-    <a:fmtScheme name="Droplet">
+    <a:fmtScheme name="Facet">
       <a:fillStyleLst>
         <a:solidFill>
           <a:schemeClr val="phClr"/>
-        </a:solidFill>
-        <a:solidFill>
-          <a:schemeClr val="phClr">
-            <a:tint val="69000"/>
-            <a:satMod val="105000"/>
-            <a:lumMod val="110000"/>
-          </a:schemeClr>
         </a:solidFill>
         <a:gradFill rotWithShape="1">
           <a:gsLst>
             <a:gs pos="0">
               <a:schemeClr val="phClr">
-                <a:tint val="94000"/>
-                <a:satMod val="100000"/>
-                <a:lumMod val="108000"/>
+                <a:tint val="65000"/>
+                <a:lumMod val="110000"/>
               </a:schemeClr>
             </a:gs>
-            <a:gs pos="50000">
+            <a:gs pos="88000">
               <a:schemeClr val="phClr">
-                <a:tint val="98000"/>
-                <a:shade val="100000"/>
-                <a:satMod val="100000"/>
+                <a:tint val="90000"/>
+              </a:schemeClr>
+            </a:gs>
+          </a:gsLst>
+          <a:lin ang="5400000" scaled="0"/>
+        </a:gradFill>
+        <a:gradFill rotWithShape="1">
+          <a:gsLst>
+            <a:gs pos="0">
+              <a:schemeClr val="phClr">
+                <a:tint val="96000"/>
                 <a:lumMod val="100000"/>
               </a:schemeClr>
             </a:gs>
-            <a:gs pos="100000">
+            <a:gs pos="78000">
               <a:schemeClr val="phClr">
-                <a:shade val="72000"/>
-                <a:satMod val="120000"/>
-                <a:lumMod val="100000"/>
+                <a:shade val="94000"/>
+                <a:lumMod val="94000"/>
               </a:schemeClr>
             </a:gs>
           </a:gsLst>
@@ -8810,21 +8414,19 @@
         </a:gradFill>
       </a:fillStyleLst>
       <a:lnStyleLst>
-        <a:ln w="9525" cap="flat" cmpd="sng" algn="ctr">
-          <a:solidFill>
-            <a:schemeClr val="phClr">
-              <a:shade val="60000"/>
-            </a:schemeClr>
-          </a:solidFill>
-          <a:prstDash val="solid"/>
-        </a:ln>
-        <a:ln w="15875" cap="flat" cmpd="sng" algn="ctr">
+        <a:ln w="12700" cap="rnd" cmpd="sng" algn="ctr">
           <a:solidFill>
             <a:schemeClr val="phClr"/>
           </a:solidFill>
           <a:prstDash val="solid"/>
         </a:ln>
-        <a:ln w="22225" cap="flat" cmpd="sng" algn="ctr">
+        <a:ln w="19050" cap="rnd" cmpd="sng" algn="ctr">
+          <a:solidFill>
+            <a:schemeClr val="phClr"/>
+          </a:solidFill>
+          <a:prstDash val="solid"/>
+        </a:ln>
+        <a:ln w="25400" cap="rnd" cmpd="sng" algn="ctr">
           <a:solidFill>
             <a:schemeClr val="phClr"/>
           </a:solidFill>
@@ -8837,18 +8439,18 @@
         </a:effectStyle>
         <a:effectStyle>
           <a:effectLst>
-            <a:outerShdw blurRad="50800" dist="25400" dir="5400000" rotWithShape="0">
+            <a:outerShdw blurRad="38100" dist="25400" dir="5400000" rotWithShape="0">
               <a:srgbClr val="000000">
-                <a:alpha val="28000"/>
+                <a:alpha val="35000"/>
               </a:srgbClr>
             </a:outerShdw>
           </a:effectLst>
         </a:effectStyle>
         <a:effectStyle>
           <a:effectLst>
-            <a:outerShdw blurRad="63500" dist="25400" dir="5400000" algn="ctr" rotWithShape="0">
+            <a:outerShdw blurRad="50800" dist="38100" dir="5400000" rotWithShape="0">
               <a:srgbClr val="000000">
-                <a:alpha val="69000"/>
+                <a:alpha val="35000"/>
               </a:srgbClr>
             </a:outerShdw>
           </a:effectLst>
@@ -8856,12 +8458,10 @@
             <a:camera prst="orthographicFront">
               <a:rot lat="0" lon="0" rev="0"/>
             </a:camera>
-            <a:lightRig rig="balanced" dir="t">
-              <a:rot lat="0" lon="0" rev="1200000"/>
-            </a:lightRig>
+            <a:lightRig rig="threePt" dir="tl"/>
           </a:scene3d>
           <a:sp3d prstMaterial="plastic">
-            <a:bevelT w="25400" h="25400"/>
+            <a:bevelT w="0" h="0"/>
           </a:sp3d>
         </a:effectStyle>
       </a:effectStyleLst>
@@ -8874,13 +8474,13 @@
             <a:gs pos="0">
               <a:schemeClr val="phClr">
                 <a:tint val="90000"/>
-                <a:lumMod val="110000"/>
+                <a:lumMod val="104000"/>
               </a:schemeClr>
             </a:gs>
-            <a:gs pos="100000">
+            <a:gs pos="94000">
               <a:schemeClr val="phClr">
-                <a:shade val="64000"/>
-                <a:lumMod val="88000"/>
+                <a:shade val="96000"/>
+                <a:lumMod val="82000"/>
               </a:schemeClr>
             </a:gs>
           </a:gsLst>
@@ -8890,22 +8490,20 @@
           <a:gsLst>
             <a:gs pos="0">
               <a:schemeClr val="phClr">
-                <a:tint val="84000"/>
-                <a:shade val="100000"/>
-                <a:hueMod val="130000"/>
-                <a:satMod val="150000"/>
-                <a:lumMod val="112000"/>
+                <a:tint val="90000"/>
+                <a:lumMod val="110000"/>
               </a:schemeClr>
             </a:gs>
             <a:gs pos="100000">
               <a:schemeClr val="phClr">
-                <a:shade val="92000"/>
-                <a:satMod val="140000"/>
-                <a:lumMod val="110000"/>
+                <a:shade val="94000"/>
+                <a:lumMod val="96000"/>
               </a:schemeClr>
             </a:gs>
           </a:gsLst>
-          <a:lin ang="5400000" scaled="0"/>
+          <a:path path="circle">
+            <a:fillToRect l="50000" t="50000" r="100000" b="100000"/>
+          </a:path>
         </a:gradFill>
       </a:bgFillStyleLst>
     </a:fmtScheme>
@@ -8914,7 +8512,7 @@
   <a:extraClrSchemeLst/>
   <a:extLst>
     <a:ext uri="{05A4C25C-085E-4340-85A3-A5531E510DB2}">
-      <thm15:themeFamily xmlns:thm15="http://schemas.microsoft.com/office/thememl/2012/main" name="Droplet" id="{8984A317-299A-4E50-B45D-BFC9EDE2337A}" vid="{A633B6A3-9E7F-4C10-9C98-2517A3134361}"/>
+      <thm15:themeFamily xmlns:thm15="http://schemas.microsoft.com/office/thememl/2012/main" name="Presentation3" id="{4415EC67-C57A-0148-A4F0-52D410C0BADF}" vid="{F61B2B17-803A-3243-A97A-CBC63A6EF9BF}"/>
     </a:ext>
   </a:extLst>
 </a:theme>

--- a/Project/Hakim-Project.pptx
+++ b/Project/Hakim-Project.pptx
@@ -6775,15 +6775,6 @@
                 </a:pPr>
                 <a:r>
                   <a:rPr/>
-                  <a:t>Honors</a:t>
-                </a:r>
-              </a:p>
-              <a:p>
-                <a:pPr lvl="0" indent="-457200" marL="457200">
-                  <a:buAutoNum type="arabicPeriod"/>
-                </a:pPr>
-                <a:r>
-                  <a:rPr/>
                   <a:t>…</a:t>
                 </a:r>
               </a:p>
@@ -6861,13 +6852,12 @@
                 <a:latin typeface="Courier"/>
               </a:rPr>
               <a:t>                    Estimate Std. Error z value Pr(&gt;|z|)    
-(Intercept)          -1.9350     0.1545 -12.525  &lt; 2e-16 ***
-genderm              -0.1785     0.1337  -1.335   0.1818    
-resume_quality.L      0.2243     0.1178   1.904   0.0569 .  
-computer_skillsTRUE  -0.3433     0.1386  -2.478   0.0132 *  
-volunteerTRUE        -0.1305     0.1637  -0.797   0.4253    
-honorsTRUE            0.7819     0.1819   4.299 1.72e-05 ***
-raceblack            -0.4298     0.1078  -3.988 6.65e-05 ***</a:t>
+(Intercept)         -1.8120     0.1499 -12.091  &lt; 2e-16 ***
+genderm             -0.1919     0.1334  -1.439    0.150    
+resume_quality.L     0.3022     0.1157   2.612    0.009 ** 
+computer_skillsTRUE -0.3787     0.1378  -2.748    0.006 ** 
+volunteerTRUE       -0.2168     0.1617  -1.340    0.180    
+raceblack           -0.4307     0.1075  -4.006 6.18e-05 ***</a:t>
             </a:r>
           </a:p>
         </p:txBody>

--- a/Project/Hakim-Project.pptx
+++ b/Project/Hakim-Project.pptx
@@ -22,6 +22,7 @@
     <p:sldId id="270" r:id="rId16"/>
     <p:sldId id="271" r:id="rId17"/>
     <p:sldId id="272" r:id="rId18"/>
+    <p:sldId id="273" r:id="rId19"/>
   </p:sldIdLst>
   <p:sldSz cx="12192000" cy="6858000"/>
   <p:notesSz cx="6858000" cy="9144000"/>
@@ -5865,7 +5866,7 @@
             </a:pPr>
             <a:r>
               <a:rPr/>
-              <a:t>2022-12-02</a:t>
+              <a:t>2022-12-06</a:t>
             </a:r>
           </a:p>
         </p:txBody>
@@ -5912,7 +5913,7 @@
             </a:pPr>
             <a:r>
               <a:rPr/>
-              <a:t>Compute Chi-square</a:t>
+              <a:t>Chi-square Testing framework</a:t>
             </a:r>
           </a:p>
         </p:txBody>
@@ -5932,20 +5933,57 @@
           <a:bodyPr/>
           <a:lstStyle/>
           <a:p>
-            <a:pPr lvl="0" indent="0">
+            <a:pPr lvl="0" indent="0" marL="0">
               <a:buNone/>
             </a:pPr>
             <a:r>
-              <a:rPr>
-                <a:latin typeface="Courier"/>
-              </a:rPr>
-              <a:t>## Response: received_callback_cat (factor)
-## Explanatory: race (factor)
-## Null Hypothesis: independence
-## # A tibble: 1 × 1
-##    stat
-##   &lt;dbl&gt;
-## 1  16.4</a:t>
+              <a:rPr/>
+              <a:t>Assumptions for using Chi-square:</a:t>
+            </a:r>
+          </a:p>
+          <a:p>
+            <a:pPr lvl="0" indent="-457200" marL="457200">
+              <a:buAutoNum type="arabicPeriod"/>
+            </a:pPr>
+            <a:r>
+              <a:rPr/>
+              <a:t>Both variables are categorical</a:t>
+            </a:r>
+          </a:p>
+          <a:p>
+            <a:pPr lvl="0" indent="-457200" marL="457200">
+              <a:buAutoNum type="arabicPeriod"/>
+            </a:pPr>
+            <a:r>
+              <a:rPr/>
+              <a:t>Observations are independent</a:t>
+            </a:r>
+          </a:p>
+          <a:p>
+            <a:pPr lvl="0" indent="-457200" marL="457200">
+              <a:buAutoNum type="arabicPeriod"/>
+            </a:pPr>
+            <a:r>
+              <a:rPr/>
+              <a:t>Individuals can only belong to one cell in the contingency table. That is, cells in the table are mutually exclusive – an individual cannot belong to more than one cell</a:t>
+            </a:r>
+          </a:p>
+          <a:p>
+            <a:pPr lvl="0" indent="-457200" marL="457200">
+              <a:buAutoNum type="arabicPeriod"/>
+            </a:pPr>
+            <a:r>
+              <a:rPr/>
+              <a:t>There must be at least 5 frequencies in each cell</a:t>
+            </a:r>
+          </a:p>
+          <a:p>
+            <a:pPr lvl="0" indent="0" marL="0">
+              <a:buNone/>
+            </a:pPr>
+            <a:r>
+              <a:rPr/>
+              <a:t>Our dataset satisfies all above assumptions.</a:t>
             </a:r>
           </a:p>
         </p:txBody>
@@ -5992,7 +6030,7 @@
             </a:pPr>
             <a:r>
               <a:rPr/>
-              <a:t>Simulated null distribution</a:t>
+              <a:t>Observed Chi-square</a:t>
             </a:r>
           </a:p>
         </p:txBody>
@@ -6012,12 +6050,286 @@
           <a:bodyPr/>
           <a:lstStyle/>
           <a:p>
-            <a:pPr lvl="0" indent="0" marL="0">
+            <a:pPr lvl="0" indent="0">
               <a:buNone/>
             </a:pPr>
             <a:r>
-              <a:rPr/>
-              <a:t>The null distribution is what we would expect to see if the response and explanatory variables were truly independent.</a:t>
+              <a:rPr>
+                <a:latin typeface="Courier"/>
+              </a:rPr>
+              <a:t>obs_indep_stat </a:t>
+            </a:r>
+            <a:r>
+              <a:rPr>
+                <a:solidFill>
+                  <a:srgbClr val="007020"/>
+                </a:solidFill>
+                <a:latin typeface="Courier"/>
+              </a:rPr>
+              <a:t>&lt;-</a:t>
+            </a:r>
+            <a:r>
+              <a:rPr>
+                <a:latin typeface="Courier"/>
+              </a:rPr>
+              <a:t> df </a:t>
+            </a:r>
+            <a:r>
+              <a:rPr>
+                <a:solidFill>
+                  <a:srgbClr val="4070A0"/>
+                </a:solidFill>
+                <a:latin typeface="Courier"/>
+              </a:rPr>
+              <a:t>|&gt;</a:t>
+            </a:r>
+            <a:br/>
+            <a:r>
+              <a:rPr>
+                <a:latin typeface="Courier"/>
+              </a:rPr>
+              <a:t>    </a:t>
+            </a:r>
+            <a:r>
+              <a:rPr>
+                <a:solidFill>
+                  <a:srgbClr val="06287E"/>
+                </a:solidFill>
+                <a:latin typeface="Courier"/>
+              </a:rPr>
+              <a:t>specify</a:t>
+            </a:r>
+            <a:r>
+              <a:rPr>
+                <a:latin typeface="Courier"/>
+              </a:rPr>
+              <a:t>(received_callback_cat </a:t>
+            </a:r>
+            <a:r>
+              <a:rPr>
+                <a:solidFill>
+                  <a:srgbClr val="4070A0"/>
+                </a:solidFill>
+                <a:latin typeface="Courier"/>
+              </a:rPr>
+              <a:t>~</a:t>
+            </a:r>
+            <a:r>
+              <a:rPr>
+                <a:latin typeface="Courier"/>
+              </a:rPr>
+              <a:t> race, </a:t>
+            </a:r>
+            <a:br/>
+            <a:r>
+              <a:rPr>
+                <a:latin typeface="Courier"/>
+              </a:rPr>
+              <a:t>            </a:t>
+            </a:r>
+            <a:r>
+              <a:rPr>
+                <a:solidFill>
+                  <a:srgbClr val="7D9029"/>
+                </a:solidFill>
+                <a:latin typeface="Courier"/>
+              </a:rPr>
+              <a:t>success =</a:t>
+            </a:r>
+            <a:r>
+              <a:rPr>
+                <a:latin typeface="Courier"/>
+              </a:rPr>
+              <a:t> </a:t>
+            </a:r>
+            <a:r>
+              <a:rPr>
+                <a:solidFill>
+                  <a:srgbClr val="4070A0"/>
+                </a:solidFill>
+                <a:latin typeface="Courier"/>
+              </a:rPr>
+              <a:t>'Yes'</a:t>
+            </a:r>
+            <a:r>
+              <a:rPr>
+                <a:latin typeface="Courier"/>
+              </a:rPr>
+              <a:t>) </a:t>
+            </a:r>
+            <a:r>
+              <a:rPr>
+                <a:solidFill>
+                  <a:srgbClr val="4070A0"/>
+                </a:solidFill>
+                <a:latin typeface="Courier"/>
+              </a:rPr>
+              <a:t>|&gt;</a:t>
+            </a:r>
+            <a:br/>
+            <a:r>
+              <a:rPr>
+                <a:latin typeface="Courier"/>
+              </a:rPr>
+              <a:t>    </a:t>
+            </a:r>
+            <a:r>
+              <a:rPr>
+                <a:solidFill>
+                  <a:srgbClr val="06287E"/>
+                </a:solidFill>
+                <a:latin typeface="Courier"/>
+              </a:rPr>
+              <a:t>hypothesize</a:t>
+            </a:r>
+            <a:r>
+              <a:rPr>
+                <a:latin typeface="Courier"/>
+              </a:rPr>
+              <a:t>(</a:t>
+            </a:r>
+            <a:r>
+              <a:rPr>
+                <a:solidFill>
+                  <a:srgbClr val="7D9029"/>
+                </a:solidFill>
+                <a:latin typeface="Courier"/>
+              </a:rPr>
+              <a:t>null =</a:t>
+            </a:r>
+            <a:r>
+              <a:rPr>
+                <a:latin typeface="Courier"/>
+              </a:rPr>
+              <a:t> </a:t>
+            </a:r>
+            <a:r>
+              <a:rPr>
+                <a:solidFill>
+                  <a:srgbClr val="4070A0"/>
+                </a:solidFill>
+                <a:latin typeface="Courier"/>
+              </a:rPr>
+              <a:t>'independence'</a:t>
+            </a:r>
+            <a:r>
+              <a:rPr>
+                <a:latin typeface="Courier"/>
+              </a:rPr>
+              <a:t>) </a:t>
+            </a:r>
+            <a:r>
+              <a:rPr>
+                <a:solidFill>
+                  <a:srgbClr val="4070A0"/>
+                </a:solidFill>
+                <a:latin typeface="Courier"/>
+              </a:rPr>
+              <a:t>|&gt;</a:t>
+            </a:r>
+            <a:br/>
+            <a:r>
+              <a:rPr>
+                <a:latin typeface="Courier"/>
+              </a:rPr>
+              <a:t>    </a:t>
+            </a:r>
+            <a:r>
+              <a:rPr>
+                <a:solidFill>
+                  <a:srgbClr val="06287E"/>
+                </a:solidFill>
+                <a:latin typeface="Courier"/>
+              </a:rPr>
+              <a:t>calculate</a:t>
+            </a:r>
+            <a:r>
+              <a:rPr>
+                <a:latin typeface="Courier"/>
+              </a:rPr>
+              <a:t>(</a:t>
+            </a:r>
+            <a:r>
+              <a:rPr>
+                <a:solidFill>
+                  <a:srgbClr val="7D9029"/>
+                </a:solidFill>
+                <a:latin typeface="Courier"/>
+              </a:rPr>
+              <a:t>stat =</a:t>
+            </a:r>
+            <a:r>
+              <a:rPr>
+                <a:latin typeface="Courier"/>
+              </a:rPr>
+              <a:t> </a:t>
+            </a:r>
+            <a:r>
+              <a:rPr>
+                <a:solidFill>
+                  <a:srgbClr val="4070A0"/>
+                </a:solidFill>
+                <a:latin typeface="Courier"/>
+              </a:rPr>
+              <a:t>'Chisq'</a:t>
+            </a:r>
+            <a:r>
+              <a:rPr>
+                <a:latin typeface="Courier"/>
+              </a:rPr>
+              <a:t>, </a:t>
+            </a:r>
+            <a:br/>
+            <a:r>
+              <a:rPr>
+                <a:latin typeface="Courier"/>
+              </a:rPr>
+              <a:t>              </a:t>
+            </a:r>
+            <a:r>
+              <a:rPr>
+                <a:solidFill>
+                  <a:srgbClr val="06287E"/>
+                </a:solidFill>
+                <a:latin typeface="Courier"/>
+              </a:rPr>
+              <a:t>c</a:t>
+            </a:r>
+            <a:r>
+              <a:rPr>
+                <a:latin typeface="Courier"/>
+              </a:rPr>
+              <a:t>(</a:t>
+            </a:r>
+            <a:r>
+              <a:rPr>
+                <a:solidFill>
+                  <a:srgbClr val="4070A0"/>
+                </a:solidFill>
+                <a:latin typeface="Courier"/>
+              </a:rPr>
+              <a:t>'white'</a:t>
+            </a:r>
+            <a:r>
+              <a:rPr>
+                <a:latin typeface="Courier"/>
+              </a:rPr>
+              <a:t>, </a:t>
+            </a:r>
+            <a:r>
+              <a:rPr>
+                <a:solidFill>
+                  <a:srgbClr val="4070A0"/>
+                </a:solidFill>
+                <a:latin typeface="Courier"/>
+              </a:rPr>
+              <a:t>'black'</a:t>
+            </a:r>
+            <a:r>
+              <a:rPr>
+                <a:latin typeface="Courier"/>
+              </a:rPr>
+              <a:t>))</a:t>
             </a:r>
           </a:p>
           <a:p>
@@ -6028,377 +6340,8 @@
               <a:rPr>
                 <a:latin typeface="Courier"/>
               </a:rPr>
-              <a:t>sim_null_dist </a:t>
-            </a:r>
-            <a:r>
-              <a:rPr>
-                <a:solidFill>
-                  <a:srgbClr val="007020"/>
-                </a:solidFill>
-                <a:latin typeface="Courier"/>
-              </a:rPr>
-              <a:t>&lt;-</a:t>
-            </a:r>
-            <a:r>
-              <a:rPr>
-                <a:latin typeface="Courier"/>
-              </a:rPr>
-              <a:t> df </a:t>
-            </a:r>
-            <a:r>
-              <a:rPr>
-                <a:solidFill>
-                  <a:srgbClr val="4070A0"/>
-                </a:solidFill>
-                <a:latin typeface="Courier"/>
-              </a:rPr>
-              <a:t>|&gt;</a:t>
-            </a:r>
-            <a:br/>
-            <a:r>
-              <a:rPr>
-                <a:latin typeface="Courier"/>
-              </a:rPr>
-              <a:t>  </a:t>
-            </a:r>
-            <a:r>
-              <a:rPr>
-                <a:solidFill>
-                  <a:srgbClr val="06287E"/>
-                </a:solidFill>
-                <a:latin typeface="Courier"/>
-              </a:rPr>
-              <a:t>specify</a:t>
-            </a:r>
-            <a:r>
-              <a:rPr>
-                <a:latin typeface="Courier"/>
-              </a:rPr>
-              <a:t>(received_callback_cat </a:t>
-            </a:r>
-            <a:r>
-              <a:rPr>
-                <a:solidFill>
-                  <a:srgbClr val="4070A0"/>
-                </a:solidFill>
-                <a:latin typeface="Courier"/>
-              </a:rPr>
-              <a:t>~</a:t>
-            </a:r>
-            <a:r>
-              <a:rPr>
-                <a:latin typeface="Courier"/>
-              </a:rPr>
-              <a:t> race, </a:t>
-            </a:r>
-            <a:br/>
-            <a:r>
-              <a:rPr>
-                <a:latin typeface="Courier"/>
-              </a:rPr>
-              <a:t>          </a:t>
-            </a:r>
-            <a:r>
-              <a:rPr>
-                <a:solidFill>
-                  <a:srgbClr val="7D9029"/>
-                </a:solidFill>
-                <a:latin typeface="Courier"/>
-              </a:rPr>
-              <a:t>success =</a:t>
-            </a:r>
-            <a:r>
-              <a:rPr>
-                <a:latin typeface="Courier"/>
-              </a:rPr>
-              <a:t> </a:t>
-            </a:r>
-            <a:r>
-              <a:rPr>
-                <a:solidFill>
-                  <a:srgbClr val="4070A0"/>
-                </a:solidFill>
-                <a:latin typeface="Courier"/>
-              </a:rPr>
-              <a:t>'Yes'</a:t>
-            </a:r>
-            <a:r>
-              <a:rPr>
-                <a:latin typeface="Courier"/>
-              </a:rPr>
-              <a:t>) </a:t>
-            </a:r>
-            <a:r>
-              <a:rPr>
-                <a:solidFill>
-                  <a:srgbClr val="4070A0"/>
-                </a:solidFill>
-                <a:latin typeface="Courier"/>
-              </a:rPr>
-              <a:t>|&gt;</a:t>
-            </a:r>
-            <a:br/>
-            <a:r>
-              <a:rPr>
-                <a:latin typeface="Courier"/>
-              </a:rPr>
-              <a:t>  </a:t>
-            </a:r>
-            <a:r>
-              <a:rPr>
-                <a:solidFill>
-                  <a:srgbClr val="06287E"/>
-                </a:solidFill>
-                <a:latin typeface="Courier"/>
-              </a:rPr>
-              <a:t>hypothesize</a:t>
-            </a:r>
-            <a:r>
-              <a:rPr>
-                <a:latin typeface="Courier"/>
-              </a:rPr>
-              <a:t>(</a:t>
-            </a:r>
-            <a:r>
-              <a:rPr>
-                <a:solidFill>
-                  <a:srgbClr val="7D9029"/>
-                </a:solidFill>
-                <a:latin typeface="Courier"/>
-              </a:rPr>
-              <a:t>null =</a:t>
-            </a:r>
-            <a:r>
-              <a:rPr>
-                <a:latin typeface="Courier"/>
-              </a:rPr>
-              <a:t> </a:t>
-            </a:r>
-            <a:r>
-              <a:rPr>
-                <a:solidFill>
-                  <a:srgbClr val="4070A0"/>
-                </a:solidFill>
-                <a:latin typeface="Courier"/>
-              </a:rPr>
-              <a:t>'independence'</a:t>
-            </a:r>
-            <a:r>
-              <a:rPr>
-                <a:latin typeface="Courier"/>
-              </a:rPr>
-              <a:t>) </a:t>
-            </a:r>
-            <a:r>
-              <a:rPr>
-                <a:solidFill>
-                  <a:srgbClr val="4070A0"/>
-                </a:solidFill>
-                <a:latin typeface="Courier"/>
-              </a:rPr>
-              <a:t>|&gt;</a:t>
-            </a:r>
-            <a:br/>
-            <a:r>
-              <a:rPr>
-                <a:latin typeface="Courier"/>
-              </a:rPr>
-              <a:t>  </a:t>
-            </a:r>
-            <a:r>
-              <a:rPr>
-                <a:solidFill>
-                  <a:srgbClr val="06287E"/>
-                </a:solidFill>
-                <a:latin typeface="Courier"/>
-              </a:rPr>
-              <a:t>generate</a:t>
-            </a:r>
-            <a:r>
-              <a:rPr>
-                <a:latin typeface="Courier"/>
-              </a:rPr>
-              <a:t>(</a:t>
-            </a:r>
-            <a:r>
-              <a:rPr>
-                <a:solidFill>
-                  <a:srgbClr val="7D9029"/>
-                </a:solidFill>
-                <a:latin typeface="Courier"/>
-              </a:rPr>
-              <a:t>reps =</a:t>
-            </a:r>
-            <a:r>
-              <a:rPr>
-                <a:latin typeface="Courier"/>
-              </a:rPr>
-              <a:t> </a:t>
-            </a:r>
-            <a:r>
-              <a:rPr>
-                <a:solidFill>
-                  <a:srgbClr val="40A070"/>
-                </a:solidFill>
-                <a:latin typeface="Courier"/>
-              </a:rPr>
-              <a:t>500</a:t>
-            </a:r>
-            <a:r>
-              <a:rPr>
-                <a:latin typeface="Courier"/>
-              </a:rPr>
-              <a:t>, </a:t>
-            </a:r>
-            <a:br/>
-            <a:r>
-              <a:rPr>
-                <a:latin typeface="Courier"/>
-              </a:rPr>
-              <a:t>           </a:t>
-            </a:r>
-            <a:r>
-              <a:rPr>
-                <a:solidFill>
-                  <a:srgbClr val="7D9029"/>
-                </a:solidFill>
-                <a:latin typeface="Courier"/>
-              </a:rPr>
-              <a:t>type =</a:t>
-            </a:r>
-            <a:r>
-              <a:rPr>
-                <a:latin typeface="Courier"/>
-              </a:rPr>
-              <a:t> </a:t>
-            </a:r>
-            <a:r>
-              <a:rPr>
-                <a:solidFill>
-                  <a:srgbClr val="4070A0"/>
-                </a:solidFill>
-                <a:latin typeface="Courier"/>
-              </a:rPr>
-              <a:t>'permute'</a:t>
-            </a:r>
-            <a:r>
-              <a:rPr>
-                <a:latin typeface="Courier"/>
-              </a:rPr>
-              <a:t>) </a:t>
-            </a:r>
-            <a:r>
-              <a:rPr>
-                <a:solidFill>
-                  <a:srgbClr val="4070A0"/>
-                </a:solidFill>
-                <a:latin typeface="Courier"/>
-              </a:rPr>
-              <a:t>|&gt;</a:t>
-            </a:r>
-            <a:br/>
-            <a:r>
-              <a:rPr>
-                <a:latin typeface="Courier"/>
-              </a:rPr>
-              <a:t>  </a:t>
-            </a:r>
-            <a:r>
-              <a:rPr>
-                <a:solidFill>
-                  <a:srgbClr val="06287E"/>
-                </a:solidFill>
-                <a:latin typeface="Courier"/>
-              </a:rPr>
-              <a:t>calculate</a:t>
-            </a:r>
-            <a:r>
-              <a:rPr>
-                <a:latin typeface="Courier"/>
-              </a:rPr>
-              <a:t>(</a:t>
-            </a:r>
-            <a:r>
-              <a:rPr>
-                <a:solidFill>
-                  <a:srgbClr val="7D9029"/>
-                </a:solidFill>
-                <a:latin typeface="Courier"/>
-              </a:rPr>
-              <a:t>stat =</a:t>
-            </a:r>
-            <a:r>
-              <a:rPr>
-                <a:latin typeface="Courier"/>
-              </a:rPr>
-              <a:t> </a:t>
-            </a:r>
-            <a:r>
-              <a:rPr>
-                <a:solidFill>
-                  <a:srgbClr val="4070A0"/>
-                </a:solidFill>
-                <a:latin typeface="Courier"/>
-              </a:rPr>
-              <a:t>'Chisq'</a:t>
-            </a:r>
-            <a:r>
-              <a:rPr>
-                <a:latin typeface="Courier"/>
-              </a:rPr>
-              <a:t>, </a:t>
-            </a:r>
-            <a:br/>
-            <a:r>
-              <a:rPr>
-                <a:latin typeface="Courier"/>
-              </a:rPr>
-              <a:t>            </a:t>
-            </a:r>
-            <a:r>
-              <a:rPr>
-                <a:solidFill>
-                  <a:srgbClr val="06287E"/>
-                </a:solidFill>
-                <a:latin typeface="Courier"/>
-              </a:rPr>
-              <a:t>c</a:t>
-            </a:r>
-            <a:r>
-              <a:rPr>
-                <a:latin typeface="Courier"/>
-              </a:rPr>
-              <a:t>(</a:t>
-            </a:r>
-            <a:r>
-              <a:rPr>
-                <a:solidFill>
-                  <a:srgbClr val="4070A0"/>
-                </a:solidFill>
-                <a:latin typeface="Courier"/>
-              </a:rPr>
-              <a:t>'white'</a:t>
-            </a:r>
-            <a:r>
-              <a:rPr>
-                <a:latin typeface="Courier"/>
-              </a:rPr>
-              <a:t>, </a:t>
-            </a:r>
-            <a:r>
-              <a:rPr>
-                <a:solidFill>
-                  <a:srgbClr val="4070A0"/>
-                </a:solidFill>
-                <a:latin typeface="Courier"/>
-              </a:rPr>
-              <a:t>'black'</a:t>
-            </a:r>
-            <a:r>
-              <a:rPr>
-                <a:latin typeface="Courier"/>
-              </a:rPr>
-              <a:t>))</a:t>
+              <a:t>## X-squared 
+##  16.44903</a:t>
             </a:r>
           </a:p>
         </p:txBody>
@@ -6445,14 +6388,467 @@
             </a:pPr>
             <a:r>
               <a:rPr/>
-              <a:t>Null distribution plot with observed stat and confidence internal</a:t>
+              <a:t>Simulated null distribution</a:t>
+            </a:r>
+          </a:p>
+        </p:txBody>
+      </p:sp>
+      <p:sp>
+        <p:nvSpPr>
+          <p:cNvPr id="3" name="Content Placeholder 2"/>
+          <p:cNvSpPr>
+            <a:spLocks noGrp="1"/>
+          </p:cNvSpPr>
+          <p:nvPr>
+            <p:ph idx="1"/>
+          </p:nvPr>
+        </p:nvSpPr>
+        <p:spPr/>
+        <p:txBody>
+          <a:bodyPr/>
+          <a:lstStyle/>
+          <a:p>
+            <a:pPr lvl="0" indent="0" marL="0">
+              <a:buNone/>
+            </a:pPr>
+            <a:r>
+              <a:rPr/>
+              <a:t>The null distribution is what we would expect to see if the response and explanatory variables were truly independent.</a:t>
+            </a:r>
+          </a:p>
+          <a:p>
+            <a:pPr lvl="0" indent="0">
+              <a:buNone/>
+            </a:pPr>
+            <a:r>
+              <a:rPr>
+                <a:latin typeface="Courier"/>
+              </a:rPr>
+              <a:t>sim_null_dist </a:t>
+            </a:r>
+            <a:r>
+              <a:rPr>
+                <a:solidFill>
+                  <a:srgbClr val="007020"/>
+                </a:solidFill>
+                <a:latin typeface="Courier"/>
+              </a:rPr>
+              <a:t>&lt;-</a:t>
+            </a:r>
+            <a:r>
+              <a:rPr>
+                <a:latin typeface="Courier"/>
+              </a:rPr>
+              <a:t> df </a:t>
+            </a:r>
+            <a:r>
+              <a:rPr>
+                <a:solidFill>
+                  <a:srgbClr val="4070A0"/>
+                </a:solidFill>
+                <a:latin typeface="Courier"/>
+              </a:rPr>
+              <a:t>|&gt;</a:t>
+            </a:r>
+            <a:br/>
+            <a:r>
+              <a:rPr>
+                <a:latin typeface="Courier"/>
+              </a:rPr>
+              <a:t>  </a:t>
+            </a:r>
+            <a:r>
+              <a:rPr>
+                <a:solidFill>
+                  <a:srgbClr val="06287E"/>
+                </a:solidFill>
+                <a:latin typeface="Courier"/>
+              </a:rPr>
+              <a:t>specify</a:t>
+            </a:r>
+            <a:r>
+              <a:rPr>
+                <a:latin typeface="Courier"/>
+              </a:rPr>
+              <a:t>(received_callback_cat </a:t>
+            </a:r>
+            <a:r>
+              <a:rPr>
+                <a:solidFill>
+                  <a:srgbClr val="4070A0"/>
+                </a:solidFill>
+                <a:latin typeface="Courier"/>
+              </a:rPr>
+              <a:t>~</a:t>
+            </a:r>
+            <a:r>
+              <a:rPr>
+                <a:latin typeface="Courier"/>
+              </a:rPr>
+              <a:t> race, </a:t>
+            </a:r>
+            <a:br/>
+            <a:r>
+              <a:rPr>
+                <a:latin typeface="Courier"/>
+              </a:rPr>
+              <a:t>          </a:t>
+            </a:r>
+            <a:r>
+              <a:rPr>
+                <a:solidFill>
+                  <a:srgbClr val="7D9029"/>
+                </a:solidFill>
+                <a:latin typeface="Courier"/>
+              </a:rPr>
+              <a:t>success =</a:t>
+            </a:r>
+            <a:r>
+              <a:rPr>
+                <a:latin typeface="Courier"/>
+              </a:rPr>
+              <a:t> </a:t>
+            </a:r>
+            <a:r>
+              <a:rPr>
+                <a:solidFill>
+                  <a:srgbClr val="4070A0"/>
+                </a:solidFill>
+                <a:latin typeface="Courier"/>
+              </a:rPr>
+              <a:t>'Yes'</a:t>
+            </a:r>
+            <a:r>
+              <a:rPr>
+                <a:latin typeface="Courier"/>
+              </a:rPr>
+              <a:t>) </a:t>
+            </a:r>
+            <a:r>
+              <a:rPr>
+                <a:solidFill>
+                  <a:srgbClr val="4070A0"/>
+                </a:solidFill>
+                <a:latin typeface="Courier"/>
+              </a:rPr>
+              <a:t>|&gt;</a:t>
+            </a:r>
+            <a:br/>
+            <a:r>
+              <a:rPr>
+                <a:latin typeface="Courier"/>
+              </a:rPr>
+              <a:t>  </a:t>
+            </a:r>
+            <a:r>
+              <a:rPr>
+                <a:solidFill>
+                  <a:srgbClr val="06287E"/>
+                </a:solidFill>
+                <a:latin typeface="Courier"/>
+              </a:rPr>
+              <a:t>hypothesize</a:t>
+            </a:r>
+            <a:r>
+              <a:rPr>
+                <a:latin typeface="Courier"/>
+              </a:rPr>
+              <a:t>(</a:t>
+            </a:r>
+            <a:r>
+              <a:rPr>
+                <a:solidFill>
+                  <a:srgbClr val="7D9029"/>
+                </a:solidFill>
+                <a:latin typeface="Courier"/>
+              </a:rPr>
+              <a:t>null =</a:t>
+            </a:r>
+            <a:r>
+              <a:rPr>
+                <a:latin typeface="Courier"/>
+              </a:rPr>
+              <a:t> </a:t>
+            </a:r>
+            <a:r>
+              <a:rPr>
+                <a:solidFill>
+                  <a:srgbClr val="4070A0"/>
+                </a:solidFill>
+                <a:latin typeface="Courier"/>
+              </a:rPr>
+              <a:t>'independence'</a:t>
+            </a:r>
+            <a:r>
+              <a:rPr>
+                <a:latin typeface="Courier"/>
+              </a:rPr>
+              <a:t>) </a:t>
+            </a:r>
+            <a:r>
+              <a:rPr>
+                <a:solidFill>
+                  <a:srgbClr val="4070A0"/>
+                </a:solidFill>
+                <a:latin typeface="Courier"/>
+              </a:rPr>
+              <a:t>|&gt;</a:t>
+            </a:r>
+            <a:br/>
+            <a:r>
+              <a:rPr>
+                <a:latin typeface="Courier"/>
+              </a:rPr>
+              <a:t>  </a:t>
+            </a:r>
+            <a:r>
+              <a:rPr>
+                <a:solidFill>
+                  <a:srgbClr val="06287E"/>
+                </a:solidFill>
+                <a:latin typeface="Courier"/>
+              </a:rPr>
+              <a:t>generate</a:t>
+            </a:r>
+            <a:r>
+              <a:rPr>
+                <a:latin typeface="Courier"/>
+              </a:rPr>
+              <a:t>(</a:t>
+            </a:r>
+            <a:r>
+              <a:rPr>
+                <a:solidFill>
+                  <a:srgbClr val="7D9029"/>
+                </a:solidFill>
+                <a:latin typeface="Courier"/>
+              </a:rPr>
+              <a:t>reps =</a:t>
+            </a:r>
+            <a:r>
+              <a:rPr>
+                <a:latin typeface="Courier"/>
+              </a:rPr>
+              <a:t> </a:t>
+            </a:r>
+            <a:r>
+              <a:rPr>
+                <a:solidFill>
+                  <a:srgbClr val="40A070"/>
+                </a:solidFill>
+                <a:latin typeface="Courier"/>
+              </a:rPr>
+              <a:t>500</a:t>
+            </a:r>
+            <a:r>
+              <a:rPr>
+                <a:latin typeface="Courier"/>
+              </a:rPr>
+              <a:t>, </a:t>
+            </a:r>
+            <a:br/>
+            <a:r>
+              <a:rPr>
+                <a:latin typeface="Courier"/>
+              </a:rPr>
+              <a:t>           </a:t>
+            </a:r>
+            <a:r>
+              <a:rPr>
+                <a:solidFill>
+                  <a:srgbClr val="7D9029"/>
+                </a:solidFill>
+                <a:latin typeface="Courier"/>
+              </a:rPr>
+              <a:t>type =</a:t>
+            </a:r>
+            <a:r>
+              <a:rPr>
+                <a:latin typeface="Courier"/>
+              </a:rPr>
+              <a:t> </a:t>
+            </a:r>
+            <a:r>
+              <a:rPr>
+                <a:solidFill>
+                  <a:srgbClr val="4070A0"/>
+                </a:solidFill>
+                <a:latin typeface="Courier"/>
+              </a:rPr>
+              <a:t>'permute'</a:t>
+            </a:r>
+            <a:r>
+              <a:rPr>
+                <a:latin typeface="Courier"/>
+              </a:rPr>
+              <a:t>) </a:t>
+            </a:r>
+            <a:r>
+              <a:rPr>
+                <a:solidFill>
+                  <a:srgbClr val="4070A0"/>
+                </a:solidFill>
+                <a:latin typeface="Courier"/>
+              </a:rPr>
+              <a:t>|&gt;</a:t>
+            </a:r>
+            <a:br/>
+            <a:r>
+              <a:rPr>
+                <a:latin typeface="Courier"/>
+              </a:rPr>
+              <a:t>  </a:t>
+            </a:r>
+            <a:r>
+              <a:rPr>
+                <a:solidFill>
+                  <a:srgbClr val="06287E"/>
+                </a:solidFill>
+                <a:latin typeface="Courier"/>
+              </a:rPr>
+              <a:t>calculate</a:t>
+            </a:r>
+            <a:r>
+              <a:rPr>
+                <a:latin typeface="Courier"/>
+              </a:rPr>
+              <a:t>(</a:t>
+            </a:r>
+            <a:r>
+              <a:rPr>
+                <a:solidFill>
+                  <a:srgbClr val="7D9029"/>
+                </a:solidFill>
+                <a:latin typeface="Courier"/>
+              </a:rPr>
+              <a:t>stat =</a:t>
+            </a:r>
+            <a:r>
+              <a:rPr>
+                <a:latin typeface="Courier"/>
+              </a:rPr>
+              <a:t> </a:t>
+            </a:r>
+            <a:r>
+              <a:rPr>
+                <a:solidFill>
+                  <a:srgbClr val="4070A0"/>
+                </a:solidFill>
+                <a:latin typeface="Courier"/>
+              </a:rPr>
+              <a:t>'Chisq'</a:t>
+            </a:r>
+            <a:r>
+              <a:rPr>
+                <a:latin typeface="Courier"/>
+              </a:rPr>
+              <a:t>, </a:t>
+            </a:r>
+            <a:br/>
+            <a:r>
+              <a:rPr>
+                <a:latin typeface="Courier"/>
+              </a:rPr>
+              <a:t>            </a:t>
+            </a:r>
+            <a:r>
+              <a:rPr>
+                <a:solidFill>
+                  <a:srgbClr val="06287E"/>
+                </a:solidFill>
+                <a:latin typeface="Courier"/>
+              </a:rPr>
+              <a:t>c</a:t>
+            </a:r>
+            <a:r>
+              <a:rPr>
+                <a:latin typeface="Courier"/>
+              </a:rPr>
+              <a:t>(</a:t>
+            </a:r>
+            <a:r>
+              <a:rPr>
+                <a:solidFill>
+                  <a:srgbClr val="4070A0"/>
+                </a:solidFill>
+                <a:latin typeface="Courier"/>
+              </a:rPr>
+              <a:t>'white'</a:t>
+            </a:r>
+            <a:r>
+              <a:rPr>
+                <a:latin typeface="Courier"/>
+              </a:rPr>
+              <a:t>, </a:t>
+            </a:r>
+            <a:r>
+              <a:rPr>
+                <a:solidFill>
+                  <a:srgbClr val="4070A0"/>
+                </a:solidFill>
+                <a:latin typeface="Courier"/>
+              </a:rPr>
+              <a:t>'black'</a:t>
+            </a:r>
+            <a:r>
+              <a:rPr>
+                <a:latin typeface="Courier"/>
+              </a:rPr>
+              <a:t>))</a:t>
+            </a:r>
+          </a:p>
+        </p:txBody>
+      </p:sp>
+    </p:spTree>
+  </p:cSld>
+</p:sld>
+</file>
+
+<file path=ppt/slides/slide13.xml><?xml version="1.0" encoding="utf-8"?>
+<p:sld xmlns:a="http://schemas.openxmlformats.org/drawingml/2006/main" xmlns:r="http://schemas.openxmlformats.org/officeDocument/2006/relationships" xmlns:p="http://schemas.openxmlformats.org/presentationml/2006/main">
+  <p:cSld>
+    <p:spTree>
+      <p:nvGrpSpPr>
+        <p:cNvPr id="1" name=""/>
+        <p:cNvGrpSpPr/>
+        <p:nvPr/>
+      </p:nvGrpSpPr>
+      <p:grpSpPr>
+        <a:xfrm>
+          <a:off x="0" y="0"/>
+          <a:ext cx="0" cy="0"/>
+          <a:chOff x="0" y="0"/>
+          <a:chExt cx="0" cy="0"/>
+        </a:xfrm>
+      </p:grpSpPr>
+      <p:sp>
+        <p:nvSpPr>
+          <p:cNvPr id="2" name="Title 1"/>
+          <p:cNvSpPr>
+            <a:spLocks noGrp="1"/>
+          </p:cNvSpPr>
+          <p:nvPr>
+            <p:ph type="title"/>
+          </p:nvPr>
+        </p:nvSpPr>
+        <p:spPr/>
+        <p:txBody>
+          <a:bodyPr/>
+          <a:lstStyle/>
+          <a:p>
+            <a:pPr lvl="0" indent="0" marL="0">
+              <a:buNone/>
+            </a:pPr>
+            <a:r>
+              <a:rPr/>
+              <a:t>Null distribution plot with observed stat</a:t>
             </a:r>
           </a:p>
         </p:txBody>
       </p:sp>
       <p:pic>
         <p:nvPicPr>
-          <p:cNvPr descr="Hakim-Project_files/figure-pptx/unnamed-chunk-6-1.png" id="0" name="Picture 1"/>
+          <p:cNvPr descr="Hakim-Project_files/figure-pptx/unnamed-chunk-7-1.png" id="0" name="Picture 1"/>
           <p:cNvPicPr>
             <a:picLocks noGrp="1" noChangeAspect="1"/>
           </p:cNvPicPr>
@@ -6485,7 +6881,7 @@
 </p:sld>
 </file>
 
-<file path=ppt/slides/slide13.xml><?xml version="1.0" encoding="utf-8"?>
+<file path=ppt/slides/slide14.xml><?xml version="1.0" encoding="utf-8"?>
 <p:sld xmlns:a="http://schemas.openxmlformats.org/drawingml/2006/main" xmlns:r="http://schemas.openxmlformats.org/officeDocument/2006/relationships" xmlns:p="http://schemas.openxmlformats.org/presentationml/2006/main">
   <p:cSld>
     <p:spTree>
@@ -6594,7 +6990,7 @@
                 </a14:m>
                 <a:r>
                   <a:rPr/>
-                  <a:t>. So we reject </a:t>
+                  <a:t>. Consequently, we reject </a:t>
                 </a:r>
                 <a14:m>
                   <m:oMath xmlns:m="http://schemas.openxmlformats.org/officeDocument/2006/math">
@@ -6646,7 +7042,7 @@
 </p:sld>
 </file>
 
-<file path=ppt/slides/slide14.xml><?xml version="1.0" encoding="utf-8"?>
+<file path=ppt/slides/slide15.xml><?xml version="1.0" encoding="utf-8"?>
 <p:sld xmlns:a="http://schemas.openxmlformats.org/drawingml/2006/main" xmlns:r="http://schemas.openxmlformats.org/officeDocument/2006/relationships" xmlns:p="http://schemas.openxmlformats.org/presentationml/2006/main">
   <p:cSld>
     <p:spTree>
@@ -6787,86 +7183,6 @@
 </p:sld>
 </file>
 
-<file path=ppt/slides/slide15.xml><?xml version="1.0" encoding="utf-8"?>
-<p:sld xmlns:a="http://schemas.openxmlformats.org/drawingml/2006/main" xmlns:r="http://schemas.openxmlformats.org/officeDocument/2006/relationships" xmlns:p="http://schemas.openxmlformats.org/presentationml/2006/main">
-  <p:cSld>
-    <p:spTree>
-      <p:nvGrpSpPr>
-        <p:cNvPr id="1" name=""/>
-        <p:cNvGrpSpPr/>
-        <p:nvPr/>
-      </p:nvGrpSpPr>
-      <p:grpSpPr>
-        <a:xfrm>
-          <a:off x="0" y="0"/>
-          <a:ext cx="0" cy="0"/>
-          <a:chOff x="0" y="0"/>
-          <a:chExt cx="0" cy="0"/>
-        </a:xfrm>
-      </p:grpSpPr>
-      <p:sp>
-        <p:nvSpPr>
-          <p:cNvPr id="2" name="Title 1"/>
-          <p:cNvSpPr>
-            <a:spLocks noGrp="1"/>
-          </p:cNvSpPr>
-          <p:nvPr>
-            <p:ph type="title"/>
-          </p:nvPr>
-        </p:nvSpPr>
-        <p:spPr/>
-        <p:txBody>
-          <a:bodyPr/>
-          <a:lstStyle/>
-          <a:p>
-            <a:pPr lvl="0" indent="0" marL="0">
-              <a:buNone/>
-            </a:pPr>
-            <a:r>
-              <a:rPr/>
-              <a:t>Generalized linear model</a:t>
-            </a:r>
-          </a:p>
-        </p:txBody>
-      </p:sp>
-      <p:sp>
-        <p:nvSpPr>
-          <p:cNvPr id="3" name="Content Placeholder 2"/>
-          <p:cNvSpPr>
-            <a:spLocks noGrp="1"/>
-          </p:cNvSpPr>
-          <p:nvPr>
-            <p:ph idx="1"/>
-          </p:nvPr>
-        </p:nvSpPr>
-        <p:spPr/>
-        <p:txBody>
-          <a:bodyPr/>
-          <a:lstStyle/>
-          <a:p>
-            <a:pPr lvl="0" indent="0">
-              <a:buNone/>
-            </a:pPr>
-            <a:r>
-              <a:rPr>
-                <a:latin typeface="Courier"/>
-              </a:rPr>
-              <a:t>                    Estimate Std. Error z value Pr(&gt;|z|)    
-(Intercept)         -1.8120     0.1499 -12.091  &lt; 2e-16 ***
-genderm             -0.1919     0.1334  -1.439    0.150    
-resume_quality.L     0.3022     0.1157   2.612    0.009 ** 
-computer_skillsTRUE -0.3787     0.1378  -2.748    0.006 ** 
-volunteerTRUE       -0.2168     0.1617  -1.340    0.180    
-raceblack           -0.4307     0.1075  -4.006 6.18e-05 ***</a:t>
-            </a:r>
-          </a:p>
-        </p:txBody>
-      </p:sp>
-    </p:spTree>
-  </p:cSld>
-</p:sld>
-</file>
-
 <file path=ppt/slides/slide16.xml><?xml version="1.0" encoding="utf-8"?>
 <p:sld xmlns:a="http://schemas.openxmlformats.org/drawingml/2006/main" xmlns:r="http://schemas.openxmlformats.org/officeDocument/2006/relationships" xmlns:p="http://schemas.openxmlformats.org/presentationml/2006/main">
   <p:cSld>
@@ -6904,7 +7220,7 @@
             </a:pPr>
             <a:r>
               <a:rPr/>
-              <a:t>Limitations</a:t>
+              <a:t>Generalized linear model</a:t>
             </a:r>
           </a:p>
         </p:txBody>
@@ -6924,12 +7240,20 @@
           <a:bodyPr/>
           <a:lstStyle/>
           <a:p>
-            <a:pPr lvl="0" indent="0" marL="0">
+            <a:pPr lvl="0" indent="0">
               <a:buNone/>
             </a:pPr>
             <a:r>
-              <a:rPr/>
-              <a:t>This study was originally conducted in 2001 and 2002 in Chicago and Boston. Over the last 20 years there has been increasing awareness of bias in hiring practices. The data needs to be refreshed and more cities should be included in the study to eliminate potential regional biases.</a:t>
+              <a:rPr>
+                <a:latin typeface="Courier"/>
+              </a:rPr>
+              <a:t>                    Estimate Std. Error z value Pr(&gt;|z|)    
+(Intercept)         -1.8120     0.1499 -12.091  &lt; 2e-16 ***
+genderm             -0.1919     0.1334  -1.439    0.150    
+resume_quality.L     0.3022     0.1157   2.612    0.009 ** 
+computer_skillsTRUE -0.3787     0.1378  -2.748    0.006 ** 
+volunteerTRUE       -0.2168     0.1617  -1.340    0.180    
+raceblack           -0.4307     0.1075  -4.006 6.18e-05 ***</a:t>
             </a:r>
           </a:p>
         </p:txBody>
@@ -6976,7 +7300,7 @@
             </a:pPr>
             <a:r>
               <a:rPr/>
-              <a:t>Conclusion</a:t>
+              <a:t>Limitations</a:t>
             </a:r>
           </a:p>
         </p:txBody>
@@ -7001,6 +7325,78 @@
             </a:pPr>
             <a:r>
               <a:rPr/>
+              <a:t>This study was originally conducted in 2001 and 2002 in Chicago and Boston. Over the last 20 years there has been increasing awareness of bias in hiring practices. The data needs to be refreshed and more cities should be included in the study to eliminate potential regional biases.</a:t>
+            </a:r>
+          </a:p>
+        </p:txBody>
+      </p:sp>
+    </p:spTree>
+  </p:cSld>
+</p:sld>
+</file>
+
+<file path=ppt/slides/slide18.xml><?xml version="1.0" encoding="utf-8"?>
+<p:sld xmlns:a="http://schemas.openxmlformats.org/drawingml/2006/main" xmlns:r="http://schemas.openxmlformats.org/officeDocument/2006/relationships" xmlns:p="http://schemas.openxmlformats.org/presentationml/2006/main">
+  <p:cSld>
+    <p:spTree>
+      <p:nvGrpSpPr>
+        <p:cNvPr id="1" name=""/>
+        <p:cNvGrpSpPr/>
+        <p:nvPr/>
+      </p:nvGrpSpPr>
+      <p:grpSpPr>
+        <a:xfrm>
+          <a:off x="0" y="0"/>
+          <a:ext cx="0" cy="0"/>
+          <a:chOff x="0" y="0"/>
+          <a:chExt cx="0" cy="0"/>
+        </a:xfrm>
+      </p:grpSpPr>
+      <p:sp>
+        <p:nvSpPr>
+          <p:cNvPr id="2" name="Title 1"/>
+          <p:cNvSpPr>
+            <a:spLocks noGrp="1"/>
+          </p:cNvSpPr>
+          <p:nvPr>
+            <p:ph type="title"/>
+          </p:nvPr>
+        </p:nvSpPr>
+        <p:spPr/>
+        <p:txBody>
+          <a:bodyPr/>
+          <a:lstStyle/>
+          <a:p>
+            <a:pPr lvl="0" indent="0" marL="0">
+              <a:buNone/>
+            </a:pPr>
+            <a:r>
+              <a:rPr/>
+              <a:t>Conclusion</a:t>
+            </a:r>
+          </a:p>
+        </p:txBody>
+      </p:sp>
+      <p:sp>
+        <p:nvSpPr>
+          <p:cNvPr id="3" name="Content Placeholder 2"/>
+          <p:cNvSpPr>
+            <a:spLocks noGrp="1"/>
+          </p:cNvSpPr>
+          <p:nvPr>
+            <p:ph idx="1"/>
+          </p:nvPr>
+        </p:nvSpPr>
+        <p:spPr/>
+        <p:txBody>
+          <a:bodyPr/>
+          <a:lstStyle/>
+          <a:p>
+            <a:pPr lvl="0" indent="0" marL="0">
+              <a:buNone/>
+            </a:pPr>
+            <a:r>
+              <a:rPr/>
               <a:t>Many biases have been identified in the job market over the years. As a result, HR professionals recommend not including age, religion, nationality, sexual orientation, etc. in job applications.</a:t>
             </a:r>
           </a:p>
@@ -7019,7 +7415,7 @@
             </a:pPr>
             <a:r>
               <a:rPr/>
-              <a:t>One hopes such studies will lead to even greater awareness regarding subtle biases in hiring practices and the need for training and due diligence that is necessary to overcome such biases.</a:t>
+              <a:t>One hopes such studies will lead to greater awareness regarding subtle biases in hiring practices and the need for training and due diligence to overcome such biases.</a:t>
             </a:r>
           </a:p>
         </p:txBody>
@@ -7089,29 +7485,43 @@
             <a:pPr lvl="0"/>
             <a:r>
               <a:rPr/>
-              <a:t>Researchers randomly generated realistic resumes to send to job postings in Boston and Chicago.</a:t>
+              <a:t>Data comes from a study that sought to understand the influence of race (and gender) on job application callback rates</a:t>
             </a:r>
           </a:p>
           <a:p>
             <a:pPr lvl="0"/>
             <a:r>
               <a:rPr/>
-              <a:t>They then randomly assigned a </a:t>
+              <a:t>Researchers monitored job postings in Boston and Chicago during 2001 and 2002</a:t>
+            </a:r>
+          </a:p>
+          <a:p>
+            <a:pPr lvl="0"/>
+            <a:r>
+              <a:rPr/>
+              <a:t>Randomly generated resumes to send to job postings</a:t>
+            </a:r>
+          </a:p>
+          <a:p>
+            <a:pPr lvl="0"/>
+            <a:r>
+              <a:rPr/>
+              <a:t>Randomly assigned a </a:t>
             </a:r>
             <a:r>
               <a:rPr i="1"/>
-              <a:t>first name</a:t>
+              <a:t>name</a:t>
             </a:r>
             <a:r>
               <a:rPr/>
-              <a:t> to the resume that would communicate the race and gender of the applicant.</a:t>
+              <a:t> to the resume that would communicate the race and gender of the applicant</a:t>
             </a:r>
           </a:p>
           <a:p>
             <a:pPr lvl="0"/>
             <a:r>
               <a:rPr/>
-              <a:t>First names for the study were selected so that the names would predominantly be recognized as belonging to </a:t>
+              <a:t>First names for the study were selected that would predominantly be recognized as belonging to </a:t>
             </a:r>
             <a:r>
               <a:rPr b="1"/>
@@ -7127,7 +7537,7 @@
             </a:r>
             <a:r>
               <a:rPr/>
-              <a:t> individuals.</a:t>
+              <a:t> individuals</a:t>
             </a:r>
           </a:p>
           <a:p>
@@ -7203,17 +7613,7 @@
             </a:pPr>
             <a:r>
               <a:rPr/>
-              <a:t>Data - </a:t>
-            </a:r>
-            <a:r>
-              <a:rPr>
-                <a:hlinkClick r:id="rId2"/>
-              </a:rPr>
-              <a:t>OpenIntro</a:t>
-            </a:r>
-            <a:r>
-              <a:rPr/>
-              <a:t>.</a:t>
+              <a:t>Data</a:t>
             </a:r>
           </a:p>
         </p:txBody>
@@ -7235,18 +7635,16 @@
               <a:bodyPr/>
               <a:lstStyle/>
               <a:p>
-                <a:pPr lvl="0" indent="-457200" marL="457200">
-                  <a:buAutoNum type="arabicPeriod"/>
-                </a:pPr>
+                <a:pPr lvl="0"/>
                 <a:r>
-                  <a:rPr/>
-                  <a:t>Each of the 4870 cases represents a randomly generated resume</a:t>
+                  <a:rPr>
+                    <a:hlinkClick r:id="rId2"/>
+                  </a:rPr>
+                  <a:t>OpenIntro - Which resume attributes drive job callbacks?</a:t>
                 </a:r>
               </a:p>
               <a:p>
-                <a:pPr lvl="0" indent="-457200" marL="457200">
-                  <a:buAutoNum type="arabicPeriod"/>
-                </a:pPr>
+                <a:pPr lvl="0"/>
                 <a:r>
                   <a:rPr/>
                   <a:t>This was an </a:t>
@@ -7261,9 +7659,14 @@
                 </a:r>
               </a:p>
               <a:p>
-                <a:pPr lvl="0" indent="-457200" marL="457200">
-                  <a:buAutoNum type="arabicPeriod"/>
-                </a:pPr>
+                <a:pPr lvl="0"/>
+                <a:r>
+                  <a:rPr/>
+                  <a:t>Each of the cases (4870) represents a randomly generated resume</a:t>
+                </a:r>
+              </a:p>
+              <a:p>
+                <a:pPr lvl="0"/>
                 <a:r>
                   <a:rPr/>
                   <a:t>Categorical response variable is </a:t>
@@ -7328,9 +7731,7 @@
                 </a14:m>
               </a:p>
               <a:p>
-                <a:pPr lvl="0" indent="-457200" marL="457200">
-                  <a:buAutoNum type="arabicPeriod"/>
-                </a:pPr>
+                <a:pPr lvl="0"/>
                 <a:r>
                   <a:rPr/>
                   <a:t>Categorical explanatory variable is </a:t>
@@ -7398,7 +7799,7 @@
             </a:pPr>
             <a:r>
               <a:rPr/>
-              <a:t>Callback Proportions</a:t>
+              <a:t>Callback Proportions - Group by Callback Rate</a:t>
             </a:r>
           </a:p>
         </p:txBody>
@@ -7475,356 +7876,433 @@
             </a:pPr>
             <a:r>
               <a:rPr/>
-              <a:t>Calculate sample proportion</a:t>
-            </a:r>
-          </a:p>
-        </p:txBody>
-      </p:sp>
-      <p:sp>
-        <p:nvSpPr>
-          <p:cNvPr id="3" name="Content Placeholder 2"/>
-          <p:cNvSpPr>
-            <a:spLocks noGrp="1"/>
-          </p:cNvSpPr>
-          <p:nvPr>
-            <p:ph idx="1"/>
-          </p:nvPr>
-        </p:nvSpPr>
-        <p:spPr/>
-        <p:txBody>
-          <a:bodyPr/>
-          <a:lstStyle/>
-          <a:p>
-            <a:pPr lvl="0" indent="0">
-              <a:buNone/>
-            </a:pPr>
-            <a:r>
-              <a:rPr>
-                <a:latin typeface="Courier"/>
-              </a:rPr>
-              <a:t>sample_props </a:t>
-            </a:r>
-            <a:r>
-              <a:rPr>
-                <a:solidFill>
-                  <a:srgbClr val="007020"/>
-                </a:solidFill>
-                <a:latin typeface="Courier"/>
-              </a:rPr>
-              <a:t>&lt;-</a:t>
-            </a:r>
-            <a:r>
-              <a:rPr>
-                <a:latin typeface="Courier"/>
-              </a:rPr>
-              <a:t> df </a:t>
-            </a:r>
-            <a:r>
-              <a:rPr>
-                <a:solidFill>
-                  <a:srgbClr val="4070A0"/>
-                </a:solidFill>
-                <a:latin typeface="Courier"/>
-              </a:rPr>
-              <a:t>|&gt;</a:t>
-            </a:r>
-            <a:br/>
-            <a:r>
-              <a:rPr>
-                <a:latin typeface="Courier"/>
-              </a:rPr>
-              <a:t>                    </a:t>
-            </a:r>
-            <a:r>
-              <a:rPr>
-                <a:solidFill>
-                  <a:srgbClr val="06287E"/>
-                </a:solidFill>
-                <a:latin typeface="Courier"/>
-              </a:rPr>
-              <a:t>rep_sample_n</a:t>
-            </a:r>
-            <a:r>
-              <a:rPr>
-                <a:latin typeface="Courier"/>
-              </a:rPr>
-              <a:t>(</a:t>
-            </a:r>
-            <a:r>
-              <a:rPr>
-                <a:solidFill>
-                  <a:srgbClr val="7D9029"/>
-                </a:solidFill>
-                <a:latin typeface="Courier"/>
-              </a:rPr>
-              <a:t>size =</a:t>
-            </a:r>
-            <a:r>
-              <a:rPr>
-                <a:latin typeface="Courier"/>
-              </a:rPr>
-              <a:t> </a:t>
-            </a:r>
-            <a:r>
-              <a:rPr>
-                <a:solidFill>
-                  <a:srgbClr val="40A070"/>
-                </a:solidFill>
-                <a:latin typeface="Courier"/>
-              </a:rPr>
-              <a:t>500</a:t>
-            </a:r>
-            <a:r>
-              <a:rPr>
-                <a:latin typeface="Courier"/>
-              </a:rPr>
-              <a:t>, </a:t>
-            </a:r>
-            <a:br/>
-            <a:r>
-              <a:rPr>
-                <a:latin typeface="Courier"/>
-              </a:rPr>
-              <a:t>                                 </a:t>
-            </a:r>
-            <a:r>
-              <a:rPr>
-                <a:solidFill>
-                  <a:srgbClr val="7D9029"/>
-                </a:solidFill>
-                <a:latin typeface="Courier"/>
-              </a:rPr>
-              <a:t>reps =</a:t>
-            </a:r>
-            <a:r>
-              <a:rPr>
-                <a:latin typeface="Courier"/>
-              </a:rPr>
-              <a:t> </a:t>
-            </a:r>
-            <a:r>
-              <a:rPr>
-                <a:solidFill>
-                  <a:srgbClr val="40A070"/>
-                </a:solidFill>
-                <a:latin typeface="Courier"/>
-              </a:rPr>
-              <a:t>1000</a:t>
-            </a:r>
-            <a:r>
-              <a:rPr>
-                <a:latin typeface="Courier"/>
-              </a:rPr>
-              <a:t>, </a:t>
-            </a:r>
-            <a:br/>
-            <a:r>
-              <a:rPr>
-                <a:latin typeface="Courier"/>
-              </a:rPr>
-              <a:t>                                 </a:t>
-            </a:r>
-            <a:r>
-              <a:rPr>
-                <a:solidFill>
-                  <a:srgbClr val="7D9029"/>
-                </a:solidFill>
-                <a:latin typeface="Courier"/>
-              </a:rPr>
-              <a:t>replace =</a:t>
-            </a:r>
-            <a:r>
-              <a:rPr>
-                <a:latin typeface="Courier"/>
-              </a:rPr>
-              <a:t> </a:t>
-            </a:r>
-            <a:r>
-              <a:rPr>
-                <a:solidFill>
-                  <a:srgbClr val="880000"/>
-                </a:solidFill>
-                <a:latin typeface="Courier"/>
-              </a:rPr>
-              <a:t>TRUE</a:t>
-            </a:r>
-            <a:r>
-              <a:rPr>
-                <a:latin typeface="Courier"/>
-              </a:rPr>
-              <a:t>) </a:t>
-            </a:r>
-            <a:r>
-              <a:rPr>
-                <a:solidFill>
-                  <a:srgbClr val="4070A0"/>
-                </a:solidFill>
-                <a:latin typeface="Courier"/>
-              </a:rPr>
-              <a:t>|&gt;</a:t>
-            </a:r>
-            <a:br/>
-            <a:r>
-              <a:rPr>
-                <a:latin typeface="Courier"/>
-              </a:rPr>
-              <a:t>                    </a:t>
-            </a:r>
-            <a:r>
-              <a:rPr>
-                <a:solidFill>
-                  <a:srgbClr val="06287E"/>
-                </a:solidFill>
-                <a:latin typeface="Courier"/>
-              </a:rPr>
-              <a:t>count</a:t>
-            </a:r>
-            <a:r>
-              <a:rPr>
-                <a:latin typeface="Courier"/>
-              </a:rPr>
-              <a:t>(received_callback_cat) </a:t>
-            </a:r>
-            <a:r>
-              <a:rPr>
-                <a:solidFill>
-                  <a:srgbClr val="4070A0"/>
-                </a:solidFill>
-                <a:latin typeface="Courier"/>
-              </a:rPr>
-              <a:t>|&gt;</a:t>
-            </a:r>
-            <a:br/>
-            <a:r>
-              <a:rPr>
-                <a:latin typeface="Courier"/>
-              </a:rPr>
-              <a:t>                    </a:t>
-            </a:r>
-            <a:r>
-              <a:rPr>
-                <a:solidFill>
-                  <a:srgbClr val="06287E"/>
-                </a:solidFill>
-                <a:latin typeface="Courier"/>
-              </a:rPr>
-              <a:t>mutate</a:t>
-            </a:r>
-            <a:r>
-              <a:rPr>
-                <a:latin typeface="Courier"/>
-              </a:rPr>
-              <a:t>(</a:t>
-            </a:r>
-            <a:r>
-              <a:rPr>
-                <a:solidFill>
-                  <a:srgbClr val="7D9029"/>
-                </a:solidFill>
-                <a:latin typeface="Courier"/>
-              </a:rPr>
-              <a:t>p_hat =</a:t>
-            </a:r>
-            <a:r>
-              <a:rPr>
-                <a:latin typeface="Courier"/>
-              </a:rPr>
-              <a:t> n </a:t>
-            </a:r>
-            <a:r>
-              <a:rPr>
-                <a:solidFill>
-                  <a:srgbClr val="4070A0"/>
-                </a:solidFill>
-                <a:latin typeface="Courier"/>
-              </a:rPr>
-              <a:t>/</a:t>
-            </a:r>
-            <a:r>
-              <a:rPr>
-                <a:solidFill>
-                  <a:srgbClr val="06287E"/>
-                </a:solidFill>
-                <a:latin typeface="Courier"/>
-              </a:rPr>
-              <a:t>sum</a:t>
-            </a:r>
-            <a:r>
-              <a:rPr>
-                <a:latin typeface="Courier"/>
-              </a:rPr>
-              <a:t>(n)) </a:t>
-            </a:r>
-            <a:r>
-              <a:rPr>
-                <a:solidFill>
-                  <a:srgbClr val="4070A0"/>
-                </a:solidFill>
-                <a:latin typeface="Courier"/>
-              </a:rPr>
-              <a:t>|&gt;</a:t>
-            </a:r>
-            <a:br/>
-            <a:r>
-              <a:rPr>
-                <a:latin typeface="Courier"/>
-              </a:rPr>
-              <a:t>                    </a:t>
-            </a:r>
-            <a:r>
-              <a:rPr>
-                <a:solidFill>
-                  <a:srgbClr val="06287E"/>
-                </a:solidFill>
-                <a:latin typeface="Courier"/>
-              </a:rPr>
-              <a:t>filter</a:t>
-            </a:r>
-            <a:r>
-              <a:rPr>
-                <a:latin typeface="Courier"/>
-              </a:rPr>
-              <a:t>(received_callback_cat </a:t>
-            </a:r>
-            <a:r>
-              <a:rPr>
-                <a:solidFill>
-                  <a:srgbClr val="4070A0"/>
-                </a:solidFill>
-                <a:latin typeface="Courier"/>
-              </a:rPr>
-              <a:t>==</a:t>
-            </a:r>
-            <a:r>
-              <a:rPr>
-                <a:latin typeface="Courier"/>
-              </a:rPr>
-              <a:t> </a:t>
-            </a:r>
-            <a:r>
-              <a:rPr>
-                <a:solidFill>
-                  <a:srgbClr val="4070A0"/>
-                </a:solidFill>
-                <a:latin typeface="Courier"/>
-              </a:rPr>
-              <a:t>"Yes"</a:t>
-            </a:r>
-            <a:r>
-              <a:rPr>
-                <a:latin typeface="Courier"/>
-              </a:rPr>
-              <a:t>)</a:t>
-            </a:r>
-          </a:p>
-        </p:txBody>
-      </p:sp>
+              <a:t>Callback Proportions - Group by Race</a:t>
+            </a:r>
+          </a:p>
+        </p:txBody>
+      </p:sp>
+      <p:pic>
+        <p:nvPicPr>
+          <p:cNvPr descr="Hakim-Project_files/figure-pptx/unnamed-chunk-2-1.png" id="0" name="Picture 1"/>
+          <p:cNvPicPr>
+            <a:picLocks noGrp="1" noChangeAspect="1"/>
+          </p:cNvPicPr>
+          <p:nvPr/>
+        </p:nvPicPr>
+        <p:blipFill>
+          <a:blip r:embed="rId2"/>
+          <a:stretch>
+            <a:fillRect/>
+          </a:stretch>
+        </p:blipFill>
+        <p:spPr bwMode="auto">
+          <a:xfrm>
+            <a:off x="2540000" y="2159000"/>
+            <a:ext cx="4838700" cy="3873500"/>
+          </a:xfrm>
+          <a:prstGeom prst="rect">
+            <a:avLst/>
+          </a:prstGeom>
+          <a:noFill/>
+          <a:ln w="9525">
+            <a:noFill/>
+            <a:headEnd/>
+            <a:tailEnd/>
+          </a:ln>
+        </p:spPr>
+      </p:pic>
     </p:spTree>
   </p:cSld>
 </p:sld>
 </file>
 
 <file path=ppt/slides/slide6.xml><?xml version="1.0" encoding="utf-8"?>
+<p:sld xmlns:a="http://schemas.openxmlformats.org/drawingml/2006/main" xmlns:r="http://schemas.openxmlformats.org/officeDocument/2006/relationships" xmlns:p="http://schemas.openxmlformats.org/presentationml/2006/main">
+  <p:cSld>
+    <p:spTree>
+      <p:nvGrpSpPr>
+        <p:cNvPr id="1" name=""/>
+        <p:cNvGrpSpPr/>
+        <p:nvPr/>
+      </p:nvGrpSpPr>
+      <p:grpSpPr>
+        <a:xfrm>
+          <a:off x="0" y="0"/>
+          <a:ext cx="0" cy="0"/>
+          <a:chOff x="0" y="0"/>
+          <a:chExt cx="0" cy="0"/>
+        </a:xfrm>
+      </p:grpSpPr>
+      <p:sp>
+        <p:nvSpPr>
+          <p:cNvPr id="2" name="Title 1"/>
+          <p:cNvSpPr>
+            <a:spLocks noGrp="1"/>
+          </p:cNvSpPr>
+          <p:nvPr>
+            <p:ph type="title"/>
+          </p:nvPr>
+        </p:nvSpPr>
+        <p:spPr/>
+        <p:txBody>
+          <a:bodyPr/>
+          <a:lstStyle/>
+          <a:p>
+            <a:pPr lvl="0" indent="0" marL="0">
+              <a:buNone/>
+            </a:pPr>
+            <a:r>
+              <a:rPr/>
+              <a:t>Calculate sample proportion</a:t>
+            </a:r>
+          </a:p>
+        </p:txBody>
+      </p:sp>
+      <p:sp>
+        <p:nvSpPr>
+          <p:cNvPr id="3" name="Content Placeholder 2"/>
+          <p:cNvSpPr>
+            <a:spLocks noGrp="1"/>
+          </p:cNvSpPr>
+          <p:nvPr>
+            <p:ph idx="1"/>
+          </p:nvPr>
+        </p:nvSpPr>
+        <p:spPr/>
+        <p:txBody>
+          <a:bodyPr/>
+          <a:lstStyle/>
+          <a:p>
+            <a:pPr lvl="0" indent="0">
+              <a:buNone/>
+            </a:pPr>
+            <a:r>
+              <a:rPr>
+                <a:latin typeface="Courier"/>
+              </a:rPr>
+              <a:t>sample_props </a:t>
+            </a:r>
+            <a:r>
+              <a:rPr>
+                <a:solidFill>
+                  <a:srgbClr val="007020"/>
+                </a:solidFill>
+                <a:latin typeface="Courier"/>
+              </a:rPr>
+              <a:t>&lt;-</a:t>
+            </a:r>
+            <a:r>
+              <a:rPr>
+                <a:latin typeface="Courier"/>
+              </a:rPr>
+              <a:t> df </a:t>
+            </a:r>
+            <a:r>
+              <a:rPr>
+                <a:solidFill>
+                  <a:srgbClr val="4070A0"/>
+                </a:solidFill>
+                <a:latin typeface="Courier"/>
+              </a:rPr>
+              <a:t>|&gt;</a:t>
+            </a:r>
+            <a:br/>
+            <a:r>
+              <a:rPr>
+                <a:latin typeface="Courier"/>
+              </a:rPr>
+              <a:t>                    </a:t>
+            </a:r>
+            <a:r>
+              <a:rPr>
+                <a:solidFill>
+                  <a:srgbClr val="06287E"/>
+                </a:solidFill>
+                <a:latin typeface="Courier"/>
+              </a:rPr>
+              <a:t>rep_sample_n</a:t>
+            </a:r>
+            <a:r>
+              <a:rPr>
+                <a:latin typeface="Courier"/>
+              </a:rPr>
+              <a:t>(</a:t>
+            </a:r>
+            <a:r>
+              <a:rPr>
+                <a:solidFill>
+                  <a:srgbClr val="7D9029"/>
+                </a:solidFill>
+                <a:latin typeface="Courier"/>
+              </a:rPr>
+              <a:t>size =</a:t>
+            </a:r>
+            <a:r>
+              <a:rPr>
+                <a:latin typeface="Courier"/>
+              </a:rPr>
+              <a:t> </a:t>
+            </a:r>
+            <a:r>
+              <a:rPr>
+                <a:solidFill>
+                  <a:srgbClr val="40A070"/>
+                </a:solidFill>
+                <a:latin typeface="Courier"/>
+              </a:rPr>
+              <a:t>500</a:t>
+            </a:r>
+            <a:r>
+              <a:rPr>
+                <a:latin typeface="Courier"/>
+              </a:rPr>
+              <a:t>, </a:t>
+            </a:r>
+            <a:br/>
+            <a:r>
+              <a:rPr>
+                <a:latin typeface="Courier"/>
+              </a:rPr>
+              <a:t>                                 </a:t>
+            </a:r>
+            <a:r>
+              <a:rPr>
+                <a:solidFill>
+                  <a:srgbClr val="7D9029"/>
+                </a:solidFill>
+                <a:latin typeface="Courier"/>
+              </a:rPr>
+              <a:t>reps =</a:t>
+            </a:r>
+            <a:r>
+              <a:rPr>
+                <a:latin typeface="Courier"/>
+              </a:rPr>
+              <a:t> </a:t>
+            </a:r>
+            <a:r>
+              <a:rPr>
+                <a:solidFill>
+                  <a:srgbClr val="40A070"/>
+                </a:solidFill>
+                <a:latin typeface="Courier"/>
+              </a:rPr>
+              <a:t>1000</a:t>
+            </a:r>
+            <a:r>
+              <a:rPr>
+                <a:latin typeface="Courier"/>
+              </a:rPr>
+              <a:t>, </a:t>
+            </a:r>
+            <a:br/>
+            <a:r>
+              <a:rPr>
+                <a:latin typeface="Courier"/>
+              </a:rPr>
+              <a:t>                                 </a:t>
+            </a:r>
+            <a:r>
+              <a:rPr>
+                <a:solidFill>
+                  <a:srgbClr val="7D9029"/>
+                </a:solidFill>
+                <a:latin typeface="Courier"/>
+              </a:rPr>
+              <a:t>replace =</a:t>
+            </a:r>
+            <a:r>
+              <a:rPr>
+                <a:latin typeface="Courier"/>
+              </a:rPr>
+              <a:t> </a:t>
+            </a:r>
+            <a:r>
+              <a:rPr>
+                <a:solidFill>
+                  <a:srgbClr val="880000"/>
+                </a:solidFill>
+                <a:latin typeface="Courier"/>
+              </a:rPr>
+              <a:t>TRUE</a:t>
+            </a:r>
+            <a:r>
+              <a:rPr>
+                <a:latin typeface="Courier"/>
+              </a:rPr>
+              <a:t>) </a:t>
+            </a:r>
+            <a:r>
+              <a:rPr>
+                <a:solidFill>
+                  <a:srgbClr val="4070A0"/>
+                </a:solidFill>
+                <a:latin typeface="Courier"/>
+              </a:rPr>
+              <a:t>|&gt;</a:t>
+            </a:r>
+            <a:br/>
+            <a:r>
+              <a:rPr>
+                <a:latin typeface="Courier"/>
+              </a:rPr>
+              <a:t>                    </a:t>
+            </a:r>
+            <a:r>
+              <a:rPr>
+                <a:solidFill>
+                  <a:srgbClr val="06287E"/>
+                </a:solidFill>
+                <a:latin typeface="Courier"/>
+              </a:rPr>
+              <a:t>count</a:t>
+            </a:r>
+            <a:r>
+              <a:rPr>
+                <a:latin typeface="Courier"/>
+              </a:rPr>
+              <a:t>(received_callback_cat) </a:t>
+            </a:r>
+            <a:r>
+              <a:rPr>
+                <a:solidFill>
+                  <a:srgbClr val="4070A0"/>
+                </a:solidFill>
+                <a:latin typeface="Courier"/>
+              </a:rPr>
+              <a:t>|&gt;</a:t>
+            </a:r>
+            <a:br/>
+            <a:r>
+              <a:rPr>
+                <a:latin typeface="Courier"/>
+              </a:rPr>
+              <a:t>                    </a:t>
+            </a:r>
+            <a:r>
+              <a:rPr>
+                <a:solidFill>
+                  <a:srgbClr val="06287E"/>
+                </a:solidFill>
+                <a:latin typeface="Courier"/>
+              </a:rPr>
+              <a:t>mutate</a:t>
+            </a:r>
+            <a:r>
+              <a:rPr>
+                <a:latin typeface="Courier"/>
+              </a:rPr>
+              <a:t>(</a:t>
+            </a:r>
+            <a:r>
+              <a:rPr>
+                <a:solidFill>
+                  <a:srgbClr val="7D9029"/>
+                </a:solidFill>
+                <a:latin typeface="Courier"/>
+              </a:rPr>
+              <a:t>p_hat =</a:t>
+            </a:r>
+            <a:r>
+              <a:rPr>
+                <a:latin typeface="Courier"/>
+              </a:rPr>
+              <a:t> n </a:t>
+            </a:r>
+            <a:r>
+              <a:rPr>
+                <a:solidFill>
+                  <a:srgbClr val="4070A0"/>
+                </a:solidFill>
+                <a:latin typeface="Courier"/>
+              </a:rPr>
+              <a:t>/</a:t>
+            </a:r>
+            <a:r>
+              <a:rPr>
+                <a:solidFill>
+                  <a:srgbClr val="06287E"/>
+                </a:solidFill>
+                <a:latin typeface="Courier"/>
+              </a:rPr>
+              <a:t>sum</a:t>
+            </a:r>
+            <a:r>
+              <a:rPr>
+                <a:latin typeface="Courier"/>
+              </a:rPr>
+              <a:t>(n)) </a:t>
+            </a:r>
+            <a:r>
+              <a:rPr>
+                <a:solidFill>
+                  <a:srgbClr val="4070A0"/>
+                </a:solidFill>
+                <a:latin typeface="Courier"/>
+              </a:rPr>
+              <a:t>|&gt;</a:t>
+            </a:r>
+            <a:br/>
+            <a:r>
+              <a:rPr>
+                <a:latin typeface="Courier"/>
+              </a:rPr>
+              <a:t>                    </a:t>
+            </a:r>
+            <a:r>
+              <a:rPr>
+                <a:solidFill>
+                  <a:srgbClr val="06287E"/>
+                </a:solidFill>
+                <a:latin typeface="Courier"/>
+              </a:rPr>
+              <a:t>filter</a:t>
+            </a:r>
+            <a:r>
+              <a:rPr>
+                <a:latin typeface="Courier"/>
+              </a:rPr>
+              <a:t>(received_callback_cat </a:t>
+            </a:r>
+            <a:r>
+              <a:rPr>
+                <a:solidFill>
+                  <a:srgbClr val="4070A0"/>
+                </a:solidFill>
+                <a:latin typeface="Courier"/>
+              </a:rPr>
+              <a:t>==</a:t>
+            </a:r>
+            <a:r>
+              <a:rPr>
+                <a:latin typeface="Courier"/>
+              </a:rPr>
+              <a:t> </a:t>
+            </a:r>
+            <a:r>
+              <a:rPr>
+                <a:solidFill>
+                  <a:srgbClr val="4070A0"/>
+                </a:solidFill>
+                <a:latin typeface="Courier"/>
+              </a:rPr>
+              <a:t>"Yes"</a:t>
+            </a:r>
+            <a:r>
+              <a:rPr>
+                <a:latin typeface="Courier"/>
+              </a:rPr>
+              <a:t>)</a:t>
+            </a:r>
+          </a:p>
+        </p:txBody>
+      </p:sp>
+    </p:spTree>
+  </p:cSld>
+</p:sld>
+</file>
+
+<file path=ppt/slides/slide7.xml><?xml version="1.0" encoding="utf-8"?>
 <p:sld xmlns:a="http://schemas.openxmlformats.org/drawingml/2006/main" xmlns:r="http://schemas.openxmlformats.org/officeDocument/2006/relationships" xmlns:p="http://schemas.openxmlformats.org/presentationml/2006/main">
   <p:cSld>
     <p:spTree>
@@ -7921,7 +8399,7 @@
             </a:pPr>
             <a:r>
               <a:rPr/>
-              <a:t>Sample Proportion</a:t>
+              <a:t>Sample Prop - Received Callback</a:t>
             </a:r>
           </a:p>
         </p:txBody>
@@ -7931,7 +8409,7 @@
 </p:sld>
 </file>
 
-<file path=ppt/slides/slide7.xml><?xml version="1.0" encoding="utf-8"?>
+<file path=ppt/slides/slide8.xml><?xml version="1.0" encoding="utf-8"?>
 <p:sld xmlns:a="http://schemas.openxmlformats.org/drawingml/2006/main" xmlns:r="http://schemas.openxmlformats.org/officeDocument/2006/relationships" xmlns:p="http://schemas.openxmlformats.org/presentationml/2006/main">
   <p:cSld>
     <p:spTree>
@@ -7968,7 +8446,7 @@
             </a:pPr>
             <a:r>
               <a:rPr/>
-              <a:t>Confidence Interval</a:t>
+              <a:t>Sample Proportion - 95% Confidence Interval</a:t>
             </a:r>
           </a:p>
         </p:txBody>
@@ -7988,12 +8466,334 @@
           <a:bodyPr/>
           <a:lstStyle/>
           <a:p>
-            <a:pPr lvl="0" indent="0" marL="0">
+            <a:pPr lvl="0" indent="0">
               <a:buNone/>
             </a:pPr>
             <a:r>
-              <a:rPr/>
-              <a:t>95% Confidence Interval for the sample proportion:</a:t>
+              <a:rPr>
+                <a:latin typeface="Courier"/>
+              </a:rPr>
+              <a:t>ci </a:t>
+            </a:r>
+            <a:r>
+              <a:rPr>
+                <a:solidFill>
+                  <a:srgbClr val="007020"/>
+                </a:solidFill>
+                <a:latin typeface="Courier"/>
+              </a:rPr>
+              <a:t>&lt;-</a:t>
+            </a:r>
+            <a:r>
+              <a:rPr>
+                <a:latin typeface="Courier"/>
+              </a:rPr>
+              <a:t> df </a:t>
+            </a:r>
+            <a:r>
+              <a:rPr>
+                <a:solidFill>
+                  <a:srgbClr val="4070A0"/>
+                </a:solidFill>
+                <a:latin typeface="Courier"/>
+              </a:rPr>
+              <a:t>|&gt;</a:t>
+            </a:r>
+            <a:br/>
+            <a:r>
+              <a:rPr>
+                <a:latin typeface="Courier"/>
+              </a:rPr>
+              <a:t>  </a:t>
+            </a:r>
+            <a:r>
+              <a:rPr>
+                <a:solidFill>
+                  <a:srgbClr val="06287E"/>
+                </a:solidFill>
+                <a:latin typeface="Courier"/>
+              </a:rPr>
+              <a:t>specify</a:t>
+            </a:r>
+            <a:r>
+              <a:rPr>
+                <a:latin typeface="Courier"/>
+              </a:rPr>
+              <a:t>(</a:t>
+            </a:r>
+            <a:r>
+              <a:rPr>
+                <a:solidFill>
+                  <a:srgbClr val="7D9029"/>
+                </a:solidFill>
+                <a:latin typeface="Courier"/>
+              </a:rPr>
+              <a:t>response =</a:t>
+            </a:r>
+            <a:r>
+              <a:rPr>
+                <a:latin typeface="Courier"/>
+              </a:rPr>
+              <a:t> received_callback_cat, </a:t>
+            </a:r>
+            <a:r>
+              <a:rPr>
+                <a:solidFill>
+                  <a:srgbClr val="7D9029"/>
+                </a:solidFill>
+                <a:latin typeface="Courier"/>
+              </a:rPr>
+              <a:t>success =</a:t>
+            </a:r>
+            <a:r>
+              <a:rPr>
+                <a:latin typeface="Courier"/>
+              </a:rPr>
+              <a:t> </a:t>
+            </a:r>
+            <a:r>
+              <a:rPr>
+                <a:solidFill>
+                  <a:srgbClr val="4070A0"/>
+                </a:solidFill>
+                <a:latin typeface="Courier"/>
+              </a:rPr>
+              <a:t>'Yes'</a:t>
+            </a:r>
+            <a:r>
+              <a:rPr>
+                <a:latin typeface="Courier"/>
+              </a:rPr>
+              <a:t>) </a:t>
+            </a:r>
+            <a:r>
+              <a:rPr>
+                <a:solidFill>
+                  <a:srgbClr val="4070A0"/>
+                </a:solidFill>
+                <a:latin typeface="Courier"/>
+              </a:rPr>
+              <a:t>|&gt;</a:t>
+            </a:r>
+            <a:br/>
+            <a:r>
+              <a:rPr>
+                <a:latin typeface="Courier"/>
+              </a:rPr>
+              <a:t>  </a:t>
+            </a:r>
+            <a:r>
+              <a:rPr>
+                <a:solidFill>
+                  <a:srgbClr val="06287E"/>
+                </a:solidFill>
+                <a:latin typeface="Courier"/>
+              </a:rPr>
+              <a:t>generate</a:t>
+            </a:r>
+            <a:r>
+              <a:rPr>
+                <a:latin typeface="Courier"/>
+              </a:rPr>
+              <a:t>(</a:t>
+            </a:r>
+            <a:r>
+              <a:rPr>
+                <a:solidFill>
+                  <a:srgbClr val="7D9029"/>
+                </a:solidFill>
+                <a:latin typeface="Courier"/>
+              </a:rPr>
+              <a:t>reps =</a:t>
+            </a:r>
+            <a:r>
+              <a:rPr>
+                <a:latin typeface="Courier"/>
+              </a:rPr>
+              <a:t> </a:t>
+            </a:r>
+            <a:r>
+              <a:rPr>
+                <a:solidFill>
+                  <a:srgbClr val="40A070"/>
+                </a:solidFill>
+                <a:latin typeface="Courier"/>
+              </a:rPr>
+              <a:t>1000</a:t>
+            </a:r>
+            <a:r>
+              <a:rPr>
+                <a:latin typeface="Courier"/>
+              </a:rPr>
+              <a:t>, </a:t>
+            </a:r>
+            <a:r>
+              <a:rPr>
+                <a:solidFill>
+                  <a:srgbClr val="7D9029"/>
+                </a:solidFill>
+                <a:latin typeface="Courier"/>
+              </a:rPr>
+              <a:t>type =</a:t>
+            </a:r>
+            <a:r>
+              <a:rPr>
+                <a:latin typeface="Courier"/>
+              </a:rPr>
+              <a:t> </a:t>
+            </a:r>
+            <a:r>
+              <a:rPr>
+                <a:solidFill>
+                  <a:srgbClr val="4070A0"/>
+                </a:solidFill>
+                <a:latin typeface="Courier"/>
+              </a:rPr>
+              <a:t>'bootstrap'</a:t>
+            </a:r>
+            <a:r>
+              <a:rPr>
+                <a:latin typeface="Courier"/>
+              </a:rPr>
+              <a:t>) </a:t>
+            </a:r>
+            <a:r>
+              <a:rPr>
+                <a:solidFill>
+                  <a:srgbClr val="4070A0"/>
+                </a:solidFill>
+                <a:latin typeface="Courier"/>
+              </a:rPr>
+              <a:t>|&gt;</a:t>
+            </a:r>
+            <a:br/>
+            <a:r>
+              <a:rPr>
+                <a:latin typeface="Courier"/>
+              </a:rPr>
+              <a:t>  </a:t>
+            </a:r>
+            <a:r>
+              <a:rPr>
+                <a:solidFill>
+                  <a:srgbClr val="06287E"/>
+                </a:solidFill>
+                <a:latin typeface="Courier"/>
+              </a:rPr>
+              <a:t>calculate</a:t>
+            </a:r>
+            <a:r>
+              <a:rPr>
+                <a:latin typeface="Courier"/>
+              </a:rPr>
+              <a:t>(</a:t>
+            </a:r>
+            <a:r>
+              <a:rPr>
+                <a:solidFill>
+                  <a:srgbClr val="7D9029"/>
+                </a:solidFill>
+                <a:latin typeface="Courier"/>
+              </a:rPr>
+              <a:t>stat =</a:t>
+            </a:r>
+            <a:r>
+              <a:rPr>
+                <a:latin typeface="Courier"/>
+              </a:rPr>
+              <a:t> </a:t>
+            </a:r>
+            <a:r>
+              <a:rPr>
+                <a:solidFill>
+                  <a:srgbClr val="4070A0"/>
+                </a:solidFill>
+                <a:latin typeface="Courier"/>
+              </a:rPr>
+              <a:t>'prop'</a:t>
+            </a:r>
+            <a:r>
+              <a:rPr>
+                <a:latin typeface="Courier"/>
+              </a:rPr>
+              <a:t>) </a:t>
+            </a:r>
+            <a:r>
+              <a:rPr>
+                <a:solidFill>
+                  <a:srgbClr val="4070A0"/>
+                </a:solidFill>
+                <a:latin typeface="Courier"/>
+              </a:rPr>
+              <a:t>|&gt;</a:t>
+            </a:r>
+            <a:br/>
+            <a:r>
+              <a:rPr>
+                <a:latin typeface="Courier"/>
+              </a:rPr>
+              <a:t>  </a:t>
+            </a:r>
+            <a:r>
+              <a:rPr>
+                <a:solidFill>
+                  <a:srgbClr val="06287E"/>
+                </a:solidFill>
+                <a:latin typeface="Courier"/>
+              </a:rPr>
+              <a:t>get_ci</a:t>
+            </a:r>
+            <a:r>
+              <a:rPr>
+                <a:latin typeface="Courier"/>
+              </a:rPr>
+              <a:t>(</a:t>
+            </a:r>
+            <a:r>
+              <a:rPr>
+                <a:solidFill>
+                  <a:srgbClr val="7D9029"/>
+                </a:solidFill>
+                <a:latin typeface="Courier"/>
+              </a:rPr>
+              <a:t>level =</a:t>
+            </a:r>
+            <a:r>
+              <a:rPr>
+                <a:latin typeface="Courier"/>
+              </a:rPr>
+              <a:t> </a:t>
+            </a:r>
+            <a:r>
+              <a:rPr>
+                <a:solidFill>
+                  <a:srgbClr val="40A070"/>
+                </a:solidFill>
+                <a:latin typeface="Courier"/>
+              </a:rPr>
+              <a:t>0.95</a:t>
+            </a:r>
+            <a:r>
+              <a:rPr>
+                <a:latin typeface="Courier"/>
+              </a:rPr>
+              <a:t>)</a:t>
+            </a:r>
+            <a:br/>
+            <a:r>
+              <a:rPr>
+                <a:solidFill>
+                  <a:srgbClr val="06287E"/>
+                </a:solidFill>
+                <a:latin typeface="Courier"/>
+              </a:rPr>
+              <a:t>print</a:t>
+            </a:r>
+            <a:r>
+              <a:rPr>
+                <a:latin typeface="Courier"/>
+              </a:rPr>
+              <a:t>(ci)</a:t>
             </a:r>
           </a:p>
           <a:p>
@@ -8017,7 +8817,7 @@
 </p:sld>
 </file>
 
-<file path=ppt/slides/slide8.xml><?xml version="1.0" encoding="utf-8"?>
+<file path=ppt/slides/slide9.xml><?xml version="1.0" encoding="utf-8"?>
 <p:sld xmlns:a="http://schemas.openxmlformats.org/drawingml/2006/main" xmlns:r="http://schemas.openxmlformats.org/officeDocument/2006/relationships" xmlns:p="http://schemas.openxmlformats.org/presentationml/2006/main">
   <p:cSld>
     <p:spTree>
@@ -8097,7 +8897,7 @@
                 </a14:m>
                 <a:r>
                   <a:rPr/>
-                  <a:t>: there is no difference in callback proportion between candidates who are perceived to be white and those perceived to be black</a:t>
+                  <a:t>: assumes there is no association between callback rate and the perceived race of the candidate</a:t>
                 </a:r>
               </a:p>
               <a:p>
@@ -8122,130 +8922,13 @@
                 </a14:m>
                 <a:r>
                   <a:rPr/>
-                  <a:t>: candidates who are white are more likely to receive callback</a:t>
+                  <a:t>: assumes there is an association between the callback rate and perceived race of the candidate</a:t>
                 </a:r>
               </a:p>
             </p:txBody>
           </p:sp>
         </mc:Choice>
       </mc:AlternateContent>
-    </p:spTree>
-  </p:cSld>
-</p:sld>
-</file>
-
-<file path=ppt/slides/slide9.xml><?xml version="1.0" encoding="utf-8"?>
-<p:sld xmlns:a="http://schemas.openxmlformats.org/drawingml/2006/main" xmlns:r="http://schemas.openxmlformats.org/officeDocument/2006/relationships" xmlns:p="http://schemas.openxmlformats.org/presentationml/2006/main">
-  <p:cSld>
-    <p:spTree>
-      <p:nvGrpSpPr>
-        <p:cNvPr id="1" name=""/>
-        <p:cNvGrpSpPr/>
-        <p:nvPr/>
-      </p:nvGrpSpPr>
-      <p:grpSpPr>
-        <a:xfrm>
-          <a:off x="0" y="0"/>
-          <a:ext cx="0" cy="0"/>
-          <a:chOff x="0" y="0"/>
-          <a:chExt cx="0" cy="0"/>
-        </a:xfrm>
-      </p:grpSpPr>
-      <p:sp>
-        <p:nvSpPr>
-          <p:cNvPr id="2" name="Title 1"/>
-          <p:cNvSpPr>
-            <a:spLocks noGrp="1"/>
-          </p:cNvSpPr>
-          <p:nvPr>
-            <p:ph type="title"/>
-          </p:nvPr>
-        </p:nvSpPr>
-        <p:spPr/>
-        <p:txBody>
-          <a:bodyPr/>
-          <a:lstStyle/>
-          <a:p>
-            <a:pPr lvl="0" indent="0" marL="0">
-              <a:buNone/>
-            </a:pPr>
-            <a:r>
-              <a:rPr/>
-              <a:t>Chi-square Testing framework</a:t>
-            </a:r>
-          </a:p>
-        </p:txBody>
-      </p:sp>
-      <p:sp>
-        <p:nvSpPr>
-          <p:cNvPr id="3" name="Content Placeholder 2"/>
-          <p:cNvSpPr>
-            <a:spLocks noGrp="1"/>
-          </p:cNvSpPr>
-          <p:nvPr>
-            <p:ph idx="1"/>
-          </p:nvPr>
-        </p:nvSpPr>
-        <p:spPr/>
-        <p:txBody>
-          <a:bodyPr/>
-          <a:lstStyle/>
-          <a:p>
-            <a:pPr lvl="0" indent="0" marL="0">
-              <a:buNone/>
-            </a:pPr>
-            <a:r>
-              <a:rPr/>
-              <a:t>Assumptions for using Chi-square:</a:t>
-            </a:r>
-          </a:p>
-          <a:p>
-            <a:pPr lvl="0" indent="-457200" marL="457200">
-              <a:buAutoNum type="arabicPeriod"/>
-            </a:pPr>
-            <a:r>
-              <a:rPr/>
-              <a:t>Both variables are categorical</a:t>
-            </a:r>
-          </a:p>
-          <a:p>
-            <a:pPr lvl="0" indent="-457200" marL="457200">
-              <a:buAutoNum type="arabicPeriod"/>
-            </a:pPr>
-            <a:r>
-              <a:rPr/>
-              <a:t>Observations are independent</a:t>
-            </a:r>
-          </a:p>
-          <a:p>
-            <a:pPr lvl="0" indent="-457200" marL="457200">
-              <a:buAutoNum type="arabicPeriod"/>
-            </a:pPr>
-            <a:r>
-              <a:rPr/>
-              <a:t>Individuals can only belong to one cell in the contingency table. That is, cells in the table are mutually exclusive – an individual cannot belong to more than one cell</a:t>
-            </a:r>
-          </a:p>
-          <a:p>
-            <a:pPr lvl="0" indent="-457200" marL="457200">
-              <a:buAutoNum type="arabicPeriod"/>
-            </a:pPr>
-            <a:r>
-              <a:rPr/>
-              <a:t>There must be at least 5 frequencies in each cell</a:t>
-            </a:r>
-          </a:p>
-          <a:p>
-            <a:pPr lvl="0" indent="0" marL="0">
-              <a:buNone/>
-            </a:pPr>
-            <a:r>
-              <a:rPr/>
-              <a:t>Our dataset satisfies all above assumptions.</a:t>
-            </a:r>
-          </a:p>
-        </p:txBody>
-      </p:sp>
     </p:spTree>
   </p:cSld>
 </p:sld>
